--- a/acm/讲课·dp/DP（二）.pptx
+++ b/acm/讲课·dp/DP（二）.pptx
@@ -5,31 +5,23 @@
     <p:sldMasterId id="2147483648" r:id="rId1"/>
   </p:sldMasterIdLst>
   <p:notesMasterIdLst>
-    <p:notesMasterId r:id="rId20"/>
+    <p:notesMasterId r:id="rId12"/>
   </p:notesMasterIdLst>
   <p:sldIdLst>
     <p:sldId id="256" r:id="rId3"/>
     <p:sldId id="368" r:id="rId4"/>
-    <p:sldId id="376" r:id="rId5"/>
-    <p:sldId id="369" r:id="rId6"/>
-    <p:sldId id="370" r:id="rId7"/>
-    <p:sldId id="371" r:id="rId8"/>
-    <p:sldId id="372" r:id="rId9"/>
-    <p:sldId id="374" r:id="rId10"/>
-    <p:sldId id="375" r:id="rId11"/>
-    <p:sldId id="378" r:id="rId12"/>
-    <p:sldId id="377" r:id="rId13"/>
-    <p:sldId id="386" r:id="rId14"/>
-    <p:sldId id="385" r:id="rId15"/>
-    <p:sldId id="388" r:id="rId16"/>
-    <p:sldId id="387" r:id="rId17"/>
-    <p:sldId id="390" r:id="rId18"/>
-    <p:sldId id="391" r:id="rId19"/>
+    <p:sldId id="392" r:id="rId5"/>
+    <p:sldId id="393" r:id="rId6"/>
+    <p:sldId id="394" r:id="rId7"/>
+    <p:sldId id="395" r:id="rId8"/>
+    <p:sldId id="396" r:id="rId9"/>
+    <p:sldId id="397" r:id="rId10"/>
+    <p:sldId id="398" r:id="rId11"/>
   </p:sldIdLst>
   <p:sldSz cx="5765800" cy="3244850"/>
   <p:notesSz cx="5765800" cy="3244850"/>
   <p:custDataLst>
-    <p:tags r:id="rId24"/>
+    <p:tags r:id="rId16"/>
   </p:custDataLst>
   <p:defaultTextStyle>
     <a:lvl1pPr marL="0" algn="l" defTabSz="914400" rtl="0" eaLnBrk="1" latinLnBrk="0" hangingPunct="1">
@@ -8197,17 +8189,7 @@
                 <a:latin typeface="Gill Sans MT" panose="020B0502020104020203"/>
                 <a:cs typeface="Gill Sans MT" panose="020B0502020104020203"/>
               </a:rPr>
-              <a:t>4</a:t>
-            </a:r>
-            <a:r>
-              <a:rPr lang="en-US" sz="600" b="1" spc="-5" dirty="0">
-                <a:solidFill>
-                  <a:srgbClr val="FFFFFF"/>
-                </a:solidFill>
-                <a:latin typeface="Gill Sans MT" panose="020B0502020104020203"/>
-                <a:cs typeface="Gill Sans MT" panose="020B0502020104020203"/>
-              </a:rPr>
-              <a:t> ZJNU ACM </a:t>
+              <a:t>4 ZJNU ACM </a:t>
             </a:r>
             <a:r>
               <a:rPr sz="600" b="1" spc="-5" dirty="0">
@@ -8218,7 +8200,29 @@
                 <a:cs typeface="Gill Sans MT" panose="020B0502020104020203"/>
                 <a:sym typeface="+mn-ea"/>
               </a:rPr>
-              <a:t>DP(一）</a:t>
+              <a:t>DP(</a:t>
+            </a:r>
+            <a:r>
+              <a:rPr lang="zh-CN" sz="600" b="1" spc="-5" dirty="0">
+                <a:solidFill>
+                  <a:srgbClr val="FFFFFF"/>
+                </a:solidFill>
+                <a:latin typeface="Gill Sans MT" panose="020B0502020104020203"/>
+                <a:cs typeface="Gill Sans MT" panose="020B0502020104020203"/>
+                <a:sym typeface="+mn-ea"/>
+              </a:rPr>
+              <a:t>二</a:t>
+            </a:r>
+            <a:r>
+              <a:rPr sz="600" b="1" spc="-5" dirty="0">
+                <a:solidFill>
+                  <a:srgbClr val="FFFFFF"/>
+                </a:solidFill>
+                <a:latin typeface="Gill Sans MT" panose="020B0502020104020203"/>
+                <a:cs typeface="Gill Sans MT" panose="020B0502020104020203"/>
+                <a:sym typeface="+mn-ea"/>
+              </a:rPr>
+              <a:t>）</a:t>
             </a:r>
             <a:endParaRPr lang="zh-CN" altLang="en-US" sz="600" spc="-50" dirty="0"/>
           </a:p>
@@ -8302,5763 +8306,6 @@
   <p:transition>
     <p:cut/>
   </p:transition>
-</p:sld>
-</file>
-
-<file path=ppt/slides/slide10.xml><?xml version="1.0" encoding="utf-8"?>
-<p:sld xmlns:a="http://schemas.openxmlformats.org/drawingml/2006/main" xmlns:r="http://schemas.openxmlformats.org/officeDocument/2006/relationships" xmlns:p="http://schemas.openxmlformats.org/presentationml/2006/main">
-  <p:cSld>
-    <p:spTree>
-      <p:nvGrpSpPr>
-        <p:cNvPr id="1" name=""/>
-        <p:cNvGrpSpPr/>
-        <p:nvPr/>
-      </p:nvGrpSpPr>
-      <p:grpSpPr>
-        <a:xfrm>
-          <a:off x="0" y="0"/>
-          <a:ext cx="0" cy="0"/>
-          <a:chOff x="0" y="0"/>
-          <a:chExt cx="0" cy="0"/>
-        </a:xfrm>
-      </p:grpSpPr>
-      <p:sp>
-        <p:nvSpPr>
-          <p:cNvPr id="2" name="object 2"/>
-          <p:cNvSpPr/>
-          <p:nvPr/>
-        </p:nvSpPr>
-        <p:spPr>
-          <a:xfrm>
-            <a:off x="0" y="20"/>
-            <a:ext cx="5759958" cy="322190"/>
-          </a:xfrm>
-          <a:prstGeom prst="rect">
-            <a:avLst/>
-          </a:prstGeom>
-          <a:blipFill>
-            <a:blip r:embed="rId1" cstate="print"/>
-            <a:stretch>
-              <a:fillRect/>
-            </a:stretch>
-          </a:blipFill>
-        </p:spPr>
-        <p:txBody>
-          <a:bodyPr wrap="square" lIns="0" tIns="0" rIns="0" bIns="0" rtlCol="0"/>
-          <a:lstStyle/>
-          <a:p/>
-        </p:txBody>
-      </p:sp>
-      <p:sp>
-        <p:nvSpPr>
-          <p:cNvPr id="5" name="object 5"/>
-          <p:cNvSpPr/>
-          <p:nvPr/>
-        </p:nvSpPr>
-        <p:spPr>
-          <a:xfrm>
-            <a:off x="0" y="3113900"/>
-            <a:ext cx="2880360" cy="126364"/>
-          </a:xfrm>
-          <a:custGeom>
-            <a:avLst/>
-            <a:gdLst/>
-            <a:ahLst/>
-            <a:cxnLst/>
-            <a:rect l="l" t="t" r="r" b="b"/>
-            <a:pathLst>
-              <a:path w="2880360" h="126364">
-                <a:moveTo>
-                  <a:pt x="0" y="126123"/>
-                </a:moveTo>
-                <a:lnTo>
-                  <a:pt x="2880004" y="126123"/>
-                </a:lnTo>
-                <a:lnTo>
-                  <a:pt x="2880004" y="0"/>
-                </a:lnTo>
-                <a:lnTo>
-                  <a:pt x="0" y="0"/>
-                </a:lnTo>
-                <a:lnTo>
-                  <a:pt x="0" y="126123"/>
-                </a:lnTo>
-                <a:close/>
-              </a:path>
-            </a:pathLst>
-          </a:custGeom>
-          <a:solidFill>
-            <a:srgbClr val="000000"/>
-          </a:solidFill>
-        </p:spPr>
-        <p:txBody>
-          <a:bodyPr wrap="square" lIns="0" tIns="0" rIns="0" bIns="0" rtlCol="0"/>
-          <a:lstStyle/>
-          <a:p/>
-        </p:txBody>
-      </p:sp>
-      <p:sp>
-        <p:nvSpPr>
-          <p:cNvPr id="6" name="object 6"/>
-          <p:cNvSpPr/>
-          <p:nvPr/>
-        </p:nvSpPr>
-        <p:spPr>
-          <a:xfrm>
-            <a:off x="2880004" y="3113900"/>
-            <a:ext cx="2880360" cy="126364"/>
-          </a:xfrm>
-          <a:custGeom>
-            <a:avLst/>
-            <a:gdLst/>
-            <a:ahLst/>
-            <a:cxnLst/>
-            <a:rect l="l" t="t" r="r" b="b"/>
-            <a:pathLst>
-              <a:path w="2880360" h="126364">
-                <a:moveTo>
-                  <a:pt x="0" y="126123"/>
-                </a:moveTo>
-                <a:lnTo>
-                  <a:pt x="2880004" y="126123"/>
-                </a:lnTo>
-                <a:lnTo>
-                  <a:pt x="2880004" y="0"/>
-                </a:lnTo>
-                <a:lnTo>
-                  <a:pt x="0" y="0"/>
-                </a:lnTo>
-                <a:lnTo>
-                  <a:pt x="0" y="126123"/>
-                </a:lnTo>
-                <a:close/>
-              </a:path>
-            </a:pathLst>
-          </a:custGeom>
-          <a:solidFill>
-            <a:srgbClr val="3333B2"/>
-          </a:solidFill>
-        </p:spPr>
-        <p:txBody>
-          <a:bodyPr wrap="square" lIns="0" tIns="0" rIns="0" bIns="0" rtlCol="0"/>
-          <a:lstStyle/>
-          <a:p/>
-        </p:txBody>
-      </p:sp>
-      <p:sp>
-        <p:nvSpPr>
-          <p:cNvPr id="8" name="object 8"/>
-          <p:cNvSpPr txBox="1">
-            <a:spLocks noGrp="1"/>
-          </p:cNvSpPr>
-          <p:nvPr>
-            <p:ph type="ftr" sz="quarter" idx="5"/>
-          </p:nvPr>
-        </p:nvSpPr>
-        <p:spPr>
-          <a:xfrm>
-            <a:off x="2093595" y="3101975"/>
-            <a:ext cx="700405" cy="114300"/>
-          </a:xfrm>
-          <a:prstGeom prst="rect">
-            <a:avLst/>
-          </a:prstGeom>
-        </p:spPr>
-        <p:txBody>
-          <a:bodyPr vert="horz" wrap="square" lIns="0" tIns="22225" rIns="0" bIns="0" rtlCol="0">
-            <a:spAutoFit/>
-          </a:bodyPr>
-          <a:lstStyle/>
-          <a:p>
-            <a:pPr marL="12700">
-              <a:lnSpc>
-                <a:spcPct val="100000"/>
-              </a:lnSpc>
-              <a:spcBef>
-                <a:spcPts val="175"/>
-              </a:spcBef>
-            </a:pPr>
-            <a:r>
-              <a:rPr lang="en-US" spc="45" dirty="0">
-                <a:latin typeface="Tahoma" panose="020B0604030504040204"/>
-                <a:cs typeface="Tahoma" panose="020B0604030504040204"/>
-                <a:sym typeface="+mn-ea"/>
-              </a:rPr>
-              <a:t>ZJNU ACM</a:t>
-            </a:r>
-            <a:r>
-              <a:rPr spc="35" dirty="0">
-                <a:latin typeface="宋体" panose="02010600030101010101" pitchFamily="2" charset="-122"/>
-                <a:cs typeface="宋体" panose="02010600030101010101" pitchFamily="2" charset="-122"/>
-                <a:sym typeface="+mn-ea"/>
-              </a:rPr>
-              <a:t>集训队</a:t>
-            </a:r>
-            <a:endParaRPr spc="-5" dirty="0">
-              <a:latin typeface="Microsoft JhengHei UI" panose="020B0604030504040204" charset="-120"/>
-              <a:cs typeface="Microsoft JhengHei UI" panose="020B0604030504040204" charset="-120"/>
-            </a:endParaRPr>
-          </a:p>
-        </p:txBody>
-      </p:sp>
-      <p:sp>
-        <p:nvSpPr>
-          <p:cNvPr id="9" name="object 6"/>
-          <p:cNvSpPr txBox="1"/>
-          <p:nvPr/>
-        </p:nvSpPr>
-        <p:spPr>
-          <a:xfrm>
-            <a:off x="2975305" y="2819117"/>
-            <a:ext cx="2785745" cy="398780"/>
-          </a:xfrm>
-          <a:prstGeom prst="rect">
-            <a:avLst/>
-          </a:prstGeom>
-        </p:spPr>
-        <p:txBody>
-          <a:bodyPr vert="horz" wrap="square" lIns="0" tIns="127000" rIns="0" bIns="0" rtlCol="0">
-            <a:spAutoFit/>
-          </a:bodyPr>
-          <a:p>
-            <a:pPr marL="917575">
-              <a:lnSpc>
-                <a:spcPts val="1420"/>
-              </a:lnSpc>
-              <a:spcBef>
-                <a:spcPts val="1000"/>
-              </a:spcBef>
-            </a:pPr>
-            <a:r>
-              <a:rPr sz="1200" b="1" spc="50" dirty="0">
-                <a:latin typeface="Gill Sans MT" panose="020B0502020104020203"/>
-                <a:cs typeface="Gill Sans MT" panose="020B0502020104020203"/>
-                <a:hlinkClick r:id="rId2" action="ppaction://hlinksldjump"/>
-              </a:rPr>
-              <a:t>. . </a:t>
-            </a:r>
-            <a:r>
-              <a:rPr sz="1200" b="1" spc="50" dirty="0">
-                <a:latin typeface="Gill Sans MT" panose="020B0502020104020203"/>
-                <a:cs typeface="Gill Sans MT" panose="020B0502020104020203"/>
-                <a:hlinkClick r:id="rId3" action="ppaction://hlinksldjump"/>
-              </a:rPr>
-              <a:t>. </a:t>
-            </a:r>
-            <a:r>
-              <a:rPr sz="1800" b="1" spc="225" baseline="32000" dirty="0">
-                <a:latin typeface="Gill Sans MT" panose="020B0502020104020203"/>
-                <a:cs typeface="Gill Sans MT" panose="020B0502020104020203"/>
-              </a:rPr>
-              <a:t>.</a:t>
-            </a:r>
-            <a:r>
-              <a:rPr sz="1200" b="1" spc="150" dirty="0">
-                <a:latin typeface="Gill Sans MT" panose="020B0502020104020203"/>
-                <a:cs typeface="Gill Sans MT" panose="020B0502020104020203"/>
-                <a:hlinkClick r:id="rId2" action="ppaction://hlinksldjump"/>
-              </a:rPr>
-              <a:t>.</a:t>
-            </a:r>
-            <a:r>
-              <a:rPr sz="1200" b="1" spc="150" dirty="0">
-                <a:latin typeface="Gill Sans MT" panose="020B0502020104020203"/>
-                <a:cs typeface="Gill Sans MT" panose="020B0502020104020203"/>
-                <a:hlinkClick r:id="rId2" action="ppaction://hlinksldjump"/>
-              </a:rPr>
-              <a:t>.</a:t>
-            </a:r>
-            <a:r>
-              <a:rPr sz="1200" b="1" spc="150" dirty="0">
-                <a:latin typeface="Gill Sans MT" panose="020B0502020104020203"/>
-                <a:cs typeface="Gill Sans MT" panose="020B0502020104020203"/>
-                <a:hlinkClick r:id="rId2" action="ppaction://hlinksldjump"/>
-              </a:rPr>
-              <a:t>.</a:t>
-            </a:r>
-            <a:r>
-              <a:rPr sz="1200" b="1" spc="150" dirty="0">
-                <a:latin typeface="Gill Sans MT" panose="020B0502020104020203"/>
-                <a:cs typeface="Gill Sans MT" panose="020B0502020104020203"/>
-                <a:hlinkClick r:id="rId3" action="ppaction://hlinksldjump"/>
-              </a:rPr>
-              <a:t>.</a:t>
-            </a:r>
-            <a:r>
-              <a:rPr sz="1800" b="1" spc="225" baseline="32000" dirty="0">
-                <a:latin typeface="Gill Sans MT" panose="020B0502020104020203"/>
-                <a:cs typeface="Gill Sans MT" panose="020B0502020104020203"/>
-              </a:rPr>
-              <a:t>.</a:t>
-            </a:r>
-            <a:r>
-              <a:rPr sz="1200" b="1" spc="150" dirty="0">
-                <a:latin typeface="Gill Sans MT" panose="020B0502020104020203"/>
-                <a:cs typeface="Gill Sans MT" panose="020B0502020104020203"/>
-                <a:hlinkClick r:id="rId2" action="ppaction://hlinksldjump"/>
-              </a:rPr>
-              <a:t>.</a:t>
-            </a:r>
-            <a:r>
-              <a:rPr sz="1200" b="1" spc="150" dirty="0">
-                <a:latin typeface="Gill Sans MT" panose="020B0502020104020203"/>
-                <a:cs typeface="Gill Sans MT" panose="020B0502020104020203"/>
-                <a:hlinkClick r:id="rId2" action="ppaction://hlinksldjump"/>
-              </a:rPr>
-              <a:t>.</a:t>
-            </a:r>
-            <a:r>
-              <a:rPr sz="1200" b="1" spc="150" dirty="0">
-                <a:latin typeface="Gill Sans MT" panose="020B0502020104020203"/>
-                <a:cs typeface="Gill Sans MT" panose="020B0502020104020203"/>
-                <a:hlinkClick r:id="rId2" action="ppaction://hlinksldjump"/>
-              </a:rPr>
-              <a:t>.</a:t>
-            </a:r>
-            <a:r>
-              <a:rPr sz="1200" b="1" spc="150" dirty="0">
-                <a:latin typeface="Gill Sans MT" panose="020B0502020104020203"/>
-                <a:cs typeface="Gill Sans MT" panose="020B0502020104020203"/>
-                <a:hlinkClick r:id="rId2" action="ppaction://hlinksldjump"/>
-              </a:rPr>
-              <a:t>.</a:t>
-            </a:r>
-            <a:r>
-              <a:rPr sz="1800" b="1" spc="225" baseline="32000" dirty="0">
-                <a:latin typeface="Gill Sans MT" panose="020B0502020104020203"/>
-                <a:cs typeface="Gill Sans MT" panose="020B0502020104020203"/>
-              </a:rPr>
-              <a:t>.</a:t>
-            </a:r>
-            <a:r>
-              <a:rPr sz="1200" b="1" spc="150" dirty="0">
-                <a:latin typeface="Gill Sans MT" panose="020B0502020104020203"/>
-                <a:cs typeface="Gill Sans MT" panose="020B0502020104020203"/>
-                <a:hlinkClick r:id="rId2" action="ppaction://hlinksldjump"/>
-              </a:rPr>
-              <a:t>.</a:t>
-            </a:r>
-            <a:r>
-              <a:rPr sz="1200" b="1" spc="150" dirty="0">
-                <a:latin typeface="Gill Sans MT" panose="020B0502020104020203"/>
-                <a:cs typeface="Gill Sans MT" panose="020B0502020104020203"/>
-                <a:hlinkClick r:id="rId2" action="ppaction://hlinksldjump"/>
-              </a:rPr>
-              <a:t>.</a:t>
-            </a:r>
-            <a:r>
-              <a:rPr sz="1200" b="1" spc="150" dirty="0">
-                <a:latin typeface="Gill Sans MT" panose="020B0502020104020203"/>
-                <a:cs typeface="Gill Sans MT" panose="020B0502020104020203"/>
-                <a:hlinkClick r:id="rId2" action="ppaction://hlinksldjump"/>
-              </a:rPr>
-              <a:t>.</a:t>
-            </a:r>
-            <a:r>
-              <a:rPr sz="1200" b="1" spc="150" dirty="0">
-                <a:latin typeface="Gill Sans MT" panose="020B0502020104020203"/>
-                <a:cs typeface="Gill Sans MT" panose="020B0502020104020203"/>
-                <a:hlinkClick r:id="rId2" action="ppaction://hlinksldjump"/>
-              </a:rPr>
-              <a:t>.</a:t>
-            </a:r>
-            <a:r>
-              <a:rPr sz="1800" b="1" spc="225" baseline="32000" dirty="0">
-                <a:latin typeface="Gill Sans MT" panose="020B0502020104020203"/>
-                <a:cs typeface="Gill Sans MT" panose="020B0502020104020203"/>
-              </a:rPr>
-              <a:t>.</a:t>
-            </a:r>
-            <a:r>
-              <a:rPr sz="1200" b="1" spc="150" dirty="0">
-                <a:latin typeface="Gill Sans MT" panose="020B0502020104020203"/>
-                <a:cs typeface="Gill Sans MT" panose="020B0502020104020203"/>
-                <a:hlinkClick r:id="rId2" action="ppaction://hlinksldjump"/>
-              </a:rPr>
-              <a:t>.</a:t>
-            </a:r>
-            <a:r>
-              <a:rPr sz="1200" b="1" spc="150" dirty="0">
-                <a:latin typeface="Gill Sans MT" panose="020B0502020104020203"/>
-                <a:cs typeface="Gill Sans MT" panose="020B0502020104020203"/>
-              </a:rPr>
-              <a:t> </a:t>
-            </a:r>
-            <a:r>
-              <a:rPr sz="1200" b="1" strike="sngStrike" spc="50" dirty="0">
-                <a:latin typeface="Gill Sans MT" panose="020B0502020104020203"/>
-                <a:cs typeface="Gill Sans MT" panose="020B0502020104020203"/>
-              </a:rPr>
-              <a:t>.</a:t>
-            </a:r>
-            <a:r>
-              <a:rPr sz="1200" b="1" strike="noStrike" spc="50" dirty="0">
-                <a:latin typeface="Gill Sans MT" panose="020B0502020104020203"/>
-                <a:cs typeface="Gill Sans MT" panose="020B0502020104020203"/>
-              </a:rPr>
-              <a:t> </a:t>
-            </a:r>
-            <a:r>
-              <a:rPr sz="1800" b="1" strike="noStrike" spc="135" baseline="32000" dirty="0">
-                <a:latin typeface="Gill Sans MT" panose="020B0502020104020203"/>
-                <a:cs typeface="Gill Sans MT" panose="020B0502020104020203"/>
-              </a:rPr>
-              <a:t>.</a:t>
-            </a:r>
-            <a:r>
-              <a:rPr sz="1200" b="1" strike="noStrike" spc="90" dirty="0">
-                <a:latin typeface="Gill Sans MT" panose="020B0502020104020203"/>
-                <a:cs typeface="Gill Sans MT" panose="020B0502020104020203"/>
-              </a:rPr>
-              <a:t>. </a:t>
-            </a:r>
-            <a:r>
-              <a:rPr sz="1200" b="1" strike="noStrike" spc="50" dirty="0">
-                <a:latin typeface="Gill Sans MT" panose="020B0502020104020203"/>
-                <a:cs typeface="Gill Sans MT" panose="020B0502020104020203"/>
-              </a:rPr>
-              <a:t>.</a:t>
-            </a:r>
-            <a:r>
-              <a:rPr sz="1200" b="1" strike="noStrike" spc="-254" dirty="0">
-                <a:latin typeface="Gill Sans MT" panose="020B0502020104020203"/>
-                <a:cs typeface="Gill Sans MT" panose="020B0502020104020203"/>
-              </a:rPr>
-              <a:t> </a:t>
-            </a:r>
-            <a:r>
-              <a:rPr sz="1200" b="1" strike="noStrike" spc="50" dirty="0">
-                <a:latin typeface="Gill Sans MT" panose="020B0502020104020203"/>
-                <a:cs typeface="Gill Sans MT" panose="020B0502020104020203"/>
-              </a:rPr>
-              <a:t>. </a:t>
-            </a:r>
-            <a:r>
-              <a:rPr sz="1800" b="1" strike="noStrike" spc="75" baseline="32000" dirty="0">
-                <a:latin typeface="Gill Sans MT" panose="020B0502020104020203"/>
-                <a:cs typeface="Gill Sans MT" panose="020B0502020104020203"/>
-              </a:rPr>
-              <a:t>.</a:t>
-            </a:r>
-            <a:endParaRPr sz="1800" baseline="32000">
-              <a:latin typeface="Gill Sans MT" panose="020B0502020104020203"/>
-              <a:cs typeface="Gill Sans MT" panose="020B0502020104020203"/>
-            </a:endParaRPr>
-          </a:p>
-          <a:p>
-            <a:pPr marL="12700">
-              <a:lnSpc>
-                <a:spcPts val="700"/>
-              </a:lnSpc>
-            </a:pPr>
-            <a:r>
-              <a:rPr sz="600" b="1" spc="-5" dirty="0">
-                <a:solidFill>
-                  <a:srgbClr val="FFFFFF"/>
-                </a:solidFill>
-                <a:latin typeface="Gill Sans MT" panose="020B0502020104020203"/>
-                <a:cs typeface="Gill Sans MT" panose="020B0502020104020203"/>
-                <a:sym typeface="+mn-ea"/>
-              </a:rPr>
-              <a:t>202</a:t>
-            </a:r>
-            <a:r>
-              <a:rPr lang="en-US" sz="600" b="1" spc="-5" dirty="0">
-                <a:solidFill>
-                  <a:srgbClr val="FFFFFF"/>
-                </a:solidFill>
-                <a:latin typeface="Gill Sans MT" panose="020B0502020104020203"/>
-                <a:cs typeface="Gill Sans MT" panose="020B0502020104020203"/>
-                <a:sym typeface="+mn-ea"/>
-              </a:rPr>
-              <a:t>4</a:t>
-            </a:r>
-            <a:r>
-              <a:rPr lang="en-US" sz="600" b="1" spc="-5" dirty="0">
-                <a:solidFill>
-                  <a:srgbClr val="FFFFFF"/>
-                </a:solidFill>
-                <a:latin typeface="Gill Sans MT" panose="020B0502020104020203"/>
-                <a:cs typeface="Gill Sans MT" panose="020B0502020104020203"/>
-                <a:sym typeface="+mn-ea"/>
-              </a:rPr>
-              <a:t> ZJNU ACM </a:t>
-            </a:r>
-            <a:r>
-              <a:rPr sz="600" b="1" spc="-5" dirty="0">
-                <a:solidFill>
-                  <a:srgbClr val="FFFFFF"/>
-                </a:solidFill>
-                <a:latin typeface="Gill Sans MT" panose="020B0502020104020203"/>
-                <a:cs typeface="Gill Sans MT" panose="020B0502020104020203"/>
-                <a:sym typeface="+mn-ea"/>
-              </a:rPr>
-              <a:t>DP</a:t>
-            </a:r>
-            <a:r>
-              <a:rPr lang="zh-CN" sz="600" b="1" spc="-5" dirty="0">
-                <a:solidFill>
-                  <a:srgbClr val="FFFFFF"/>
-                </a:solidFill>
-                <a:latin typeface="Gill Sans MT" panose="020B0502020104020203"/>
-                <a:cs typeface="Gill Sans MT" panose="020B0502020104020203"/>
-                <a:sym typeface="+mn-ea"/>
-              </a:rPr>
-              <a:t>（</a:t>
-            </a:r>
-            <a:r>
-              <a:rPr sz="600" b="1" spc="-5" dirty="0">
-                <a:solidFill>
-                  <a:srgbClr val="FFFFFF"/>
-                </a:solidFill>
-                <a:latin typeface="Gill Sans MT" panose="020B0502020104020203"/>
-                <a:cs typeface="Gill Sans MT" panose="020B0502020104020203"/>
-                <a:sym typeface="+mn-ea"/>
-              </a:rPr>
-              <a:t>一）</a:t>
-            </a:r>
-            <a:endParaRPr lang="en-US" sz="600" b="1" spc="-5" dirty="0">
-              <a:solidFill>
-                <a:srgbClr val="FFFFFF"/>
-              </a:solidFill>
-              <a:latin typeface="Gill Sans MT" panose="020B0502020104020203"/>
-              <a:cs typeface="Gill Sans MT" panose="020B0502020104020203"/>
-            </a:endParaRPr>
-          </a:p>
-        </p:txBody>
-      </p:sp>
-      <p:sp>
-        <p:nvSpPr>
-          <p:cNvPr id="11" name="文本框 10"/>
-          <p:cNvSpPr txBox="1"/>
-          <p:nvPr/>
-        </p:nvSpPr>
-        <p:spPr>
-          <a:xfrm>
-            <a:off x="215900" y="31750"/>
-            <a:ext cx="3876040" cy="290195"/>
-          </a:xfrm>
-          <a:prstGeom prst="rect">
-            <a:avLst/>
-          </a:prstGeom>
-          <a:noFill/>
-        </p:spPr>
-        <p:txBody>
-          <a:bodyPr wrap="square" rtlCol="0">
-            <a:noAutofit/>
-          </a:bodyPr>
-          <a:p>
-            <a:r>
-              <a:rPr lang="zh-CN" altLang="en-US">
-                <a:solidFill>
-                  <a:schemeClr val="bg1"/>
-                </a:solidFill>
-              </a:rPr>
-              <a:t>状压</a:t>
-            </a:r>
-            <a:r>
-              <a:rPr lang="en-US" altLang="zh-CN">
-                <a:solidFill>
-                  <a:schemeClr val="bg1"/>
-                </a:solidFill>
-              </a:rPr>
-              <a:t>DP</a:t>
-            </a:r>
-            <a:endParaRPr lang="zh-CN" altLang="en-US">
-              <a:solidFill>
-                <a:schemeClr val="bg1"/>
-              </a:solidFill>
-            </a:endParaRPr>
-          </a:p>
-        </p:txBody>
-      </p:sp>
-      <p:sp>
-        <p:nvSpPr>
-          <p:cNvPr id="3" name="文本框 2"/>
-          <p:cNvSpPr txBox="1"/>
-          <p:nvPr/>
-        </p:nvSpPr>
-        <p:spPr>
-          <a:xfrm>
-            <a:off x="520700" y="936625"/>
-            <a:ext cx="4437380" cy="1832610"/>
-          </a:xfrm>
-          <a:prstGeom prst="rect">
-            <a:avLst/>
-          </a:prstGeom>
-          <a:noFill/>
-        </p:spPr>
-        <p:txBody>
-          <a:bodyPr wrap="square" rtlCol="0">
-            <a:noAutofit/>
-          </a:bodyPr>
-          <a:p>
-            <a:r>
-              <a:rPr lang="zh-CN" altLang="en-US" sz="1000"/>
-              <a:t>例如，我们可以用二进制数</a:t>
-            </a:r>
-            <a:r>
-              <a:rPr lang="en-US" altLang="zh-CN" sz="1000"/>
-              <a:t> 1011</a:t>
-            </a:r>
-            <a:r>
-              <a:rPr lang="zh-CN" altLang="en-US" sz="1000"/>
-              <a:t>，来表示第一个第三个和第四个元素被选择的状态。</a:t>
-            </a:r>
-            <a:endParaRPr lang="zh-CN" altLang="en-US" sz="1000"/>
-          </a:p>
-          <a:p>
-            <a:r>
-              <a:rPr lang="zh-CN" altLang="en-US" sz="1000"/>
-              <a:t>对于这些二进制数，我们可以用一些位运算来对其进行操作。</a:t>
-            </a:r>
-            <a:endParaRPr lang="zh-CN" altLang="en-US" sz="1000"/>
-          </a:p>
-          <a:p>
-            <a:r>
-              <a:rPr lang="zh-CN" altLang="en-US" sz="1000"/>
-              <a:t>以下操作可以提供</a:t>
-            </a:r>
-            <a:r>
-              <a:rPr lang="zh-CN" altLang="en-US" sz="1000"/>
-              <a:t>参考</a:t>
-            </a:r>
-            <a:endParaRPr lang="zh-CN" altLang="en-US" sz="1000"/>
-          </a:p>
-          <a:p>
-            <a:r>
-              <a:rPr lang="zh-CN" altLang="en-US" sz="1000"/>
-              <a:t>判断第</a:t>
-            </a:r>
-            <a:r>
-              <a:rPr lang="en-US" altLang="zh-CN" sz="1000"/>
-              <a:t>i</a:t>
-            </a:r>
-            <a:r>
-              <a:rPr lang="zh-CN" altLang="en-US" sz="1000"/>
-              <a:t>个元素是否为</a:t>
-            </a:r>
-            <a:r>
-              <a:rPr lang="en-US" altLang="zh-CN" sz="1000"/>
-              <a:t>1</a:t>
-            </a:r>
-            <a:r>
-              <a:rPr lang="zh-CN" altLang="en-US" sz="1000"/>
-              <a:t>，</a:t>
-            </a:r>
-            <a:r>
-              <a:rPr lang="en-US" altLang="zh-CN" sz="1000"/>
-              <a:t> (sta&gt;&gt;i)&amp;1</a:t>
-            </a:r>
-            <a:endParaRPr lang="en-US" altLang="zh-CN" sz="1000"/>
-          </a:p>
-          <a:p>
-            <a:r>
-              <a:rPr lang="zh-CN" altLang="en-US" sz="1000"/>
-              <a:t>交集，</a:t>
-            </a:r>
-            <a:r>
-              <a:rPr lang="en-US" altLang="zh-CN" sz="1000"/>
-              <a:t> A &amp; B</a:t>
-            </a:r>
-            <a:endParaRPr lang="en-US" altLang="zh-CN" sz="1000"/>
-          </a:p>
-          <a:p>
-            <a:r>
-              <a:rPr lang="zh-CN" altLang="en-US" sz="1000"/>
-              <a:t>并集，</a:t>
-            </a:r>
-            <a:r>
-              <a:rPr lang="en-US" altLang="zh-CN" sz="1000"/>
-              <a:t> </a:t>
-            </a:r>
-            <a:r>
-              <a:rPr lang="en-US" altLang="zh-CN" sz="1000"/>
-              <a:t>A | B</a:t>
-            </a:r>
-            <a:endParaRPr lang="en-US" altLang="zh-CN" sz="1000"/>
-          </a:p>
-          <a:p>
-            <a:r>
-              <a:rPr lang="zh-CN" altLang="en-US" sz="1000"/>
-              <a:t>枚举子集，</a:t>
-            </a:r>
-            <a:r>
-              <a:rPr lang="en-US" altLang="zh-CN" sz="1000"/>
-              <a:t> for(int i = s; i; i = (i - 1) &amp; s)</a:t>
-            </a:r>
-            <a:endParaRPr lang="en-US" altLang="zh-CN" sz="1000"/>
-          </a:p>
-          <a:p>
-            <a:r>
-              <a:rPr lang="zh-CN" altLang="en-US" sz="1000"/>
-              <a:t>枚举超集，</a:t>
-            </a:r>
-            <a:r>
-              <a:rPr lang="en-US" altLang="zh-CN" sz="1000"/>
-              <a:t> for(int i = x; i &lt; (1 &lt;&lt; n); i = (i + 1) | x)</a:t>
-            </a:r>
-            <a:endParaRPr lang="en-US" altLang="zh-CN" sz="1000"/>
-          </a:p>
-        </p:txBody>
-      </p:sp>
-    </p:spTree>
-  </p:cSld>
-  <p:clrMapOvr>
-    <a:masterClrMapping/>
-  </p:clrMapOvr>
-  <p:transition>
-    <p:cut/>
-  </p:transition>
-  <p:timing>
-    <p:tnLst>
-      <p:par>
-        <p:cTn id="1" dur="indefinite" restart="never" nodeType="tmRoot"/>
-      </p:par>
-    </p:tnLst>
-  </p:timing>
-</p:sld>
-</file>
-
-<file path=ppt/slides/slide11.xml><?xml version="1.0" encoding="utf-8"?>
-<p:sld xmlns:a="http://schemas.openxmlformats.org/drawingml/2006/main" xmlns:r="http://schemas.openxmlformats.org/officeDocument/2006/relationships" xmlns:p="http://schemas.openxmlformats.org/presentationml/2006/main">
-  <p:cSld>
-    <p:spTree>
-      <p:nvGrpSpPr>
-        <p:cNvPr id="1" name=""/>
-        <p:cNvGrpSpPr/>
-        <p:nvPr/>
-      </p:nvGrpSpPr>
-      <p:grpSpPr>
-        <a:xfrm>
-          <a:off x="0" y="0"/>
-          <a:ext cx="0" cy="0"/>
-          <a:chOff x="0" y="0"/>
-          <a:chExt cx="0" cy="0"/>
-        </a:xfrm>
-      </p:grpSpPr>
-      <p:sp>
-        <p:nvSpPr>
-          <p:cNvPr id="2" name="object 2"/>
-          <p:cNvSpPr/>
-          <p:nvPr/>
-        </p:nvSpPr>
-        <p:spPr>
-          <a:xfrm>
-            <a:off x="0" y="20"/>
-            <a:ext cx="5759958" cy="322190"/>
-          </a:xfrm>
-          <a:prstGeom prst="rect">
-            <a:avLst/>
-          </a:prstGeom>
-          <a:blipFill>
-            <a:blip r:embed="rId1" cstate="print"/>
-            <a:stretch>
-              <a:fillRect/>
-            </a:stretch>
-          </a:blipFill>
-        </p:spPr>
-        <p:txBody>
-          <a:bodyPr wrap="square" lIns="0" tIns="0" rIns="0" bIns="0" rtlCol="0"/>
-          <a:lstStyle/>
-          <a:p/>
-        </p:txBody>
-      </p:sp>
-      <p:sp>
-        <p:nvSpPr>
-          <p:cNvPr id="5" name="object 5"/>
-          <p:cNvSpPr/>
-          <p:nvPr/>
-        </p:nvSpPr>
-        <p:spPr>
-          <a:xfrm>
-            <a:off x="0" y="3113900"/>
-            <a:ext cx="2880360" cy="126364"/>
-          </a:xfrm>
-          <a:custGeom>
-            <a:avLst/>
-            <a:gdLst/>
-            <a:ahLst/>
-            <a:cxnLst/>
-            <a:rect l="l" t="t" r="r" b="b"/>
-            <a:pathLst>
-              <a:path w="2880360" h="126364">
-                <a:moveTo>
-                  <a:pt x="0" y="126123"/>
-                </a:moveTo>
-                <a:lnTo>
-                  <a:pt x="2880004" y="126123"/>
-                </a:lnTo>
-                <a:lnTo>
-                  <a:pt x="2880004" y="0"/>
-                </a:lnTo>
-                <a:lnTo>
-                  <a:pt x="0" y="0"/>
-                </a:lnTo>
-                <a:lnTo>
-                  <a:pt x="0" y="126123"/>
-                </a:lnTo>
-                <a:close/>
-              </a:path>
-            </a:pathLst>
-          </a:custGeom>
-          <a:solidFill>
-            <a:srgbClr val="000000"/>
-          </a:solidFill>
-        </p:spPr>
-        <p:txBody>
-          <a:bodyPr wrap="square" lIns="0" tIns="0" rIns="0" bIns="0" rtlCol="0"/>
-          <a:lstStyle/>
-          <a:p/>
-        </p:txBody>
-      </p:sp>
-      <p:sp>
-        <p:nvSpPr>
-          <p:cNvPr id="6" name="object 6"/>
-          <p:cNvSpPr/>
-          <p:nvPr/>
-        </p:nvSpPr>
-        <p:spPr>
-          <a:xfrm>
-            <a:off x="2880004" y="3113900"/>
-            <a:ext cx="2880360" cy="126364"/>
-          </a:xfrm>
-          <a:custGeom>
-            <a:avLst/>
-            <a:gdLst/>
-            <a:ahLst/>
-            <a:cxnLst/>
-            <a:rect l="l" t="t" r="r" b="b"/>
-            <a:pathLst>
-              <a:path w="2880360" h="126364">
-                <a:moveTo>
-                  <a:pt x="0" y="126123"/>
-                </a:moveTo>
-                <a:lnTo>
-                  <a:pt x="2880004" y="126123"/>
-                </a:lnTo>
-                <a:lnTo>
-                  <a:pt x="2880004" y="0"/>
-                </a:lnTo>
-                <a:lnTo>
-                  <a:pt x="0" y="0"/>
-                </a:lnTo>
-                <a:lnTo>
-                  <a:pt x="0" y="126123"/>
-                </a:lnTo>
-                <a:close/>
-              </a:path>
-            </a:pathLst>
-          </a:custGeom>
-          <a:solidFill>
-            <a:srgbClr val="3333B2"/>
-          </a:solidFill>
-        </p:spPr>
-        <p:txBody>
-          <a:bodyPr wrap="square" lIns="0" tIns="0" rIns="0" bIns="0" rtlCol="0"/>
-          <a:lstStyle/>
-          <a:p/>
-        </p:txBody>
-      </p:sp>
-      <p:sp>
-        <p:nvSpPr>
-          <p:cNvPr id="8" name="object 8"/>
-          <p:cNvSpPr txBox="1">
-            <a:spLocks noGrp="1"/>
-          </p:cNvSpPr>
-          <p:nvPr>
-            <p:ph type="ftr" sz="quarter" idx="5"/>
-          </p:nvPr>
-        </p:nvSpPr>
-        <p:spPr>
-          <a:xfrm>
-            <a:off x="2093595" y="3101975"/>
-            <a:ext cx="700405" cy="114300"/>
-          </a:xfrm>
-          <a:prstGeom prst="rect">
-            <a:avLst/>
-          </a:prstGeom>
-        </p:spPr>
-        <p:txBody>
-          <a:bodyPr vert="horz" wrap="square" lIns="0" tIns="22225" rIns="0" bIns="0" rtlCol="0">
-            <a:spAutoFit/>
-          </a:bodyPr>
-          <a:lstStyle/>
-          <a:p>
-            <a:pPr marL="12700">
-              <a:lnSpc>
-                <a:spcPct val="100000"/>
-              </a:lnSpc>
-              <a:spcBef>
-                <a:spcPts val="175"/>
-              </a:spcBef>
-            </a:pPr>
-            <a:r>
-              <a:rPr lang="en-US" spc="45" dirty="0">
-                <a:latin typeface="Tahoma" panose="020B0604030504040204"/>
-                <a:cs typeface="Tahoma" panose="020B0604030504040204"/>
-                <a:sym typeface="+mn-ea"/>
-              </a:rPr>
-              <a:t>ZJNU ACM</a:t>
-            </a:r>
-            <a:r>
-              <a:rPr spc="35" dirty="0">
-                <a:latin typeface="宋体" panose="02010600030101010101" pitchFamily="2" charset="-122"/>
-                <a:cs typeface="宋体" panose="02010600030101010101" pitchFamily="2" charset="-122"/>
-                <a:sym typeface="+mn-ea"/>
-              </a:rPr>
-              <a:t>集训队</a:t>
-            </a:r>
-            <a:endParaRPr spc="-5" dirty="0">
-              <a:latin typeface="Microsoft JhengHei UI" panose="020B0604030504040204" charset="-120"/>
-              <a:cs typeface="Microsoft JhengHei UI" panose="020B0604030504040204" charset="-120"/>
-            </a:endParaRPr>
-          </a:p>
-        </p:txBody>
-      </p:sp>
-      <p:sp>
-        <p:nvSpPr>
-          <p:cNvPr id="9" name="object 6"/>
-          <p:cNvSpPr txBox="1"/>
-          <p:nvPr/>
-        </p:nvSpPr>
-        <p:spPr>
-          <a:xfrm>
-            <a:off x="2975305" y="2819117"/>
-            <a:ext cx="2785745" cy="398780"/>
-          </a:xfrm>
-          <a:prstGeom prst="rect">
-            <a:avLst/>
-          </a:prstGeom>
-        </p:spPr>
-        <p:txBody>
-          <a:bodyPr vert="horz" wrap="square" lIns="0" tIns="127000" rIns="0" bIns="0" rtlCol="0">
-            <a:spAutoFit/>
-          </a:bodyPr>
-          <a:p>
-            <a:pPr marL="917575">
-              <a:lnSpc>
-                <a:spcPts val="1420"/>
-              </a:lnSpc>
-              <a:spcBef>
-                <a:spcPts val="1000"/>
-              </a:spcBef>
-            </a:pPr>
-            <a:r>
-              <a:rPr sz="1200" b="1" spc="50" dirty="0">
-                <a:latin typeface="Gill Sans MT" panose="020B0502020104020203"/>
-                <a:cs typeface="Gill Sans MT" panose="020B0502020104020203"/>
-                <a:hlinkClick r:id="rId2" action="ppaction://hlinksldjump"/>
-              </a:rPr>
-              <a:t>. . </a:t>
-            </a:r>
-            <a:r>
-              <a:rPr sz="1200" b="1" spc="50" dirty="0">
-                <a:latin typeface="Gill Sans MT" panose="020B0502020104020203"/>
-                <a:cs typeface="Gill Sans MT" panose="020B0502020104020203"/>
-                <a:hlinkClick r:id="rId3" action="ppaction://hlinksldjump"/>
-              </a:rPr>
-              <a:t>. </a:t>
-            </a:r>
-            <a:r>
-              <a:rPr sz="1800" b="1" spc="225" baseline="32000" dirty="0">
-                <a:latin typeface="Gill Sans MT" panose="020B0502020104020203"/>
-                <a:cs typeface="Gill Sans MT" panose="020B0502020104020203"/>
-              </a:rPr>
-              <a:t>.</a:t>
-            </a:r>
-            <a:r>
-              <a:rPr sz="1200" b="1" spc="150" dirty="0">
-                <a:latin typeface="Gill Sans MT" panose="020B0502020104020203"/>
-                <a:cs typeface="Gill Sans MT" panose="020B0502020104020203"/>
-                <a:hlinkClick r:id="rId2" action="ppaction://hlinksldjump"/>
-              </a:rPr>
-              <a:t>.</a:t>
-            </a:r>
-            <a:r>
-              <a:rPr sz="1200" b="1" spc="150" dirty="0">
-                <a:latin typeface="Gill Sans MT" panose="020B0502020104020203"/>
-                <a:cs typeface="Gill Sans MT" panose="020B0502020104020203"/>
-                <a:hlinkClick r:id="rId2" action="ppaction://hlinksldjump"/>
-              </a:rPr>
-              <a:t>.</a:t>
-            </a:r>
-            <a:r>
-              <a:rPr sz="1200" b="1" spc="150" dirty="0">
-                <a:latin typeface="Gill Sans MT" panose="020B0502020104020203"/>
-                <a:cs typeface="Gill Sans MT" panose="020B0502020104020203"/>
-                <a:hlinkClick r:id="rId2" action="ppaction://hlinksldjump"/>
-              </a:rPr>
-              <a:t>.</a:t>
-            </a:r>
-            <a:r>
-              <a:rPr sz="1200" b="1" spc="150" dirty="0">
-                <a:latin typeface="Gill Sans MT" panose="020B0502020104020203"/>
-                <a:cs typeface="Gill Sans MT" panose="020B0502020104020203"/>
-                <a:hlinkClick r:id="rId3" action="ppaction://hlinksldjump"/>
-              </a:rPr>
-              <a:t>.</a:t>
-            </a:r>
-            <a:r>
-              <a:rPr sz="1800" b="1" spc="225" baseline="32000" dirty="0">
-                <a:latin typeface="Gill Sans MT" panose="020B0502020104020203"/>
-                <a:cs typeface="Gill Sans MT" panose="020B0502020104020203"/>
-              </a:rPr>
-              <a:t>.</a:t>
-            </a:r>
-            <a:r>
-              <a:rPr sz="1200" b="1" spc="150" dirty="0">
-                <a:latin typeface="Gill Sans MT" panose="020B0502020104020203"/>
-                <a:cs typeface="Gill Sans MT" panose="020B0502020104020203"/>
-                <a:hlinkClick r:id="rId2" action="ppaction://hlinksldjump"/>
-              </a:rPr>
-              <a:t>.</a:t>
-            </a:r>
-            <a:r>
-              <a:rPr sz="1200" b="1" spc="150" dirty="0">
-                <a:latin typeface="Gill Sans MT" panose="020B0502020104020203"/>
-                <a:cs typeface="Gill Sans MT" panose="020B0502020104020203"/>
-                <a:hlinkClick r:id="rId2" action="ppaction://hlinksldjump"/>
-              </a:rPr>
-              <a:t>.</a:t>
-            </a:r>
-            <a:r>
-              <a:rPr sz="1200" b="1" spc="150" dirty="0">
-                <a:latin typeface="Gill Sans MT" panose="020B0502020104020203"/>
-                <a:cs typeface="Gill Sans MT" panose="020B0502020104020203"/>
-                <a:hlinkClick r:id="rId2" action="ppaction://hlinksldjump"/>
-              </a:rPr>
-              <a:t>.</a:t>
-            </a:r>
-            <a:r>
-              <a:rPr sz="1200" b="1" spc="150" dirty="0">
-                <a:latin typeface="Gill Sans MT" panose="020B0502020104020203"/>
-                <a:cs typeface="Gill Sans MT" panose="020B0502020104020203"/>
-                <a:hlinkClick r:id="rId2" action="ppaction://hlinksldjump"/>
-              </a:rPr>
-              <a:t>.</a:t>
-            </a:r>
-            <a:r>
-              <a:rPr sz="1800" b="1" spc="225" baseline="32000" dirty="0">
-                <a:latin typeface="Gill Sans MT" panose="020B0502020104020203"/>
-                <a:cs typeface="Gill Sans MT" panose="020B0502020104020203"/>
-              </a:rPr>
-              <a:t>.</a:t>
-            </a:r>
-            <a:r>
-              <a:rPr sz="1200" b="1" spc="150" dirty="0">
-                <a:latin typeface="Gill Sans MT" panose="020B0502020104020203"/>
-                <a:cs typeface="Gill Sans MT" panose="020B0502020104020203"/>
-                <a:hlinkClick r:id="rId2" action="ppaction://hlinksldjump"/>
-              </a:rPr>
-              <a:t>.</a:t>
-            </a:r>
-            <a:r>
-              <a:rPr sz="1200" b="1" spc="150" dirty="0">
-                <a:latin typeface="Gill Sans MT" panose="020B0502020104020203"/>
-                <a:cs typeface="Gill Sans MT" panose="020B0502020104020203"/>
-                <a:hlinkClick r:id="rId2" action="ppaction://hlinksldjump"/>
-              </a:rPr>
-              <a:t>.</a:t>
-            </a:r>
-            <a:r>
-              <a:rPr sz="1200" b="1" spc="150" dirty="0">
-                <a:latin typeface="Gill Sans MT" panose="020B0502020104020203"/>
-                <a:cs typeface="Gill Sans MT" panose="020B0502020104020203"/>
-                <a:hlinkClick r:id="rId2" action="ppaction://hlinksldjump"/>
-              </a:rPr>
-              <a:t>.</a:t>
-            </a:r>
-            <a:r>
-              <a:rPr sz="1200" b="1" spc="150" dirty="0">
-                <a:latin typeface="Gill Sans MT" panose="020B0502020104020203"/>
-                <a:cs typeface="Gill Sans MT" panose="020B0502020104020203"/>
-                <a:hlinkClick r:id="rId2" action="ppaction://hlinksldjump"/>
-              </a:rPr>
-              <a:t>.</a:t>
-            </a:r>
-            <a:r>
-              <a:rPr sz="1800" b="1" spc="225" baseline="32000" dirty="0">
-                <a:latin typeface="Gill Sans MT" panose="020B0502020104020203"/>
-                <a:cs typeface="Gill Sans MT" panose="020B0502020104020203"/>
-              </a:rPr>
-              <a:t>.</a:t>
-            </a:r>
-            <a:r>
-              <a:rPr sz="1200" b="1" spc="150" dirty="0">
-                <a:latin typeface="Gill Sans MT" panose="020B0502020104020203"/>
-                <a:cs typeface="Gill Sans MT" panose="020B0502020104020203"/>
-                <a:hlinkClick r:id="rId2" action="ppaction://hlinksldjump"/>
-              </a:rPr>
-              <a:t>.</a:t>
-            </a:r>
-            <a:r>
-              <a:rPr sz="1200" b="1" spc="150" dirty="0">
-                <a:latin typeface="Gill Sans MT" panose="020B0502020104020203"/>
-                <a:cs typeface="Gill Sans MT" panose="020B0502020104020203"/>
-              </a:rPr>
-              <a:t> </a:t>
-            </a:r>
-            <a:r>
-              <a:rPr sz="1200" b="1" strike="sngStrike" spc="50" dirty="0">
-                <a:latin typeface="Gill Sans MT" panose="020B0502020104020203"/>
-                <a:cs typeface="Gill Sans MT" panose="020B0502020104020203"/>
-              </a:rPr>
-              <a:t>.</a:t>
-            </a:r>
-            <a:r>
-              <a:rPr sz="1200" b="1" strike="noStrike" spc="50" dirty="0">
-                <a:latin typeface="Gill Sans MT" panose="020B0502020104020203"/>
-                <a:cs typeface="Gill Sans MT" panose="020B0502020104020203"/>
-              </a:rPr>
-              <a:t> </a:t>
-            </a:r>
-            <a:r>
-              <a:rPr sz="1800" b="1" strike="noStrike" spc="135" baseline="32000" dirty="0">
-                <a:latin typeface="Gill Sans MT" panose="020B0502020104020203"/>
-                <a:cs typeface="Gill Sans MT" panose="020B0502020104020203"/>
-              </a:rPr>
-              <a:t>.</a:t>
-            </a:r>
-            <a:r>
-              <a:rPr sz="1200" b="1" strike="noStrike" spc="90" dirty="0">
-                <a:latin typeface="Gill Sans MT" panose="020B0502020104020203"/>
-                <a:cs typeface="Gill Sans MT" panose="020B0502020104020203"/>
-              </a:rPr>
-              <a:t>. </a:t>
-            </a:r>
-            <a:r>
-              <a:rPr sz="1200" b="1" strike="noStrike" spc="50" dirty="0">
-                <a:latin typeface="Gill Sans MT" panose="020B0502020104020203"/>
-                <a:cs typeface="Gill Sans MT" panose="020B0502020104020203"/>
-              </a:rPr>
-              <a:t>.</a:t>
-            </a:r>
-            <a:r>
-              <a:rPr sz="1200" b="1" strike="noStrike" spc="-254" dirty="0">
-                <a:latin typeface="Gill Sans MT" panose="020B0502020104020203"/>
-                <a:cs typeface="Gill Sans MT" panose="020B0502020104020203"/>
-              </a:rPr>
-              <a:t> </a:t>
-            </a:r>
-            <a:r>
-              <a:rPr sz="1200" b="1" strike="noStrike" spc="50" dirty="0">
-                <a:latin typeface="Gill Sans MT" panose="020B0502020104020203"/>
-                <a:cs typeface="Gill Sans MT" panose="020B0502020104020203"/>
-              </a:rPr>
-              <a:t>. </a:t>
-            </a:r>
-            <a:r>
-              <a:rPr sz="1800" b="1" strike="noStrike" spc="75" baseline="32000" dirty="0">
-                <a:latin typeface="Gill Sans MT" panose="020B0502020104020203"/>
-                <a:cs typeface="Gill Sans MT" panose="020B0502020104020203"/>
-              </a:rPr>
-              <a:t>.</a:t>
-            </a:r>
-            <a:endParaRPr sz="1800" baseline="32000">
-              <a:latin typeface="Gill Sans MT" panose="020B0502020104020203"/>
-              <a:cs typeface="Gill Sans MT" panose="020B0502020104020203"/>
-            </a:endParaRPr>
-          </a:p>
-          <a:p>
-            <a:pPr marL="12700">
-              <a:lnSpc>
-                <a:spcPts val="700"/>
-              </a:lnSpc>
-            </a:pPr>
-            <a:r>
-              <a:rPr sz="600" b="1" spc="-5" dirty="0">
-                <a:solidFill>
-                  <a:srgbClr val="FFFFFF"/>
-                </a:solidFill>
-                <a:latin typeface="Gill Sans MT" panose="020B0502020104020203"/>
-                <a:cs typeface="Gill Sans MT" panose="020B0502020104020203"/>
-                <a:sym typeface="+mn-ea"/>
-              </a:rPr>
-              <a:t>202</a:t>
-            </a:r>
-            <a:r>
-              <a:rPr lang="en-US" sz="600" b="1" spc="-5" dirty="0">
-                <a:solidFill>
-                  <a:srgbClr val="FFFFFF"/>
-                </a:solidFill>
-                <a:latin typeface="Gill Sans MT" panose="020B0502020104020203"/>
-                <a:cs typeface="Gill Sans MT" panose="020B0502020104020203"/>
-                <a:sym typeface="+mn-ea"/>
-              </a:rPr>
-              <a:t>4</a:t>
-            </a:r>
-            <a:r>
-              <a:rPr lang="en-US" sz="600" b="1" spc="-5" dirty="0">
-                <a:solidFill>
-                  <a:srgbClr val="FFFFFF"/>
-                </a:solidFill>
-                <a:latin typeface="Gill Sans MT" panose="020B0502020104020203"/>
-                <a:cs typeface="Gill Sans MT" panose="020B0502020104020203"/>
-                <a:sym typeface="+mn-ea"/>
-              </a:rPr>
-              <a:t> ZJNU ACM </a:t>
-            </a:r>
-            <a:r>
-              <a:rPr sz="600" b="1" spc="-5" dirty="0">
-                <a:solidFill>
-                  <a:srgbClr val="FFFFFF"/>
-                </a:solidFill>
-                <a:latin typeface="Gill Sans MT" panose="020B0502020104020203"/>
-                <a:cs typeface="Gill Sans MT" panose="020B0502020104020203"/>
-                <a:sym typeface="+mn-ea"/>
-              </a:rPr>
-              <a:t>DP</a:t>
-            </a:r>
-            <a:r>
-              <a:rPr lang="zh-CN" sz="600" b="1" spc="-5" dirty="0">
-                <a:solidFill>
-                  <a:srgbClr val="FFFFFF"/>
-                </a:solidFill>
-                <a:latin typeface="Gill Sans MT" panose="020B0502020104020203"/>
-                <a:cs typeface="Gill Sans MT" panose="020B0502020104020203"/>
-                <a:sym typeface="+mn-ea"/>
-              </a:rPr>
-              <a:t>（</a:t>
-            </a:r>
-            <a:r>
-              <a:rPr sz="600" b="1" spc="-5" dirty="0">
-                <a:solidFill>
-                  <a:srgbClr val="FFFFFF"/>
-                </a:solidFill>
-                <a:latin typeface="Gill Sans MT" panose="020B0502020104020203"/>
-                <a:cs typeface="Gill Sans MT" panose="020B0502020104020203"/>
-                <a:sym typeface="+mn-ea"/>
-              </a:rPr>
-              <a:t>一）</a:t>
-            </a:r>
-            <a:endParaRPr lang="en-US" sz="600" b="1" spc="-5" dirty="0">
-              <a:solidFill>
-                <a:srgbClr val="FFFFFF"/>
-              </a:solidFill>
-              <a:latin typeface="Gill Sans MT" panose="020B0502020104020203"/>
-              <a:cs typeface="Gill Sans MT" panose="020B0502020104020203"/>
-            </a:endParaRPr>
-          </a:p>
-        </p:txBody>
-      </p:sp>
-      <p:sp>
-        <p:nvSpPr>
-          <p:cNvPr id="11" name="文本框 10"/>
-          <p:cNvSpPr txBox="1"/>
-          <p:nvPr/>
-        </p:nvSpPr>
-        <p:spPr>
-          <a:xfrm>
-            <a:off x="215900" y="31750"/>
-            <a:ext cx="3876040" cy="290195"/>
-          </a:xfrm>
-          <a:prstGeom prst="rect">
-            <a:avLst/>
-          </a:prstGeom>
-          <a:noFill/>
-        </p:spPr>
-        <p:txBody>
-          <a:bodyPr wrap="square" rtlCol="0">
-            <a:noAutofit/>
-          </a:bodyPr>
-          <a:p>
-            <a:r>
-              <a:rPr lang="zh-CN" altLang="en-US">
-                <a:solidFill>
-                  <a:schemeClr val="bg1"/>
-                </a:solidFill>
-              </a:rPr>
-              <a:t>状压</a:t>
-            </a:r>
-            <a:r>
-              <a:rPr lang="en-US" altLang="zh-CN">
-                <a:solidFill>
-                  <a:schemeClr val="bg1"/>
-                </a:solidFill>
-              </a:rPr>
-              <a:t>DP</a:t>
-            </a:r>
-            <a:endParaRPr lang="zh-CN" altLang="en-US">
-              <a:solidFill>
-                <a:schemeClr val="bg1"/>
-              </a:solidFill>
-            </a:endParaRPr>
-          </a:p>
-        </p:txBody>
-      </p:sp>
-      <p:sp>
-        <p:nvSpPr>
-          <p:cNvPr id="3" name="文本框 2"/>
-          <p:cNvSpPr txBox="1"/>
-          <p:nvPr/>
-        </p:nvSpPr>
-        <p:spPr>
-          <a:xfrm>
-            <a:off x="596900" y="631825"/>
-            <a:ext cx="4437380" cy="675005"/>
-          </a:xfrm>
-          <a:prstGeom prst="rect">
-            <a:avLst/>
-          </a:prstGeom>
-          <a:noFill/>
-        </p:spPr>
-        <p:txBody>
-          <a:bodyPr wrap="square" rtlCol="0">
-            <a:noAutofit/>
-          </a:bodyPr>
-          <a:p>
-            <a:r>
-              <a:rPr lang="en-US" altLang="zh-CN"/>
-              <a:t>TSP</a:t>
-            </a:r>
-            <a:r>
-              <a:rPr lang="zh-CN" altLang="en-US"/>
-              <a:t>问题：</a:t>
-            </a:r>
-            <a:br>
-              <a:rPr lang="zh-CN" altLang="en-US"/>
-            </a:br>
-            <a:r>
-              <a:rPr lang="zh-CN" altLang="en-US" sz="1000"/>
-              <a:t>找到最短的能够走完所有节点的路，并且输出这条路的长度。</a:t>
-            </a:r>
-            <a:endParaRPr lang="zh-CN" altLang="en-US" sz="1000"/>
-          </a:p>
-        </p:txBody>
-      </p:sp>
-    </p:spTree>
-  </p:cSld>
-  <p:clrMapOvr>
-    <a:masterClrMapping/>
-  </p:clrMapOvr>
-  <p:transition>
-    <p:cut/>
-  </p:transition>
-  <p:timing>
-    <p:tnLst>
-      <p:par>
-        <p:cTn id="1" dur="indefinite" restart="never" nodeType="tmRoot"/>
-      </p:par>
-    </p:tnLst>
-  </p:timing>
-</p:sld>
-</file>
-
-<file path=ppt/slides/slide12.xml><?xml version="1.0" encoding="utf-8"?>
-<p:sld xmlns:a="http://schemas.openxmlformats.org/drawingml/2006/main" xmlns:r="http://schemas.openxmlformats.org/officeDocument/2006/relationships" xmlns:p="http://schemas.openxmlformats.org/presentationml/2006/main">
-  <p:cSld>
-    <p:spTree>
-      <p:nvGrpSpPr>
-        <p:cNvPr id="1" name=""/>
-        <p:cNvGrpSpPr/>
-        <p:nvPr/>
-      </p:nvGrpSpPr>
-      <p:grpSpPr>
-        <a:xfrm>
-          <a:off x="0" y="0"/>
-          <a:ext cx="0" cy="0"/>
-          <a:chOff x="0" y="0"/>
-          <a:chExt cx="0" cy="0"/>
-        </a:xfrm>
-      </p:grpSpPr>
-      <p:sp>
-        <p:nvSpPr>
-          <p:cNvPr id="2" name="object 2"/>
-          <p:cNvSpPr/>
-          <p:nvPr/>
-        </p:nvSpPr>
-        <p:spPr>
-          <a:xfrm>
-            <a:off x="0" y="20"/>
-            <a:ext cx="5759958" cy="322190"/>
-          </a:xfrm>
-          <a:prstGeom prst="rect">
-            <a:avLst/>
-          </a:prstGeom>
-          <a:blipFill>
-            <a:blip r:embed="rId1" cstate="print"/>
-            <a:stretch>
-              <a:fillRect/>
-            </a:stretch>
-          </a:blipFill>
-        </p:spPr>
-        <p:txBody>
-          <a:bodyPr wrap="square" lIns="0" tIns="0" rIns="0" bIns="0" rtlCol="0"/>
-          <a:lstStyle/>
-          <a:p/>
-        </p:txBody>
-      </p:sp>
-      <p:sp>
-        <p:nvSpPr>
-          <p:cNvPr id="5" name="object 5"/>
-          <p:cNvSpPr/>
-          <p:nvPr/>
-        </p:nvSpPr>
-        <p:spPr>
-          <a:xfrm>
-            <a:off x="0" y="3113900"/>
-            <a:ext cx="2880360" cy="126364"/>
-          </a:xfrm>
-          <a:custGeom>
-            <a:avLst/>
-            <a:gdLst/>
-            <a:ahLst/>
-            <a:cxnLst/>
-            <a:rect l="l" t="t" r="r" b="b"/>
-            <a:pathLst>
-              <a:path w="2880360" h="126364">
-                <a:moveTo>
-                  <a:pt x="0" y="126123"/>
-                </a:moveTo>
-                <a:lnTo>
-                  <a:pt x="2880004" y="126123"/>
-                </a:lnTo>
-                <a:lnTo>
-                  <a:pt x="2880004" y="0"/>
-                </a:lnTo>
-                <a:lnTo>
-                  <a:pt x="0" y="0"/>
-                </a:lnTo>
-                <a:lnTo>
-                  <a:pt x="0" y="126123"/>
-                </a:lnTo>
-                <a:close/>
-              </a:path>
-            </a:pathLst>
-          </a:custGeom>
-          <a:solidFill>
-            <a:srgbClr val="000000"/>
-          </a:solidFill>
-        </p:spPr>
-        <p:txBody>
-          <a:bodyPr wrap="square" lIns="0" tIns="0" rIns="0" bIns="0" rtlCol="0"/>
-          <a:lstStyle/>
-          <a:p/>
-        </p:txBody>
-      </p:sp>
-      <p:sp>
-        <p:nvSpPr>
-          <p:cNvPr id="6" name="object 6"/>
-          <p:cNvSpPr/>
-          <p:nvPr/>
-        </p:nvSpPr>
-        <p:spPr>
-          <a:xfrm>
-            <a:off x="2880004" y="3113900"/>
-            <a:ext cx="2880360" cy="126364"/>
-          </a:xfrm>
-          <a:custGeom>
-            <a:avLst/>
-            <a:gdLst/>
-            <a:ahLst/>
-            <a:cxnLst/>
-            <a:rect l="l" t="t" r="r" b="b"/>
-            <a:pathLst>
-              <a:path w="2880360" h="126364">
-                <a:moveTo>
-                  <a:pt x="0" y="126123"/>
-                </a:moveTo>
-                <a:lnTo>
-                  <a:pt x="2880004" y="126123"/>
-                </a:lnTo>
-                <a:lnTo>
-                  <a:pt x="2880004" y="0"/>
-                </a:lnTo>
-                <a:lnTo>
-                  <a:pt x="0" y="0"/>
-                </a:lnTo>
-                <a:lnTo>
-                  <a:pt x="0" y="126123"/>
-                </a:lnTo>
-                <a:close/>
-              </a:path>
-            </a:pathLst>
-          </a:custGeom>
-          <a:solidFill>
-            <a:srgbClr val="3333B2"/>
-          </a:solidFill>
-        </p:spPr>
-        <p:txBody>
-          <a:bodyPr wrap="square" lIns="0" tIns="0" rIns="0" bIns="0" rtlCol="0"/>
-          <a:lstStyle/>
-          <a:p/>
-        </p:txBody>
-      </p:sp>
-      <p:sp>
-        <p:nvSpPr>
-          <p:cNvPr id="8" name="object 8"/>
-          <p:cNvSpPr txBox="1">
-            <a:spLocks noGrp="1"/>
-          </p:cNvSpPr>
-          <p:nvPr>
-            <p:ph type="ftr" sz="quarter" idx="5"/>
-          </p:nvPr>
-        </p:nvSpPr>
-        <p:spPr>
-          <a:xfrm>
-            <a:off x="2093595" y="3101975"/>
-            <a:ext cx="700405" cy="114300"/>
-          </a:xfrm>
-          <a:prstGeom prst="rect">
-            <a:avLst/>
-          </a:prstGeom>
-        </p:spPr>
-        <p:txBody>
-          <a:bodyPr vert="horz" wrap="square" lIns="0" tIns="22225" rIns="0" bIns="0" rtlCol="0">
-            <a:spAutoFit/>
-          </a:bodyPr>
-          <a:lstStyle/>
-          <a:p>
-            <a:pPr marL="12700">
-              <a:lnSpc>
-                <a:spcPct val="100000"/>
-              </a:lnSpc>
-              <a:spcBef>
-                <a:spcPts val="175"/>
-              </a:spcBef>
-            </a:pPr>
-            <a:r>
-              <a:rPr lang="en-US" spc="45" dirty="0">
-                <a:latin typeface="Tahoma" panose="020B0604030504040204"/>
-                <a:cs typeface="Tahoma" panose="020B0604030504040204"/>
-                <a:sym typeface="+mn-ea"/>
-              </a:rPr>
-              <a:t>ZJNU ACM</a:t>
-            </a:r>
-            <a:r>
-              <a:rPr spc="35" dirty="0">
-                <a:latin typeface="宋体" panose="02010600030101010101" pitchFamily="2" charset="-122"/>
-                <a:cs typeface="宋体" panose="02010600030101010101" pitchFamily="2" charset="-122"/>
-                <a:sym typeface="+mn-ea"/>
-              </a:rPr>
-              <a:t>集训队</a:t>
-            </a:r>
-            <a:endParaRPr spc="-5" dirty="0">
-              <a:latin typeface="Microsoft JhengHei UI" panose="020B0604030504040204" charset="-120"/>
-              <a:cs typeface="Microsoft JhengHei UI" panose="020B0604030504040204" charset="-120"/>
-            </a:endParaRPr>
-          </a:p>
-        </p:txBody>
-      </p:sp>
-      <p:sp>
-        <p:nvSpPr>
-          <p:cNvPr id="9" name="object 6"/>
-          <p:cNvSpPr txBox="1"/>
-          <p:nvPr/>
-        </p:nvSpPr>
-        <p:spPr>
-          <a:xfrm>
-            <a:off x="2975305" y="2819117"/>
-            <a:ext cx="2785745" cy="398780"/>
-          </a:xfrm>
-          <a:prstGeom prst="rect">
-            <a:avLst/>
-          </a:prstGeom>
-        </p:spPr>
-        <p:txBody>
-          <a:bodyPr vert="horz" wrap="square" lIns="0" tIns="127000" rIns="0" bIns="0" rtlCol="0">
-            <a:spAutoFit/>
-          </a:bodyPr>
-          <a:p>
-            <a:pPr marL="917575">
-              <a:lnSpc>
-                <a:spcPts val="1420"/>
-              </a:lnSpc>
-              <a:spcBef>
-                <a:spcPts val="1000"/>
-              </a:spcBef>
-            </a:pPr>
-            <a:r>
-              <a:rPr sz="1200" b="1" spc="50" dirty="0">
-                <a:latin typeface="Gill Sans MT" panose="020B0502020104020203"/>
-                <a:cs typeface="Gill Sans MT" panose="020B0502020104020203"/>
-                <a:hlinkClick r:id="rId2" action="ppaction://hlinksldjump"/>
-              </a:rPr>
-              <a:t>. . </a:t>
-            </a:r>
-            <a:r>
-              <a:rPr sz="1200" b="1" spc="50" dirty="0">
-                <a:latin typeface="Gill Sans MT" panose="020B0502020104020203"/>
-                <a:cs typeface="Gill Sans MT" panose="020B0502020104020203"/>
-                <a:hlinkClick r:id="rId3" action="ppaction://hlinksldjump"/>
-              </a:rPr>
-              <a:t>. </a:t>
-            </a:r>
-            <a:r>
-              <a:rPr sz="1800" b="1" spc="225" baseline="32000" dirty="0">
-                <a:latin typeface="Gill Sans MT" panose="020B0502020104020203"/>
-                <a:cs typeface="Gill Sans MT" panose="020B0502020104020203"/>
-              </a:rPr>
-              <a:t>.</a:t>
-            </a:r>
-            <a:r>
-              <a:rPr sz="1200" b="1" spc="150" dirty="0">
-                <a:latin typeface="Gill Sans MT" panose="020B0502020104020203"/>
-                <a:cs typeface="Gill Sans MT" panose="020B0502020104020203"/>
-                <a:hlinkClick r:id="rId2" action="ppaction://hlinksldjump"/>
-              </a:rPr>
-              <a:t>.</a:t>
-            </a:r>
-            <a:r>
-              <a:rPr sz="1200" b="1" spc="150" dirty="0">
-                <a:latin typeface="Gill Sans MT" panose="020B0502020104020203"/>
-                <a:cs typeface="Gill Sans MT" panose="020B0502020104020203"/>
-                <a:hlinkClick r:id="rId2" action="ppaction://hlinksldjump"/>
-              </a:rPr>
-              <a:t>.</a:t>
-            </a:r>
-            <a:r>
-              <a:rPr sz="1200" b="1" spc="150" dirty="0">
-                <a:latin typeface="Gill Sans MT" panose="020B0502020104020203"/>
-                <a:cs typeface="Gill Sans MT" panose="020B0502020104020203"/>
-                <a:hlinkClick r:id="rId2" action="ppaction://hlinksldjump"/>
-              </a:rPr>
-              <a:t>.</a:t>
-            </a:r>
-            <a:r>
-              <a:rPr sz="1200" b="1" spc="150" dirty="0">
-                <a:latin typeface="Gill Sans MT" panose="020B0502020104020203"/>
-                <a:cs typeface="Gill Sans MT" panose="020B0502020104020203"/>
-                <a:hlinkClick r:id="rId3" action="ppaction://hlinksldjump"/>
-              </a:rPr>
-              <a:t>.</a:t>
-            </a:r>
-            <a:r>
-              <a:rPr sz="1800" b="1" spc="225" baseline="32000" dirty="0">
-                <a:latin typeface="Gill Sans MT" panose="020B0502020104020203"/>
-                <a:cs typeface="Gill Sans MT" panose="020B0502020104020203"/>
-              </a:rPr>
-              <a:t>.</a:t>
-            </a:r>
-            <a:r>
-              <a:rPr sz="1200" b="1" spc="150" dirty="0">
-                <a:latin typeface="Gill Sans MT" panose="020B0502020104020203"/>
-                <a:cs typeface="Gill Sans MT" panose="020B0502020104020203"/>
-                <a:hlinkClick r:id="rId2" action="ppaction://hlinksldjump"/>
-              </a:rPr>
-              <a:t>.</a:t>
-            </a:r>
-            <a:r>
-              <a:rPr sz="1200" b="1" spc="150" dirty="0">
-                <a:latin typeface="Gill Sans MT" panose="020B0502020104020203"/>
-                <a:cs typeface="Gill Sans MT" panose="020B0502020104020203"/>
-                <a:hlinkClick r:id="rId2" action="ppaction://hlinksldjump"/>
-              </a:rPr>
-              <a:t>.</a:t>
-            </a:r>
-            <a:r>
-              <a:rPr sz="1200" b="1" spc="150" dirty="0">
-                <a:latin typeface="Gill Sans MT" panose="020B0502020104020203"/>
-                <a:cs typeface="Gill Sans MT" panose="020B0502020104020203"/>
-                <a:hlinkClick r:id="rId2" action="ppaction://hlinksldjump"/>
-              </a:rPr>
-              <a:t>.</a:t>
-            </a:r>
-            <a:r>
-              <a:rPr sz="1200" b="1" spc="150" dirty="0">
-                <a:latin typeface="Gill Sans MT" panose="020B0502020104020203"/>
-                <a:cs typeface="Gill Sans MT" panose="020B0502020104020203"/>
-                <a:hlinkClick r:id="rId2" action="ppaction://hlinksldjump"/>
-              </a:rPr>
-              <a:t>.</a:t>
-            </a:r>
-            <a:r>
-              <a:rPr sz="1800" b="1" spc="225" baseline="32000" dirty="0">
-                <a:latin typeface="Gill Sans MT" panose="020B0502020104020203"/>
-                <a:cs typeface="Gill Sans MT" panose="020B0502020104020203"/>
-              </a:rPr>
-              <a:t>.</a:t>
-            </a:r>
-            <a:r>
-              <a:rPr sz="1200" b="1" spc="150" dirty="0">
-                <a:latin typeface="Gill Sans MT" panose="020B0502020104020203"/>
-                <a:cs typeface="Gill Sans MT" panose="020B0502020104020203"/>
-                <a:hlinkClick r:id="rId2" action="ppaction://hlinksldjump"/>
-              </a:rPr>
-              <a:t>.</a:t>
-            </a:r>
-            <a:r>
-              <a:rPr sz="1200" b="1" spc="150" dirty="0">
-                <a:latin typeface="Gill Sans MT" panose="020B0502020104020203"/>
-                <a:cs typeface="Gill Sans MT" panose="020B0502020104020203"/>
-                <a:hlinkClick r:id="rId2" action="ppaction://hlinksldjump"/>
-              </a:rPr>
-              <a:t>.</a:t>
-            </a:r>
-            <a:r>
-              <a:rPr sz="1200" b="1" spc="150" dirty="0">
-                <a:latin typeface="Gill Sans MT" panose="020B0502020104020203"/>
-                <a:cs typeface="Gill Sans MT" panose="020B0502020104020203"/>
-                <a:hlinkClick r:id="rId2" action="ppaction://hlinksldjump"/>
-              </a:rPr>
-              <a:t>.</a:t>
-            </a:r>
-            <a:r>
-              <a:rPr sz="1200" b="1" spc="150" dirty="0">
-                <a:latin typeface="Gill Sans MT" panose="020B0502020104020203"/>
-                <a:cs typeface="Gill Sans MT" panose="020B0502020104020203"/>
-                <a:hlinkClick r:id="rId2" action="ppaction://hlinksldjump"/>
-              </a:rPr>
-              <a:t>.</a:t>
-            </a:r>
-            <a:r>
-              <a:rPr sz="1800" b="1" spc="225" baseline="32000" dirty="0">
-                <a:latin typeface="Gill Sans MT" panose="020B0502020104020203"/>
-                <a:cs typeface="Gill Sans MT" panose="020B0502020104020203"/>
-              </a:rPr>
-              <a:t>.</a:t>
-            </a:r>
-            <a:r>
-              <a:rPr sz="1200" b="1" spc="150" dirty="0">
-                <a:latin typeface="Gill Sans MT" panose="020B0502020104020203"/>
-                <a:cs typeface="Gill Sans MT" panose="020B0502020104020203"/>
-                <a:hlinkClick r:id="rId2" action="ppaction://hlinksldjump"/>
-              </a:rPr>
-              <a:t>.</a:t>
-            </a:r>
-            <a:r>
-              <a:rPr sz="1200" b="1" spc="150" dirty="0">
-                <a:latin typeface="Gill Sans MT" panose="020B0502020104020203"/>
-                <a:cs typeface="Gill Sans MT" panose="020B0502020104020203"/>
-              </a:rPr>
-              <a:t> </a:t>
-            </a:r>
-            <a:r>
-              <a:rPr sz="1200" b="1" strike="sngStrike" spc="50" dirty="0">
-                <a:latin typeface="Gill Sans MT" panose="020B0502020104020203"/>
-                <a:cs typeface="Gill Sans MT" panose="020B0502020104020203"/>
-              </a:rPr>
-              <a:t>.</a:t>
-            </a:r>
-            <a:r>
-              <a:rPr sz="1200" b="1" strike="noStrike" spc="50" dirty="0">
-                <a:latin typeface="Gill Sans MT" panose="020B0502020104020203"/>
-                <a:cs typeface="Gill Sans MT" panose="020B0502020104020203"/>
-              </a:rPr>
-              <a:t> </a:t>
-            </a:r>
-            <a:r>
-              <a:rPr sz="1800" b="1" strike="noStrike" spc="135" baseline="32000" dirty="0">
-                <a:latin typeface="Gill Sans MT" panose="020B0502020104020203"/>
-                <a:cs typeface="Gill Sans MT" panose="020B0502020104020203"/>
-              </a:rPr>
-              <a:t>.</a:t>
-            </a:r>
-            <a:r>
-              <a:rPr sz="1200" b="1" strike="noStrike" spc="90" dirty="0">
-                <a:latin typeface="Gill Sans MT" panose="020B0502020104020203"/>
-                <a:cs typeface="Gill Sans MT" panose="020B0502020104020203"/>
-              </a:rPr>
-              <a:t>. </a:t>
-            </a:r>
-            <a:r>
-              <a:rPr sz="1200" b="1" strike="noStrike" spc="50" dirty="0">
-                <a:latin typeface="Gill Sans MT" panose="020B0502020104020203"/>
-                <a:cs typeface="Gill Sans MT" panose="020B0502020104020203"/>
-              </a:rPr>
-              <a:t>.</a:t>
-            </a:r>
-            <a:r>
-              <a:rPr sz="1200" b="1" strike="noStrike" spc="-254" dirty="0">
-                <a:latin typeface="Gill Sans MT" panose="020B0502020104020203"/>
-                <a:cs typeface="Gill Sans MT" panose="020B0502020104020203"/>
-              </a:rPr>
-              <a:t> </a:t>
-            </a:r>
-            <a:r>
-              <a:rPr sz="1200" b="1" strike="noStrike" spc="50" dirty="0">
-                <a:latin typeface="Gill Sans MT" panose="020B0502020104020203"/>
-                <a:cs typeface="Gill Sans MT" panose="020B0502020104020203"/>
-              </a:rPr>
-              <a:t>. </a:t>
-            </a:r>
-            <a:r>
-              <a:rPr sz="1800" b="1" strike="noStrike" spc="75" baseline="32000" dirty="0">
-                <a:latin typeface="Gill Sans MT" panose="020B0502020104020203"/>
-                <a:cs typeface="Gill Sans MT" panose="020B0502020104020203"/>
-              </a:rPr>
-              <a:t>.</a:t>
-            </a:r>
-            <a:endParaRPr sz="1800" baseline="32000">
-              <a:latin typeface="Gill Sans MT" panose="020B0502020104020203"/>
-              <a:cs typeface="Gill Sans MT" panose="020B0502020104020203"/>
-            </a:endParaRPr>
-          </a:p>
-          <a:p>
-            <a:pPr marL="12700">
-              <a:lnSpc>
-                <a:spcPts val="700"/>
-              </a:lnSpc>
-            </a:pPr>
-            <a:r>
-              <a:rPr sz="600" b="1" spc="-5" dirty="0">
-                <a:solidFill>
-                  <a:srgbClr val="FFFFFF"/>
-                </a:solidFill>
-                <a:latin typeface="Gill Sans MT" panose="020B0502020104020203"/>
-                <a:cs typeface="Gill Sans MT" panose="020B0502020104020203"/>
-                <a:sym typeface="+mn-ea"/>
-              </a:rPr>
-              <a:t>202</a:t>
-            </a:r>
-            <a:r>
-              <a:rPr lang="en-US" sz="600" b="1" spc="-5" dirty="0">
-                <a:solidFill>
-                  <a:srgbClr val="FFFFFF"/>
-                </a:solidFill>
-                <a:latin typeface="Gill Sans MT" panose="020B0502020104020203"/>
-                <a:cs typeface="Gill Sans MT" panose="020B0502020104020203"/>
-                <a:sym typeface="+mn-ea"/>
-              </a:rPr>
-              <a:t>4</a:t>
-            </a:r>
-            <a:r>
-              <a:rPr lang="en-US" sz="600" b="1" spc="-5" dirty="0">
-                <a:solidFill>
-                  <a:srgbClr val="FFFFFF"/>
-                </a:solidFill>
-                <a:latin typeface="Gill Sans MT" panose="020B0502020104020203"/>
-                <a:cs typeface="Gill Sans MT" panose="020B0502020104020203"/>
-                <a:sym typeface="+mn-ea"/>
-              </a:rPr>
-              <a:t> ZJNU ACM </a:t>
-            </a:r>
-            <a:r>
-              <a:rPr sz="600" b="1" spc="-5" dirty="0">
-                <a:solidFill>
-                  <a:srgbClr val="FFFFFF"/>
-                </a:solidFill>
-                <a:latin typeface="Gill Sans MT" panose="020B0502020104020203"/>
-                <a:cs typeface="Gill Sans MT" panose="020B0502020104020203"/>
-                <a:sym typeface="+mn-ea"/>
-              </a:rPr>
-              <a:t>DP</a:t>
-            </a:r>
-            <a:r>
-              <a:rPr lang="zh-CN" sz="600" b="1" spc="-5" dirty="0">
-                <a:solidFill>
-                  <a:srgbClr val="FFFFFF"/>
-                </a:solidFill>
-                <a:latin typeface="Gill Sans MT" panose="020B0502020104020203"/>
-                <a:cs typeface="Gill Sans MT" panose="020B0502020104020203"/>
-                <a:sym typeface="+mn-ea"/>
-              </a:rPr>
-              <a:t>（</a:t>
-            </a:r>
-            <a:r>
-              <a:rPr sz="600" b="1" spc="-5" dirty="0">
-                <a:solidFill>
-                  <a:srgbClr val="FFFFFF"/>
-                </a:solidFill>
-                <a:latin typeface="Gill Sans MT" panose="020B0502020104020203"/>
-                <a:cs typeface="Gill Sans MT" panose="020B0502020104020203"/>
-                <a:sym typeface="+mn-ea"/>
-              </a:rPr>
-              <a:t>一）</a:t>
-            </a:r>
-            <a:endParaRPr lang="en-US" sz="600" b="1" spc="-5" dirty="0">
-              <a:solidFill>
-                <a:srgbClr val="FFFFFF"/>
-              </a:solidFill>
-              <a:latin typeface="Gill Sans MT" panose="020B0502020104020203"/>
-              <a:cs typeface="Gill Sans MT" panose="020B0502020104020203"/>
-            </a:endParaRPr>
-          </a:p>
-        </p:txBody>
-      </p:sp>
-      <p:sp>
-        <p:nvSpPr>
-          <p:cNvPr id="11" name="文本框 10"/>
-          <p:cNvSpPr txBox="1"/>
-          <p:nvPr/>
-        </p:nvSpPr>
-        <p:spPr>
-          <a:xfrm>
-            <a:off x="215900" y="31750"/>
-            <a:ext cx="3876040" cy="290195"/>
-          </a:xfrm>
-          <a:prstGeom prst="rect">
-            <a:avLst/>
-          </a:prstGeom>
-          <a:noFill/>
-        </p:spPr>
-        <p:txBody>
-          <a:bodyPr wrap="square" rtlCol="0">
-            <a:noAutofit/>
-          </a:bodyPr>
-          <a:p>
-            <a:r>
-              <a:rPr lang="zh-CN" altLang="en-US">
-                <a:solidFill>
-                  <a:schemeClr val="bg1"/>
-                </a:solidFill>
-              </a:rPr>
-              <a:t>状压</a:t>
-            </a:r>
-            <a:r>
-              <a:rPr lang="en-US" altLang="zh-CN">
-                <a:solidFill>
-                  <a:schemeClr val="bg1"/>
-                </a:solidFill>
-              </a:rPr>
-              <a:t>DP</a:t>
-            </a:r>
-            <a:endParaRPr lang="zh-CN" altLang="en-US">
-              <a:solidFill>
-                <a:schemeClr val="bg1"/>
-              </a:solidFill>
-            </a:endParaRPr>
-          </a:p>
-        </p:txBody>
-      </p:sp>
-      <p:sp>
-        <p:nvSpPr>
-          <p:cNvPr id="3" name="文本框 2"/>
-          <p:cNvSpPr txBox="1"/>
-          <p:nvPr/>
-        </p:nvSpPr>
-        <p:spPr>
-          <a:xfrm>
-            <a:off x="596900" y="631825"/>
-            <a:ext cx="4437380" cy="2289175"/>
-          </a:xfrm>
-          <a:prstGeom prst="rect">
-            <a:avLst/>
-          </a:prstGeom>
-          <a:noFill/>
-        </p:spPr>
-        <p:txBody>
-          <a:bodyPr wrap="square" rtlCol="0">
-            <a:noAutofit/>
-          </a:bodyPr>
-          <a:p>
-            <a:r>
-              <a:rPr lang="zh-CN" altLang="en-US"/>
-              <a:t>数组的最大与和：</a:t>
-            </a:r>
-            <a:br>
-              <a:rPr lang="zh-CN" altLang="en-US"/>
-            </a:br>
-            <a:r>
-              <a:rPr lang="zh-CN" altLang="en-US" sz="1000"/>
-              <a:t>给定两个数组，求两个数组对应元素与和的</a:t>
-            </a:r>
-            <a:r>
-              <a:rPr lang="zh-CN" altLang="en-US" sz="1000"/>
-              <a:t>最大值。</a:t>
-            </a:r>
-            <a:endParaRPr lang="zh-CN" altLang="en-US" sz="1000"/>
-          </a:p>
-          <a:p>
-            <a:endParaRPr lang="zh-CN" altLang="en-US" sz="1000"/>
-          </a:p>
-          <a:p>
-            <a:r>
-              <a:rPr lang="zh-CN" altLang="en-US" sz="1000"/>
-              <a:t>比如给定</a:t>
-            </a:r>
-            <a:r>
-              <a:rPr lang="en-US" altLang="zh-CN" sz="1000"/>
-              <a:t> [1,2,3,4] </a:t>
-            </a:r>
-            <a:r>
-              <a:rPr lang="zh-CN" altLang="en-US" sz="1000"/>
-              <a:t>和</a:t>
-            </a:r>
-            <a:r>
-              <a:rPr lang="en-US" altLang="zh-CN" sz="1000"/>
-              <a:t> [5, 6, 7, 8] </a:t>
-            </a:r>
-            <a:r>
-              <a:rPr lang="zh-CN" altLang="en-US" sz="1000"/>
-              <a:t>你可以选择</a:t>
-            </a:r>
-            <a:r>
-              <a:rPr lang="en-US" altLang="zh-CN" sz="1000"/>
-              <a:t> (1 &amp; 5) + (2 &amp; 6) + (3 &amp; 7) + (4 &amp; 8)</a:t>
-            </a:r>
-            <a:endParaRPr lang="en-US" altLang="zh-CN" sz="1000"/>
-          </a:p>
-          <a:p>
-            <a:r>
-              <a:rPr lang="zh-CN" altLang="en-US" sz="1000"/>
-              <a:t>作为一个可行解，也</a:t>
-            </a:r>
-            <a:r>
-              <a:rPr lang="zh-CN" altLang="en-US" sz="1000">
-                <a:sym typeface="+mn-ea"/>
-              </a:rPr>
-              <a:t>选择</a:t>
-            </a:r>
-            <a:r>
-              <a:rPr lang="en-US" altLang="zh-CN" sz="1000">
-                <a:sym typeface="+mn-ea"/>
-              </a:rPr>
-              <a:t> (4 &amp; 5) + (3 &amp; 6) + (2 &amp; 7) + (1 &amp; 8) </a:t>
-            </a:r>
-            <a:r>
-              <a:rPr lang="zh-CN" altLang="en-US" sz="1000">
-                <a:sym typeface="+mn-ea"/>
-              </a:rPr>
-              <a:t>作为一个解，然后需要找到这样最大的一个</a:t>
-            </a:r>
-            <a:r>
-              <a:rPr lang="zh-CN" altLang="en-US" sz="1000">
-                <a:sym typeface="+mn-ea"/>
-              </a:rPr>
-              <a:t>解。</a:t>
-            </a:r>
-            <a:endParaRPr lang="zh-CN" altLang="en-US" sz="1000">
-              <a:sym typeface="+mn-ea"/>
-            </a:endParaRPr>
-          </a:p>
-        </p:txBody>
-      </p:sp>
-    </p:spTree>
-  </p:cSld>
-  <p:clrMapOvr>
-    <a:masterClrMapping/>
-  </p:clrMapOvr>
-  <p:transition>
-    <p:cut/>
-  </p:transition>
-  <p:timing>
-    <p:tnLst>
-      <p:par>
-        <p:cTn id="1" dur="indefinite" restart="never" nodeType="tmRoot"/>
-      </p:par>
-    </p:tnLst>
-  </p:timing>
-</p:sld>
-</file>
-
-<file path=ppt/slides/slide13.xml><?xml version="1.0" encoding="utf-8"?>
-<p:sld xmlns:a="http://schemas.openxmlformats.org/drawingml/2006/main" xmlns:r="http://schemas.openxmlformats.org/officeDocument/2006/relationships" xmlns:p="http://schemas.openxmlformats.org/presentationml/2006/main">
-  <p:cSld>
-    <p:spTree>
-      <p:nvGrpSpPr>
-        <p:cNvPr id="1" name=""/>
-        <p:cNvGrpSpPr/>
-        <p:nvPr/>
-      </p:nvGrpSpPr>
-      <p:grpSpPr>
-        <a:xfrm>
-          <a:off x="0" y="0"/>
-          <a:ext cx="0" cy="0"/>
-          <a:chOff x="0" y="0"/>
-          <a:chExt cx="0" cy="0"/>
-        </a:xfrm>
-      </p:grpSpPr>
-      <p:sp>
-        <p:nvSpPr>
-          <p:cNvPr id="2" name="object 2"/>
-          <p:cNvSpPr/>
-          <p:nvPr/>
-        </p:nvSpPr>
-        <p:spPr>
-          <a:xfrm>
-            <a:off x="0" y="20"/>
-            <a:ext cx="5759958" cy="322190"/>
-          </a:xfrm>
-          <a:prstGeom prst="rect">
-            <a:avLst/>
-          </a:prstGeom>
-          <a:blipFill>
-            <a:blip r:embed="rId1" cstate="print"/>
-            <a:stretch>
-              <a:fillRect/>
-            </a:stretch>
-          </a:blipFill>
-        </p:spPr>
-        <p:txBody>
-          <a:bodyPr wrap="square" lIns="0" tIns="0" rIns="0" bIns="0" rtlCol="0"/>
-          <a:lstStyle/>
-          <a:p/>
-        </p:txBody>
-      </p:sp>
-      <p:sp>
-        <p:nvSpPr>
-          <p:cNvPr id="5" name="object 5"/>
-          <p:cNvSpPr/>
-          <p:nvPr/>
-        </p:nvSpPr>
-        <p:spPr>
-          <a:xfrm>
-            <a:off x="0" y="3113900"/>
-            <a:ext cx="2880360" cy="126364"/>
-          </a:xfrm>
-          <a:custGeom>
-            <a:avLst/>
-            <a:gdLst/>
-            <a:ahLst/>
-            <a:cxnLst/>
-            <a:rect l="l" t="t" r="r" b="b"/>
-            <a:pathLst>
-              <a:path w="2880360" h="126364">
-                <a:moveTo>
-                  <a:pt x="0" y="126123"/>
-                </a:moveTo>
-                <a:lnTo>
-                  <a:pt x="2880004" y="126123"/>
-                </a:lnTo>
-                <a:lnTo>
-                  <a:pt x="2880004" y="0"/>
-                </a:lnTo>
-                <a:lnTo>
-                  <a:pt x="0" y="0"/>
-                </a:lnTo>
-                <a:lnTo>
-                  <a:pt x="0" y="126123"/>
-                </a:lnTo>
-                <a:close/>
-              </a:path>
-            </a:pathLst>
-          </a:custGeom>
-          <a:solidFill>
-            <a:srgbClr val="000000"/>
-          </a:solidFill>
-        </p:spPr>
-        <p:txBody>
-          <a:bodyPr wrap="square" lIns="0" tIns="0" rIns="0" bIns="0" rtlCol="0"/>
-          <a:lstStyle/>
-          <a:p/>
-        </p:txBody>
-      </p:sp>
-      <p:sp>
-        <p:nvSpPr>
-          <p:cNvPr id="6" name="object 6"/>
-          <p:cNvSpPr/>
-          <p:nvPr/>
-        </p:nvSpPr>
-        <p:spPr>
-          <a:xfrm>
-            <a:off x="2880004" y="3113900"/>
-            <a:ext cx="2880360" cy="126364"/>
-          </a:xfrm>
-          <a:custGeom>
-            <a:avLst/>
-            <a:gdLst/>
-            <a:ahLst/>
-            <a:cxnLst/>
-            <a:rect l="l" t="t" r="r" b="b"/>
-            <a:pathLst>
-              <a:path w="2880360" h="126364">
-                <a:moveTo>
-                  <a:pt x="0" y="126123"/>
-                </a:moveTo>
-                <a:lnTo>
-                  <a:pt x="2880004" y="126123"/>
-                </a:lnTo>
-                <a:lnTo>
-                  <a:pt x="2880004" y="0"/>
-                </a:lnTo>
-                <a:lnTo>
-                  <a:pt x="0" y="0"/>
-                </a:lnTo>
-                <a:lnTo>
-                  <a:pt x="0" y="126123"/>
-                </a:lnTo>
-                <a:close/>
-              </a:path>
-            </a:pathLst>
-          </a:custGeom>
-          <a:solidFill>
-            <a:srgbClr val="3333B2"/>
-          </a:solidFill>
-        </p:spPr>
-        <p:txBody>
-          <a:bodyPr wrap="square" lIns="0" tIns="0" rIns="0" bIns="0" rtlCol="0"/>
-          <a:lstStyle/>
-          <a:p/>
-        </p:txBody>
-      </p:sp>
-      <p:sp>
-        <p:nvSpPr>
-          <p:cNvPr id="8" name="object 8"/>
-          <p:cNvSpPr txBox="1">
-            <a:spLocks noGrp="1"/>
-          </p:cNvSpPr>
-          <p:nvPr>
-            <p:ph type="ftr" sz="quarter" idx="5"/>
-          </p:nvPr>
-        </p:nvSpPr>
-        <p:spPr>
-          <a:xfrm>
-            <a:off x="2093595" y="3101975"/>
-            <a:ext cx="700405" cy="114300"/>
-          </a:xfrm>
-          <a:prstGeom prst="rect">
-            <a:avLst/>
-          </a:prstGeom>
-        </p:spPr>
-        <p:txBody>
-          <a:bodyPr vert="horz" wrap="square" lIns="0" tIns="22225" rIns="0" bIns="0" rtlCol="0">
-            <a:spAutoFit/>
-          </a:bodyPr>
-          <a:lstStyle/>
-          <a:p>
-            <a:pPr marL="12700">
-              <a:lnSpc>
-                <a:spcPct val="100000"/>
-              </a:lnSpc>
-              <a:spcBef>
-                <a:spcPts val="175"/>
-              </a:spcBef>
-            </a:pPr>
-            <a:r>
-              <a:rPr lang="en-US" spc="45" dirty="0">
-                <a:latin typeface="Tahoma" panose="020B0604030504040204"/>
-                <a:cs typeface="Tahoma" panose="020B0604030504040204"/>
-                <a:sym typeface="+mn-ea"/>
-              </a:rPr>
-              <a:t>ZJNU ACM</a:t>
-            </a:r>
-            <a:r>
-              <a:rPr spc="35" dirty="0">
-                <a:latin typeface="宋体" panose="02010600030101010101" pitchFamily="2" charset="-122"/>
-                <a:cs typeface="宋体" panose="02010600030101010101" pitchFamily="2" charset="-122"/>
-                <a:sym typeface="+mn-ea"/>
-              </a:rPr>
-              <a:t>集训队</a:t>
-            </a:r>
-            <a:endParaRPr spc="-5" dirty="0">
-              <a:latin typeface="Microsoft JhengHei UI" panose="020B0604030504040204" charset="-120"/>
-              <a:cs typeface="Microsoft JhengHei UI" panose="020B0604030504040204" charset="-120"/>
-            </a:endParaRPr>
-          </a:p>
-        </p:txBody>
-      </p:sp>
-      <p:sp>
-        <p:nvSpPr>
-          <p:cNvPr id="9" name="object 6"/>
-          <p:cNvSpPr txBox="1"/>
-          <p:nvPr/>
-        </p:nvSpPr>
-        <p:spPr>
-          <a:xfrm>
-            <a:off x="2975305" y="2819117"/>
-            <a:ext cx="2785745" cy="398780"/>
-          </a:xfrm>
-          <a:prstGeom prst="rect">
-            <a:avLst/>
-          </a:prstGeom>
-        </p:spPr>
-        <p:txBody>
-          <a:bodyPr vert="horz" wrap="square" lIns="0" tIns="127000" rIns="0" bIns="0" rtlCol="0">
-            <a:spAutoFit/>
-          </a:bodyPr>
-          <a:p>
-            <a:pPr marL="917575">
-              <a:lnSpc>
-                <a:spcPts val="1420"/>
-              </a:lnSpc>
-              <a:spcBef>
-                <a:spcPts val="1000"/>
-              </a:spcBef>
-            </a:pPr>
-            <a:r>
-              <a:rPr sz="1200" b="1" spc="50" dirty="0">
-                <a:latin typeface="Gill Sans MT" panose="020B0502020104020203"/>
-                <a:cs typeface="Gill Sans MT" panose="020B0502020104020203"/>
-                <a:hlinkClick r:id="rId2" action="ppaction://hlinksldjump"/>
-              </a:rPr>
-              <a:t>. . </a:t>
-            </a:r>
-            <a:r>
-              <a:rPr sz="1200" b="1" spc="50" dirty="0">
-                <a:latin typeface="Gill Sans MT" panose="020B0502020104020203"/>
-                <a:cs typeface="Gill Sans MT" panose="020B0502020104020203"/>
-                <a:hlinkClick r:id="rId3" action="ppaction://hlinksldjump"/>
-              </a:rPr>
-              <a:t>. </a:t>
-            </a:r>
-            <a:r>
-              <a:rPr sz="1800" b="1" spc="225" baseline="32000" dirty="0">
-                <a:latin typeface="Gill Sans MT" panose="020B0502020104020203"/>
-                <a:cs typeface="Gill Sans MT" panose="020B0502020104020203"/>
-              </a:rPr>
-              <a:t>.</a:t>
-            </a:r>
-            <a:r>
-              <a:rPr sz="1200" b="1" spc="150" dirty="0">
-                <a:latin typeface="Gill Sans MT" panose="020B0502020104020203"/>
-                <a:cs typeface="Gill Sans MT" panose="020B0502020104020203"/>
-                <a:hlinkClick r:id="rId2" action="ppaction://hlinksldjump"/>
-              </a:rPr>
-              <a:t>.</a:t>
-            </a:r>
-            <a:r>
-              <a:rPr sz="1200" b="1" spc="150" dirty="0">
-                <a:latin typeface="Gill Sans MT" panose="020B0502020104020203"/>
-                <a:cs typeface="Gill Sans MT" panose="020B0502020104020203"/>
-                <a:hlinkClick r:id="rId2" action="ppaction://hlinksldjump"/>
-              </a:rPr>
-              <a:t>.</a:t>
-            </a:r>
-            <a:r>
-              <a:rPr sz="1200" b="1" spc="150" dirty="0">
-                <a:latin typeface="Gill Sans MT" panose="020B0502020104020203"/>
-                <a:cs typeface="Gill Sans MT" panose="020B0502020104020203"/>
-                <a:hlinkClick r:id="rId2" action="ppaction://hlinksldjump"/>
-              </a:rPr>
-              <a:t>.</a:t>
-            </a:r>
-            <a:r>
-              <a:rPr sz="1200" b="1" spc="150" dirty="0">
-                <a:latin typeface="Gill Sans MT" panose="020B0502020104020203"/>
-                <a:cs typeface="Gill Sans MT" panose="020B0502020104020203"/>
-                <a:hlinkClick r:id="rId3" action="ppaction://hlinksldjump"/>
-              </a:rPr>
-              <a:t>.</a:t>
-            </a:r>
-            <a:r>
-              <a:rPr sz="1800" b="1" spc="225" baseline="32000" dirty="0">
-                <a:latin typeface="Gill Sans MT" panose="020B0502020104020203"/>
-                <a:cs typeface="Gill Sans MT" panose="020B0502020104020203"/>
-              </a:rPr>
-              <a:t>.</a:t>
-            </a:r>
-            <a:r>
-              <a:rPr sz="1200" b="1" spc="150" dirty="0">
-                <a:latin typeface="Gill Sans MT" panose="020B0502020104020203"/>
-                <a:cs typeface="Gill Sans MT" panose="020B0502020104020203"/>
-                <a:hlinkClick r:id="rId2" action="ppaction://hlinksldjump"/>
-              </a:rPr>
-              <a:t>.</a:t>
-            </a:r>
-            <a:r>
-              <a:rPr sz="1200" b="1" spc="150" dirty="0">
-                <a:latin typeface="Gill Sans MT" panose="020B0502020104020203"/>
-                <a:cs typeface="Gill Sans MT" panose="020B0502020104020203"/>
-                <a:hlinkClick r:id="rId2" action="ppaction://hlinksldjump"/>
-              </a:rPr>
-              <a:t>.</a:t>
-            </a:r>
-            <a:r>
-              <a:rPr sz="1200" b="1" spc="150" dirty="0">
-                <a:latin typeface="Gill Sans MT" panose="020B0502020104020203"/>
-                <a:cs typeface="Gill Sans MT" panose="020B0502020104020203"/>
-                <a:hlinkClick r:id="rId2" action="ppaction://hlinksldjump"/>
-              </a:rPr>
-              <a:t>.</a:t>
-            </a:r>
-            <a:r>
-              <a:rPr sz="1200" b="1" spc="150" dirty="0">
-                <a:latin typeface="Gill Sans MT" panose="020B0502020104020203"/>
-                <a:cs typeface="Gill Sans MT" panose="020B0502020104020203"/>
-                <a:hlinkClick r:id="rId2" action="ppaction://hlinksldjump"/>
-              </a:rPr>
-              <a:t>.</a:t>
-            </a:r>
-            <a:r>
-              <a:rPr sz="1800" b="1" spc="225" baseline="32000" dirty="0">
-                <a:latin typeface="Gill Sans MT" panose="020B0502020104020203"/>
-                <a:cs typeface="Gill Sans MT" panose="020B0502020104020203"/>
-              </a:rPr>
-              <a:t>.</a:t>
-            </a:r>
-            <a:r>
-              <a:rPr sz="1200" b="1" spc="150" dirty="0">
-                <a:latin typeface="Gill Sans MT" panose="020B0502020104020203"/>
-                <a:cs typeface="Gill Sans MT" panose="020B0502020104020203"/>
-                <a:hlinkClick r:id="rId2" action="ppaction://hlinksldjump"/>
-              </a:rPr>
-              <a:t>.</a:t>
-            </a:r>
-            <a:r>
-              <a:rPr sz="1200" b="1" spc="150" dirty="0">
-                <a:latin typeface="Gill Sans MT" panose="020B0502020104020203"/>
-                <a:cs typeface="Gill Sans MT" panose="020B0502020104020203"/>
-                <a:hlinkClick r:id="rId2" action="ppaction://hlinksldjump"/>
-              </a:rPr>
-              <a:t>.</a:t>
-            </a:r>
-            <a:r>
-              <a:rPr sz="1200" b="1" spc="150" dirty="0">
-                <a:latin typeface="Gill Sans MT" panose="020B0502020104020203"/>
-                <a:cs typeface="Gill Sans MT" panose="020B0502020104020203"/>
-                <a:hlinkClick r:id="rId2" action="ppaction://hlinksldjump"/>
-              </a:rPr>
-              <a:t>.</a:t>
-            </a:r>
-            <a:r>
-              <a:rPr sz="1200" b="1" spc="150" dirty="0">
-                <a:latin typeface="Gill Sans MT" panose="020B0502020104020203"/>
-                <a:cs typeface="Gill Sans MT" panose="020B0502020104020203"/>
-                <a:hlinkClick r:id="rId2" action="ppaction://hlinksldjump"/>
-              </a:rPr>
-              <a:t>.</a:t>
-            </a:r>
-            <a:r>
-              <a:rPr sz="1800" b="1" spc="225" baseline="32000" dirty="0">
-                <a:latin typeface="Gill Sans MT" panose="020B0502020104020203"/>
-                <a:cs typeface="Gill Sans MT" panose="020B0502020104020203"/>
-              </a:rPr>
-              <a:t>.</a:t>
-            </a:r>
-            <a:r>
-              <a:rPr sz="1200" b="1" spc="150" dirty="0">
-                <a:latin typeface="Gill Sans MT" panose="020B0502020104020203"/>
-                <a:cs typeface="Gill Sans MT" panose="020B0502020104020203"/>
-                <a:hlinkClick r:id="rId2" action="ppaction://hlinksldjump"/>
-              </a:rPr>
-              <a:t>.</a:t>
-            </a:r>
-            <a:r>
-              <a:rPr sz="1200" b="1" spc="150" dirty="0">
-                <a:latin typeface="Gill Sans MT" panose="020B0502020104020203"/>
-                <a:cs typeface="Gill Sans MT" panose="020B0502020104020203"/>
-              </a:rPr>
-              <a:t> </a:t>
-            </a:r>
-            <a:r>
-              <a:rPr sz="1200" b="1" strike="sngStrike" spc="50" dirty="0">
-                <a:latin typeface="Gill Sans MT" panose="020B0502020104020203"/>
-                <a:cs typeface="Gill Sans MT" panose="020B0502020104020203"/>
-              </a:rPr>
-              <a:t>.</a:t>
-            </a:r>
-            <a:r>
-              <a:rPr sz="1200" b="1" strike="noStrike" spc="50" dirty="0">
-                <a:latin typeface="Gill Sans MT" panose="020B0502020104020203"/>
-                <a:cs typeface="Gill Sans MT" panose="020B0502020104020203"/>
-              </a:rPr>
-              <a:t> </a:t>
-            </a:r>
-            <a:r>
-              <a:rPr sz="1800" b="1" strike="noStrike" spc="135" baseline="32000" dirty="0">
-                <a:latin typeface="Gill Sans MT" panose="020B0502020104020203"/>
-                <a:cs typeface="Gill Sans MT" panose="020B0502020104020203"/>
-              </a:rPr>
-              <a:t>.</a:t>
-            </a:r>
-            <a:r>
-              <a:rPr sz="1200" b="1" strike="noStrike" spc="90" dirty="0">
-                <a:latin typeface="Gill Sans MT" panose="020B0502020104020203"/>
-                <a:cs typeface="Gill Sans MT" panose="020B0502020104020203"/>
-              </a:rPr>
-              <a:t>. </a:t>
-            </a:r>
-            <a:r>
-              <a:rPr sz="1200" b="1" strike="noStrike" spc="50" dirty="0">
-                <a:latin typeface="Gill Sans MT" panose="020B0502020104020203"/>
-                <a:cs typeface="Gill Sans MT" panose="020B0502020104020203"/>
-              </a:rPr>
-              <a:t>.</a:t>
-            </a:r>
-            <a:r>
-              <a:rPr sz="1200" b="1" strike="noStrike" spc="-254" dirty="0">
-                <a:latin typeface="Gill Sans MT" panose="020B0502020104020203"/>
-                <a:cs typeface="Gill Sans MT" panose="020B0502020104020203"/>
-              </a:rPr>
-              <a:t> </a:t>
-            </a:r>
-            <a:r>
-              <a:rPr sz="1200" b="1" strike="noStrike" spc="50" dirty="0">
-                <a:latin typeface="Gill Sans MT" panose="020B0502020104020203"/>
-                <a:cs typeface="Gill Sans MT" panose="020B0502020104020203"/>
-              </a:rPr>
-              <a:t>. </a:t>
-            </a:r>
-            <a:r>
-              <a:rPr sz="1800" b="1" strike="noStrike" spc="75" baseline="32000" dirty="0">
-                <a:latin typeface="Gill Sans MT" panose="020B0502020104020203"/>
-                <a:cs typeface="Gill Sans MT" panose="020B0502020104020203"/>
-              </a:rPr>
-              <a:t>.</a:t>
-            </a:r>
-            <a:endParaRPr sz="1800" baseline="32000">
-              <a:latin typeface="Gill Sans MT" panose="020B0502020104020203"/>
-              <a:cs typeface="Gill Sans MT" panose="020B0502020104020203"/>
-            </a:endParaRPr>
-          </a:p>
-          <a:p>
-            <a:pPr marL="12700">
-              <a:lnSpc>
-                <a:spcPts val="700"/>
-              </a:lnSpc>
-            </a:pPr>
-            <a:r>
-              <a:rPr sz="600" b="1" spc="-5" dirty="0">
-                <a:solidFill>
-                  <a:srgbClr val="FFFFFF"/>
-                </a:solidFill>
-                <a:latin typeface="Gill Sans MT" panose="020B0502020104020203"/>
-                <a:cs typeface="Gill Sans MT" panose="020B0502020104020203"/>
-                <a:sym typeface="+mn-ea"/>
-              </a:rPr>
-              <a:t>202</a:t>
-            </a:r>
-            <a:r>
-              <a:rPr lang="en-US" sz="600" b="1" spc="-5" dirty="0">
-                <a:solidFill>
-                  <a:srgbClr val="FFFFFF"/>
-                </a:solidFill>
-                <a:latin typeface="Gill Sans MT" panose="020B0502020104020203"/>
-                <a:cs typeface="Gill Sans MT" panose="020B0502020104020203"/>
-                <a:sym typeface="+mn-ea"/>
-              </a:rPr>
-              <a:t>4</a:t>
-            </a:r>
-            <a:r>
-              <a:rPr lang="en-US" sz="600" b="1" spc="-5" dirty="0">
-                <a:solidFill>
-                  <a:srgbClr val="FFFFFF"/>
-                </a:solidFill>
-                <a:latin typeface="Gill Sans MT" panose="020B0502020104020203"/>
-                <a:cs typeface="Gill Sans MT" panose="020B0502020104020203"/>
-                <a:sym typeface="+mn-ea"/>
-              </a:rPr>
-              <a:t> ZJNU ACM </a:t>
-            </a:r>
-            <a:r>
-              <a:rPr sz="600" b="1" spc="-5" dirty="0">
-                <a:solidFill>
-                  <a:srgbClr val="FFFFFF"/>
-                </a:solidFill>
-                <a:latin typeface="Gill Sans MT" panose="020B0502020104020203"/>
-                <a:cs typeface="Gill Sans MT" panose="020B0502020104020203"/>
-                <a:sym typeface="+mn-ea"/>
-              </a:rPr>
-              <a:t>DP</a:t>
-            </a:r>
-            <a:r>
-              <a:rPr lang="zh-CN" sz="600" b="1" spc="-5" dirty="0">
-                <a:solidFill>
-                  <a:srgbClr val="FFFFFF"/>
-                </a:solidFill>
-                <a:latin typeface="Gill Sans MT" panose="020B0502020104020203"/>
-                <a:cs typeface="Gill Sans MT" panose="020B0502020104020203"/>
-                <a:sym typeface="+mn-ea"/>
-              </a:rPr>
-              <a:t>（</a:t>
-            </a:r>
-            <a:r>
-              <a:rPr sz="600" b="1" spc="-5" dirty="0">
-                <a:solidFill>
-                  <a:srgbClr val="FFFFFF"/>
-                </a:solidFill>
-                <a:latin typeface="Gill Sans MT" panose="020B0502020104020203"/>
-                <a:cs typeface="Gill Sans MT" panose="020B0502020104020203"/>
-                <a:sym typeface="+mn-ea"/>
-              </a:rPr>
-              <a:t>一）</a:t>
-            </a:r>
-            <a:endParaRPr lang="en-US" sz="600" b="1" spc="-5" dirty="0">
-              <a:solidFill>
-                <a:srgbClr val="FFFFFF"/>
-              </a:solidFill>
-              <a:latin typeface="Gill Sans MT" panose="020B0502020104020203"/>
-              <a:cs typeface="Gill Sans MT" panose="020B0502020104020203"/>
-            </a:endParaRPr>
-          </a:p>
-        </p:txBody>
-      </p:sp>
-      <p:sp>
-        <p:nvSpPr>
-          <p:cNvPr id="11" name="文本框 10"/>
-          <p:cNvSpPr txBox="1"/>
-          <p:nvPr/>
-        </p:nvSpPr>
-        <p:spPr>
-          <a:xfrm>
-            <a:off x="215900" y="31750"/>
-            <a:ext cx="3876040" cy="290195"/>
-          </a:xfrm>
-          <a:prstGeom prst="rect">
-            <a:avLst/>
-          </a:prstGeom>
-          <a:noFill/>
-        </p:spPr>
-        <p:txBody>
-          <a:bodyPr wrap="square" rtlCol="0">
-            <a:noAutofit/>
-          </a:bodyPr>
-          <a:p>
-            <a:r>
-              <a:rPr lang="zh-CN" altLang="en-US">
-                <a:solidFill>
-                  <a:schemeClr val="bg1"/>
-                </a:solidFill>
-              </a:rPr>
-              <a:t>状压</a:t>
-            </a:r>
-            <a:r>
-              <a:rPr lang="en-US" altLang="zh-CN">
-                <a:solidFill>
-                  <a:schemeClr val="bg1"/>
-                </a:solidFill>
-              </a:rPr>
-              <a:t>DP</a:t>
-            </a:r>
-            <a:endParaRPr lang="zh-CN" altLang="en-US">
-              <a:solidFill>
-                <a:schemeClr val="bg1"/>
-              </a:solidFill>
-            </a:endParaRPr>
-          </a:p>
-        </p:txBody>
-      </p:sp>
-      <p:sp>
-        <p:nvSpPr>
-          <p:cNvPr id="3" name="文本框 2"/>
-          <p:cNvSpPr txBox="1"/>
-          <p:nvPr/>
-        </p:nvSpPr>
-        <p:spPr>
-          <a:xfrm>
-            <a:off x="596900" y="631825"/>
-            <a:ext cx="4437380" cy="675005"/>
-          </a:xfrm>
-          <a:prstGeom prst="rect">
-            <a:avLst/>
-          </a:prstGeom>
-          <a:noFill/>
-        </p:spPr>
-        <p:txBody>
-          <a:bodyPr wrap="square" rtlCol="0">
-            <a:noAutofit/>
-          </a:bodyPr>
-          <a:p>
-            <a:r>
-              <a:rPr lang="zh-CN" altLang="en-US"/>
-              <a:t>看守</a:t>
-            </a:r>
-            <a:br>
-              <a:rPr lang="zh-CN" altLang="en-US"/>
-            </a:br>
-            <a:r>
-              <a:rPr lang="zh-CN" altLang="en-US" sz="1000"/>
-              <a:t>给出</a:t>
-            </a:r>
-            <a:r>
-              <a:rPr lang="en-US" altLang="zh-CN" sz="1000"/>
-              <a:t>d</a:t>
-            </a:r>
-            <a:r>
-              <a:rPr lang="zh-CN" altLang="en-US" sz="1000"/>
-              <a:t>维空间的</a:t>
-            </a:r>
-            <a:r>
-              <a:rPr lang="en-US" altLang="zh-CN" sz="1000"/>
-              <a:t>n</a:t>
-            </a:r>
-            <a:r>
-              <a:rPr lang="zh-CN" altLang="en-US" sz="1000"/>
-              <a:t>个点，求曼哈顿距离最大的两个点的曼哈顿距离。</a:t>
-            </a:r>
-            <a:endParaRPr lang="zh-CN" altLang="en-US" sz="1000"/>
-          </a:p>
-          <a:p>
-            <a:endParaRPr lang="en-US" altLang="zh-CN" sz="1000"/>
-          </a:p>
-          <a:p>
-            <a:r>
-              <a:rPr lang="en-US" altLang="zh-CN" sz="1000"/>
-              <a:t>d&lt;=4, n&lt;=100000</a:t>
-            </a:r>
-            <a:endParaRPr lang="en-US" altLang="zh-CN" sz="1000"/>
-          </a:p>
-        </p:txBody>
-      </p:sp>
-      <p:sp>
-        <p:nvSpPr>
-          <p:cNvPr id="4" name="文本框 3"/>
-          <p:cNvSpPr txBox="1"/>
-          <p:nvPr/>
-        </p:nvSpPr>
-        <p:spPr>
-          <a:xfrm>
-            <a:off x="596900" y="1698625"/>
-            <a:ext cx="3839210" cy="1168400"/>
-          </a:xfrm>
-          <a:prstGeom prst="rect">
-            <a:avLst/>
-          </a:prstGeom>
-          <a:noFill/>
-        </p:spPr>
-        <p:txBody>
-          <a:bodyPr wrap="square" rtlCol="0">
-            <a:spAutoFit/>
-          </a:bodyPr>
-          <a:p>
-            <a:r>
-              <a:rPr lang="zh-CN" altLang="en-US" sz="1000"/>
-              <a:t>以二维为例，两个点的曼哈顿距离为</a:t>
-            </a:r>
-            <a:r>
-              <a:rPr lang="en-US" altLang="zh-CN" sz="1000"/>
-              <a:t>|x1-x2|+|y1-y2|</a:t>
-            </a:r>
-            <a:endParaRPr lang="en-US" altLang="zh-CN" sz="1000"/>
-          </a:p>
-          <a:p>
-            <a:r>
-              <a:rPr lang="zh-CN" altLang="en-US" sz="1000"/>
-              <a:t>拆掉绝对之后，我们就得到了四</a:t>
-            </a:r>
-            <a:r>
-              <a:rPr lang="zh-CN" altLang="en-US" sz="1000"/>
-              <a:t>个式子：</a:t>
-            </a:r>
-            <a:endParaRPr lang="zh-CN" altLang="en-US" sz="1000"/>
-          </a:p>
-          <a:p>
-            <a:r>
-              <a:rPr lang="en-US" altLang="zh-CN" sz="1000"/>
-              <a:t>x1-x2+y1-y2 =&gt; (x1+y1) - (x2+y2)</a:t>
-            </a:r>
-            <a:endParaRPr lang="en-US" altLang="zh-CN" sz="1000"/>
-          </a:p>
-          <a:p>
-            <a:r>
-              <a:rPr lang="en-US" altLang="zh-CN" sz="1000"/>
-              <a:t>-x1+x2+y1-y2 =&gt; (-x1+y1)-(-x2+y2)</a:t>
-            </a:r>
-            <a:endParaRPr lang="en-US" altLang="zh-CN" sz="1000"/>
-          </a:p>
-          <a:p>
-            <a:r>
-              <a:rPr lang="en-US" altLang="zh-CN" sz="1000">
-                <a:sym typeface="+mn-ea"/>
-              </a:rPr>
-              <a:t>x1-x2-y1+y2 =&gt; (x1-y1)-(x2-y2)</a:t>
-            </a:r>
-            <a:endParaRPr lang="en-US" altLang="zh-CN" sz="1000"/>
-          </a:p>
-          <a:p>
-            <a:r>
-              <a:rPr lang="en-US" altLang="zh-CN" sz="1000">
-                <a:sym typeface="+mn-ea"/>
-              </a:rPr>
-              <a:t>-x1+x2-y1+y2 =&gt; (-x1-y1)-(-x2-y2)</a:t>
-            </a:r>
-            <a:endParaRPr lang="en-US" altLang="zh-CN" sz="1000"/>
-          </a:p>
-          <a:p>
-            <a:endParaRPr lang="en-US" altLang="zh-CN" sz="1000"/>
-          </a:p>
-        </p:txBody>
-      </p:sp>
-    </p:spTree>
-  </p:cSld>
-  <p:clrMapOvr>
-    <a:masterClrMapping/>
-  </p:clrMapOvr>
-  <p:transition>
-    <p:cut/>
-  </p:transition>
-  <p:timing>
-    <p:tnLst>
-      <p:par>
-        <p:cTn id="1" dur="indefinite" restart="never" nodeType="tmRoot">
-          <p:childTnLst>
-            <p:seq concurrent="1" nextAc="seek">
-              <p:cTn id="2" dur="indefinite" nodeType="mainSeq">
-                <p:childTnLst>
-                  <p:par>
-                    <p:cTn id="3" fill="hold">
-                      <p:stCondLst>
-                        <p:cond delay="indefinite"/>
-                      </p:stCondLst>
-                      <p:childTnLst>
-                        <p:par>
-                          <p:cTn id="4" fill="hold">
-                            <p:stCondLst>
-                              <p:cond delay="0"/>
-                            </p:stCondLst>
-                            <p:childTnLst>
-                              <p:par>
-                                <p:cTn id="5" presetID="12" presetClass="entr" presetSubtype="4" fill="hold" nodeType="clickEffect">
-                                  <p:stCondLst>
-                                    <p:cond delay="0"/>
-                                  </p:stCondLst>
-                                  <p:childTnLst>
-                                    <p:set>
-                                      <p:cBhvr>
-                                        <p:cTn id="6" dur="1" fill="hold">
-                                          <p:stCondLst>
-                                            <p:cond delay="0"/>
-                                          </p:stCondLst>
-                                        </p:cTn>
-                                        <p:tgtEl>
-                                          <p:spTgt spid="4">
-                                            <p:txEl>
-                                              <p:pRg st="0" end="0"/>
-                                            </p:txEl>
-                                          </p:spTgt>
-                                        </p:tgtEl>
-                                        <p:attrNameLst>
-                                          <p:attrName>style.visibility</p:attrName>
-                                        </p:attrNameLst>
-                                      </p:cBhvr>
-                                      <p:to>
-                                        <p:strVal val="visible"/>
-                                      </p:to>
-                                    </p:set>
-                                    <p:anim calcmode="lin" valueType="num">
-                                      <p:cBhvr additive="base">
-                                        <p:cTn id="7" dur="500"/>
-                                        <p:tgtEl>
-                                          <p:spTgt spid="4">
-                                            <p:txEl>
-                                              <p:pRg st="0" end="0"/>
-                                            </p:txEl>
-                                          </p:spTgt>
-                                        </p:tgtEl>
-                                        <p:attrNameLst>
-                                          <p:attrName>ppt_y</p:attrName>
-                                        </p:attrNameLst>
-                                      </p:cBhvr>
-                                      <p:tavLst>
-                                        <p:tav tm="0">
-                                          <p:val>
-                                            <p:strVal val="#ppt_y+#ppt_h*1.125000"/>
-                                          </p:val>
-                                        </p:tav>
-                                        <p:tav tm="100000">
-                                          <p:val>
-                                            <p:strVal val="#ppt_y"/>
-                                          </p:val>
-                                        </p:tav>
-                                      </p:tavLst>
-                                    </p:anim>
-                                    <p:animEffect transition="in" filter="wipe(up)">
-                                      <p:cBhvr>
-                                        <p:cTn id="8" dur="500"/>
-                                        <p:tgtEl>
-                                          <p:spTgt spid="4">
-                                            <p:txEl>
-                                              <p:pRg st="0" end="0"/>
-                                            </p:txEl>
-                                          </p:spTgt>
-                                        </p:tgtEl>
-                                      </p:cBhvr>
-                                    </p:animEffect>
-                                  </p:childTnLst>
-                                </p:cTn>
-                              </p:par>
-                              <p:par>
-                                <p:cTn id="9" presetID="12" presetClass="entr" presetSubtype="4" fill="hold" nodeType="withEffect">
-                                  <p:stCondLst>
-                                    <p:cond delay="0"/>
-                                  </p:stCondLst>
-                                  <p:childTnLst>
-                                    <p:set>
-                                      <p:cBhvr>
-                                        <p:cTn id="10" dur="1" fill="hold">
-                                          <p:stCondLst>
-                                            <p:cond delay="0"/>
-                                          </p:stCondLst>
-                                        </p:cTn>
-                                        <p:tgtEl>
-                                          <p:spTgt spid="4">
-                                            <p:txEl>
-                                              <p:pRg st="1" end="1"/>
-                                            </p:txEl>
-                                          </p:spTgt>
-                                        </p:tgtEl>
-                                        <p:attrNameLst>
-                                          <p:attrName>style.visibility</p:attrName>
-                                        </p:attrNameLst>
-                                      </p:cBhvr>
-                                      <p:to>
-                                        <p:strVal val="visible"/>
-                                      </p:to>
-                                    </p:set>
-                                    <p:anim calcmode="lin" valueType="num">
-                                      <p:cBhvr additive="base">
-                                        <p:cTn id="11" dur="500"/>
-                                        <p:tgtEl>
-                                          <p:spTgt spid="4">
-                                            <p:txEl>
-                                              <p:pRg st="1" end="1"/>
-                                            </p:txEl>
-                                          </p:spTgt>
-                                        </p:tgtEl>
-                                        <p:attrNameLst>
-                                          <p:attrName>ppt_y</p:attrName>
-                                        </p:attrNameLst>
-                                      </p:cBhvr>
-                                      <p:tavLst>
-                                        <p:tav tm="0">
-                                          <p:val>
-                                            <p:strVal val="#ppt_y+#ppt_h*1.125000"/>
-                                          </p:val>
-                                        </p:tav>
-                                        <p:tav tm="100000">
-                                          <p:val>
-                                            <p:strVal val="#ppt_y"/>
-                                          </p:val>
-                                        </p:tav>
-                                      </p:tavLst>
-                                    </p:anim>
-                                    <p:animEffect transition="in" filter="wipe(up)">
-                                      <p:cBhvr>
-                                        <p:cTn id="12" dur="500"/>
-                                        <p:tgtEl>
-                                          <p:spTgt spid="4">
-                                            <p:txEl>
-                                              <p:pRg st="1" end="1"/>
-                                            </p:txEl>
-                                          </p:spTgt>
-                                        </p:tgtEl>
-                                      </p:cBhvr>
-                                    </p:animEffect>
-                                  </p:childTnLst>
-                                </p:cTn>
-                              </p:par>
-                              <p:par>
-                                <p:cTn id="13" presetID="12" presetClass="entr" presetSubtype="4" fill="hold" nodeType="withEffect">
-                                  <p:stCondLst>
-                                    <p:cond delay="0"/>
-                                  </p:stCondLst>
-                                  <p:childTnLst>
-                                    <p:set>
-                                      <p:cBhvr>
-                                        <p:cTn id="14" dur="1" fill="hold">
-                                          <p:stCondLst>
-                                            <p:cond delay="0"/>
-                                          </p:stCondLst>
-                                        </p:cTn>
-                                        <p:tgtEl>
-                                          <p:spTgt spid="4">
-                                            <p:txEl>
-                                              <p:pRg st="2" end="2"/>
-                                            </p:txEl>
-                                          </p:spTgt>
-                                        </p:tgtEl>
-                                        <p:attrNameLst>
-                                          <p:attrName>style.visibility</p:attrName>
-                                        </p:attrNameLst>
-                                      </p:cBhvr>
-                                      <p:to>
-                                        <p:strVal val="visible"/>
-                                      </p:to>
-                                    </p:set>
-                                    <p:anim calcmode="lin" valueType="num">
-                                      <p:cBhvr additive="base">
-                                        <p:cTn id="15" dur="500"/>
-                                        <p:tgtEl>
-                                          <p:spTgt spid="4">
-                                            <p:txEl>
-                                              <p:pRg st="2" end="2"/>
-                                            </p:txEl>
-                                          </p:spTgt>
-                                        </p:tgtEl>
-                                        <p:attrNameLst>
-                                          <p:attrName>ppt_y</p:attrName>
-                                        </p:attrNameLst>
-                                      </p:cBhvr>
-                                      <p:tavLst>
-                                        <p:tav tm="0">
-                                          <p:val>
-                                            <p:strVal val="#ppt_y+#ppt_h*1.125000"/>
-                                          </p:val>
-                                        </p:tav>
-                                        <p:tav tm="100000">
-                                          <p:val>
-                                            <p:strVal val="#ppt_y"/>
-                                          </p:val>
-                                        </p:tav>
-                                      </p:tavLst>
-                                    </p:anim>
-                                    <p:animEffect transition="in" filter="wipe(up)">
-                                      <p:cBhvr>
-                                        <p:cTn id="16" dur="500"/>
-                                        <p:tgtEl>
-                                          <p:spTgt spid="4">
-                                            <p:txEl>
-                                              <p:pRg st="2" end="2"/>
-                                            </p:txEl>
-                                          </p:spTgt>
-                                        </p:tgtEl>
-                                      </p:cBhvr>
-                                    </p:animEffect>
-                                  </p:childTnLst>
-                                </p:cTn>
-                              </p:par>
-                              <p:par>
-                                <p:cTn id="17" presetID="12" presetClass="entr" presetSubtype="4" fill="hold" nodeType="withEffect">
-                                  <p:stCondLst>
-                                    <p:cond delay="0"/>
-                                  </p:stCondLst>
-                                  <p:childTnLst>
-                                    <p:set>
-                                      <p:cBhvr>
-                                        <p:cTn id="18" dur="1" fill="hold">
-                                          <p:stCondLst>
-                                            <p:cond delay="0"/>
-                                          </p:stCondLst>
-                                        </p:cTn>
-                                        <p:tgtEl>
-                                          <p:spTgt spid="4">
-                                            <p:txEl>
-                                              <p:pRg st="3" end="3"/>
-                                            </p:txEl>
-                                          </p:spTgt>
-                                        </p:tgtEl>
-                                        <p:attrNameLst>
-                                          <p:attrName>style.visibility</p:attrName>
-                                        </p:attrNameLst>
-                                      </p:cBhvr>
-                                      <p:to>
-                                        <p:strVal val="visible"/>
-                                      </p:to>
-                                    </p:set>
-                                    <p:anim calcmode="lin" valueType="num">
-                                      <p:cBhvr additive="base">
-                                        <p:cTn id="19" dur="500"/>
-                                        <p:tgtEl>
-                                          <p:spTgt spid="4">
-                                            <p:txEl>
-                                              <p:pRg st="3" end="3"/>
-                                            </p:txEl>
-                                          </p:spTgt>
-                                        </p:tgtEl>
-                                        <p:attrNameLst>
-                                          <p:attrName>ppt_y</p:attrName>
-                                        </p:attrNameLst>
-                                      </p:cBhvr>
-                                      <p:tavLst>
-                                        <p:tav tm="0">
-                                          <p:val>
-                                            <p:strVal val="#ppt_y+#ppt_h*1.125000"/>
-                                          </p:val>
-                                        </p:tav>
-                                        <p:tav tm="100000">
-                                          <p:val>
-                                            <p:strVal val="#ppt_y"/>
-                                          </p:val>
-                                        </p:tav>
-                                      </p:tavLst>
-                                    </p:anim>
-                                    <p:animEffect transition="in" filter="wipe(up)">
-                                      <p:cBhvr>
-                                        <p:cTn id="20" dur="500"/>
-                                        <p:tgtEl>
-                                          <p:spTgt spid="4">
-                                            <p:txEl>
-                                              <p:pRg st="3" end="3"/>
-                                            </p:txEl>
-                                          </p:spTgt>
-                                        </p:tgtEl>
-                                      </p:cBhvr>
-                                    </p:animEffect>
-                                  </p:childTnLst>
-                                </p:cTn>
-                              </p:par>
-                              <p:par>
-                                <p:cTn id="21" presetID="12" presetClass="entr" presetSubtype="4" fill="hold" nodeType="withEffect">
-                                  <p:stCondLst>
-                                    <p:cond delay="0"/>
-                                  </p:stCondLst>
-                                  <p:childTnLst>
-                                    <p:set>
-                                      <p:cBhvr>
-                                        <p:cTn id="22" dur="1" fill="hold">
-                                          <p:stCondLst>
-                                            <p:cond delay="0"/>
-                                          </p:stCondLst>
-                                        </p:cTn>
-                                        <p:tgtEl>
-                                          <p:spTgt spid="4">
-                                            <p:txEl>
-                                              <p:pRg st="4" end="4"/>
-                                            </p:txEl>
-                                          </p:spTgt>
-                                        </p:tgtEl>
-                                        <p:attrNameLst>
-                                          <p:attrName>style.visibility</p:attrName>
-                                        </p:attrNameLst>
-                                      </p:cBhvr>
-                                      <p:to>
-                                        <p:strVal val="visible"/>
-                                      </p:to>
-                                    </p:set>
-                                    <p:anim calcmode="lin" valueType="num">
-                                      <p:cBhvr additive="base">
-                                        <p:cTn id="23" dur="500"/>
-                                        <p:tgtEl>
-                                          <p:spTgt spid="4">
-                                            <p:txEl>
-                                              <p:pRg st="4" end="4"/>
-                                            </p:txEl>
-                                          </p:spTgt>
-                                        </p:tgtEl>
-                                        <p:attrNameLst>
-                                          <p:attrName>ppt_y</p:attrName>
-                                        </p:attrNameLst>
-                                      </p:cBhvr>
-                                      <p:tavLst>
-                                        <p:tav tm="0">
-                                          <p:val>
-                                            <p:strVal val="#ppt_y+#ppt_h*1.125000"/>
-                                          </p:val>
-                                        </p:tav>
-                                        <p:tav tm="100000">
-                                          <p:val>
-                                            <p:strVal val="#ppt_y"/>
-                                          </p:val>
-                                        </p:tav>
-                                      </p:tavLst>
-                                    </p:anim>
-                                    <p:animEffect transition="in" filter="wipe(up)">
-                                      <p:cBhvr>
-                                        <p:cTn id="24" dur="500"/>
-                                        <p:tgtEl>
-                                          <p:spTgt spid="4">
-                                            <p:txEl>
-                                              <p:pRg st="4" end="4"/>
-                                            </p:txEl>
-                                          </p:spTgt>
-                                        </p:tgtEl>
-                                      </p:cBhvr>
-                                    </p:animEffect>
-                                  </p:childTnLst>
-                                </p:cTn>
-                              </p:par>
-                              <p:par>
-                                <p:cTn id="25" presetID="12" presetClass="entr" presetSubtype="4" fill="hold" nodeType="withEffect">
-                                  <p:stCondLst>
-                                    <p:cond delay="0"/>
-                                  </p:stCondLst>
-                                  <p:childTnLst>
-                                    <p:set>
-                                      <p:cBhvr>
-                                        <p:cTn id="26" dur="1" fill="hold">
-                                          <p:stCondLst>
-                                            <p:cond delay="0"/>
-                                          </p:stCondLst>
-                                        </p:cTn>
-                                        <p:tgtEl>
-                                          <p:spTgt spid="4">
-                                            <p:txEl>
-                                              <p:pRg st="5" end="5"/>
-                                            </p:txEl>
-                                          </p:spTgt>
-                                        </p:tgtEl>
-                                        <p:attrNameLst>
-                                          <p:attrName>style.visibility</p:attrName>
-                                        </p:attrNameLst>
-                                      </p:cBhvr>
-                                      <p:to>
-                                        <p:strVal val="visible"/>
-                                      </p:to>
-                                    </p:set>
-                                    <p:anim calcmode="lin" valueType="num">
-                                      <p:cBhvr additive="base">
-                                        <p:cTn id="27" dur="500"/>
-                                        <p:tgtEl>
-                                          <p:spTgt spid="4">
-                                            <p:txEl>
-                                              <p:pRg st="5" end="5"/>
-                                            </p:txEl>
-                                          </p:spTgt>
-                                        </p:tgtEl>
-                                        <p:attrNameLst>
-                                          <p:attrName>ppt_y</p:attrName>
-                                        </p:attrNameLst>
-                                      </p:cBhvr>
-                                      <p:tavLst>
-                                        <p:tav tm="0">
-                                          <p:val>
-                                            <p:strVal val="#ppt_y+#ppt_h*1.125000"/>
-                                          </p:val>
-                                        </p:tav>
-                                        <p:tav tm="100000">
-                                          <p:val>
-                                            <p:strVal val="#ppt_y"/>
-                                          </p:val>
-                                        </p:tav>
-                                      </p:tavLst>
-                                    </p:anim>
-                                    <p:animEffect transition="in" filter="wipe(up)">
-                                      <p:cBhvr>
-                                        <p:cTn id="28" dur="500"/>
-                                        <p:tgtEl>
-                                          <p:spTgt spid="4">
-                                            <p:txEl>
-                                              <p:pRg st="5" end="5"/>
-                                            </p:txEl>
-                                          </p:spTgt>
-                                        </p:tgtEl>
-                                      </p:cBhvr>
-                                    </p:animEffect>
-                                  </p:childTnLst>
-                                </p:cTn>
-                              </p:par>
-                            </p:childTnLst>
-                          </p:cTn>
-                        </p:par>
-                      </p:childTnLst>
-                    </p:cTn>
-                  </p:par>
-                </p:childTnLst>
-              </p:cTn>
-              <p:prevCondLst>
-                <p:cond evt="onPrev" delay="0">
-                  <p:tgtEl>
-                    <p:sldTgt/>
-                  </p:tgtEl>
-                </p:cond>
-              </p:prevCondLst>
-              <p:nextCondLst>
-                <p:cond evt="onNext" delay="0">
-                  <p:tgtEl>
-                    <p:sldTgt/>
-                  </p:tgtEl>
-                </p:cond>
-              </p:nextCondLst>
-            </p:seq>
-          </p:childTnLst>
-        </p:cTn>
-      </p:par>
-    </p:tnLst>
-  </p:timing>
-</p:sld>
-</file>
-
-<file path=ppt/slides/slide14.xml><?xml version="1.0" encoding="utf-8"?>
-<p:sld xmlns:a="http://schemas.openxmlformats.org/drawingml/2006/main" xmlns:r="http://schemas.openxmlformats.org/officeDocument/2006/relationships" xmlns:p="http://schemas.openxmlformats.org/presentationml/2006/main">
-  <p:cSld>
-    <p:spTree>
-      <p:nvGrpSpPr>
-        <p:cNvPr id="1" name=""/>
-        <p:cNvGrpSpPr/>
-        <p:nvPr/>
-      </p:nvGrpSpPr>
-      <p:grpSpPr>
-        <a:xfrm>
-          <a:off x="0" y="0"/>
-          <a:ext cx="0" cy="0"/>
-          <a:chOff x="0" y="0"/>
-          <a:chExt cx="0" cy="0"/>
-        </a:xfrm>
-      </p:grpSpPr>
-      <p:sp>
-        <p:nvSpPr>
-          <p:cNvPr id="2" name="object 2"/>
-          <p:cNvSpPr/>
-          <p:nvPr/>
-        </p:nvSpPr>
-        <p:spPr>
-          <a:xfrm>
-            <a:off x="0" y="20"/>
-            <a:ext cx="5759958" cy="322190"/>
-          </a:xfrm>
-          <a:prstGeom prst="rect">
-            <a:avLst/>
-          </a:prstGeom>
-          <a:blipFill>
-            <a:blip r:embed="rId1" cstate="print"/>
-            <a:stretch>
-              <a:fillRect/>
-            </a:stretch>
-          </a:blipFill>
-        </p:spPr>
-        <p:txBody>
-          <a:bodyPr wrap="square" lIns="0" tIns="0" rIns="0" bIns="0" rtlCol="0"/>
-          <a:lstStyle/>
-          <a:p/>
-        </p:txBody>
-      </p:sp>
-      <p:sp>
-        <p:nvSpPr>
-          <p:cNvPr id="5" name="object 5"/>
-          <p:cNvSpPr/>
-          <p:nvPr/>
-        </p:nvSpPr>
-        <p:spPr>
-          <a:xfrm>
-            <a:off x="0" y="3113900"/>
-            <a:ext cx="2880360" cy="126364"/>
-          </a:xfrm>
-          <a:custGeom>
-            <a:avLst/>
-            <a:gdLst/>
-            <a:ahLst/>
-            <a:cxnLst/>
-            <a:rect l="l" t="t" r="r" b="b"/>
-            <a:pathLst>
-              <a:path w="2880360" h="126364">
-                <a:moveTo>
-                  <a:pt x="0" y="126123"/>
-                </a:moveTo>
-                <a:lnTo>
-                  <a:pt x="2880004" y="126123"/>
-                </a:lnTo>
-                <a:lnTo>
-                  <a:pt x="2880004" y="0"/>
-                </a:lnTo>
-                <a:lnTo>
-                  <a:pt x="0" y="0"/>
-                </a:lnTo>
-                <a:lnTo>
-                  <a:pt x="0" y="126123"/>
-                </a:lnTo>
-                <a:close/>
-              </a:path>
-            </a:pathLst>
-          </a:custGeom>
-          <a:solidFill>
-            <a:srgbClr val="000000"/>
-          </a:solidFill>
-        </p:spPr>
-        <p:txBody>
-          <a:bodyPr wrap="square" lIns="0" tIns="0" rIns="0" bIns="0" rtlCol="0"/>
-          <a:lstStyle/>
-          <a:p/>
-        </p:txBody>
-      </p:sp>
-      <p:sp>
-        <p:nvSpPr>
-          <p:cNvPr id="6" name="object 6"/>
-          <p:cNvSpPr/>
-          <p:nvPr/>
-        </p:nvSpPr>
-        <p:spPr>
-          <a:xfrm>
-            <a:off x="2880004" y="3113900"/>
-            <a:ext cx="2880360" cy="126364"/>
-          </a:xfrm>
-          <a:custGeom>
-            <a:avLst/>
-            <a:gdLst/>
-            <a:ahLst/>
-            <a:cxnLst/>
-            <a:rect l="l" t="t" r="r" b="b"/>
-            <a:pathLst>
-              <a:path w="2880360" h="126364">
-                <a:moveTo>
-                  <a:pt x="0" y="126123"/>
-                </a:moveTo>
-                <a:lnTo>
-                  <a:pt x="2880004" y="126123"/>
-                </a:lnTo>
-                <a:lnTo>
-                  <a:pt x="2880004" y="0"/>
-                </a:lnTo>
-                <a:lnTo>
-                  <a:pt x="0" y="0"/>
-                </a:lnTo>
-                <a:lnTo>
-                  <a:pt x="0" y="126123"/>
-                </a:lnTo>
-                <a:close/>
-              </a:path>
-            </a:pathLst>
-          </a:custGeom>
-          <a:solidFill>
-            <a:srgbClr val="3333B2"/>
-          </a:solidFill>
-        </p:spPr>
-        <p:txBody>
-          <a:bodyPr wrap="square" lIns="0" tIns="0" rIns="0" bIns="0" rtlCol="0"/>
-          <a:lstStyle/>
-          <a:p/>
-        </p:txBody>
-      </p:sp>
-      <p:sp>
-        <p:nvSpPr>
-          <p:cNvPr id="8" name="object 8"/>
-          <p:cNvSpPr txBox="1">
-            <a:spLocks noGrp="1"/>
-          </p:cNvSpPr>
-          <p:nvPr>
-            <p:ph type="ftr" sz="quarter" idx="5"/>
-          </p:nvPr>
-        </p:nvSpPr>
-        <p:spPr>
-          <a:xfrm>
-            <a:off x="2093595" y="3101975"/>
-            <a:ext cx="700405" cy="114300"/>
-          </a:xfrm>
-          <a:prstGeom prst="rect">
-            <a:avLst/>
-          </a:prstGeom>
-        </p:spPr>
-        <p:txBody>
-          <a:bodyPr vert="horz" wrap="square" lIns="0" tIns="22225" rIns="0" bIns="0" rtlCol="0">
-            <a:spAutoFit/>
-          </a:bodyPr>
-          <a:lstStyle/>
-          <a:p>
-            <a:pPr marL="12700">
-              <a:lnSpc>
-                <a:spcPct val="100000"/>
-              </a:lnSpc>
-              <a:spcBef>
-                <a:spcPts val="175"/>
-              </a:spcBef>
-            </a:pPr>
-            <a:r>
-              <a:rPr lang="en-US" spc="45" dirty="0">
-                <a:latin typeface="Tahoma" panose="020B0604030504040204"/>
-                <a:cs typeface="Tahoma" panose="020B0604030504040204"/>
-                <a:sym typeface="+mn-ea"/>
-              </a:rPr>
-              <a:t>ZJNU ACM</a:t>
-            </a:r>
-            <a:r>
-              <a:rPr spc="35" dirty="0">
-                <a:latin typeface="宋体" panose="02010600030101010101" pitchFamily="2" charset="-122"/>
-                <a:cs typeface="宋体" panose="02010600030101010101" pitchFamily="2" charset="-122"/>
-                <a:sym typeface="+mn-ea"/>
-              </a:rPr>
-              <a:t>集训队</a:t>
-            </a:r>
-            <a:endParaRPr spc="-5" dirty="0">
-              <a:latin typeface="Microsoft JhengHei UI" panose="020B0604030504040204" charset="-120"/>
-              <a:cs typeface="Microsoft JhengHei UI" panose="020B0604030504040204" charset="-120"/>
-            </a:endParaRPr>
-          </a:p>
-        </p:txBody>
-      </p:sp>
-      <p:sp>
-        <p:nvSpPr>
-          <p:cNvPr id="9" name="object 6"/>
-          <p:cNvSpPr txBox="1"/>
-          <p:nvPr/>
-        </p:nvSpPr>
-        <p:spPr>
-          <a:xfrm>
-            <a:off x="2975305" y="2819117"/>
-            <a:ext cx="2785745" cy="398780"/>
-          </a:xfrm>
-          <a:prstGeom prst="rect">
-            <a:avLst/>
-          </a:prstGeom>
-        </p:spPr>
-        <p:txBody>
-          <a:bodyPr vert="horz" wrap="square" lIns="0" tIns="127000" rIns="0" bIns="0" rtlCol="0">
-            <a:spAutoFit/>
-          </a:bodyPr>
-          <a:p>
-            <a:pPr marL="917575">
-              <a:lnSpc>
-                <a:spcPts val="1420"/>
-              </a:lnSpc>
-              <a:spcBef>
-                <a:spcPts val="1000"/>
-              </a:spcBef>
-            </a:pPr>
-            <a:r>
-              <a:rPr sz="1200" b="1" spc="50" dirty="0">
-                <a:latin typeface="Gill Sans MT" panose="020B0502020104020203"/>
-                <a:cs typeface="Gill Sans MT" panose="020B0502020104020203"/>
-                <a:hlinkClick r:id="rId2" action="ppaction://hlinksldjump"/>
-              </a:rPr>
-              <a:t>. . </a:t>
-            </a:r>
-            <a:r>
-              <a:rPr sz="1200" b="1" spc="50" dirty="0">
-                <a:latin typeface="Gill Sans MT" panose="020B0502020104020203"/>
-                <a:cs typeface="Gill Sans MT" panose="020B0502020104020203"/>
-                <a:hlinkClick r:id="rId3" action="ppaction://hlinksldjump"/>
-              </a:rPr>
-              <a:t>. </a:t>
-            </a:r>
-            <a:r>
-              <a:rPr sz="1800" b="1" spc="225" baseline="32000" dirty="0">
-                <a:latin typeface="Gill Sans MT" panose="020B0502020104020203"/>
-                <a:cs typeface="Gill Sans MT" panose="020B0502020104020203"/>
-              </a:rPr>
-              <a:t>.</a:t>
-            </a:r>
-            <a:r>
-              <a:rPr sz="1200" b="1" spc="150" dirty="0">
-                <a:latin typeface="Gill Sans MT" panose="020B0502020104020203"/>
-                <a:cs typeface="Gill Sans MT" panose="020B0502020104020203"/>
-                <a:hlinkClick r:id="rId2" action="ppaction://hlinksldjump"/>
-              </a:rPr>
-              <a:t>.</a:t>
-            </a:r>
-            <a:r>
-              <a:rPr sz="1200" b="1" spc="150" dirty="0">
-                <a:latin typeface="Gill Sans MT" panose="020B0502020104020203"/>
-                <a:cs typeface="Gill Sans MT" panose="020B0502020104020203"/>
-                <a:hlinkClick r:id="rId2" action="ppaction://hlinksldjump"/>
-              </a:rPr>
-              <a:t>.</a:t>
-            </a:r>
-            <a:r>
-              <a:rPr sz="1200" b="1" spc="150" dirty="0">
-                <a:latin typeface="Gill Sans MT" panose="020B0502020104020203"/>
-                <a:cs typeface="Gill Sans MT" panose="020B0502020104020203"/>
-                <a:hlinkClick r:id="rId2" action="ppaction://hlinksldjump"/>
-              </a:rPr>
-              <a:t>.</a:t>
-            </a:r>
-            <a:r>
-              <a:rPr sz="1200" b="1" spc="150" dirty="0">
-                <a:latin typeface="Gill Sans MT" panose="020B0502020104020203"/>
-                <a:cs typeface="Gill Sans MT" panose="020B0502020104020203"/>
-                <a:hlinkClick r:id="rId3" action="ppaction://hlinksldjump"/>
-              </a:rPr>
-              <a:t>.</a:t>
-            </a:r>
-            <a:r>
-              <a:rPr sz="1800" b="1" spc="225" baseline="32000" dirty="0">
-                <a:latin typeface="Gill Sans MT" panose="020B0502020104020203"/>
-                <a:cs typeface="Gill Sans MT" panose="020B0502020104020203"/>
-              </a:rPr>
-              <a:t>.</a:t>
-            </a:r>
-            <a:r>
-              <a:rPr sz="1200" b="1" spc="150" dirty="0">
-                <a:latin typeface="Gill Sans MT" panose="020B0502020104020203"/>
-                <a:cs typeface="Gill Sans MT" panose="020B0502020104020203"/>
-                <a:hlinkClick r:id="rId2" action="ppaction://hlinksldjump"/>
-              </a:rPr>
-              <a:t>.</a:t>
-            </a:r>
-            <a:r>
-              <a:rPr sz="1200" b="1" spc="150" dirty="0">
-                <a:latin typeface="Gill Sans MT" panose="020B0502020104020203"/>
-                <a:cs typeface="Gill Sans MT" panose="020B0502020104020203"/>
-                <a:hlinkClick r:id="rId2" action="ppaction://hlinksldjump"/>
-              </a:rPr>
-              <a:t>.</a:t>
-            </a:r>
-            <a:r>
-              <a:rPr sz="1200" b="1" spc="150" dirty="0">
-                <a:latin typeface="Gill Sans MT" panose="020B0502020104020203"/>
-                <a:cs typeface="Gill Sans MT" panose="020B0502020104020203"/>
-                <a:hlinkClick r:id="rId2" action="ppaction://hlinksldjump"/>
-              </a:rPr>
-              <a:t>.</a:t>
-            </a:r>
-            <a:r>
-              <a:rPr sz="1200" b="1" spc="150" dirty="0">
-                <a:latin typeface="Gill Sans MT" panose="020B0502020104020203"/>
-                <a:cs typeface="Gill Sans MT" panose="020B0502020104020203"/>
-                <a:hlinkClick r:id="rId2" action="ppaction://hlinksldjump"/>
-              </a:rPr>
-              <a:t>.</a:t>
-            </a:r>
-            <a:r>
-              <a:rPr sz="1800" b="1" spc="225" baseline="32000" dirty="0">
-                <a:latin typeface="Gill Sans MT" panose="020B0502020104020203"/>
-                <a:cs typeface="Gill Sans MT" panose="020B0502020104020203"/>
-              </a:rPr>
-              <a:t>.</a:t>
-            </a:r>
-            <a:r>
-              <a:rPr sz="1200" b="1" spc="150" dirty="0">
-                <a:latin typeface="Gill Sans MT" panose="020B0502020104020203"/>
-                <a:cs typeface="Gill Sans MT" panose="020B0502020104020203"/>
-                <a:hlinkClick r:id="rId2" action="ppaction://hlinksldjump"/>
-              </a:rPr>
-              <a:t>.</a:t>
-            </a:r>
-            <a:r>
-              <a:rPr sz="1200" b="1" spc="150" dirty="0">
-                <a:latin typeface="Gill Sans MT" panose="020B0502020104020203"/>
-                <a:cs typeface="Gill Sans MT" panose="020B0502020104020203"/>
-                <a:hlinkClick r:id="rId2" action="ppaction://hlinksldjump"/>
-              </a:rPr>
-              <a:t>.</a:t>
-            </a:r>
-            <a:r>
-              <a:rPr sz="1200" b="1" spc="150" dirty="0">
-                <a:latin typeface="Gill Sans MT" panose="020B0502020104020203"/>
-                <a:cs typeface="Gill Sans MT" panose="020B0502020104020203"/>
-                <a:hlinkClick r:id="rId2" action="ppaction://hlinksldjump"/>
-              </a:rPr>
-              <a:t>.</a:t>
-            </a:r>
-            <a:r>
-              <a:rPr sz="1200" b="1" spc="150" dirty="0">
-                <a:latin typeface="Gill Sans MT" panose="020B0502020104020203"/>
-                <a:cs typeface="Gill Sans MT" panose="020B0502020104020203"/>
-                <a:hlinkClick r:id="rId2" action="ppaction://hlinksldjump"/>
-              </a:rPr>
-              <a:t>.</a:t>
-            </a:r>
-            <a:r>
-              <a:rPr sz="1800" b="1" spc="225" baseline="32000" dirty="0">
-                <a:latin typeface="Gill Sans MT" panose="020B0502020104020203"/>
-                <a:cs typeface="Gill Sans MT" panose="020B0502020104020203"/>
-              </a:rPr>
-              <a:t>.</a:t>
-            </a:r>
-            <a:r>
-              <a:rPr sz="1200" b="1" spc="150" dirty="0">
-                <a:latin typeface="Gill Sans MT" panose="020B0502020104020203"/>
-                <a:cs typeface="Gill Sans MT" panose="020B0502020104020203"/>
-                <a:hlinkClick r:id="rId2" action="ppaction://hlinksldjump"/>
-              </a:rPr>
-              <a:t>.</a:t>
-            </a:r>
-            <a:r>
-              <a:rPr sz="1200" b="1" spc="150" dirty="0">
-                <a:latin typeface="Gill Sans MT" panose="020B0502020104020203"/>
-                <a:cs typeface="Gill Sans MT" panose="020B0502020104020203"/>
-              </a:rPr>
-              <a:t> </a:t>
-            </a:r>
-            <a:r>
-              <a:rPr sz="1200" b="1" strike="sngStrike" spc="50" dirty="0">
-                <a:latin typeface="Gill Sans MT" panose="020B0502020104020203"/>
-                <a:cs typeface="Gill Sans MT" panose="020B0502020104020203"/>
-              </a:rPr>
-              <a:t>.</a:t>
-            </a:r>
-            <a:r>
-              <a:rPr sz="1200" b="1" strike="noStrike" spc="50" dirty="0">
-                <a:latin typeface="Gill Sans MT" panose="020B0502020104020203"/>
-                <a:cs typeface="Gill Sans MT" panose="020B0502020104020203"/>
-              </a:rPr>
-              <a:t> </a:t>
-            </a:r>
-            <a:r>
-              <a:rPr sz="1800" b="1" strike="noStrike" spc="135" baseline="32000" dirty="0">
-                <a:latin typeface="Gill Sans MT" panose="020B0502020104020203"/>
-                <a:cs typeface="Gill Sans MT" panose="020B0502020104020203"/>
-              </a:rPr>
-              <a:t>.</a:t>
-            </a:r>
-            <a:r>
-              <a:rPr sz="1200" b="1" strike="noStrike" spc="90" dirty="0">
-                <a:latin typeface="Gill Sans MT" panose="020B0502020104020203"/>
-                <a:cs typeface="Gill Sans MT" panose="020B0502020104020203"/>
-              </a:rPr>
-              <a:t>. </a:t>
-            </a:r>
-            <a:r>
-              <a:rPr sz="1200" b="1" strike="noStrike" spc="50" dirty="0">
-                <a:latin typeface="Gill Sans MT" panose="020B0502020104020203"/>
-                <a:cs typeface="Gill Sans MT" panose="020B0502020104020203"/>
-              </a:rPr>
-              <a:t>.</a:t>
-            </a:r>
-            <a:r>
-              <a:rPr sz="1200" b="1" strike="noStrike" spc="-254" dirty="0">
-                <a:latin typeface="Gill Sans MT" panose="020B0502020104020203"/>
-                <a:cs typeface="Gill Sans MT" panose="020B0502020104020203"/>
-              </a:rPr>
-              <a:t> </a:t>
-            </a:r>
-            <a:r>
-              <a:rPr sz="1200" b="1" strike="noStrike" spc="50" dirty="0">
-                <a:latin typeface="Gill Sans MT" panose="020B0502020104020203"/>
-                <a:cs typeface="Gill Sans MT" panose="020B0502020104020203"/>
-              </a:rPr>
-              <a:t>. </a:t>
-            </a:r>
-            <a:r>
-              <a:rPr sz="1800" b="1" strike="noStrike" spc="75" baseline="32000" dirty="0">
-                <a:latin typeface="Gill Sans MT" panose="020B0502020104020203"/>
-                <a:cs typeface="Gill Sans MT" panose="020B0502020104020203"/>
-              </a:rPr>
-              <a:t>.</a:t>
-            </a:r>
-            <a:endParaRPr sz="1800" baseline="32000">
-              <a:latin typeface="Gill Sans MT" panose="020B0502020104020203"/>
-              <a:cs typeface="Gill Sans MT" panose="020B0502020104020203"/>
-            </a:endParaRPr>
-          </a:p>
-          <a:p>
-            <a:pPr marL="12700">
-              <a:lnSpc>
-                <a:spcPts val="700"/>
-              </a:lnSpc>
-            </a:pPr>
-            <a:r>
-              <a:rPr sz="600" b="1" spc="-5" dirty="0">
-                <a:solidFill>
-                  <a:srgbClr val="FFFFFF"/>
-                </a:solidFill>
-                <a:latin typeface="Gill Sans MT" panose="020B0502020104020203"/>
-                <a:cs typeface="Gill Sans MT" panose="020B0502020104020203"/>
-                <a:sym typeface="+mn-ea"/>
-              </a:rPr>
-              <a:t>202</a:t>
-            </a:r>
-            <a:r>
-              <a:rPr lang="en-US" sz="600" b="1" spc="-5" dirty="0">
-                <a:solidFill>
-                  <a:srgbClr val="FFFFFF"/>
-                </a:solidFill>
-                <a:latin typeface="Gill Sans MT" panose="020B0502020104020203"/>
-                <a:cs typeface="Gill Sans MT" panose="020B0502020104020203"/>
-                <a:sym typeface="+mn-ea"/>
-              </a:rPr>
-              <a:t>4</a:t>
-            </a:r>
-            <a:r>
-              <a:rPr lang="en-US" sz="600" b="1" spc="-5" dirty="0">
-                <a:solidFill>
-                  <a:srgbClr val="FFFFFF"/>
-                </a:solidFill>
-                <a:latin typeface="Gill Sans MT" panose="020B0502020104020203"/>
-                <a:cs typeface="Gill Sans MT" panose="020B0502020104020203"/>
-                <a:sym typeface="+mn-ea"/>
-              </a:rPr>
-              <a:t> ZJNU ACM </a:t>
-            </a:r>
-            <a:r>
-              <a:rPr sz="600" b="1" spc="-5" dirty="0">
-                <a:solidFill>
-                  <a:srgbClr val="FFFFFF"/>
-                </a:solidFill>
-                <a:latin typeface="Gill Sans MT" panose="020B0502020104020203"/>
-                <a:cs typeface="Gill Sans MT" panose="020B0502020104020203"/>
-                <a:sym typeface="+mn-ea"/>
-              </a:rPr>
-              <a:t>DP</a:t>
-            </a:r>
-            <a:r>
-              <a:rPr lang="zh-CN" sz="600" b="1" spc="-5" dirty="0">
-                <a:solidFill>
-                  <a:srgbClr val="FFFFFF"/>
-                </a:solidFill>
-                <a:latin typeface="Gill Sans MT" panose="020B0502020104020203"/>
-                <a:cs typeface="Gill Sans MT" panose="020B0502020104020203"/>
-                <a:sym typeface="+mn-ea"/>
-              </a:rPr>
-              <a:t>（</a:t>
-            </a:r>
-            <a:r>
-              <a:rPr sz="600" b="1" spc="-5" dirty="0">
-                <a:solidFill>
-                  <a:srgbClr val="FFFFFF"/>
-                </a:solidFill>
-                <a:latin typeface="Gill Sans MT" panose="020B0502020104020203"/>
-                <a:cs typeface="Gill Sans MT" panose="020B0502020104020203"/>
-                <a:sym typeface="+mn-ea"/>
-              </a:rPr>
-              <a:t>一）</a:t>
-            </a:r>
-            <a:endParaRPr lang="en-US" sz="600" b="1" spc="-5" dirty="0">
-              <a:solidFill>
-                <a:srgbClr val="FFFFFF"/>
-              </a:solidFill>
-              <a:latin typeface="Gill Sans MT" panose="020B0502020104020203"/>
-              <a:cs typeface="Gill Sans MT" panose="020B0502020104020203"/>
-            </a:endParaRPr>
-          </a:p>
-        </p:txBody>
-      </p:sp>
-      <p:sp>
-        <p:nvSpPr>
-          <p:cNvPr id="11" name="文本框 10"/>
-          <p:cNvSpPr txBox="1"/>
-          <p:nvPr/>
-        </p:nvSpPr>
-        <p:spPr>
-          <a:xfrm>
-            <a:off x="215900" y="31750"/>
-            <a:ext cx="3876040" cy="290195"/>
-          </a:xfrm>
-          <a:prstGeom prst="rect">
-            <a:avLst/>
-          </a:prstGeom>
-          <a:noFill/>
-        </p:spPr>
-        <p:txBody>
-          <a:bodyPr wrap="square" rtlCol="0">
-            <a:noAutofit/>
-          </a:bodyPr>
-          <a:p>
-            <a:r>
-              <a:rPr lang="zh-CN" altLang="en-US">
-                <a:solidFill>
-                  <a:schemeClr val="bg1"/>
-                </a:solidFill>
-              </a:rPr>
-              <a:t>数位</a:t>
-            </a:r>
-            <a:r>
-              <a:rPr lang="en-US" altLang="zh-CN">
-                <a:solidFill>
-                  <a:schemeClr val="bg1"/>
-                </a:solidFill>
-              </a:rPr>
-              <a:t>DP</a:t>
-            </a:r>
-            <a:endParaRPr lang="zh-CN" altLang="en-US">
-              <a:solidFill>
-                <a:schemeClr val="bg1"/>
-              </a:solidFill>
-            </a:endParaRPr>
-          </a:p>
-        </p:txBody>
-      </p:sp>
-      <p:sp>
-        <p:nvSpPr>
-          <p:cNvPr id="3" name="文本框 2"/>
-          <p:cNvSpPr txBox="1"/>
-          <p:nvPr/>
-        </p:nvSpPr>
-        <p:spPr>
-          <a:xfrm>
-            <a:off x="596900" y="631825"/>
-            <a:ext cx="4437380" cy="1293495"/>
-          </a:xfrm>
-          <a:prstGeom prst="rect">
-            <a:avLst/>
-          </a:prstGeom>
-          <a:noFill/>
-        </p:spPr>
-        <p:txBody>
-          <a:bodyPr wrap="square" rtlCol="0">
-            <a:noAutofit/>
-          </a:bodyPr>
-          <a:p>
-            <a:r>
-              <a:t>数字计数</a:t>
-            </a:r>
-            <a:r>
-              <a:rPr lang="zh-CN" altLang="en-US"/>
-              <a:t>：</a:t>
-            </a:r>
-            <a:br>
-              <a:rPr lang="zh-CN" altLang="en-US"/>
-            </a:br>
-            <a:endParaRPr lang="zh-CN" altLang="en-US" sz="1000"/>
-          </a:p>
-          <a:p>
-            <a:r>
-              <a:rPr lang="zh-CN" altLang="en-US" sz="1000">
-                <a:sym typeface="+mn-lt"/>
-              </a:rPr>
-              <a:t>给定两个正整数 a,b，求在 [a,b] 中的所有整数中，每个数码（digit）各出现了多少次。</a:t>
-            </a:r>
-            <a:endParaRPr lang="zh-CN" altLang="en-US" sz="1000"/>
-          </a:p>
-          <a:p>
-            <a:endParaRPr lang="zh-CN" altLang="en-US" sz="1000"/>
-          </a:p>
-        </p:txBody>
-      </p:sp>
-    </p:spTree>
-  </p:cSld>
-  <p:clrMapOvr>
-    <a:masterClrMapping/>
-  </p:clrMapOvr>
-  <p:transition>
-    <p:cut/>
-  </p:transition>
-  <p:timing>
-    <p:tnLst>
-      <p:par>
-        <p:cTn id="1" dur="indefinite" restart="never" nodeType="tmRoot"/>
-      </p:par>
-    </p:tnLst>
-  </p:timing>
-</p:sld>
-</file>
-
-<file path=ppt/slides/slide15.xml><?xml version="1.0" encoding="utf-8"?>
-<p:sld xmlns:a="http://schemas.openxmlformats.org/drawingml/2006/main" xmlns:r="http://schemas.openxmlformats.org/officeDocument/2006/relationships" xmlns:p="http://schemas.openxmlformats.org/presentationml/2006/main">
-  <p:cSld>
-    <p:spTree>
-      <p:nvGrpSpPr>
-        <p:cNvPr id="1" name=""/>
-        <p:cNvGrpSpPr/>
-        <p:nvPr/>
-      </p:nvGrpSpPr>
-      <p:grpSpPr>
-        <a:xfrm>
-          <a:off x="0" y="0"/>
-          <a:ext cx="0" cy="0"/>
-          <a:chOff x="0" y="0"/>
-          <a:chExt cx="0" cy="0"/>
-        </a:xfrm>
-      </p:grpSpPr>
-      <p:sp>
-        <p:nvSpPr>
-          <p:cNvPr id="2" name="object 2"/>
-          <p:cNvSpPr/>
-          <p:nvPr/>
-        </p:nvSpPr>
-        <p:spPr>
-          <a:xfrm>
-            <a:off x="0" y="20"/>
-            <a:ext cx="5759958" cy="322190"/>
-          </a:xfrm>
-          <a:prstGeom prst="rect">
-            <a:avLst/>
-          </a:prstGeom>
-          <a:blipFill>
-            <a:blip r:embed="rId1" cstate="print"/>
-            <a:stretch>
-              <a:fillRect/>
-            </a:stretch>
-          </a:blipFill>
-        </p:spPr>
-        <p:txBody>
-          <a:bodyPr wrap="square" lIns="0" tIns="0" rIns="0" bIns="0" rtlCol="0"/>
-          <a:lstStyle/>
-          <a:p/>
-        </p:txBody>
-      </p:sp>
-      <p:sp>
-        <p:nvSpPr>
-          <p:cNvPr id="5" name="object 5"/>
-          <p:cNvSpPr/>
-          <p:nvPr/>
-        </p:nvSpPr>
-        <p:spPr>
-          <a:xfrm>
-            <a:off x="0" y="3113900"/>
-            <a:ext cx="2880360" cy="126364"/>
-          </a:xfrm>
-          <a:custGeom>
-            <a:avLst/>
-            <a:gdLst/>
-            <a:ahLst/>
-            <a:cxnLst/>
-            <a:rect l="l" t="t" r="r" b="b"/>
-            <a:pathLst>
-              <a:path w="2880360" h="126364">
-                <a:moveTo>
-                  <a:pt x="0" y="126123"/>
-                </a:moveTo>
-                <a:lnTo>
-                  <a:pt x="2880004" y="126123"/>
-                </a:lnTo>
-                <a:lnTo>
-                  <a:pt x="2880004" y="0"/>
-                </a:lnTo>
-                <a:lnTo>
-                  <a:pt x="0" y="0"/>
-                </a:lnTo>
-                <a:lnTo>
-                  <a:pt x="0" y="126123"/>
-                </a:lnTo>
-                <a:close/>
-              </a:path>
-            </a:pathLst>
-          </a:custGeom>
-          <a:solidFill>
-            <a:srgbClr val="000000"/>
-          </a:solidFill>
-        </p:spPr>
-        <p:txBody>
-          <a:bodyPr wrap="square" lIns="0" tIns="0" rIns="0" bIns="0" rtlCol="0"/>
-          <a:lstStyle/>
-          <a:p/>
-        </p:txBody>
-      </p:sp>
-      <p:sp>
-        <p:nvSpPr>
-          <p:cNvPr id="6" name="object 6"/>
-          <p:cNvSpPr/>
-          <p:nvPr/>
-        </p:nvSpPr>
-        <p:spPr>
-          <a:xfrm>
-            <a:off x="2880004" y="3113900"/>
-            <a:ext cx="2880360" cy="126364"/>
-          </a:xfrm>
-          <a:custGeom>
-            <a:avLst/>
-            <a:gdLst/>
-            <a:ahLst/>
-            <a:cxnLst/>
-            <a:rect l="l" t="t" r="r" b="b"/>
-            <a:pathLst>
-              <a:path w="2880360" h="126364">
-                <a:moveTo>
-                  <a:pt x="0" y="126123"/>
-                </a:moveTo>
-                <a:lnTo>
-                  <a:pt x="2880004" y="126123"/>
-                </a:lnTo>
-                <a:lnTo>
-                  <a:pt x="2880004" y="0"/>
-                </a:lnTo>
-                <a:lnTo>
-                  <a:pt x="0" y="0"/>
-                </a:lnTo>
-                <a:lnTo>
-                  <a:pt x="0" y="126123"/>
-                </a:lnTo>
-                <a:close/>
-              </a:path>
-            </a:pathLst>
-          </a:custGeom>
-          <a:solidFill>
-            <a:srgbClr val="3333B2"/>
-          </a:solidFill>
-        </p:spPr>
-        <p:txBody>
-          <a:bodyPr wrap="square" lIns="0" tIns="0" rIns="0" bIns="0" rtlCol="0"/>
-          <a:lstStyle/>
-          <a:p/>
-        </p:txBody>
-      </p:sp>
-      <p:sp>
-        <p:nvSpPr>
-          <p:cNvPr id="8" name="object 8"/>
-          <p:cNvSpPr txBox="1">
-            <a:spLocks noGrp="1"/>
-          </p:cNvSpPr>
-          <p:nvPr>
-            <p:ph type="ftr" sz="quarter" idx="5"/>
-          </p:nvPr>
-        </p:nvSpPr>
-        <p:spPr>
-          <a:xfrm>
-            <a:off x="2093595" y="3101975"/>
-            <a:ext cx="700405" cy="114300"/>
-          </a:xfrm>
-          <a:prstGeom prst="rect">
-            <a:avLst/>
-          </a:prstGeom>
-        </p:spPr>
-        <p:txBody>
-          <a:bodyPr vert="horz" wrap="square" lIns="0" tIns="22225" rIns="0" bIns="0" rtlCol="0">
-            <a:spAutoFit/>
-          </a:bodyPr>
-          <a:lstStyle/>
-          <a:p>
-            <a:pPr marL="12700">
-              <a:lnSpc>
-                <a:spcPct val="100000"/>
-              </a:lnSpc>
-              <a:spcBef>
-                <a:spcPts val="175"/>
-              </a:spcBef>
-            </a:pPr>
-            <a:r>
-              <a:rPr lang="en-US" spc="45" dirty="0">
-                <a:latin typeface="Tahoma" panose="020B0604030504040204"/>
-                <a:cs typeface="Tahoma" panose="020B0604030504040204"/>
-                <a:sym typeface="+mn-ea"/>
-              </a:rPr>
-              <a:t>ZJNU ACM</a:t>
-            </a:r>
-            <a:r>
-              <a:rPr spc="35" dirty="0">
-                <a:latin typeface="宋体" panose="02010600030101010101" pitchFamily="2" charset="-122"/>
-                <a:cs typeface="宋体" panose="02010600030101010101" pitchFamily="2" charset="-122"/>
-                <a:sym typeface="+mn-ea"/>
-              </a:rPr>
-              <a:t>集训队</a:t>
-            </a:r>
-            <a:endParaRPr spc="-5" dirty="0">
-              <a:latin typeface="Microsoft JhengHei UI" panose="020B0604030504040204" charset="-120"/>
-              <a:cs typeface="Microsoft JhengHei UI" panose="020B0604030504040204" charset="-120"/>
-            </a:endParaRPr>
-          </a:p>
-        </p:txBody>
-      </p:sp>
-      <p:sp>
-        <p:nvSpPr>
-          <p:cNvPr id="9" name="object 6"/>
-          <p:cNvSpPr txBox="1"/>
-          <p:nvPr/>
-        </p:nvSpPr>
-        <p:spPr>
-          <a:xfrm>
-            <a:off x="2975305" y="2819117"/>
-            <a:ext cx="2785745" cy="398780"/>
-          </a:xfrm>
-          <a:prstGeom prst="rect">
-            <a:avLst/>
-          </a:prstGeom>
-        </p:spPr>
-        <p:txBody>
-          <a:bodyPr vert="horz" wrap="square" lIns="0" tIns="127000" rIns="0" bIns="0" rtlCol="0">
-            <a:spAutoFit/>
-          </a:bodyPr>
-          <a:p>
-            <a:pPr marL="917575">
-              <a:lnSpc>
-                <a:spcPts val="1420"/>
-              </a:lnSpc>
-              <a:spcBef>
-                <a:spcPts val="1000"/>
-              </a:spcBef>
-            </a:pPr>
-            <a:r>
-              <a:rPr sz="1200" b="1" spc="50" dirty="0">
-                <a:latin typeface="Gill Sans MT" panose="020B0502020104020203"/>
-                <a:cs typeface="Gill Sans MT" panose="020B0502020104020203"/>
-                <a:hlinkClick r:id="rId2" action="ppaction://hlinksldjump"/>
-              </a:rPr>
-              <a:t>. . </a:t>
-            </a:r>
-            <a:r>
-              <a:rPr sz="1200" b="1" spc="50" dirty="0">
-                <a:latin typeface="Gill Sans MT" panose="020B0502020104020203"/>
-                <a:cs typeface="Gill Sans MT" panose="020B0502020104020203"/>
-                <a:hlinkClick r:id="rId3" action="ppaction://hlinksldjump"/>
-              </a:rPr>
-              <a:t>. </a:t>
-            </a:r>
-            <a:r>
-              <a:rPr sz="1800" b="1" spc="225" baseline="32000" dirty="0">
-                <a:latin typeface="Gill Sans MT" panose="020B0502020104020203"/>
-                <a:cs typeface="Gill Sans MT" panose="020B0502020104020203"/>
-              </a:rPr>
-              <a:t>.</a:t>
-            </a:r>
-            <a:r>
-              <a:rPr sz="1200" b="1" spc="150" dirty="0">
-                <a:latin typeface="Gill Sans MT" panose="020B0502020104020203"/>
-                <a:cs typeface="Gill Sans MT" panose="020B0502020104020203"/>
-                <a:hlinkClick r:id="rId2" action="ppaction://hlinksldjump"/>
-              </a:rPr>
-              <a:t>.</a:t>
-            </a:r>
-            <a:r>
-              <a:rPr sz="1200" b="1" spc="150" dirty="0">
-                <a:latin typeface="Gill Sans MT" panose="020B0502020104020203"/>
-                <a:cs typeface="Gill Sans MT" panose="020B0502020104020203"/>
-                <a:hlinkClick r:id="rId2" action="ppaction://hlinksldjump"/>
-              </a:rPr>
-              <a:t>.</a:t>
-            </a:r>
-            <a:r>
-              <a:rPr sz="1200" b="1" spc="150" dirty="0">
-                <a:latin typeface="Gill Sans MT" panose="020B0502020104020203"/>
-                <a:cs typeface="Gill Sans MT" panose="020B0502020104020203"/>
-                <a:hlinkClick r:id="rId2" action="ppaction://hlinksldjump"/>
-              </a:rPr>
-              <a:t>.</a:t>
-            </a:r>
-            <a:r>
-              <a:rPr sz="1200" b="1" spc="150" dirty="0">
-                <a:latin typeface="Gill Sans MT" panose="020B0502020104020203"/>
-                <a:cs typeface="Gill Sans MT" panose="020B0502020104020203"/>
-                <a:hlinkClick r:id="rId3" action="ppaction://hlinksldjump"/>
-              </a:rPr>
-              <a:t>.</a:t>
-            </a:r>
-            <a:r>
-              <a:rPr sz="1800" b="1" spc="225" baseline="32000" dirty="0">
-                <a:latin typeface="Gill Sans MT" panose="020B0502020104020203"/>
-                <a:cs typeface="Gill Sans MT" panose="020B0502020104020203"/>
-              </a:rPr>
-              <a:t>.</a:t>
-            </a:r>
-            <a:r>
-              <a:rPr sz="1200" b="1" spc="150" dirty="0">
-                <a:latin typeface="Gill Sans MT" panose="020B0502020104020203"/>
-                <a:cs typeface="Gill Sans MT" panose="020B0502020104020203"/>
-                <a:hlinkClick r:id="rId2" action="ppaction://hlinksldjump"/>
-              </a:rPr>
-              <a:t>.</a:t>
-            </a:r>
-            <a:r>
-              <a:rPr sz="1200" b="1" spc="150" dirty="0">
-                <a:latin typeface="Gill Sans MT" panose="020B0502020104020203"/>
-                <a:cs typeface="Gill Sans MT" panose="020B0502020104020203"/>
-                <a:hlinkClick r:id="rId2" action="ppaction://hlinksldjump"/>
-              </a:rPr>
-              <a:t>.</a:t>
-            </a:r>
-            <a:r>
-              <a:rPr sz="1200" b="1" spc="150" dirty="0">
-                <a:latin typeface="Gill Sans MT" panose="020B0502020104020203"/>
-                <a:cs typeface="Gill Sans MT" panose="020B0502020104020203"/>
-                <a:hlinkClick r:id="rId2" action="ppaction://hlinksldjump"/>
-              </a:rPr>
-              <a:t>.</a:t>
-            </a:r>
-            <a:r>
-              <a:rPr sz="1200" b="1" spc="150" dirty="0">
-                <a:latin typeface="Gill Sans MT" panose="020B0502020104020203"/>
-                <a:cs typeface="Gill Sans MT" panose="020B0502020104020203"/>
-                <a:hlinkClick r:id="rId2" action="ppaction://hlinksldjump"/>
-              </a:rPr>
-              <a:t>.</a:t>
-            </a:r>
-            <a:r>
-              <a:rPr sz="1800" b="1" spc="225" baseline="32000" dirty="0">
-                <a:latin typeface="Gill Sans MT" panose="020B0502020104020203"/>
-                <a:cs typeface="Gill Sans MT" panose="020B0502020104020203"/>
-              </a:rPr>
-              <a:t>.</a:t>
-            </a:r>
-            <a:r>
-              <a:rPr sz="1200" b="1" spc="150" dirty="0">
-                <a:latin typeface="Gill Sans MT" panose="020B0502020104020203"/>
-                <a:cs typeface="Gill Sans MT" panose="020B0502020104020203"/>
-                <a:hlinkClick r:id="rId2" action="ppaction://hlinksldjump"/>
-              </a:rPr>
-              <a:t>.</a:t>
-            </a:r>
-            <a:r>
-              <a:rPr sz="1200" b="1" spc="150" dirty="0">
-                <a:latin typeface="Gill Sans MT" panose="020B0502020104020203"/>
-                <a:cs typeface="Gill Sans MT" panose="020B0502020104020203"/>
-                <a:hlinkClick r:id="rId2" action="ppaction://hlinksldjump"/>
-              </a:rPr>
-              <a:t>.</a:t>
-            </a:r>
-            <a:r>
-              <a:rPr sz="1200" b="1" spc="150" dirty="0">
-                <a:latin typeface="Gill Sans MT" panose="020B0502020104020203"/>
-                <a:cs typeface="Gill Sans MT" panose="020B0502020104020203"/>
-                <a:hlinkClick r:id="rId2" action="ppaction://hlinksldjump"/>
-              </a:rPr>
-              <a:t>.</a:t>
-            </a:r>
-            <a:r>
-              <a:rPr sz="1200" b="1" spc="150" dirty="0">
-                <a:latin typeface="Gill Sans MT" panose="020B0502020104020203"/>
-                <a:cs typeface="Gill Sans MT" panose="020B0502020104020203"/>
-                <a:hlinkClick r:id="rId2" action="ppaction://hlinksldjump"/>
-              </a:rPr>
-              <a:t>.</a:t>
-            </a:r>
-            <a:r>
-              <a:rPr sz="1800" b="1" spc="225" baseline="32000" dirty="0">
-                <a:latin typeface="Gill Sans MT" panose="020B0502020104020203"/>
-                <a:cs typeface="Gill Sans MT" panose="020B0502020104020203"/>
-              </a:rPr>
-              <a:t>.</a:t>
-            </a:r>
-            <a:r>
-              <a:rPr sz="1200" b="1" spc="150" dirty="0">
-                <a:latin typeface="Gill Sans MT" panose="020B0502020104020203"/>
-                <a:cs typeface="Gill Sans MT" panose="020B0502020104020203"/>
-                <a:hlinkClick r:id="rId2" action="ppaction://hlinksldjump"/>
-              </a:rPr>
-              <a:t>.</a:t>
-            </a:r>
-            <a:r>
-              <a:rPr sz="1200" b="1" spc="150" dirty="0">
-                <a:latin typeface="Gill Sans MT" panose="020B0502020104020203"/>
-                <a:cs typeface="Gill Sans MT" panose="020B0502020104020203"/>
-              </a:rPr>
-              <a:t> </a:t>
-            </a:r>
-            <a:r>
-              <a:rPr sz="1200" b="1" strike="sngStrike" spc="50" dirty="0">
-                <a:latin typeface="Gill Sans MT" panose="020B0502020104020203"/>
-                <a:cs typeface="Gill Sans MT" panose="020B0502020104020203"/>
-              </a:rPr>
-              <a:t>.</a:t>
-            </a:r>
-            <a:r>
-              <a:rPr sz="1200" b="1" strike="noStrike" spc="50" dirty="0">
-                <a:latin typeface="Gill Sans MT" panose="020B0502020104020203"/>
-                <a:cs typeface="Gill Sans MT" panose="020B0502020104020203"/>
-              </a:rPr>
-              <a:t> </a:t>
-            </a:r>
-            <a:r>
-              <a:rPr sz="1800" b="1" strike="noStrike" spc="135" baseline="32000" dirty="0">
-                <a:latin typeface="Gill Sans MT" panose="020B0502020104020203"/>
-                <a:cs typeface="Gill Sans MT" panose="020B0502020104020203"/>
-              </a:rPr>
-              <a:t>.</a:t>
-            </a:r>
-            <a:r>
-              <a:rPr sz="1200" b="1" strike="noStrike" spc="90" dirty="0">
-                <a:latin typeface="Gill Sans MT" panose="020B0502020104020203"/>
-                <a:cs typeface="Gill Sans MT" panose="020B0502020104020203"/>
-              </a:rPr>
-              <a:t>. </a:t>
-            </a:r>
-            <a:r>
-              <a:rPr sz="1200" b="1" strike="noStrike" spc="50" dirty="0">
-                <a:latin typeface="Gill Sans MT" panose="020B0502020104020203"/>
-                <a:cs typeface="Gill Sans MT" panose="020B0502020104020203"/>
-              </a:rPr>
-              <a:t>.</a:t>
-            </a:r>
-            <a:r>
-              <a:rPr sz="1200" b="1" strike="noStrike" spc="-254" dirty="0">
-                <a:latin typeface="Gill Sans MT" panose="020B0502020104020203"/>
-                <a:cs typeface="Gill Sans MT" panose="020B0502020104020203"/>
-              </a:rPr>
-              <a:t> </a:t>
-            </a:r>
-            <a:r>
-              <a:rPr sz="1200" b="1" strike="noStrike" spc="50" dirty="0">
-                <a:latin typeface="Gill Sans MT" panose="020B0502020104020203"/>
-                <a:cs typeface="Gill Sans MT" panose="020B0502020104020203"/>
-              </a:rPr>
-              <a:t>. </a:t>
-            </a:r>
-            <a:r>
-              <a:rPr sz="1800" b="1" strike="noStrike" spc="75" baseline="32000" dirty="0">
-                <a:latin typeface="Gill Sans MT" panose="020B0502020104020203"/>
-                <a:cs typeface="Gill Sans MT" panose="020B0502020104020203"/>
-              </a:rPr>
-              <a:t>.</a:t>
-            </a:r>
-            <a:endParaRPr sz="1800" baseline="32000">
-              <a:latin typeface="Gill Sans MT" panose="020B0502020104020203"/>
-              <a:cs typeface="Gill Sans MT" panose="020B0502020104020203"/>
-            </a:endParaRPr>
-          </a:p>
-          <a:p>
-            <a:pPr marL="12700">
-              <a:lnSpc>
-                <a:spcPts val="700"/>
-              </a:lnSpc>
-            </a:pPr>
-            <a:r>
-              <a:rPr sz="600" b="1" spc="-5" dirty="0">
-                <a:solidFill>
-                  <a:srgbClr val="FFFFFF"/>
-                </a:solidFill>
-                <a:latin typeface="Gill Sans MT" panose="020B0502020104020203"/>
-                <a:cs typeface="Gill Sans MT" panose="020B0502020104020203"/>
-                <a:sym typeface="+mn-ea"/>
-              </a:rPr>
-              <a:t>202</a:t>
-            </a:r>
-            <a:r>
-              <a:rPr lang="en-US" sz="600" b="1" spc="-5" dirty="0">
-                <a:solidFill>
-                  <a:srgbClr val="FFFFFF"/>
-                </a:solidFill>
-                <a:latin typeface="Gill Sans MT" panose="020B0502020104020203"/>
-                <a:cs typeface="Gill Sans MT" panose="020B0502020104020203"/>
-                <a:sym typeface="+mn-ea"/>
-              </a:rPr>
-              <a:t>4</a:t>
-            </a:r>
-            <a:r>
-              <a:rPr lang="en-US" sz="600" b="1" spc="-5" dirty="0">
-                <a:solidFill>
-                  <a:srgbClr val="FFFFFF"/>
-                </a:solidFill>
-                <a:latin typeface="Gill Sans MT" panose="020B0502020104020203"/>
-                <a:cs typeface="Gill Sans MT" panose="020B0502020104020203"/>
-                <a:sym typeface="+mn-ea"/>
-              </a:rPr>
-              <a:t> ZJNU ACM </a:t>
-            </a:r>
-            <a:r>
-              <a:rPr sz="600" b="1" spc="-5" dirty="0">
-                <a:solidFill>
-                  <a:srgbClr val="FFFFFF"/>
-                </a:solidFill>
-                <a:latin typeface="Gill Sans MT" panose="020B0502020104020203"/>
-                <a:cs typeface="Gill Sans MT" panose="020B0502020104020203"/>
-                <a:sym typeface="+mn-ea"/>
-              </a:rPr>
-              <a:t>DP</a:t>
-            </a:r>
-            <a:r>
-              <a:rPr lang="zh-CN" sz="600" b="1" spc="-5" dirty="0">
-                <a:solidFill>
-                  <a:srgbClr val="FFFFFF"/>
-                </a:solidFill>
-                <a:latin typeface="Gill Sans MT" panose="020B0502020104020203"/>
-                <a:cs typeface="Gill Sans MT" panose="020B0502020104020203"/>
-                <a:sym typeface="+mn-ea"/>
-              </a:rPr>
-              <a:t>（</a:t>
-            </a:r>
-            <a:r>
-              <a:rPr sz="600" b="1" spc="-5" dirty="0">
-                <a:solidFill>
-                  <a:srgbClr val="FFFFFF"/>
-                </a:solidFill>
-                <a:latin typeface="Gill Sans MT" panose="020B0502020104020203"/>
-                <a:cs typeface="Gill Sans MT" panose="020B0502020104020203"/>
-                <a:sym typeface="+mn-ea"/>
-              </a:rPr>
-              <a:t>一）</a:t>
-            </a:r>
-            <a:endParaRPr lang="en-US" sz="600" b="1" spc="-5" dirty="0">
-              <a:solidFill>
-                <a:srgbClr val="FFFFFF"/>
-              </a:solidFill>
-              <a:latin typeface="Gill Sans MT" panose="020B0502020104020203"/>
-              <a:cs typeface="Gill Sans MT" panose="020B0502020104020203"/>
-            </a:endParaRPr>
-          </a:p>
-        </p:txBody>
-      </p:sp>
-      <p:sp>
-        <p:nvSpPr>
-          <p:cNvPr id="11" name="文本框 10"/>
-          <p:cNvSpPr txBox="1"/>
-          <p:nvPr/>
-        </p:nvSpPr>
-        <p:spPr>
-          <a:xfrm>
-            <a:off x="215900" y="31750"/>
-            <a:ext cx="3876040" cy="290195"/>
-          </a:xfrm>
-          <a:prstGeom prst="rect">
-            <a:avLst/>
-          </a:prstGeom>
-          <a:noFill/>
-        </p:spPr>
-        <p:txBody>
-          <a:bodyPr wrap="square" rtlCol="0">
-            <a:noAutofit/>
-          </a:bodyPr>
-          <a:p>
-            <a:r>
-              <a:rPr lang="zh-CN" altLang="en-US">
-                <a:solidFill>
-                  <a:schemeClr val="bg1"/>
-                </a:solidFill>
-              </a:rPr>
-              <a:t>数位</a:t>
-            </a:r>
-            <a:r>
-              <a:rPr lang="en-US" altLang="zh-CN">
-                <a:solidFill>
-                  <a:schemeClr val="bg1"/>
-                </a:solidFill>
-              </a:rPr>
-              <a:t>DP</a:t>
-            </a:r>
-            <a:endParaRPr lang="zh-CN" altLang="en-US">
-              <a:solidFill>
-                <a:schemeClr val="bg1"/>
-              </a:solidFill>
-            </a:endParaRPr>
-          </a:p>
-        </p:txBody>
-      </p:sp>
-      <p:sp>
-        <p:nvSpPr>
-          <p:cNvPr id="3" name="文本框 2"/>
-          <p:cNvSpPr txBox="1"/>
-          <p:nvPr/>
-        </p:nvSpPr>
-        <p:spPr>
-          <a:xfrm>
-            <a:off x="596900" y="631825"/>
-            <a:ext cx="4437380" cy="675005"/>
-          </a:xfrm>
-          <a:prstGeom prst="rect">
-            <a:avLst/>
-          </a:prstGeom>
-          <a:noFill/>
-        </p:spPr>
-        <p:txBody>
-          <a:bodyPr wrap="square" rtlCol="0">
-            <a:noAutofit/>
-          </a:bodyPr>
-          <a:p>
-            <a:r>
-              <a:rPr lang="zh-CN" altLang="en-US"/>
-              <a:t>不要</a:t>
-            </a:r>
-            <a:r>
-              <a:rPr lang="en-US" altLang="zh-CN"/>
-              <a:t>62</a:t>
-            </a:r>
-            <a:r>
-              <a:rPr lang="zh-CN" altLang="en-US"/>
-              <a:t>：</a:t>
-            </a:r>
-            <a:br>
-              <a:rPr lang="zh-CN" altLang="en-US"/>
-            </a:br>
-            <a:r>
-              <a:rPr lang="en-US" altLang="zh-CN" sz="1000"/>
-              <a:t>oj</a:t>
-            </a:r>
-            <a:r>
-              <a:rPr lang="zh-CN" altLang="en-US" sz="1000"/>
-              <a:t>经典</a:t>
-            </a:r>
-            <a:r>
-              <a:rPr lang="zh-CN" altLang="en-US" sz="1000"/>
-              <a:t>题目</a:t>
-            </a:r>
-            <a:endParaRPr lang="zh-CN" altLang="en-US" sz="1000"/>
-          </a:p>
-          <a:p>
-            <a:r>
-              <a:rPr lang="zh-CN" altLang="en-US" sz="1000">
-                <a:sym typeface="+mn-lt"/>
-              </a:rPr>
-              <a:t>统计一个区间内数位上不能有 4 也不能有连续的 62 的数有多少。</a:t>
-            </a:r>
-            <a:endParaRPr lang="zh-CN" altLang="en-US" sz="1000"/>
-          </a:p>
-          <a:p>
-            <a:endParaRPr lang="zh-CN" altLang="en-US" sz="1000"/>
-          </a:p>
-        </p:txBody>
-      </p:sp>
-    </p:spTree>
-  </p:cSld>
-  <p:clrMapOvr>
-    <a:masterClrMapping/>
-  </p:clrMapOvr>
-  <p:transition>
-    <p:cut/>
-  </p:transition>
-  <p:timing>
-    <p:tnLst>
-      <p:par>
-        <p:cTn id="1" dur="indefinite" restart="never" nodeType="tmRoot"/>
-      </p:par>
-    </p:tnLst>
-  </p:timing>
-</p:sld>
-</file>
-
-<file path=ppt/slides/slide16.xml><?xml version="1.0" encoding="utf-8"?>
-<p:sld xmlns:a="http://schemas.openxmlformats.org/drawingml/2006/main" xmlns:r="http://schemas.openxmlformats.org/officeDocument/2006/relationships" xmlns:p="http://schemas.openxmlformats.org/presentationml/2006/main">
-  <p:cSld>
-    <p:spTree>
-      <p:nvGrpSpPr>
-        <p:cNvPr id="1" name=""/>
-        <p:cNvGrpSpPr/>
-        <p:nvPr/>
-      </p:nvGrpSpPr>
-      <p:grpSpPr>
-        <a:xfrm>
-          <a:off x="0" y="0"/>
-          <a:ext cx="0" cy="0"/>
-          <a:chOff x="0" y="0"/>
-          <a:chExt cx="0" cy="0"/>
-        </a:xfrm>
-      </p:grpSpPr>
-      <p:sp>
-        <p:nvSpPr>
-          <p:cNvPr id="2" name="object 2"/>
-          <p:cNvSpPr/>
-          <p:nvPr/>
-        </p:nvSpPr>
-        <p:spPr>
-          <a:xfrm>
-            <a:off x="0" y="20"/>
-            <a:ext cx="5759958" cy="322190"/>
-          </a:xfrm>
-          <a:prstGeom prst="rect">
-            <a:avLst/>
-          </a:prstGeom>
-          <a:blipFill>
-            <a:blip r:embed="rId1" cstate="print"/>
-            <a:stretch>
-              <a:fillRect/>
-            </a:stretch>
-          </a:blipFill>
-        </p:spPr>
-        <p:txBody>
-          <a:bodyPr wrap="square" lIns="0" tIns="0" rIns="0" bIns="0" rtlCol="0"/>
-          <a:lstStyle/>
-          <a:p/>
-        </p:txBody>
-      </p:sp>
-      <p:sp>
-        <p:nvSpPr>
-          <p:cNvPr id="5" name="object 5"/>
-          <p:cNvSpPr/>
-          <p:nvPr/>
-        </p:nvSpPr>
-        <p:spPr>
-          <a:xfrm>
-            <a:off x="0" y="3113900"/>
-            <a:ext cx="2880360" cy="126364"/>
-          </a:xfrm>
-          <a:custGeom>
-            <a:avLst/>
-            <a:gdLst/>
-            <a:ahLst/>
-            <a:cxnLst/>
-            <a:rect l="l" t="t" r="r" b="b"/>
-            <a:pathLst>
-              <a:path w="2880360" h="126364">
-                <a:moveTo>
-                  <a:pt x="0" y="126123"/>
-                </a:moveTo>
-                <a:lnTo>
-                  <a:pt x="2880004" y="126123"/>
-                </a:lnTo>
-                <a:lnTo>
-                  <a:pt x="2880004" y="0"/>
-                </a:lnTo>
-                <a:lnTo>
-                  <a:pt x="0" y="0"/>
-                </a:lnTo>
-                <a:lnTo>
-                  <a:pt x="0" y="126123"/>
-                </a:lnTo>
-                <a:close/>
-              </a:path>
-            </a:pathLst>
-          </a:custGeom>
-          <a:solidFill>
-            <a:srgbClr val="000000"/>
-          </a:solidFill>
-        </p:spPr>
-        <p:txBody>
-          <a:bodyPr wrap="square" lIns="0" tIns="0" rIns="0" bIns="0" rtlCol="0"/>
-          <a:lstStyle/>
-          <a:p/>
-        </p:txBody>
-      </p:sp>
-      <p:sp>
-        <p:nvSpPr>
-          <p:cNvPr id="6" name="object 6"/>
-          <p:cNvSpPr/>
-          <p:nvPr/>
-        </p:nvSpPr>
-        <p:spPr>
-          <a:xfrm>
-            <a:off x="2880004" y="3113900"/>
-            <a:ext cx="2880360" cy="126364"/>
-          </a:xfrm>
-          <a:custGeom>
-            <a:avLst/>
-            <a:gdLst/>
-            <a:ahLst/>
-            <a:cxnLst/>
-            <a:rect l="l" t="t" r="r" b="b"/>
-            <a:pathLst>
-              <a:path w="2880360" h="126364">
-                <a:moveTo>
-                  <a:pt x="0" y="126123"/>
-                </a:moveTo>
-                <a:lnTo>
-                  <a:pt x="2880004" y="126123"/>
-                </a:lnTo>
-                <a:lnTo>
-                  <a:pt x="2880004" y="0"/>
-                </a:lnTo>
-                <a:lnTo>
-                  <a:pt x="0" y="0"/>
-                </a:lnTo>
-                <a:lnTo>
-                  <a:pt x="0" y="126123"/>
-                </a:lnTo>
-                <a:close/>
-              </a:path>
-            </a:pathLst>
-          </a:custGeom>
-          <a:solidFill>
-            <a:srgbClr val="3333B2"/>
-          </a:solidFill>
-        </p:spPr>
-        <p:txBody>
-          <a:bodyPr wrap="square" lIns="0" tIns="0" rIns="0" bIns="0" rtlCol="0"/>
-          <a:lstStyle/>
-          <a:p/>
-        </p:txBody>
-      </p:sp>
-      <p:sp>
-        <p:nvSpPr>
-          <p:cNvPr id="8" name="object 8"/>
-          <p:cNvSpPr txBox="1">
-            <a:spLocks noGrp="1"/>
-          </p:cNvSpPr>
-          <p:nvPr>
-            <p:ph type="ftr" sz="quarter" idx="5"/>
-          </p:nvPr>
-        </p:nvSpPr>
-        <p:spPr>
-          <a:xfrm>
-            <a:off x="2093595" y="3101975"/>
-            <a:ext cx="700405" cy="114300"/>
-          </a:xfrm>
-          <a:prstGeom prst="rect">
-            <a:avLst/>
-          </a:prstGeom>
-        </p:spPr>
-        <p:txBody>
-          <a:bodyPr vert="horz" wrap="square" lIns="0" tIns="22225" rIns="0" bIns="0" rtlCol="0">
-            <a:spAutoFit/>
-          </a:bodyPr>
-          <a:lstStyle/>
-          <a:p>
-            <a:pPr marL="12700">
-              <a:lnSpc>
-                <a:spcPct val="100000"/>
-              </a:lnSpc>
-              <a:spcBef>
-                <a:spcPts val="175"/>
-              </a:spcBef>
-            </a:pPr>
-            <a:r>
-              <a:rPr lang="en-US" spc="45" dirty="0">
-                <a:latin typeface="Tahoma" panose="020B0604030504040204"/>
-                <a:cs typeface="Tahoma" panose="020B0604030504040204"/>
-                <a:sym typeface="+mn-ea"/>
-              </a:rPr>
-              <a:t>ZJNU ACM</a:t>
-            </a:r>
-            <a:r>
-              <a:rPr spc="35" dirty="0">
-                <a:latin typeface="宋体" panose="02010600030101010101" pitchFamily="2" charset="-122"/>
-                <a:cs typeface="宋体" panose="02010600030101010101" pitchFamily="2" charset="-122"/>
-                <a:sym typeface="+mn-ea"/>
-              </a:rPr>
-              <a:t>集训队</a:t>
-            </a:r>
-            <a:endParaRPr spc="-5" dirty="0">
-              <a:latin typeface="Microsoft JhengHei UI" panose="020B0604030504040204" charset="-120"/>
-              <a:cs typeface="Microsoft JhengHei UI" panose="020B0604030504040204" charset="-120"/>
-            </a:endParaRPr>
-          </a:p>
-        </p:txBody>
-      </p:sp>
-      <p:sp>
-        <p:nvSpPr>
-          <p:cNvPr id="9" name="object 6"/>
-          <p:cNvSpPr txBox="1"/>
-          <p:nvPr/>
-        </p:nvSpPr>
-        <p:spPr>
-          <a:xfrm>
-            <a:off x="2975305" y="2819117"/>
-            <a:ext cx="2785745" cy="398780"/>
-          </a:xfrm>
-          <a:prstGeom prst="rect">
-            <a:avLst/>
-          </a:prstGeom>
-        </p:spPr>
-        <p:txBody>
-          <a:bodyPr vert="horz" wrap="square" lIns="0" tIns="127000" rIns="0" bIns="0" rtlCol="0">
-            <a:spAutoFit/>
-          </a:bodyPr>
-          <a:p>
-            <a:pPr marL="917575">
-              <a:lnSpc>
-                <a:spcPts val="1420"/>
-              </a:lnSpc>
-              <a:spcBef>
-                <a:spcPts val="1000"/>
-              </a:spcBef>
-            </a:pPr>
-            <a:r>
-              <a:rPr sz="1200" b="1" spc="50" dirty="0">
-                <a:latin typeface="Gill Sans MT" panose="020B0502020104020203"/>
-                <a:cs typeface="Gill Sans MT" panose="020B0502020104020203"/>
-                <a:hlinkClick r:id="rId2" action="ppaction://hlinksldjump"/>
-              </a:rPr>
-              <a:t>. . </a:t>
-            </a:r>
-            <a:r>
-              <a:rPr sz="1200" b="1" spc="50" dirty="0">
-                <a:latin typeface="Gill Sans MT" panose="020B0502020104020203"/>
-                <a:cs typeface="Gill Sans MT" panose="020B0502020104020203"/>
-                <a:hlinkClick r:id="rId3" action="ppaction://hlinksldjump"/>
-              </a:rPr>
-              <a:t>. </a:t>
-            </a:r>
-            <a:r>
-              <a:rPr sz="1800" b="1" spc="225" baseline="32000" dirty="0">
-                <a:latin typeface="Gill Sans MT" panose="020B0502020104020203"/>
-                <a:cs typeface="Gill Sans MT" panose="020B0502020104020203"/>
-              </a:rPr>
-              <a:t>.</a:t>
-            </a:r>
-            <a:r>
-              <a:rPr sz="1200" b="1" spc="150" dirty="0">
-                <a:latin typeface="Gill Sans MT" panose="020B0502020104020203"/>
-                <a:cs typeface="Gill Sans MT" panose="020B0502020104020203"/>
-                <a:hlinkClick r:id="rId2" action="ppaction://hlinksldjump"/>
-              </a:rPr>
-              <a:t>.</a:t>
-            </a:r>
-            <a:r>
-              <a:rPr sz="1200" b="1" spc="150" dirty="0">
-                <a:latin typeface="Gill Sans MT" panose="020B0502020104020203"/>
-                <a:cs typeface="Gill Sans MT" panose="020B0502020104020203"/>
-                <a:hlinkClick r:id="rId2" action="ppaction://hlinksldjump"/>
-              </a:rPr>
-              <a:t>.</a:t>
-            </a:r>
-            <a:r>
-              <a:rPr sz="1200" b="1" spc="150" dirty="0">
-                <a:latin typeface="Gill Sans MT" panose="020B0502020104020203"/>
-                <a:cs typeface="Gill Sans MT" panose="020B0502020104020203"/>
-                <a:hlinkClick r:id="rId2" action="ppaction://hlinksldjump"/>
-              </a:rPr>
-              <a:t>.</a:t>
-            </a:r>
-            <a:r>
-              <a:rPr sz="1200" b="1" spc="150" dirty="0">
-                <a:latin typeface="Gill Sans MT" panose="020B0502020104020203"/>
-                <a:cs typeface="Gill Sans MT" panose="020B0502020104020203"/>
-                <a:hlinkClick r:id="rId3" action="ppaction://hlinksldjump"/>
-              </a:rPr>
-              <a:t>.</a:t>
-            </a:r>
-            <a:r>
-              <a:rPr sz="1800" b="1" spc="225" baseline="32000" dirty="0">
-                <a:latin typeface="Gill Sans MT" panose="020B0502020104020203"/>
-                <a:cs typeface="Gill Sans MT" panose="020B0502020104020203"/>
-              </a:rPr>
-              <a:t>.</a:t>
-            </a:r>
-            <a:r>
-              <a:rPr sz="1200" b="1" spc="150" dirty="0">
-                <a:latin typeface="Gill Sans MT" panose="020B0502020104020203"/>
-                <a:cs typeface="Gill Sans MT" panose="020B0502020104020203"/>
-                <a:hlinkClick r:id="rId2" action="ppaction://hlinksldjump"/>
-              </a:rPr>
-              <a:t>.</a:t>
-            </a:r>
-            <a:r>
-              <a:rPr sz="1200" b="1" spc="150" dirty="0">
-                <a:latin typeface="Gill Sans MT" panose="020B0502020104020203"/>
-                <a:cs typeface="Gill Sans MT" panose="020B0502020104020203"/>
-                <a:hlinkClick r:id="rId2" action="ppaction://hlinksldjump"/>
-              </a:rPr>
-              <a:t>.</a:t>
-            </a:r>
-            <a:r>
-              <a:rPr sz="1200" b="1" spc="150" dirty="0">
-                <a:latin typeface="Gill Sans MT" panose="020B0502020104020203"/>
-                <a:cs typeface="Gill Sans MT" panose="020B0502020104020203"/>
-                <a:hlinkClick r:id="rId2" action="ppaction://hlinksldjump"/>
-              </a:rPr>
-              <a:t>.</a:t>
-            </a:r>
-            <a:r>
-              <a:rPr sz="1200" b="1" spc="150" dirty="0">
-                <a:latin typeface="Gill Sans MT" panose="020B0502020104020203"/>
-                <a:cs typeface="Gill Sans MT" panose="020B0502020104020203"/>
-                <a:hlinkClick r:id="rId2" action="ppaction://hlinksldjump"/>
-              </a:rPr>
-              <a:t>.</a:t>
-            </a:r>
-            <a:r>
-              <a:rPr sz="1800" b="1" spc="225" baseline="32000" dirty="0">
-                <a:latin typeface="Gill Sans MT" panose="020B0502020104020203"/>
-                <a:cs typeface="Gill Sans MT" panose="020B0502020104020203"/>
-              </a:rPr>
-              <a:t>.</a:t>
-            </a:r>
-            <a:r>
-              <a:rPr sz="1200" b="1" spc="150" dirty="0">
-                <a:latin typeface="Gill Sans MT" panose="020B0502020104020203"/>
-                <a:cs typeface="Gill Sans MT" panose="020B0502020104020203"/>
-                <a:hlinkClick r:id="rId2" action="ppaction://hlinksldjump"/>
-              </a:rPr>
-              <a:t>.</a:t>
-            </a:r>
-            <a:r>
-              <a:rPr sz="1200" b="1" spc="150" dirty="0">
-                <a:latin typeface="Gill Sans MT" panose="020B0502020104020203"/>
-                <a:cs typeface="Gill Sans MT" panose="020B0502020104020203"/>
-                <a:hlinkClick r:id="rId2" action="ppaction://hlinksldjump"/>
-              </a:rPr>
-              <a:t>.</a:t>
-            </a:r>
-            <a:r>
-              <a:rPr sz="1200" b="1" spc="150" dirty="0">
-                <a:latin typeface="Gill Sans MT" panose="020B0502020104020203"/>
-                <a:cs typeface="Gill Sans MT" panose="020B0502020104020203"/>
-                <a:hlinkClick r:id="rId2" action="ppaction://hlinksldjump"/>
-              </a:rPr>
-              <a:t>.</a:t>
-            </a:r>
-            <a:r>
-              <a:rPr sz="1200" b="1" spc="150" dirty="0">
-                <a:latin typeface="Gill Sans MT" panose="020B0502020104020203"/>
-                <a:cs typeface="Gill Sans MT" panose="020B0502020104020203"/>
-                <a:hlinkClick r:id="rId2" action="ppaction://hlinksldjump"/>
-              </a:rPr>
-              <a:t>.</a:t>
-            </a:r>
-            <a:r>
-              <a:rPr sz="1800" b="1" spc="225" baseline="32000" dirty="0">
-                <a:latin typeface="Gill Sans MT" panose="020B0502020104020203"/>
-                <a:cs typeface="Gill Sans MT" panose="020B0502020104020203"/>
-              </a:rPr>
-              <a:t>.</a:t>
-            </a:r>
-            <a:r>
-              <a:rPr sz="1200" b="1" spc="150" dirty="0">
-                <a:latin typeface="Gill Sans MT" panose="020B0502020104020203"/>
-                <a:cs typeface="Gill Sans MT" panose="020B0502020104020203"/>
-                <a:hlinkClick r:id="rId2" action="ppaction://hlinksldjump"/>
-              </a:rPr>
-              <a:t>.</a:t>
-            </a:r>
-            <a:r>
-              <a:rPr sz="1200" b="1" spc="150" dirty="0">
-                <a:latin typeface="Gill Sans MT" panose="020B0502020104020203"/>
-                <a:cs typeface="Gill Sans MT" panose="020B0502020104020203"/>
-              </a:rPr>
-              <a:t> </a:t>
-            </a:r>
-            <a:r>
-              <a:rPr sz="1200" b="1" strike="sngStrike" spc="50" dirty="0">
-                <a:latin typeface="Gill Sans MT" panose="020B0502020104020203"/>
-                <a:cs typeface="Gill Sans MT" panose="020B0502020104020203"/>
-              </a:rPr>
-              <a:t>.</a:t>
-            </a:r>
-            <a:r>
-              <a:rPr sz="1200" b="1" strike="noStrike" spc="50" dirty="0">
-                <a:latin typeface="Gill Sans MT" panose="020B0502020104020203"/>
-                <a:cs typeface="Gill Sans MT" panose="020B0502020104020203"/>
-              </a:rPr>
-              <a:t> </a:t>
-            </a:r>
-            <a:r>
-              <a:rPr sz="1800" b="1" strike="noStrike" spc="135" baseline="32000" dirty="0">
-                <a:latin typeface="Gill Sans MT" panose="020B0502020104020203"/>
-                <a:cs typeface="Gill Sans MT" panose="020B0502020104020203"/>
-              </a:rPr>
-              <a:t>.</a:t>
-            </a:r>
-            <a:r>
-              <a:rPr sz="1200" b="1" strike="noStrike" spc="90" dirty="0">
-                <a:latin typeface="Gill Sans MT" panose="020B0502020104020203"/>
-                <a:cs typeface="Gill Sans MT" panose="020B0502020104020203"/>
-              </a:rPr>
-              <a:t>. </a:t>
-            </a:r>
-            <a:r>
-              <a:rPr sz="1200" b="1" strike="noStrike" spc="50" dirty="0">
-                <a:latin typeface="Gill Sans MT" panose="020B0502020104020203"/>
-                <a:cs typeface="Gill Sans MT" panose="020B0502020104020203"/>
-              </a:rPr>
-              <a:t>.</a:t>
-            </a:r>
-            <a:r>
-              <a:rPr sz="1200" b="1" strike="noStrike" spc="-254" dirty="0">
-                <a:latin typeface="Gill Sans MT" panose="020B0502020104020203"/>
-                <a:cs typeface="Gill Sans MT" panose="020B0502020104020203"/>
-              </a:rPr>
-              <a:t> </a:t>
-            </a:r>
-            <a:r>
-              <a:rPr sz="1200" b="1" strike="noStrike" spc="50" dirty="0">
-                <a:latin typeface="Gill Sans MT" panose="020B0502020104020203"/>
-                <a:cs typeface="Gill Sans MT" panose="020B0502020104020203"/>
-              </a:rPr>
-              <a:t>. </a:t>
-            </a:r>
-            <a:r>
-              <a:rPr sz="1800" b="1" strike="noStrike" spc="75" baseline="32000" dirty="0">
-                <a:latin typeface="Gill Sans MT" panose="020B0502020104020203"/>
-                <a:cs typeface="Gill Sans MT" panose="020B0502020104020203"/>
-              </a:rPr>
-              <a:t>.</a:t>
-            </a:r>
-            <a:endParaRPr sz="1800" baseline="32000">
-              <a:latin typeface="Gill Sans MT" panose="020B0502020104020203"/>
-              <a:cs typeface="Gill Sans MT" panose="020B0502020104020203"/>
-            </a:endParaRPr>
-          </a:p>
-          <a:p>
-            <a:pPr marL="12700">
-              <a:lnSpc>
-                <a:spcPts val="700"/>
-              </a:lnSpc>
-            </a:pPr>
-            <a:r>
-              <a:rPr sz="600" b="1" spc="-5" dirty="0">
-                <a:solidFill>
-                  <a:srgbClr val="FFFFFF"/>
-                </a:solidFill>
-                <a:latin typeface="Gill Sans MT" panose="020B0502020104020203"/>
-                <a:cs typeface="Gill Sans MT" panose="020B0502020104020203"/>
-                <a:sym typeface="+mn-ea"/>
-              </a:rPr>
-              <a:t>202</a:t>
-            </a:r>
-            <a:r>
-              <a:rPr lang="en-US" sz="600" b="1" spc="-5" dirty="0">
-                <a:solidFill>
-                  <a:srgbClr val="FFFFFF"/>
-                </a:solidFill>
-                <a:latin typeface="Gill Sans MT" panose="020B0502020104020203"/>
-                <a:cs typeface="Gill Sans MT" panose="020B0502020104020203"/>
-                <a:sym typeface="+mn-ea"/>
-              </a:rPr>
-              <a:t>4</a:t>
-            </a:r>
-            <a:r>
-              <a:rPr lang="en-US" sz="600" b="1" spc="-5" dirty="0">
-                <a:solidFill>
-                  <a:srgbClr val="FFFFFF"/>
-                </a:solidFill>
-                <a:latin typeface="Gill Sans MT" panose="020B0502020104020203"/>
-                <a:cs typeface="Gill Sans MT" panose="020B0502020104020203"/>
-                <a:sym typeface="+mn-ea"/>
-              </a:rPr>
-              <a:t> ZJNU ACM </a:t>
-            </a:r>
-            <a:r>
-              <a:rPr sz="600" b="1" spc="-5" dirty="0">
-                <a:solidFill>
-                  <a:srgbClr val="FFFFFF"/>
-                </a:solidFill>
-                <a:latin typeface="Gill Sans MT" panose="020B0502020104020203"/>
-                <a:cs typeface="Gill Sans MT" panose="020B0502020104020203"/>
-                <a:sym typeface="+mn-ea"/>
-              </a:rPr>
-              <a:t>DP</a:t>
-            </a:r>
-            <a:r>
-              <a:rPr lang="zh-CN" sz="600" b="1" spc="-5" dirty="0">
-                <a:solidFill>
-                  <a:srgbClr val="FFFFFF"/>
-                </a:solidFill>
-                <a:latin typeface="Gill Sans MT" panose="020B0502020104020203"/>
-                <a:cs typeface="Gill Sans MT" panose="020B0502020104020203"/>
-                <a:sym typeface="+mn-ea"/>
-              </a:rPr>
-              <a:t>（</a:t>
-            </a:r>
-            <a:r>
-              <a:rPr sz="600" b="1" spc="-5" dirty="0">
-                <a:solidFill>
-                  <a:srgbClr val="FFFFFF"/>
-                </a:solidFill>
-                <a:latin typeface="Gill Sans MT" panose="020B0502020104020203"/>
-                <a:cs typeface="Gill Sans MT" panose="020B0502020104020203"/>
-                <a:sym typeface="+mn-ea"/>
-              </a:rPr>
-              <a:t>一）</a:t>
-            </a:r>
-            <a:endParaRPr lang="en-US" sz="600" b="1" spc="-5" dirty="0">
-              <a:solidFill>
-                <a:srgbClr val="FFFFFF"/>
-              </a:solidFill>
-              <a:latin typeface="Gill Sans MT" panose="020B0502020104020203"/>
-              <a:cs typeface="Gill Sans MT" panose="020B0502020104020203"/>
-            </a:endParaRPr>
-          </a:p>
-        </p:txBody>
-      </p:sp>
-      <p:sp>
-        <p:nvSpPr>
-          <p:cNvPr id="11" name="文本框 10"/>
-          <p:cNvSpPr txBox="1"/>
-          <p:nvPr/>
-        </p:nvSpPr>
-        <p:spPr>
-          <a:xfrm>
-            <a:off x="215900" y="31750"/>
-            <a:ext cx="3876040" cy="290195"/>
-          </a:xfrm>
-          <a:prstGeom prst="rect">
-            <a:avLst/>
-          </a:prstGeom>
-          <a:noFill/>
-        </p:spPr>
-        <p:txBody>
-          <a:bodyPr wrap="square" rtlCol="0">
-            <a:noAutofit/>
-          </a:bodyPr>
-          <a:p>
-            <a:r>
-              <a:rPr lang="zh-CN" altLang="en-US">
-                <a:solidFill>
-                  <a:schemeClr val="bg1"/>
-                </a:solidFill>
-              </a:rPr>
-              <a:t>数位</a:t>
-            </a:r>
-            <a:r>
-              <a:rPr lang="en-US" altLang="zh-CN">
-                <a:solidFill>
-                  <a:schemeClr val="bg1"/>
-                </a:solidFill>
-              </a:rPr>
-              <a:t>DP</a:t>
-            </a:r>
-            <a:endParaRPr lang="zh-CN" altLang="en-US">
-              <a:solidFill>
-                <a:schemeClr val="bg1"/>
-              </a:solidFill>
-            </a:endParaRPr>
-          </a:p>
-        </p:txBody>
-      </p:sp>
-      <p:sp>
-        <p:nvSpPr>
-          <p:cNvPr id="3" name="文本框 2"/>
-          <p:cNvSpPr txBox="1"/>
-          <p:nvPr/>
-        </p:nvSpPr>
-        <p:spPr>
-          <a:xfrm>
-            <a:off x="520700" y="631825"/>
-            <a:ext cx="4437380" cy="1379220"/>
-          </a:xfrm>
-          <a:prstGeom prst="rect">
-            <a:avLst/>
-          </a:prstGeom>
-          <a:noFill/>
-        </p:spPr>
-        <p:txBody>
-          <a:bodyPr wrap="square" rtlCol="0">
-            <a:noAutofit/>
-          </a:bodyPr>
-          <a:p>
-            <a:r>
-              <a:rPr lang="zh-CN" altLang="en-US"/>
-              <a:t>数位的关系（</a:t>
-            </a:r>
-            <a:r>
-              <a:rPr lang="en-US" altLang="zh-CN"/>
-              <a:t>hdu7441</a:t>
-            </a:r>
-            <a:r>
-              <a:rPr lang="en-US" altLang="zh-CN" sz="1800"/>
-              <a:t>）</a:t>
-            </a:r>
-            <a:endParaRPr lang="zh-CN" altLang="en-US" sz="1000"/>
-          </a:p>
-          <a:p>
-            <a:endParaRPr lang="zh-CN" altLang="en-US" sz="1000"/>
-          </a:p>
-          <a:p>
-            <a:endParaRPr lang="zh-CN" altLang="en-US" sz="1000"/>
-          </a:p>
-        </p:txBody>
-      </p:sp>
-      <p:pic>
-        <p:nvPicPr>
-          <p:cNvPr id="4" name="图片 3"/>
-          <p:cNvPicPr>
-            <a:picLocks noChangeAspect="1"/>
-          </p:cNvPicPr>
-          <p:nvPr/>
-        </p:nvPicPr>
-        <p:blipFill>
-          <a:blip r:embed="rId4"/>
-          <a:stretch>
-            <a:fillRect/>
-          </a:stretch>
-        </p:blipFill>
-        <p:spPr>
-          <a:xfrm>
-            <a:off x="215900" y="1012825"/>
-            <a:ext cx="5106035" cy="1567180"/>
-          </a:xfrm>
-          <a:prstGeom prst="rect">
-            <a:avLst/>
-          </a:prstGeom>
-        </p:spPr>
-      </p:pic>
-    </p:spTree>
-  </p:cSld>
-  <p:clrMapOvr>
-    <a:masterClrMapping/>
-  </p:clrMapOvr>
-  <p:transition>
-    <p:cut/>
-  </p:transition>
-  <p:timing>
-    <p:tnLst>
-      <p:par>
-        <p:cTn id="1" dur="indefinite" restart="never" nodeType="tmRoot"/>
-      </p:par>
-    </p:tnLst>
-  </p:timing>
-</p:sld>
-</file>
-
-<file path=ppt/slides/slide17.xml><?xml version="1.0" encoding="utf-8"?>
-<p:sld xmlns:a="http://schemas.openxmlformats.org/drawingml/2006/main" xmlns:r="http://schemas.openxmlformats.org/officeDocument/2006/relationships" xmlns:p="http://schemas.openxmlformats.org/presentationml/2006/main">
-  <p:cSld>
-    <p:spTree>
-      <p:nvGrpSpPr>
-        <p:cNvPr id="1" name=""/>
-        <p:cNvGrpSpPr/>
-        <p:nvPr/>
-      </p:nvGrpSpPr>
-      <p:grpSpPr>
-        <a:xfrm>
-          <a:off x="0" y="0"/>
-          <a:ext cx="0" cy="0"/>
-          <a:chOff x="0" y="0"/>
-          <a:chExt cx="0" cy="0"/>
-        </a:xfrm>
-      </p:grpSpPr>
-      <p:sp>
-        <p:nvSpPr>
-          <p:cNvPr id="2" name="object 2"/>
-          <p:cNvSpPr/>
-          <p:nvPr/>
-        </p:nvSpPr>
-        <p:spPr>
-          <a:xfrm>
-            <a:off x="0" y="20"/>
-            <a:ext cx="5759958" cy="322190"/>
-          </a:xfrm>
-          <a:prstGeom prst="rect">
-            <a:avLst/>
-          </a:prstGeom>
-          <a:blipFill>
-            <a:blip r:embed="rId1" cstate="print"/>
-            <a:stretch>
-              <a:fillRect/>
-            </a:stretch>
-          </a:blipFill>
-        </p:spPr>
-        <p:txBody>
-          <a:bodyPr wrap="square" lIns="0" tIns="0" rIns="0" bIns="0" rtlCol="0"/>
-          <a:lstStyle/>
-          <a:p/>
-        </p:txBody>
-      </p:sp>
-      <p:sp>
-        <p:nvSpPr>
-          <p:cNvPr id="5" name="object 5"/>
-          <p:cNvSpPr/>
-          <p:nvPr/>
-        </p:nvSpPr>
-        <p:spPr>
-          <a:xfrm>
-            <a:off x="0" y="3113900"/>
-            <a:ext cx="2880360" cy="126364"/>
-          </a:xfrm>
-          <a:custGeom>
-            <a:avLst/>
-            <a:gdLst/>
-            <a:ahLst/>
-            <a:cxnLst/>
-            <a:rect l="l" t="t" r="r" b="b"/>
-            <a:pathLst>
-              <a:path w="2880360" h="126364">
-                <a:moveTo>
-                  <a:pt x="0" y="126123"/>
-                </a:moveTo>
-                <a:lnTo>
-                  <a:pt x="2880004" y="126123"/>
-                </a:lnTo>
-                <a:lnTo>
-                  <a:pt x="2880004" y="0"/>
-                </a:lnTo>
-                <a:lnTo>
-                  <a:pt x="0" y="0"/>
-                </a:lnTo>
-                <a:lnTo>
-                  <a:pt x="0" y="126123"/>
-                </a:lnTo>
-                <a:close/>
-              </a:path>
-            </a:pathLst>
-          </a:custGeom>
-          <a:solidFill>
-            <a:srgbClr val="000000"/>
-          </a:solidFill>
-        </p:spPr>
-        <p:txBody>
-          <a:bodyPr wrap="square" lIns="0" tIns="0" rIns="0" bIns="0" rtlCol="0"/>
-          <a:lstStyle/>
-          <a:p/>
-        </p:txBody>
-      </p:sp>
-      <p:sp>
-        <p:nvSpPr>
-          <p:cNvPr id="6" name="object 6"/>
-          <p:cNvSpPr/>
-          <p:nvPr/>
-        </p:nvSpPr>
-        <p:spPr>
-          <a:xfrm>
-            <a:off x="2880004" y="3113900"/>
-            <a:ext cx="2880360" cy="126364"/>
-          </a:xfrm>
-          <a:custGeom>
-            <a:avLst/>
-            <a:gdLst/>
-            <a:ahLst/>
-            <a:cxnLst/>
-            <a:rect l="l" t="t" r="r" b="b"/>
-            <a:pathLst>
-              <a:path w="2880360" h="126364">
-                <a:moveTo>
-                  <a:pt x="0" y="126123"/>
-                </a:moveTo>
-                <a:lnTo>
-                  <a:pt x="2880004" y="126123"/>
-                </a:lnTo>
-                <a:lnTo>
-                  <a:pt x="2880004" y="0"/>
-                </a:lnTo>
-                <a:lnTo>
-                  <a:pt x="0" y="0"/>
-                </a:lnTo>
-                <a:lnTo>
-                  <a:pt x="0" y="126123"/>
-                </a:lnTo>
-                <a:close/>
-              </a:path>
-            </a:pathLst>
-          </a:custGeom>
-          <a:solidFill>
-            <a:srgbClr val="3333B2"/>
-          </a:solidFill>
-        </p:spPr>
-        <p:txBody>
-          <a:bodyPr wrap="square" lIns="0" tIns="0" rIns="0" bIns="0" rtlCol="0"/>
-          <a:lstStyle/>
-          <a:p/>
-        </p:txBody>
-      </p:sp>
-      <p:sp>
-        <p:nvSpPr>
-          <p:cNvPr id="8" name="object 8"/>
-          <p:cNvSpPr txBox="1">
-            <a:spLocks noGrp="1"/>
-          </p:cNvSpPr>
-          <p:nvPr>
-            <p:ph type="ftr" sz="quarter" idx="5"/>
-          </p:nvPr>
-        </p:nvSpPr>
-        <p:spPr>
-          <a:xfrm>
-            <a:off x="2093595" y="3101975"/>
-            <a:ext cx="700405" cy="114300"/>
-          </a:xfrm>
-          <a:prstGeom prst="rect">
-            <a:avLst/>
-          </a:prstGeom>
-        </p:spPr>
-        <p:txBody>
-          <a:bodyPr vert="horz" wrap="square" lIns="0" tIns="22225" rIns="0" bIns="0" rtlCol="0">
-            <a:spAutoFit/>
-          </a:bodyPr>
-          <a:lstStyle/>
-          <a:p>
-            <a:pPr marL="12700">
-              <a:lnSpc>
-                <a:spcPct val="100000"/>
-              </a:lnSpc>
-              <a:spcBef>
-                <a:spcPts val="175"/>
-              </a:spcBef>
-            </a:pPr>
-            <a:r>
-              <a:rPr lang="en-US" spc="45" dirty="0">
-                <a:latin typeface="Tahoma" panose="020B0604030504040204"/>
-                <a:cs typeface="Tahoma" panose="020B0604030504040204"/>
-                <a:sym typeface="+mn-ea"/>
-              </a:rPr>
-              <a:t>ZJNU ACM</a:t>
-            </a:r>
-            <a:r>
-              <a:rPr spc="35" dirty="0">
-                <a:latin typeface="宋体" panose="02010600030101010101" pitchFamily="2" charset="-122"/>
-                <a:cs typeface="宋体" panose="02010600030101010101" pitchFamily="2" charset="-122"/>
-                <a:sym typeface="+mn-ea"/>
-              </a:rPr>
-              <a:t>集训队</a:t>
-            </a:r>
-            <a:endParaRPr spc="-5" dirty="0">
-              <a:latin typeface="Microsoft JhengHei UI" panose="020B0604030504040204" charset="-120"/>
-              <a:cs typeface="Microsoft JhengHei UI" panose="020B0604030504040204" charset="-120"/>
-            </a:endParaRPr>
-          </a:p>
-        </p:txBody>
-      </p:sp>
-      <p:sp>
-        <p:nvSpPr>
-          <p:cNvPr id="9" name="object 6"/>
-          <p:cNvSpPr txBox="1"/>
-          <p:nvPr/>
-        </p:nvSpPr>
-        <p:spPr>
-          <a:xfrm>
-            <a:off x="2975305" y="2819117"/>
-            <a:ext cx="2785745" cy="398780"/>
-          </a:xfrm>
-          <a:prstGeom prst="rect">
-            <a:avLst/>
-          </a:prstGeom>
-        </p:spPr>
-        <p:txBody>
-          <a:bodyPr vert="horz" wrap="square" lIns="0" tIns="127000" rIns="0" bIns="0" rtlCol="0">
-            <a:spAutoFit/>
-          </a:bodyPr>
-          <a:p>
-            <a:pPr marL="917575">
-              <a:lnSpc>
-                <a:spcPts val="1420"/>
-              </a:lnSpc>
-              <a:spcBef>
-                <a:spcPts val="1000"/>
-              </a:spcBef>
-            </a:pPr>
-            <a:r>
-              <a:rPr sz="1200" b="1" spc="50" dirty="0">
-                <a:latin typeface="Gill Sans MT" panose="020B0502020104020203"/>
-                <a:cs typeface="Gill Sans MT" panose="020B0502020104020203"/>
-                <a:hlinkClick r:id="rId2" action="ppaction://hlinksldjump"/>
-              </a:rPr>
-              <a:t>. . </a:t>
-            </a:r>
-            <a:r>
-              <a:rPr sz="1200" b="1" spc="50" dirty="0">
-                <a:latin typeface="Gill Sans MT" panose="020B0502020104020203"/>
-                <a:cs typeface="Gill Sans MT" panose="020B0502020104020203"/>
-                <a:hlinkClick r:id="rId3" action="ppaction://hlinksldjump"/>
-              </a:rPr>
-              <a:t>. </a:t>
-            </a:r>
-            <a:r>
-              <a:rPr sz="1800" b="1" spc="225" baseline="32000" dirty="0">
-                <a:latin typeface="Gill Sans MT" panose="020B0502020104020203"/>
-                <a:cs typeface="Gill Sans MT" panose="020B0502020104020203"/>
-              </a:rPr>
-              <a:t>.</a:t>
-            </a:r>
-            <a:r>
-              <a:rPr sz="1200" b="1" spc="150" dirty="0">
-                <a:latin typeface="Gill Sans MT" panose="020B0502020104020203"/>
-                <a:cs typeface="Gill Sans MT" panose="020B0502020104020203"/>
-                <a:hlinkClick r:id="rId2" action="ppaction://hlinksldjump"/>
-              </a:rPr>
-              <a:t>.</a:t>
-            </a:r>
-            <a:r>
-              <a:rPr sz="1200" b="1" spc="150" dirty="0">
-                <a:latin typeface="Gill Sans MT" panose="020B0502020104020203"/>
-                <a:cs typeface="Gill Sans MT" panose="020B0502020104020203"/>
-                <a:hlinkClick r:id="rId2" action="ppaction://hlinksldjump"/>
-              </a:rPr>
-              <a:t>.</a:t>
-            </a:r>
-            <a:r>
-              <a:rPr sz="1200" b="1" spc="150" dirty="0">
-                <a:latin typeface="Gill Sans MT" panose="020B0502020104020203"/>
-                <a:cs typeface="Gill Sans MT" panose="020B0502020104020203"/>
-                <a:hlinkClick r:id="rId2" action="ppaction://hlinksldjump"/>
-              </a:rPr>
-              <a:t>.</a:t>
-            </a:r>
-            <a:r>
-              <a:rPr sz="1200" b="1" spc="150" dirty="0">
-                <a:latin typeface="Gill Sans MT" panose="020B0502020104020203"/>
-                <a:cs typeface="Gill Sans MT" panose="020B0502020104020203"/>
-                <a:hlinkClick r:id="rId3" action="ppaction://hlinksldjump"/>
-              </a:rPr>
-              <a:t>.</a:t>
-            </a:r>
-            <a:r>
-              <a:rPr sz="1800" b="1" spc="225" baseline="32000" dirty="0">
-                <a:latin typeface="Gill Sans MT" panose="020B0502020104020203"/>
-                <a:cs typeface="Gill Sans MT" panose="020B0502020104020203"/>
-              </a:rPr>
-              <a:t>.</a:t>
-            </a:r>
-            <a:r>
-              <a:rPr sz="1200" b="1" spc="150" dirty="0">
-                <a:latin typeface="Gill Sans MT" panose="020B0502020104020203"/>
-                <a:cs typeface="Gill Sans MT" panose="020B0502020104020203"/>
-                <a:hlinkClick r:id="rId2" action="ppaction://hlinksldjump"/>
-              </a:rPr>
-              <a:t>.</a:t>
-            </a:r>
-            <a:r>
-              <a:rPr sz="1200" b="1" spc="150" dirty="0">
-                <a:latin typeface="Gill Sans MT" panose="020B0502020104020203"/>
-                <a:cs typeface="Gill Sans MT" panose="020B0502020104020203"/>
-                <a:hlinkClick r:id="rId2" action="ppaction://hlinksldjump"/>
-              </a:rPr>
-              <a:t>.</a:t>
-            </a:r>
-            <a:r>
-              <a:rPr sz="1200" b="1" spc="150" dirty="0">
-                <a:latin typeface="Gill Sans MT" panose="020B0502020104020203"/>
-                <a:cs typeface="Gill Sans MT" panose="020B0502020104020203"/>
-                <a:hlinkClick r:id="rId2" action="ppaction://hlinksldjump"/>
-              </a:rPr>
-              <a:t>.</a:t>
-            </a:r>
-            <a:r>
-              <a:rPr sz="1200" b="1" spc="150" dirty="0">
-                <a:latin typeface="Gill Sans MT" panose="020B0502020104020203"/>
-                <a:cs typeface="Gill Sans MT" panose="020B0502020104020203"/>
-                <a:hlinkClick r:id="rId2" action="ppaction://hlinksldjump"/>
-              </a:rPr>
-              <a:t>.</a:t>
-            </a:r>
-            <a:r>
-              <a:rPr sz="1800" b="1" spc="225" baseline="32000" dirty="0">
-                <a:latin typeface="Gill Sans MT" panose="020B0502020104020203"/>
-                <a:cs typeface="Gill Sans MT" panose="020B0502020104020203"/>
-              </a:rPr>
-              <a:t>.</a:t>
-            </a:r>
-            <a:r>
-              <a:rPr sz="1200" b="1" spc="150" dirty="0">
-                <a:latin typeface="Gill Sans MT" panose="020B0502020104020203"/>
-                <a:cs typeface="Gill Sans MT" panose="020B0502020104020203"/>
-                <a:hlinkClick r:id="rId2" action="ppaction://hlinksldjump"/>
-              </a:rPr>
-              <a:t>.</a:t>
-            </a:r>
-            <a:r>
-              <a:rPr sz="1200" b="1" spc="150" dirty="0">
-                <a:latin typeface="Gill Sans MT" panose="020B0502020104020203"/>
-                <a:cs typeface="Gill Sans MT" panose="020B0502020104020203"/>
-                <a:hlinkClick r:id="rId2" action="ppaction://hlinksldjump"/>
-              </a:rPr>
-              <a:t>.</a:t>
-            </a:r>
-            <a:r>
-              <a:rPr sz="1200" b="1" spc="150" dirty="0">
-                <a:latin typeface="Gill Sans MT" panose="020B0502020104020203"/>
-                <a:cs typeface="Gill Sans MT" panose="020B0502020104020203"/>
-                <a:hlinkClick r:id="rId2" action="ppaction://hlinksldjump"/>
-              </a:rPr>
-              <a:t>.</a:t>
-            </a:r>
-            <a:r>
-              <a:rPr sz="1200" b="1" spc="150" dirty="0">
-                <a:latin typeface="Gill Sans MT" panose="020B0502020104020203"/>
-                <a:cs typeface="Gill Sans MT" panose="020B0502020104020203"/>
-                <a:hlinkClick r:id="rId2" action="ppaction://hlinksldjump"/>
-              </a:rPr>
-              <a:t>.</a:t>
-            </a:r>
-            <a:r>
-              <a:rPr sz="1800" b="1" spc="225" baseline="32000" dirty="0">
-                <a:latin typeface="Gill Sans MT" panose="020B0502020104020203"/>
-                <a:cs typeface="Gill Sans MT" panose="020B0502020104020203"/>
-              </a:rPr>
-              <a:t>.</a:t>
-            </a:r>
-            <a:r>
-              <a:rPr sz="1200" b="1" spc="150" dirty="0">
-                <a:latin typeface="Gill Sans MT" panose="020B0502020104020203"/>
-                <a:cs typeface="Gill Sans MT" panose="020B0502020104020203"/>
-                <a:hlinkClick r:id="rId2" action="ppaction://hlinksldjump"/>
-              </a:rPr>
-              <a:t>.</a:t>
-            </a:r>
-            <a:r>
-              <a:rPr sz="1200" b="1" spc="150" dirty="0">
-                <a:latin typeface="Gill Sans MT" panose="020B0502020104020203"/>
-                <a:cs typeface="Gill Sans MT" panose="020B0502020104020203"/>
-              </a:rPr>
-              <a:t> </a:t>
-            </a:r>
-            <a:r>
-              <a:rPr sz="1200" b="1" strike="sngStrike" spc="50" dirty="0">
-                <a:latin typeface="Gill Sans MT" panose="020B0502020104020203"/>
-                <a:cs typeface="Gill Sans MT" panose="020B0502020104020203"/>
-              </a:rPr>
-              <a:t>.</a:t>
-            </a:r>
-            <a:r>
-              <a:rPr sz="1200" b="1" strike="noStrike" spc="50" dirty="0">
-                <a:latin typeface="Gill Sans MT" panose="020B0502020104020203"/>
-                <a:cs typeface="Gill Sans MT" panose="020B0502020104020203"/>
-              </a:rPr>
-              <a:t> </a:t>
-            </a:r>
-            <a:r>
-              <a:rPr sz="1800" b="1" strike="noStrike" spc="135" baseline="32000" dirty="0">
-                <a:latin typeface="Gill Sans MT" panose="020B0502020104020203"/>
-                <a:cs typeface="Gill Sans MT" panose="020B0502020104020203"/>
-              </a:rPr>
-              <a:t>.</a:t>
-            </a:r>
-            <a:r>
-              <a:rPr sz="1200" b="1" strike="noStrike" spc="90" dirty="0">
-                <a:latin typeface="Gill Sans MT" panose="020B0502020104020203"/>
-                <a:cs typeface="Gill Sans MT" panose="020B0502020104020203"/>
-              </a:rPr>
-              <a:t>. </a:t>
-            </a:r>
-            <a:r>
-              <a:rPr sz="1200" b="1" strike="noStrike" spc="50" dirty="0">
-                <a:latin typeface="Gill Sans MT" panose="020B0502020104020203"/>
-                <a:cs typeface="Gill Sans MT" panose="020B0502020104020203"/>
-              </a:rPr>
-              <a:t>.</a:t>
-            </a:r>
-            <a:r>
-              <a:rPr sz="1200" b="1" strike="noStrike" spc="-254" dirty="0">
-                <a:latin typeface="Gill Sans MT" panose="020B0502020104020203"/>
-                <a:cs typeface="Gill Sans MT" panose="020B0502020104020203"/>
-              </a:rPr>
-              <a:t> </a:t>
-            </a:r>
-            <a:r>
-              <a:rPr sz="1200" b="1" strike="noStrike" spc="50" dirty="0">
-                <a:latin typeface="Gill Sans MT" panose="020B0502020104020203"/>
-                <a:cs typeface="Gill Sans MT" panose="020B0502020104020203"/>
-              </a:rPr>
-              <a:t>. </a:t>
-            </a:r>
-            <a:r>
-              <a:rPr sz="1800" b="1" strike="noStrike" spc="75" baseline="32000" dirty="0">
-                <a:latin typeface="Gill Sans MT" panose="020B0502020104020203"/>
-                <a:cs typeface="Gill Sans MT" panose="020B0502020104020203"/>
-              </a:rPr>
-              <a:t>.</a:t>
-            </a:r>
-            <a:endParaRPr sz="1800" baseline="32000">
-              <a:latin typeface="Gill Sans MT" panose="020B0502020104020203"/>
-              <a:cs typeface="Gill Sans MT" panose="020B0502020104020203"/>
-            </a:endParaRPr>
-          </a:p>
-          <a:p>
-            <a:pPr marL="12700">
-              <a:lnSpc>
-                <a:spcPts val="700"/>
-              </a:lnSpc>
-            </a:pPr>
-            <a:r>
-              <a:rPr sz="600" b="1" spc="-5" dirty="0">
-                <a:solidFill>
-                  <a:srgbClr val="FFFFFF"/>
-                </a:solidFill>
-                <a:latin typeface="Gill Sans MT" panose="020B0502020104020203"/>
-                <a:cs typeface="Gill Sans MT" panose="020B0502020104020203"/>
-                <a:sym typeface="+mn-ea"/>
-              </a:rPr>
-              <a:t>202</a:t>
-            </a:r>
-            <a:r>
-              <a:rPr lang="en-US" sz="600" b="1" spc="-5" dirty="0">
-                <a:solidFill>
-                  <a:srgbClr val="FFFFFF"/>
-                </a:solidFill>
-                <a:latin typeface="Gill Sans MT" panose="020B0502020104020203"/>
-                <a:cs typeface="Gill Sans MT" panose="020B0502020104020203"/>
-                <a:sym typeface="+mn-ea"/>
-              </a:rPr>
-              <a:t>4</a:t>
-            </a:r>
-            <a:r>
-              <a:rPr lang="en-US" sz="600" b="1" spc="-5" dirty="0">
-                <a:solidFill>
-                  <a:srgbClr val="FFFFFF"/>
-                </a:solidFill>
-                <a:latin typeface="Gill Sans MT" panose="020B0502020104020203"/>
-                <a:cs typeface="Gill Sans MT" panose="020B0502020104020203"/>
-                <a:sym typeface="+mn-ea"/>
-              </a:rPr>
-              <a:t> ZJNU ACM </a:t>
-            </a:r>
-            <a:r>
-              <a:rPr sz="600" b="1" spc="-5" dirty="0">
-                <a:solidFill>
-                  <a:srgbClr val="FFFFFF"/>
-                </a:solidFill>
-                <a:latin typeface="Gill Sans MT" panose="020B0502020104020203"/>
-                <a:cs typeface="Gill Sans MT" panose="020B0502020104020203"/>
-                <a:sym typeface="+mn-ea"/>
-              </a:rPr>
-              <a:t>DP</a:t>
-            </a:r>
-            <a:r>
-              <a:rPr lang="zh-CN" sz="600" b="1" spc="-5" dirty="0">
-                <a:solidFill>
-                  <a:srgbClr val="FFFFFF"/>
-                </a:solidFill>
-                <a:latin typeface="Gill Sans MT" panose="020B0502020104020203"/>
-                <a:cs typeface="Gill Sans MT" panose="020B0502020104020203"/>
-                <a:sym typeface="+mn-ea"/>
-              </a:rPr>
-              <a:t>（</a:t>
-            </a:r>
-            <a:r>
-              <a:rPr sz="600" b="1" spc="-5" dirty="0">
-                <a:solidFill>
-                  <a:srgbClr val="FFFFFF"/>
-                </a:solidFill>
-                <a:latin typeface="Gill Sans MT" panose="020B0502020104020203"/>
-                <a:cs typeface="Gill Sans MT" panose="020B0502020104020203"/>
-                <a:sym typeface="+mn-ea"/>
-              </a:rPr>
-              <a:t>一）</a:t>
-            </a:r>
-            <a:endParaRPr lang="en-US" sz="600" b="1" spc="-5" dirty="0">
-              <a:solidFill>
-                <a:srgbClr val="FFFFFF"/>
-              </a:solidFill>
-              <a:latin typeface="Gill Sans MT" panose="020B0502020104020203"/>
-              <a:cs typeface="Gill Sans MT" panose="020B0502020104020203"/>
-            </a:endParaRPr>
-          </a:p>
-        </p:txBody>
-      </p:sp>
-      <p:sp>
-        <p:nvSpPr>
-          <p:cNvPr id="11" name="文本框 10"/>
-          <p:cNvSpPr txBox="1"/>
-          <p:nvPr/>
-        </p:nvSpPr>
-        <p:spPr>
-          <a:xfrm>
-            <a:off x="215900" y="31750"/>
-            <a:ext cx="3876040" cy="290195"/>
-          </a:xfrm>
-          <a:prstGeom prst="rect">
-            <a:avLst/>
-          </a:prstGeom>
-          <a:noFill/>
-        </p:spPr>
-        <p:txBody>
-          <a:bodyPr wrap="square" rtlCol="0">
-            <a:noAutofit/>
-          </a:bodyPr>
-          <a:p>
-            <a:r>
-              <a:rPr lang="zh-CN" altLang="en-US">
-                <a:solidFill>
-                  <a:schemeClr val="bg1"/>
-                </a:solidFill>
-              </a:rPr>
-              <a:t>数位</a:t>
-            </a:r>
-            <a:r>
-              <a:rPr lang="en-US" altLang="zh-CN">
-                <a:solidFill>
-                  <a:schemeClr val="bg1"/>
-                </a:solidFill>
-              </a:rPr>
-              <a:t>DP</a:t>
-            </a:r>
-            <a:endParaRPr lang="zh-CN" altLang="en-US">
-              <a:solidFill>
-                <a:schemeClr val="bg1"/>
-              </a:solidFill>
-            </a:endParaRPr>
-          </a:p>
-        </p:txBody>
-      </p:sp>
-      <p:pic>
-        <p:nvPicPr>
-          <p:cNvPr id="12" name="图片 11"/>
-          <p:cNvPicPr>
-            <a:picLocks noChangeAspect="1"/>
-          </p:cNvPicPr>
-          <p:nvPr/>
-        </p:nvPicPr>
-        <p:blipFill>
-          <a:blip r:embed="rId4"/>
-          <a:stretch>
-            <a:fillRect/>
-          </a:stretch>
-        </p:blipFill>
-        <p:spPr>
-          <a:xfrm>
-            <a:off x="292100" y="479425"/>
-            <a:ext cx="2694305" cy="2622550"/>
-          </a:xfrm>
-          <a:prstGeom prst="rect">
-            <a:avLst/>
-          </a:prstGeom>
-        </p:spPr>
-      </p:pic>
-    </p:spTree>
-  </p:cSld>
-  <p:clrMapOvr>
-    <a:masterClrMapping/>
-  </p:clrMapOvr>
-  <p:transition>
-    <p:cut/>
-  </p:transition>
-  <p:timing>
-    <p:tnLst>
-      <p:par>
-        <p:cTn id="1" dur="indefinite" restart="never" nodeType="tmRoot"/>
-      </p:par>
-    </p:tnLst>
-  </p:timing>
 </p:sld>
 </file>
 
@@ -14561,7 +8808,7 @@
                 <a:cs typeface="Gill Sans MT" panose="020B0502020104020203"/>
                 <a:sym typeface="+mn-ea"/>
               </a:rPr>
-              <a:t>（</a:t>
+              <a:t>（二</a:t>
             </a:r>
             <a:r>
               <a:rPr sz="600" b="1" spc="-5" dirty="0">
@@ -14572,7 +8819,7 @@
                 <a:cs typeface="Gill Sans MT" panose="020B0502020104020203"/>
                 <a:sym typeface="+mn-ea"/>
               </a:rPr>
-              <a:t>一）</a:t>
+              <a:t>）</a:t>
             </a:r>
             <a:endParaRPr lang="en-US" sz="600" b="1" spc="-5" dirty="0">
               <a:solidFill>
@@ -14619,7 +8866,7 @@
                   <a:schemeClr val="bg1"/>
                 </a:solidFill>
               </a:rPr>
-              <a:t>（一）</a:t>
+              <a:t>（二）</a:t>
             </a:r>
             <a:endParaRPr lang="zh-CN" altLang="en-US">
               <a:solidFill>
@@ -14655,8 +8902,8 @@
               <a:t>·</a:t>
             </a:r>
             <a:r>
-              <a:rPr lang="zh-CN" altLang="en-US"/>
-              <a:t>区间</a:t>
+              <a:rPr lang="zh-CN" altLang="en-US" sz="2000"/>
+              <a:t>概率</a:t>
             </a:r>
             <a:r>
               <a:rPr lang="en-US" altLang="zh-CN"/>
@@ -14670,8 +8917,8 @@
               <a:t>·</a:t>
             </a:r>
             <a:r>
-              <a:rPr lang="zh-CN" altLang="en-US"/>
-              <a:t>状压</a:t>
+              <a:rPr lang="zh-CN" altLang="en-US" sz="2000"/>
+              <a:t>期望</a:t>
             </a:r>
             <a:r>
               <a:rPr lang="en-US" altLang="zh-CN"/>
@@ -14685,8 +8932,8 @@
               <a:t>·</a:t>
             </a:r>
             <a:r>
-              <a:rPr lang="zh-CN" altLang="en-US"/>
-              <a:t>数位</a:t>
+              <a:rPr lang="zh-CN" altLang="en-US" sz="2000"/>
+              <a:t>子集</a:t>
             </a:r>
             <a:r>
               <a:rPr lang="en-US" altLang="zh-CN"/>
@@ -15213,7 +9460,7 @@
                 <a:cs typeface="Gill Sans MT" panose="020B0502020104020203"/>
                 <a:sym typeface="+mn-ea"/>
               </a:rPr>
-              <a:t>（</a:t>
+              <a:t>（二</a:t>
             </a:r>
             <a:r>
               <a:rPr sz="600" b="1" spc="-5" dirty="0">
@@ -15224,7 +9471,7 @@
                 <a:cs typeface="Gill Sans MT" panose="020B0502020104020203"/>
                 <a:sym typeface="+mn-ea"/>
               </a:rPr>
-              <a:t>一）</a:t>
+              <a:t>）</a:t>
             </a:r>
             <a:endParaRPr lang="en-US" sz="600" b="1" spc="-5" dirty="0">
               <a:solidFill>
@@ -15258,20 +9505,20 @@
           </a:bodyPr>
           <a:p>
             <a:r>
+              <a:rPr lang="en-US" altLang="zh-CN">
+                <a:solidFill>
+                  <a:schemeClr val="bg1"/>
+                </a:solidFill>
+              </a:rPr>
+              <a:t>DP</a:t>
+            </a:r>
+            <a:r>
               <a:rPr lang="zh-CN" altLang="en-US">
                 <a:solidFill>
                   <a:schemeClr val="bg1"/>
                 </a:solidFill>
               </a:rPr>
-              <a:t>区间</a:t>
-            </a:r>
-            <a:r>
-              <a:rPr lang="en-US" altLang="zh-CN">
-                <a:solidFill>
-                  <a:schemeClr val="bg1"/>
-                </a:solidFill>
-              </a:rPr>
-              <a:t>DP</a:t>
+              <a:t>（二）</a:t>
             </a:r>
             <a:endParaRPr lang="zh-CN" altLang="en-US">
               <a:solidFill>
@@ -15281,40 +9528,16 @@
           </a:p>
         </p:txBody>
       </p:sp>
-      <p:pic>
-        <p:nvPicPr>
-          <p:cNvPr id="4" name="图片 3"/>
-          <p:cNvPicPr>
-            <a:picLocks noChangeAspect="1"/>
-          </p:cNvPicPr>
-          <p:nvPr/>
-        </p:nvPicPr>
-        <p:blipFill>
-          <a:blip r:embed="rId3"/>
-          <a:stretch>
-            <a:fillRect/>
-          </a:stretch>
-        </p:blipFill>
-        <p:spPr>
-          <a:xfrm>
-            <a:off x="215900" y="631825"/>
-            <a:ext cx="5309870" cy="1114425"/>
-          </a:xfrm>
-          <a:prstGeom prst="rect">
-            <a:avLst/>
-          </a:prstGeom>
-        </p:spPr>
-      </p:pic>
-      <p:sp>
-        <p:nvSpPr>
-          <p:cNvPr id="7" name="文本框 6"/>
+      <p:sp>
+        <p:nvSpPr>
+          <p:cNvPr id="3" name="文本框 2"/>
           <p:cNvSpPr txBox="1"/>
           <p:nvPr/>
         </p:nvSpPr>
         <p:spPr>
           <a:xfrm>
-            <a:off x="215900" y="1851025"/>
-            <a:ext cx="4705985" cy="722630"/>
+            <a:off x="222250" y="683895"/>
+            <a:ext cx="5076825" cy="1650365"/>
           </a:xfrm>
           <a:prstGeom prst="rect">
             <a:avLst/>
@@ -15327,29 +9550,36 @@
           </a:bodyPr>
           <a:p>
             <a:r>
-              <a:rPr lang="zh-CN" altLang="en-US" sz="1000"/>
-              <a:t>一般来说，上面这个状态就是通常设区间</a:t>
-            </a:r>
-            <a:r>
-              <a:rPr lang="en-US" altLang="zh-CN" sz="1000"/>
-              <a:t>dp</a:t>
-            </a:r>
-            <a:r>
-              <a:rPr lang="zh-CN" altLang="en-US" sz="1000"/>
-              <a:t>的状态。</a:t>
-            </a:r>
-            <a:endParaRPr lang="zh-CN" altLang="en-US" sz="1000"/>
+              <a:rPr lang="en-US" altLang="zh-CN"/>
+              <a:t>·</a:t>
+            </a:r>
+            <a:r>
+              <a:rPr lang="zh-CN" altLang="en-US"/>
+              <a:t>一般来说，概率是正推，期望是倒推</a:t>
+            </a:r>
+            <a:endParaRPr lang="zh-CN" altLang="en-US"/>
           </a:p>
           <a:p>
             <a:r>
-              <a:rPr lang="zh-CN" altLang="en-US" sz="1000"/>
-              <a:t>在我们发现原问题可以分解为两两合并的形式，而且两个部分的最优解可以像这个转移一样转移过去，那么就有可能是区间</a:t>
-            </a:r>
-            <a:r>
-              <a:rPr lang="en-US" altLang="zh-CN" sz="1000"/>
-              <a:t>dp</a:t>
-            </a:r>
-            <a:endParaRPr lang="en-US" altLang="zh-CN" sz="1000"/>
+              <a:rPr lang="en-US" altLang="zh-CN"/>
+              <a:t>·</a:t>
+            </a:r>
+            <a:r>
+              <a:rPr lang="zh-CN" altLang="en-US"/>
+              <a:t>有后效性的问题，可以考虑高斯消元的做法来优化</a:t>
+            </a:r>
+            <a:endParaRPr lang="zh-CN" altLang="en-US"/>
+          </a:p>
+          <a:p>
+            <a:r>
+              <a:rPr lang="en-US" altLang="zh-CN"/>
+              <a:t>·</a:t>
+            </a:r>
+            <a:r>
+              <a:rPr lang="zh-CN" altLang="en-US"/>
+              <a:t>需要一些高中概率论的知识</a:t>
+            </a:r>
+            <a:endParaRPr lang="zh-CN" altLang="en-US"/>
           </a:p>
         </p:txBody>
       </p:sp>
@@ -15607,7 +9837,7 @@
               <a:rPr sz="1200" b="1" spc="50" dirty="0">
                 <a:latin typeface="Gill Sans MT" panose="020B0502020104020203"/>
                 <a:cs typeface="Gill Sans MT" panose="020B0502020104020203"/>
-                <a:hlinkClick r:id="rId3" action="ppaction://hlinksldjump"/>
+                <a:hlinkClick r:id="rId2" action="ppaction://hlinksldjump"/>
               </a:rPr>
               <a:t>. </a:t>
             </a:r>
@@ -15646,7 +9876,7 @@
               <a:rPr sz="1200" b="1" spc="150" dirty="0">
                 <a:latin typeface="Gill Sans MT" panose="020B0502020104020203"/>
                 <a:cs typeface="Gill Sans MT" panose="020B0502020104020203"/>
-                <a:hlinkClick r:id="rId3" action="ppaction://hlinksldjump"/>
+                <a:hlinkClick r:id="rId2" action="ppaction://hlinksldjump"/>
               </a:rPr>
               <a:t>.</a:t>
             </a:r>
@@ -15870,7 +10100,7 @@
                 <a:cs typeface="Gill Sans MT" panose="020B0502020104020203"/>
                 <a:sym typeface="+mn-ea"/>
               </a:rPr>
-              <a:t>（</a:t>
+              <a:t>（二</a:t>
             </a:r>
             <a:r>
               <a:rPr sz="600" b="1" spc="-5" dirty="0">
@@ -15881,7 +10111,7 @@
                 <a:cs typeface="Gill Sans MT" panose="020B0502020104020203"/>
                 <a:sym typeface="+mn-ea"/>
               </a:rPr>
-              <a:t>一）</a:t>
+              <a:t>）</a:t>
             </a:r>
             <a:endParaRPr lang="en-US" sz="600" b="1" spc="-5" dirty="0">
               <a:solidFill>
@@ -15915,20 +10145,20 @@
           </a:bodyPr>
           <a:p>
             <a:r>
+              <a:rPr lang="en-US" altLang="zh-CN">
+                <a:solidFill>
+                  <a:schemeClr val="bg1"/>
+                </a:solidFill>
+              </a:rPr>
+              <a:t>DP</a:t>
+            </a:r>
+            <a:r>
               <a:rPr lang="zh-CN" altLang="en-US">
                 <a:solidFill>
                   <a:schemeClr val="bg1"/>
                 </a:solidFill>
               </a:rPr>
-              <a:t>区间</a:t>
-            </a:r>
-            <a:r>
-              <a:rPr lang="en-US" altLang="zh-CN">
-                <a:solidFill>
-                  <a:schemeClr val="bg1"/>
-                </a:solidFill>
-              </a:rPr>
-              <a:t>DP</a:t>
+              <a:t>（二）</a:t>
             </a:r>
             <a:endParaRPr lang="zh-CN" altLang="en-US">
               <a:solidFill>
@@ -15940,14 +10170,14 @@
       </p:sp>
       <p:sp>
         <p:nvSpPr>
-          <p:cNvPr id="4" name="文本框 3"/>
+          <p:cNvPr id="3" name="文本框 2"/>
           <p:cNvSpPr txBox="1"/>
           <p:nvPr/>
         </p:nvSpPr>
         <p:spPr>
           <a:xfrm>
-            <a:off x="368300" y="569595"/>
-            <a:ext cx="5174615" cy="2125345"/>
+            <a:off x="222250" y="683895"/>
+            <a:ext cx="5076825" cy="1650365"/>
           </a:xfrm>
           <a:prstGeom prst="rect">
             <a:avLst/>
@@ -15959,47 +10189,39 @@
             <a:noAutofit/>
           </a:bodyPr>
           <a:p>
-            <a:r>
-              <a:rPr lang="zh-CN" altLang="en-US"/>
-              <a:t>石子合并</a:t>
-            </a:r>
             <a:endParaRPr lang="zh-CN" altLang="en-US"/>
           </a:p>
-          <a:p>
-            <a:r>
-              <a:rPr lang="zh-CN" altLang="en-US" sz="1000"/>
-              <a:t>题目大意：</a:t>
-            </a:r>
-            <a:endParaRPr lang="zh-CN" altLang="en-US" sz="1000"/>
-          </a:p>
-          <a:p>
-            <a:r>
-              <a:rPr lang="zh-CN" altLang="en-US" sz="1000"/>
-              <a:t>给定</a:t>
-            </a:r>
-            <a:r>
-              <a:rPr lang="en-US" altLang="zh-CN" sz="1000"/>
-              <a:t>n</a:t>
-            </a:r>
-            <a:r>
-              <a:rPr lang="zh-CN" altLang="en-US" sz="1000"/>
-              <a:t>堆石子，每次可以选择相邻的两堆石子进行合并，合并的代价为这两堆石子的总石子数，求合并</a:t>
-            </a:r>
-            <a:r>
-              <a:rPr lang="en-US" altLang="zh-CN" sz="1000"/>
-              <a:t>n</a:t>
-            </a:r>
-            <a:r>
-              <a:rPr lang="zh-CN" altLang="en-US" sz="1000"/>
-              <a:t>堆石子的最小代价。</a:t>
-            </a:r>
-            <a:endParaRPr lang="zh-CN" altLang="en-US" sz="1000"/>
-          </a:p>
-          <a:p>
-            <a:endParaRPr lang="zh-CN" altLang="en-US" sz="1000"/>
-          </a:p>
-        </p:txBody>
-      </p:sp>
+        </p:txBody>
+      </p:sp>
+      <p:pic>
+        <p:nvPicPr>
+          <p:cNvPr id="7" name="内容占位符 6"/>
+          <p:cNvPicPr>
+            <a:picLocks noChangeAspect="1"/>
+          </p:cNvPicPr>
+          <p:nvPr>
+            <p:ph idx="1"/>
+            <p:custDataLst>
+              <p:tags r:id="rId3"/>
+            </p:custDataLst>
+          </p:nvPr>
+        </p:nvPicPr>
+        <p:blipFill>
+          <a:blip r:embed="rId4"/>
+          <a:stretch>
+            <a:fillRect/>
+          </a:stretch>
+        </p:blipFill>
+        <p:spPr>
+          <a:xfrm>
+            <a:off x="-72390" y="403225"/>
+            <a:ext cx="5911215" cy="2611755"/>
+          </a:xfrm>
+          <a:prstGeom prst="rect">
+            <a:avLst/>
+          </a:prstGeom>
+        </p:spPr>
+      </p:pic>
     </p:spTree>
   </p:cSld>
   <p:clrMapOvr>
@@ -16254,7 +10476,7 @@
               <a:rPr sz="1200" b="1" spc="50" dirty="0">
                 <a:latin typeface="Gill Sans MT" panose="020B0502020104020203"/>
                 <a:cs typeface="Gill Sans MT" panose="020B0502020104020203"/>
-                <a:hlinkClick r:id="rId3" action="ppaction://hlinksldjump"/>
+                <a:hlinkClick r:id="rId2" action="ppaction://hlinksldjump"/>
               </a:rPr>
               <a:t>. </a:t>
             </a:r>
@@ -16293,7 +10515,7 @@
               <a:rPr sz="1200" b="1" spc="150" dirty="0">
                 <a:latin typeface="Gill Sans MT" panose="020B0502020104020203"/>
                 <a:cs typeface="Gill Sans MT" panose="020B0502020104020203"/>
-                <a:hlinkClick r:id="rId3" action="ppaction://hlinksldjump"/>
+                <a:hlinkClick r:id="rId2" action="ppaction://hlinksldjump"/>
               </a:rPr>
               <a:t>.</a:t>
             </a:r>
@@ -16517,7 +10739,7 @@
                 <a:cs typeface="Gill Sans MT" panose="020B0502020104020203"/>
                 <a:sym typeface="+mn-ea"/>
               </a:rPr>
-              <a:t>（</a:t>
+              <a:t>（二</a:t>
             </a:r>
             <a:r>
               <a:rPr sz="600" b="1" spc="-5" dirty="0">
@@ -16528,7 +10750,7 @@
                 <a:cs typeface="Gill Sans MT" panose="020B0502020104020203"/>
                 <a:sym typeface="+mn-ea"/>
               </a:rPr>
-              <a:t>一）</a:t>
+              <a:t>）</a:t>
             </a:r>
             <a:endParaRPr lang="en-US" sz="600" b="1" spc="-5" dirty="0">
               <a:solidFill>
@@ -16567,7 +10789,7 @@
                   <a:schemeClr val="bg1"/>
                 </a:solidFill>
               </a:rPr>
-              <a:t>区间</a:t>
+              <a:t>概率</a:t>
             </a:r>
             <a:r>
               <a:rPr lang="en-US" altLang="zh-CN">
@@ -16587,14 +10809,14 @@
       </p:sp>
       <p:sp>
         <p:nvSpPr>
-          <p:cNvPr id="4" name="文本框 3"/>
+          <p:cNvPr id="3" name="文本框 2"/>
           <p:cNvSpPr txBox="1"/>
           <p:nvPr/>
         </p:nvSpPr>
         <p:spPr>
           <a:xfrm>
-            <a:off x="368300" y="569595"/>
-            <a:ext cx="5174615" cy="2125345"/>
+            <a:off x="222250" y="683895"/>
+            <a:ext cx="5076825" cy="1650365"/>
           </a:xfrm>
           <a:prstGeom prst="rect">
             <a:avLst/>
@@ -16606,131 +10828,53 @@
             <a:noAutofit/>
           </a:bodyPr>
           <a:p>
-            <a:r>
-              <a:rPr lang="zh-CN" altLang="en-US"/>
-              <a:t>石子合并（</a:t>
-            </a:r>
-            <a:r>
-              <a:rPr lang="en-US" altLang="zh-CN"/>
-              <a:t>oj1181</a:t>
-            </a:r>
-            <a:r>
-              <a:rPr lang="zh-CN" altLang="en-US"/>
-              <a:t>）</a:t>
-            </a:r>
             <a:endParaRPr lang="zh-CN" altLang="en-US"/>
           </a:p>
+        </p:txBody>
+      </p:sp>
+      <p:sp>
+        <p:nvSpPr>
+          <p:cNvPr id="4" name="文本框 3"/>
+          <p:cNvSpPr txBox="1"/>
+          <p:nvPr/>
+        </p:nvSpPr>
+        <p:spPr>
+          <a:xfrm>
+            <a:off x="368935" y="614680"/>
+            <a:ext cx="5098415" cy="1191895"/>
+          </a:xfrm>
+          <a:prstGeom prst="rect">
+            <a:avLst/>
+          </a:prstGeom>
+          <a:noFill/>
+        </p:spPr>
+        <p:txBody>
+          <a:bodyPr wrap="square" rtlCol="0">
+            <a:noAutofit/>
+          </a:bodyPr>
           <a:p>
             <a:r>
-              <a:rPr lang="zh-CN" altLang="en-US" sz="1000"/>
-              <a:t>题目大意：</a:t>
-            </a:r>
-            <a:endParaRPr lang="zh-CN" altLang="en-US" sz="1000"/>
+              <a:rPr lang="en-US" altLang="zh-CN" sz="1600"/>
+              <a:t>Bag of mice</a:t>
+            </a:r>
+            <a:r>
+              <a:rPr lang="zh-CN" altLang="en-US" sz="1600"/>
+              <a:t>（</a:t>
+            </a:r>
+            <a:r>
+              <a:rPr lang="en-US" altLang="zh-CN" sz="1600"/>
+              <a:t>cf148D</a:t>
+            </a:r>
+            <a:r>
+              <a:rPr lang="zh-CN" altLang="en-US" sz="1600"/>
+              <a:t>）</a:t>
+            </a:r>
+            <a:endParaRPr lang="en-US" altLang="zh-CN" sz="1600"/>
           </a:p>
           <a:p>
             <a:r>
               <a:rPr lang="zh-CN" altLang="en-US" sz="1000"/>
-              <a:t>给定</a:t>
-            </a:r>
-            <a:r>
-              <a:rPr lang="en-US" altLang="zh-CN" sz="1000"/>
-              <a:t>n</a:t>
-            </a:r>
-            <a:r>
-              <a:rPr lang="zh-CN" altLang="en-US" sz="1000"/>
-              <a:t>堆石子，每次可以选择相邻的两堆石子进行合并，合并的代价为这两堆石子的总石子数，求合并</a:t>
-            </a:r>
-            <a:r>
-              <a:rPr lang="en-US" altLang="zh-CN" sz="1000"/>
-              <a:t>n</a:t>
-            </a:r>
-            <a:r>
-              <a:rPr lang="zh-CN" altLang="en-US" sz="1000"/>
-              <a:t>堆石子的最小代价。</a:t>
-            </a:r>
-            <a:endParaRPr lang="zh-CN" altLang="en-US" sz="1000"/>
-          </a:p>
-          <a:p>
-            <a:endParaRPr lang="en-US" altLang="zh-CN" sz="1000"/>
-          </a:p>
-          <a:p>
-            <a:endParaRPr lang="en-US" altLang="zh-CN" sz="1000"/>
-          </a:p>
-          <a:p>
-            <a:r>
-              <a:rPr lang="en-US" altLang="zh-CN" sz="1000"/>
-              <a:t>dp</a:t>
-            </a:r>
-            <a:r>
-              <a:rPr lang="zh-CN" altLang="en-US" sz="1000"/>
-              <a:t>状态：</a:t>
-            </a:r>
-            <a:endParaRPr lang="zh-CN" altLang="en-US" sz="1000"/>
-          </a:p>
-          <a:p>
-            <a:r>
-              <a:rPr lang="zh-CN" altLang="en-US" sz="1000"/>
-              <a:t>当我们合并两个石子堆的时候，我们只需要考虑这两个石子堆自己合并的时候的最小代价。</a:t>
-            </a:r>
-            <a:endParaRPr lang="zh-CN" altLang="en-US" sz="1000"/>
-          </a:p>
-          <a:p>
-            <a:r>
-              <a:rPr lang="zh-CN" altLang="en-US" sz="1000"/>
-              <a:t>然后设</a:t>
-            </a:r>
-            <a:r>
-              <a:rPr lang="en-US" altLang="zh-CN" sz="1000"/>
-              <a:t>dp</a:t>
-            </a:r>
-            <a:r>
-              <a:rPr lang="zh-CN" altLang="en-US" sz="1000"/>
-              <a:t>状态为</a:t>
-            </a:r>
-            <a:r>
-              <a:rPr lang="en-US" altLang="zh-CN" sz="1000"/>
-              <a:t>dp[i][j]</a:t>
-            </a:r>
-            <a:r>
-              <a:rPr lang="zh-CN" altLang="en-US" sz="1000"/>
-              <a:t>表示</a:t>
-            </a:r>
-            <a:r>
-              <a:rPr lang="en-US" altLang="zh-CN" sz="1000"/>
-              <a:t>[i,j]</a:t>
-            </a:r>
-            <a:r>
-              <a:rPr lang="zh-CN" altLang="en-US" sz="1000"/>
-              <a:t>这段区间的最小代价。</a:t>
-            </a:r>
-            <a:endParaRPr lang="zh-CN" altLang="en-US" sz="1000"/>
-          </a:p>
-          <a:p>
-            <a:r>
-              <a:rPr lang="zh-CN" altLang="en-US" sz="1000"/>
-              <a:t>于是有转移方程：</a:t>
-            </a:r>
-            <a:endParaRPr lang="zh-CN" altLang="en-US" sz="1000"/>
-          </a:p>
-          <a:p>
-            <a:r>
-              <a:rPr lang="en-US" altLang="zh-CN" sz="1000"/>
-              <a:t>dp[i][j]=max(dp[i][k] + dp[k+1][j] + cost[i][j])</a:t>
-            </a:r>
-            <a:endParaRPr lang="en-US" altLang="zh-CN" sz="1000"/>
-          </a:p>
-          <a:p>
-            <a:r>
-              <a:rPr lang="zh-CN" altLang="en-US" sz="1000"/>
-              <a:t>其中</a:t>
-            </a:r>
-            <a:r>
-              <a:rPr lang="en-US" altLang="zh-CN" sz="1000"/>
-              <a:t>cost</a:t>
-            </a:r>
-            <a:r>
-              <a:rPr lang="zh-CN" altLang="en-US" sz="1000"/>
-              <a:t>可以用前缀和优化掉。</a:t>
+              <a:t>题意：袋子里有 w 只白鼠和 b 只黑鼠，公主和龙轮流从袋子里抓老鼠。谁先抓到白色老鼠谁就赢，如果袋子里没有老鼠了并且没有谁抓到白色老鼠，那么算龙赢。公主每次抓一只老鼠，龙每次抓完一只老鼠之后会有一只老鼠跑出来。每次抓的老鼠和跑出来的老鼠都是随机的。公主先抓。问公主赢的概率。</a:t>
             </a:r>
             <a:endParaRPr lang="zh-CN" altLang="en-US" sz="1000"/>
           </a:p>
@@ -16990,7 +11134,7 @@
               <a:rPr sz="1200" b="1" spc="50" dirty="0">
                 <a:latin typeface="Gill Sans MT" panose="020B0502020104020203"/>
                 <a:cs typeface="Gill Sans MT" panose="020B0502020104020203"/>
-                <a:hlinkClick r:id="rId3" action="ppaction://hlinksldjump"/>
+                <a:hlinkClick r:id="rId2" action="ppaction://hlinksldjump"/>
               </a:rPr>
               <a:t>. </a:t>
             </a:r>
@@ -17029,7 +11173,7 @@
               <a:rPr sz="1200" b="1" spc="150" dirty="0">
                 <a:latin typeface="Gill Sans MT" panose="020B0502020104020203"/>
                 <a:cs typeface="Gill Sans MT" panose="020B0502020104020203"/>
-                <a:hlinkClick r:id="rId3" action="ppaction://hlinksldjump"/>
+                <a:hlinkClick r:id="rId2" action="ppaction://hlinksldjump"/>
               </a:rPr>
               <a:t>.</a:t>
             </a:r>
@@ -17253,7 +11397,7 @@
                 <a:cs typeface="Gill Sans MT" panose="020B0502020104020203"/>
                 <a:sym typeface="+mn-ea"/>
               </a:rPr>
-              <a:t>（</a:t>
+              <a:t>（二</a:t>
             </a:r>
             <a:r>
               <a:rPr sz="600" b="1" spc="-5" dirty="0">
@@ -17264,7 +11408,7 @@
                 <a:cs typeface="Gill Sans MT" panose="020B0502020104020203"/>
                 <a:sym typeface="+mn-ea"/>
               </a:rPr>
-              <a:t>一）</a:t>
+              <a:t>）</a:t>
             </a:r>
             <a:endParaRPr lang="en-US" sz="600" b="1" spc="-5" dirty="0">
               <a:solidFill>
@@ -17303,7 +11447,7 @@
                   <a:schemeClr val="bg1"/>
                 </a:solidFill>
               </a:rPr>
-              <a:t>区间</a:t>
+              <a:t>概率</a:t>
             </a:r>
             <a:r>
               <a:rPr lang="en-US" altLang="zh-CN">
@@ -17323,14 +11467,14 @@
       </p:sp>
       <p:sp>
         <p:nvSpPr>
-          <p:cNvPr id="4" name="文本框 3"/>
+          <p:cNvPr id="3" name="文本框 2"/>
           <p:cNvSpPr txBox="1"/>
           <p:nvPr/>
         </p:nvSpPr>
         <p:spPr>
           <a:xfrm>
-            <a:off x="368300" y="569595"/>
-            <a:ext cx="5174615" cy="2125345"/>
+            <a:off x="222250" y="683895"/>
+            <a:ext cx="5076825" cy="1650365"/>
           </a:xfrm>
           <a:prstGeom prst="rect">
             <a:avLst/>
@@ -17342,31 +11486,91 @@
             <a:noAutofit/>
           </a:bodyPr>
           <a:p>
-            <a:r>
-              <a:rPr lang="zh-CN" altLang="en-US"/>
-              <a:t>环上石子合并</a:t>
-            </a:r>
             <a:endParaRPr lang="zh-CN" altLang="en-US"/>
           </a:p>
+        </p:txBody>
+      </p:sp>
+      <p:sp>
+        <p:nvSpPr>
+          <p:cNvPr id="4" name="文本框 3"/>
+          <p:cNvSpPr txBox="1"/>
+          <p:nvPr/>
+        </p:nvSpPr>
+        <p:spPr>
+          <a:xfrm>
+            <a:off x="368935" y="614680"/>
+            <a:ext cx="5098415" cy="1191895"/>
+          </a:xfrm>
+          <a:prstGeom prst="rect">
+            <a:avLst/>
+          </a:prstGeom>
+          <a:noFill/>
+        </p:spPr>
+        <p:txBody>
+          <a:bodyPr wrap="square" rtlCol="0">
+            <a:noAutofit/>
+          </a:bodyPr>
           <a:p>
             <a:r>
-              <a:rPr lang="zh-CN" altLang="en-US" sz="1000"/>
-              <a:t>题目大意：</a:t>
-            </a:r>
-            <a:endParaRPr lang="zh-CN" altLang="en-US" sz="1000"/>
+              <a:rPr lang="en-US" altLang="zh-CN" sz="1600"/>
+              <a:t>Jon and Orbs</a:t>
+            </a:r>
+            <a:r>
+              <a:rPr lang="zh-CN" altLang="en-US" sz="1600"/>
+              <a:t>（</a:t>
+            </a:r>
+            <a:r>
+              <a:rPr lang="en-US" altLang="zh-CN" sz="1600"/>
+              <a:t>cf148D</a:t>
+            </a:r>
+            <a:r>
+              <a:rPr lang="zh-CN" altLang="en-US" sz="1600"/>
+              <a:t>）</a:t>
+            </a:r>
+            <a:endParaRPr lang="en-US" altLang="zh-CN" sz="1600"/>
           </a:p>
           <a:p>
             <a:r>
-              <a:rPr lang="zh-CN" sz="1000"/>
-              <a:t>和上一题一样，不同在于这次石子围成一个环，也就是第一堆石子和最后一堆石子相邻。</a:t>
-            </a:r>
-            <a:endParaRPr lang="zh-CN" sz="1000"/>
-          </a:p>
-          <a:p>
-            <a:endParaRPr lang="zh-CN" sz="1000"/>
-          </a:p>
-          <a:p>
-            <a:endParaRPr lang="zh-CN" sz="1000"/>
+              <a:rPr lang="zh-CN" altLang="en-US" sz="1000"/>
+              <a:t>题意：</a:t>
+            </a:r>
+            <a:r>
+              <a:rPr sz="1000">
+                <a:latin typeface="宋体" panose="02010600030101010101" pitchFamily="2" charset="-122"/>
+                <a:ea typeface="宋体" panose="02010600030101010101" pitchFamily="2" charset="-122"/>
+                <a:cs typeface="宋体" panose="02010600030101010101" pitchFamily="2" charset="-122"/>
+                <a:sym typeface="+mn-ea"/>
+              </a:rPr>
+              <a:t>给定k种龙晶，q个询问，每天产生一种龙晶，产生每种龙晶概率相等，每个询问给定p，求产生k种龙晶的概率≥</a:t>
+            </a:r>
+            <a:r>
+              <a:rPr lang="en-US" sz="1000">
+                <a:latin typeface="宋体" panose="02010600030101010101" pitchFamily="2" charset="-122"/>
+                <a:ea typeface="宋体" panose="02010600030101010101" pitchFamily="2" charset="-122"/>
+                <a:cs typeface="宋体" panose="02010600030101010101" pitchFamily="2" charset="-122"/>
+                <a:sym typeface="+mn-ea"/>
+              </a:rPr>
+              <a:t>p</a:t>
+            </a:r>
+            <a:r>
+              <a:rPr lang="zh-CN" altLang="en-US" sz="1000">
+                <a:latin typeface="宋体" panose="02010600030101010101" pitchFamily="2" charset="-122"/>
+                <a:ea typeface="宋体" panose="02010600030101010101" pitchFamily="2" charset="-122"/>
+                <a:cs typeface="宋体" panose="02010600030101010101" pitchFamily="2" charset="-122"/>
+                <a:sym typeface="+mn-ea"/>
+              </a:rPr>
+              <a:t>的最小天数</a:t>
+            </a:r>
+            <a:r>
+              <a:rPr lang="en-US" altLang="zh-CN" sz="1000">
+                <a:latin typeface="宋体" panose="02010600030101010101" pitchFamily="2" charset="-122"/>
+                <a:ea typeface="宋体" panose="02010600030101010101" pitchFamily="2" charset="-122"/>
+                <a:cs typeface="宋体" panose="02010600030101010101" pitchFamily="2" charset="-122"/>
+                <a:sym typeface="+mn-ea"/>
+              </a:rPr>
+              <a:t> (k,q&lt;=1000)</a:t>
+            </a:r>
+            <a:endParaRPr lang="zh-CN" altLang="en-US" sz="1000"/>
           </a:p>
         </p:txBody>
       </p:sp>
@@ -17624,7 +11828,7 @@
               <a:rPr sz="1200" b="1" spc="50" dirty="0">
                 <a:latin typeface="Gill Sans MT" panose="020B0502020104020203"/>
                 <a:cs typeface="Gill Sans MT" panose="020B0502020104020203"/>
-                <a:hlinkClick r:id="rId3" action="ppaction://hlinksldjump"/>
+                <a:hlinkClick r:id="rId2" action="ppaction://hlinksldjump"/>
               </a:rPr>
               <a:t>. </a:t>
             </a:r>
@@ -17663,7 +11867,7 @@
               <a:rPr sz="1200" b="1" spc="150" dirty="0">
                 <a:latin typeface="Gill Sans MT" panose="020B0502020104020203"/>
                 <a:cs typeface="Gill Sans MT" panose="020B0502020104020203"/>
-                <a:hlinkClick r:id="rId3" action="ppaction://hlinksldjump"/>
+                <a:hlinkClick r:id="rId2" action="ppaction://hlinksldjump"/>
               </a:rPr>
               <a:t>.</a:t>
             </a:r>
@@ -17887,7 +12091,7 @@
                 <a:cs typeface="Gill Sans MT" panose="020B0502020104020203"/>
                 <a:sym typeface="+mn-ea"/>
               </a:rPr>
-              <a:t>（</a:t>
+              <a:t>（二</a:t>
             </a:r>
             <a:r>
               <a:rPr sz="600" b="1" spc="-5" dirty="0">
@@ -17898,7 +12102,7 @@
                 <a:cs typeface="Gill Sans MT" panose="020B0502020104020203"/>
                 <a:sym typeface="+mn-ea"/>
               </a:rPr>
-              <a:t>一）</a:t>
+              <a:t>）</a:t>
             </a:r>
             <a:endParaRPr lang="en-US" sz="600" b="1" spc="-5" dirty="0">
               <a:solidFill>
@@ -17937,7 +12141,7 @@
                   <a:schemeClr val="bg1"/>
                 </a:solidFill>
               </a:rPr>
-              <a:t>区间</a:t>
+              <a:t>期望</a:t>
             </a:r>
             <a:r>
               <a:rPr lang="en-US" altLang="zh-CN">
@@ -17957,14 +12161,14 @@
       </p:sp>
       <p:sp>
         <p:nvSpPr>
-          <p:cNvPr id="4" name="文本框 3"/>
+          <p:cNvPr id="3" name="文本框 2"/>
           <p:cNvSpPr txBox="1"/>
           <p:nvPr/>
         </p:nvSpPr>
         <p:spPr>
           <a:xfrm>
-            <a:off x="368300" y="569595"/>
-            <a:ext cx="5174615" cy="2125345"/>
+            <a:off x="222250" y="683895"/>
+            <a:ext cx="5076825" cy="1650365"/>
           </a:xfrm>
           <a:prstGeom prst="rect">
             <a:avLst/>
@@ -17976,110 +12180,178 @@
             <a:noAutofit/>
           </a:bodyPr>
           <a:p>
-            <a:r>
-              <a:rPr lang="zh-CN" altLang="en-US"/>
-              <a:t>环上石子合并</a:t>
-            </a:r>
             <a:endParaRPr lang="zh-CN" altLang="en-US"/>
           </a:p>
+        </p:txBody>
+      </p:sp>
+      <p:sp>
+        <p:nvSpPr>
+          <p:cNvPr id="4" name="文本框 3"/>
+          <p:cNvSpPr txBox="1"/>
+          <p:nvPr/>
+        </p:nvSpPr>
+        <p:spPr>
+          <a:xfrm>
+            <a:off x="444500" y="631825"/>
+            <a:ext cx="5098415" cy="1191895"/>
+          </a:xfrm>
+          <a:prstGeom prst="rect">
+            <a:avLst/>
+          </a:prstGeom>
+          <a:noFill/>
+        </p:spPr>
+        <p:txBody>
+          <a:bodyPr wrap="square" rtlCol="0">
+            <a:noAutofit/>
+          </a:bodyPr>
           <a:p>
             <a:r>
-              <a:rPr lang="zh-CN" altLang="en-US" sz="1000"/>
-              <a:t>题目大意：</a:t>
-            </a:r>
-            <a:endParaRPr lang="zh-CN" altLang="en-US" sz="1000"/>
+              <a:rPr lang="en-US" altLang="zh-CN" sz="1000">
+                <a:sym typeface="+mn-ea"/>
+              </a:rPr>
+              <a:t>期望的线性性质: E(ax+by) = aE(x)+bE(y)</a:t>
+            </a:r>
+            <a:endParaRPr lang="en-US" altLang="zh-CN" sz="1000">
+              <a:sym typeface="+mn-ea"/>
+            </a:endParaRPr>
           </a:p>
           <a:p>
             <a:r>
-              <a:rPr lang="zh-CN" sz="1000"/>
-              <a:t>和上一题一样，不同在于这次石子围成一个环，也就是第一堆石子和最后一堆石子相邻。</a:t>
-            </a:r>
-            <a:endParaRPr lang="zh-CN" sz="1000"/>
+              <a:rPr lang="zh-CN" altLang="en-US" sz="1000">
+                <a:sym typeface="+mn-ea"/>
+              </a:rPr>
+              <a:t>如果</a:t>
+            </a:r>
+            <a:r>
+              <a:rPr lang="en-US" altLang="zh-CN" sz="1000">
+                <a:sym typeface="+mn-ea"/>
+              </a:rPr>
+              <a:t>x</a:t>
+            </a:r>
+            <a:r>
+              <a:rPr lang="zh-CN" altLang="en-US" sz="1000">
+                <a:sym typeface="+mn-ea"/>
+              </a:rPr>
+              <a:t>，</a:t>
+            </a:r>
+            <a:r>
+              <a:rPr lang="en-US" altLang="zh-CN" sz="1000">
+                <a:sym typeface="+mn-ea"/>
+              </a:rPr>
+              <a:t>y</a:t>
+            </a:r>
+            <a:r>
+              <a:rPr lang="zh-CN" altLang="en-US" sz="1000">
+                <a:sym typeface="+mn-ea"/>
+              </a:rPr>
+              <a:t>无关，那么</a:t>
+            </a:r>
+            <a:r>
+              <a:rPr lang="en-US" altLang="zh-CN" sz="1000">
+                <a:sym typeface="+mn-ea"/>
+              </a:rPr>
+              <a:t>E(xy)=E(x)E(y)</a:t>
+            </a:r>
+            <a:endParaRPr lang="en-US" altLang="zh-CN" sz="1000">
+              <a:sym typeface="+mn-ea"/>
+            </a:endParaRPr>
           </a:p>
           <a:p>
-            <a:endParaRPr lang="zh-CN" sz="1000"/>
+            <a:r>
+              <a:rPr lang="zh-CN" altLang="en-US" sz="1000">
+                <a:sym typeface="+mn-ea"/>
+              </a:rPr>
+              <a:t>类似于条件概率，我们也有条件期望</a:t>
+            </a:r>
+            <a:r>
+              <a:rPr lang="en-US" altLang="zh-CN" sz="1000">
+                <a:sym typeface="+mn-ea"/>
+              </a:rPr>
+              <a:t> E(Y|X=x_i)</a:t>
+            </a:r>
+            <a:r>
+              <a:rPr lang="zh-CN" altLang="en-US" sz="1000">
+                <a:sym typeface="+mn-ea"/>
+              </a:rPr>
+              <a:t>表示</a:t>
+            </a:r>
+            <a:r>
+              <a:rPr lang="en-US" altLang="zh-CN" sz="1000">
+                <a:sym typeface="+mn-ea"/>
+              </a:rPr>
+              <a:t>X</a:t>
+            </a:r>
+            <a:r>
+              <a:rPr lang="zh-CN" altLang="en-US" sz="1000">
+                <a:sym typeface="+mn-ea"/>
+              </a:rPr>
+              <a:t>为</a:t>
+            </a:r>
+            <a:r>
+              <a:rPr lang="en-US" altLang="zh-CN" sz="1000">
+                <a:sym typeface="+mn-ea"/>
+              </a:rPr>
+              <a:t>x_i</a:t>
+            </a:r>
+            <a:r>
+              <a:rPr lang="zh-CN" altLang="en-US" sz="1000">
+                <a:sym typeface="+mn-ea"/>
+              </a:rPr>
+              <a:t>时，</a:t>
+            </a:r>
+            <a:r>
+              <a:rPr lang="en-US" altLang="zh-CN" sz="1000">
+                <a:sym typeface="+mn-ea"/>
+              </a:rPr>
+              <a:t>Y</a:t>
+            </a:r>
+            <a:r>
+              <a:rPr lang="zh-CN" altLang="en-US" sz="1000">
+                <a:sym typeface="+mn-ea"/>
+              </a:rPr>
+              <a:t>的</a:t>
+            </a:r>
+            <a:r>
+              <a:rPr lang="zh-CN" altLang="en-US" sz="1000">
+                <a:sym typeface="+mn-ea"/>
+              </a:rPr>
+              <a:t>期望。</a:t>
+            </a:r>
+            <a:endParaRPr lang="zh-CN" altLang="en-US" sz="1000">
+              <a:sym typeface="+mn-ea"/>
+            </a:endParaRPr>
           </a:p>
           <a:p>
-            <a:r>
-              <a:rPr lang="en-US" altLang="zh-CN" sz="1000"/>
-              <a:t>tips:</a:t>
-            </a:r>
-            <a:br>
-              <a:rPr lang="en-US" altLang="zh-CN" sz="1000"/>
-            </a:br>
-            <a:r>
-              <a:rPr lang="zh-CN" altLang="en-US" sz="1000"/>
-              <a:t>对于这一类环形问题，有一个比较好用的技巧，即破环成链。</a:t>
-            </a:r>
-            <a:endParaRPr lang="zh-CN" altLang="en-US" sz="1000"/>
+            <a:endParaRPr lang="zh-CN" altLang="en-US" sz="1000">
+              <a:sym typeface="+mn-ea"/>
+            </a:endParaRPr>
           </a:p>
-          <a:p>
-            <a:r>
-              <a:rPr lang="zh-CN" altLang="en-US" sz="1000"/>
-              <a:t>我们可以考虑将数组倍长，其中第</a:t>
-            </a:r>
-            <a:r>
-              <a:rPr lang="en-US" altLang="zh-CN" sz="1000"/>
-              <a:t>i+n</a:t>
-            </a:r>
-            <a:r>
-              <a:rPr lang="zh-CN" altLang="en-US" sz="1000"/>
-              <a:t>堆和第</a:t>
-            </a:r>
-            <a:r>
-              <a:rPr lang="en-US" altLang="zh-CN" sz="1000"/>
-              <a:t>i</a:t>
-            </a:r>
-            <a:r>
-              <a:rPr lang="zh-CN" altLang="en-US" sz="1000"/>
-              <a:t>堆相同。取</a:t>
-            </a:r>
-            <a:r>
-              <a:rPr lang="en-US" altLang="zh-CN" sz="1000"/>
-              <a:t>f(1,n),f(2,n+1),……,f(n-1,2n-2)</a:t>
-            </a:r>
-            <a:r>
-              <a:rPr lang="zh-CN" altLang="en-US" sz="1000"/>
-              <a:t>中的最优解即可。</a:t>
-            </a:r>
-            <a:endParaRPr lang="zh-CN" altLang="en-US" sz="1000"/>
-          </a:p>
-          <a:p>
-            <a:endParaRPr lang="zh-CN" altLang="en-US" sz="1000"/>
-          </a:p>
-          <a:p>
-            <a:r>
-              <a:rPr lang="zh-CN" altLang="en-US" sz="1000"/>
-              <a:t>杭电多校的第一场</a:t>
-            </a:r>
-            <a:r>
-              <a:rPr lang="en-US" altLang="zh-CN" sz="1000"/>
-              <a:t>A</a:t>
-            </a:r>
-            <a:r>
-              <a:rPr lang="zh-CN" altLang="en-US" sz="1000"/>
-              <a:t>题（</a:t>
-            </a:r>
-            <a:r>
-              <a:rPr lang="en-US" altLang="zh-CN" sz="1000"/>
-              <a:t>hduoj7433</a:t>
-            </a:r>
-            <a:r>
-              <a:rPr lang="zh-CN" altLang="en-US" sz="1000"/>
-              <a:t>）循环位移，就是利用这个技巧加上</a:t>
-            </a:r>
-            <a:r>
-              <a:rPr lang="en-US" altLang="zh-CN" sz="1000"/>
-              <a:t>hash</a:t>
-            </a:r>
-            <a:r>
-              <a:rPr lang="zh-CN" altLang="en-US" sz="1000"/>
-              <a:t>去解决的。</a:t>
-            </a:r>
-            <a:endParaRPr lang="zh-CN" altLang="en-US" sz="1000"/>
-          </a:p>
-        </p:txBody>
-      </p:sp>
+        </p:txBody>
+      </p:sp>
+      <p:pic>
+        <p:nvPicPr>
+          <p:cNvPr id="7" name="图片 6"/>
+          <p:cNvPicPr>
+            <a:picLocks noChangeAspect="1"/>
+          </p:cNvPicPr>
+          <p:nvPr/>
+        </p:nvPicPr>
+        <p:blipFill>
+          <a:blip r:embed="rId3"/>
+          <a:stretch>
+            <a:fillRect/>
+          </a:stretch>
+        </p:blipFill>
+        <p:spPr>
+          <a:xfrm>
+            <a:off x="520700" y="1317625"/>
+            <a:ext cx="2631440" cy="1497965"/>
+          </a:xfrm>
+          <a:prstGeom prst="rect">
+            <a:avLst/>
+          </a:prstGeom>
+        </p:spPr>
+      </p:pic>
     </p:spTree>
   </p:cSld>
   <p:clrMapOvr>
@@ -18334,7 +12606,7 @@
               <a:rPr sz="1200" b="1" spc="50" dirty="0">
                 <a:latin typeface="Gill Sans MT" panose="020B0502020104020203"/>
                 <a:cs typeface="Gill Sans MT" panose="020B0502020104020203"/>
-                <a:hlinkClick r:id="rId3" action="ppaction://hlinksldjump"/>
+                <a:hlinkClick r:id="rId2" action="ppaction://hlinksldjump"/>
               </a:rPr>
               <a:t>. </a:t>
             </a:r>
@@ -18373,7 +12645,7 @@
               <a:rPr sz="1200" b="1" spc="150" dirty="0">
                 <a:latin typeface="Gill Sans MT" panose="020B0502020104020203"/>
                 <a:cs typeface="Gill Sans MT" panose="020B0502020104020203"/>
-                <a:hlinkClick r:id="rId3" action="ppaction://hlinksldjump"/>
+                <a:hlinkClick r:id="rId2" action="ppaction://hlinksldjump"/>
               </a:rPr>
               <a:t>.</a:t>
             </a:r>
@@ -18597,7 +12869,7 @@
                 <a:cs typeface="Gill Sans MT" panose="020B0502020104020203"/>
                 <a:sym typeface="+mn-ea"/>
               </a:rPr>
-              <a:t>（</a:t>
+              <a:t>（二</a:t>
             </a:r>
             <a:r>
               <a:rPr sz="600" b="1" spc="-5" dirty="0">
@@ -18608,7 +12880,7 @@
                 <a:cs typeface="Gill Sans MT" panose="020B0502020104020203"/>
                 <a:sym typeface="+mn-ea"/>
               </a:rPr>
-              <a:t>一）</a:t>
+              <a:t>）</a:t>
             </a:r>
             <a:endParaRPr lang="en-US" sz="600" b="1" spc="-5" dirty="0">
               <a:solidFill>
@@ -18647,7 +12919,7 @@
                   <a:schemeClr val="bg1"/>
                 </a:solidFill>
               </a:rPr>
-              <a:t>区间</a:t>
+              <a:t>期望</a:t>
             </a:r>
             <a:r>
               <a:rPr lang="en-US" altLang="zh-CN">
@@ -18667,14 +12939,14 @@
       </p:sp>
       <p:sp>
         <p:nvSpPr>
-          <p:cNvPr id="4" name="文本框 3"/>
+          <p:cNvPr id="3" name="文本框 2"/>
           <p:cNvSpPr txBox="1"/>
           <p:nvPr/>
         </p:nvSpPr>
         <p:spPr>
           <a:xfrm>
-            <a:off x="368300" y="569595"/>
-            <a:ext cx="5174615" cy="2125345"/>
+            <a:off x="222250" y="683895"/>
+            <a:ext cx="5076825" cy="1650365"/>
           </a:xfrm>
           <a:prstGeom prst="rect">
             <a:avLst/>
@@ -18686,51 +12958,20 @@
             <a:noAutofit/>
           </a:bodyPr>
           <a:p>
-            <a:r>
-              <a:rPr lang="zh-CN" altLang="en-US"/>
-              <a:t>HDU 7277</a:t>
-            </a:r>
             <a:endParaRPr lang="zh-CN" altLang="en-US"/>
           </a:p>
-          <a:p>
-            <a:endParaRPr lang="zh-CN" altLang="en-US" sz="1000"/>
-          </a:p>
-        </p:txBody>
-      </p:sp>
-      <p:pic>
-        <p:nvPicPr>
-          <p:cNvPr id="3" name="图片 2"/>
-          <p:cNvPicPr>
-            <a:picLocks noChangeAspect="1"/>
-          </p:cNvPicPr>
-          <p:nvPr/>
-        </p:nvPicPr>
-        <p:blipFill>
-          <a:blip r:embed="rId4"/>
-          <a:stretch>
-            <a:fillRect/>
-          </a:stretch>
-        </p:blipFill>
-        <p:spPr>
-          <a:xfrm>
-            <a:off x="114300" y="860425"/>
-            <a:ext cx="5530850" cy="714375"/>
-          </a:xfrm>
-          <a:prstGeom prst="rect">
-            <a:avLst/>
-          </a:prstGeom>
-        </p:spPr>
-      </p:pic>
-      <p:sp>
-        <p:nvSpPr>
-          <p:cNvPr id="7" name="文本框 6"/>
+        </p:txBody>
+      </p:sp>
+      <p:sp>
+        <p:nvSpPr>
+          <p:cNvPr id="4" name="文本框 3"/>
           <p:cNvSpPr txBox="1"/>
           <p:nvPr/>
         </p:nvSpPr>
         <p:spPr>
           <a:xfrm>
-            <a:off x="614045" y="1767840"/>
-            <a:ext cx="3477895" cy="641985"/>
+            <a:off x="444500" y="631825"/>
+            <a:ext cx="5098415" cy="1191895"/>
           </a:xfrm>
           <a:prstGeom prst="rect">
             <a:avLst/>
@@ -18743,18 +12984,37 @@
           </a:bodyPr>
           <a:p>
             <a:r>
-              <a:rPr lang="en-US" altLang="zh-CN"/>
-              <a:t>n&lt;=100,m&lt;=20,</a:t>
-            </a:r>
-            <a:r>
-              <a:rPr lang="zh-CN" altLang="en-US"/>
-              <a:t>最高等级</a:t>
-            </a:r>
-            <a:r>
-              <a:rPr lang="en-US" altLang="zh-CN"/>
-              <a:t>x&lt;=R</a:t>
-            </a:r>
-            <a:endParaRPr lang="en-US" altLang="zh-CN"/>
+              <a:rPr lang="zh-CN" altLang="en-US" sz="1600">
+                <a:sym typeface="+mn-ea"/>
+              </a:rPr>
+              <a:t>Collecting Bugs（</a:t>
+            </a:r>
+            <a:r>
+              <a:rPr lang="en-US" altLang="zh-CN" sz="1600">
+                <a:sym typeface="+mn-ea"/>
+              </a:rPr>
+              <a:t>poj2096</a:t>
+            </a:r>
+            <a:r>
+              <a:rPr lang="zh-CN" altLang="en-US" sz="1600">
+                <a:sym typeface="+mn-ea"/>
+              </a:rPr>
+              <a:t>）</a:t>
+            </a:r>
+            <a:endParaRPr lang="zh-CN" altLang="en-US" sz="1600">
+              <a:sym typeface="+mn-ea"/>
+            </a:endParaRPr>
+          </a:p>
+          <a:p>
+            <a:r>
+              <a:rPr lang="en-US" altLang="zh-CN" sz="1000">
+                <a:sym typeface="+mn-ea"/>
+              </a:rPr>
+              <a:t>一个软件有 s 个子系统，会产生 n 种 bug。某人一天发现一个 bug，这个 bug 属于某种 bug 分类，也属于某个子系统。每个 bug 属于某个子系统的概率是 1 / s，属于某种 bug 分类的概率是 1 / n。求发现 n 种 bug，且 s 个子系统都找到 bug 的期望天数。</a:t>
+            </a:r>
+            <a:endParaRPr lang="en-US" altLang="zh-CN" sz="1000">
+              <a:sym typeface="+mn-ea"/>
+            </a:endParaRPr>
           </a:p>
         </p:txBody>
       </p:sp>
@@ -19012,7 +13272,7 @@
               <a:rPr sz="1200" b="1" spc="50" dirty="0">
                 <a:latin typeface="Gill Sans MT" panose="020B0502020104020203"/>
                 <a:cs typeface="Gill Sans MT" panose="020B0502020104020203"/>
-                <a:hlinkClick r:id="rId3" action="ppaction://hlinksldjump"/>
+                <a:hlinkClick r:id="rId2" action="ppaction://hlinksldjump"/>
               </a:rPr>
               <a:t>. </a:t>
             </a:r>
@@ -19051,7 +13311,7 @@
               <a:rPr sz="1200" b="1" spc="150" dirty="0">
                 <a:latin typeface="Gill Sans MT" panose="020B0502020104020203"/>
                 <a:cs typeface="Gill Sans MT" panose="020B0502020104020203"/>
-                <a:hlinkClick r:id="rId3" action="ppaction://hlinksldjump"/>
+                <a:hlinkClick r:id="rId2" action="ppaction://hlinksldjump"/>
               </a:rPr>
               <a:t>.</a:t>
             </a:r>
@@ -19275,7 +13535,7 @@
                 <a:cs typeface="Gill Sans MT" panose="020B0502020104020203"/>
                 <a:sym typeface="+mn-ea"/>
               </a:rPr>
-              <a:t>（</a:t>
+              <a:t>（二</a:t>
             </a:r>
             <a:r>
               <a:rPr sz="600" b="1" spc="-5" dirty="0">
@@ -19286,7 +13546,7 @@
                 <a:cs typeface="Gill Sans MT" panose="020B0502020104020203"/>
                 <a:sym typeface="+mn-ea"/>
               </a:rPr>
-              <a:t>一）</a:t>
+              <a:t>）</a:t>
             </a:r>
             <a:endParaRPr lang="en-US" sz="600" b="1" spc="-5" dirty="0">
               <a:solidFill>
@@ -19325,7 +13585,7 @@
                   <a:schemeClr val="bg1"/>
                 </a:solidFill>
               </a:rPr>
-              <a:t>状压</a:t>
+              <a:t>期望</a:t>
             </a:r>
             <a:r>
               <a:rPr lang="en-US" altLang="zh-CN">
@@ -19345,14 +13605,14 @@
       </p:sp>
       <p:sp>
         <p:nvSpPr>
-          <p:cNvPr id="4" name="文本框 3"/>
+          <p:cNvPr id="3" name="文本框 2"/>
           <p:cNvSpPr txBox="1"/>
           <p:nvPr/>
         </p:nvSpPr>
         <p:spPr>
           <a:xfrm>
-            <a:off x="749300" y="1012825"/>
-            <a:ext cx="3866515" cy="1350010"/>
+            <a:off x="222250" y="683895"/>
+            <a:ext cx="5076825" cy="1650365"/>
           </a:xfrm>
           <a:prstGeom prst="rect">
             <a:avLst/>
@@ -19364,83 +13624,63 @@
             <a:noAutofit/>
           </a:bodyPr>
           <a:p>
-            <a:r>
-              <a:rPr lang="zh-CN" altLang="en-US" sz="1000"/>
-              <a:t>状压</a:t>
-            </a:r>
-            <a:r>
-              <a:rPr lang="en-US" altLang="zh-CN" sz="1000"/>
-              <a:t>dp</a:t>
-            </a:r>
-            <a:r>
-              <a:rPr lang="zh-CN" altLang="en-US" sz="1000"/>
-              <a:t>通常用来解决一些</a:t>
-            </a:r>
-            <a:r>
-              <a:rPr lang="en-US" altLang="zh-CN" sz="1000"/>
-              <a:t>np</a:t>
-            </a:r>
-            <a:r>
-              <a:rPr lang="zh-CN" altLang="en-US" sz="1000"/>
-              <a:t>问题。</a:t>
-            </a:r>
-            <a:endParaRPr lang="zh-CN" altLang="en-US" sz="1000"/>
+            <a:endParaRPr lang="zh-CN" altLang="en-US"/>
+          </a:p>
+        </p:txBody>
+      </p:sp>
+      <p:sp>
+        <p:nvSpPr>
+          <p:cNvPr id="4" name="文本框 3"/>
+          <p:cNvSpPr txBox="1"/>
+          <p:nvPr/>
+        </p:nvSpPr>
+        <p:spPr>
+          <a:xfrm>
+            <a:off x="444500" y="631825"/>
+            <a:ext cx="5098415" cy="1191895"/>
+          </a:xfrm>
+          <a:prstGeom prst="rect">
+            <a:avLst/>
+          </a:prstGeom>
+          <a:noFill/>
+        </p:spPr>
+        <p:txBody>
+          <a:bodyPr wrap="square" rtlCol="0">
+            <a:noAutofit/>
+          </a:bodyPr>
+          <a:p>
+            <a:r>
+              <a:rPr lang="zh-CN" altLang="en-US" sz="1600">
+                <a:sym typeface="+mn-ea"/>
+              </a:rPr>
+              <a:t>Chiitoitsu（牛客多</a:t>
+            </a:r>
+            <a:r>
+              <a:rPr lang="zh-CN" altLang="en-US" sz="1600">
+                <a:sym typeface="+mn-ea"/>
+              </a:rPr>
+              <a:t>校）</a:t>
+            </a:r>
+            <a:endParaRPr lang="zh-CN" altLang="en-US" sz="1600">
+              <a:sym typeface="+mn-ea"/>
+            </a:endParaRPr>
           </a:p>
           <a:p>
             <a:r>
-              <a:rPr lang="zh-CN" altLang="en-US" sz="1000"/>
-              <a:t>这些问题通常只能考虑每个元素取或不取的状态，将这个状态转换为二进制数。</a:t>
-            </a:r>
-            <a:endParaRPr lang="zh-CN" altLang="en-US" sz="1000"/>
-          </a:p>
-          <a:p>
-            <a:r>
-              <a:rPr lang="zh-CN" altLang="en-US" sz="1000"/>
-              <a:t>通常能用状压</a:t>
-            </a:r>
-            <a:r>
-              <a:rPr lang="en-US" altLang="zh-CN" sz="1000"/>
-              <a:t>dp</a:t>
-            </a:r>
-            <a:r>
-              <a:rPr lang="zh-CN" altLang="en-US" sz="1000"/>
-              <a:t>来写的题，有一个特点是</a:t>
-            </a:r>
-            <a:r>
-              <a:rPr lang="en-US" altLang="zh-CN" sz="1000"/>
-              <a:t>n</a:t>
-            </a:r>
-            <a:r>
-              <a:rPr lang="zh-CN" altLang="en-US" sz="1000"/>
-              <a:t>比较小，通常是</a:t>
-            </a:r>
-            <a:r>
-              <a:rPr lang="en-US" altLang="zh-CN" sz="1000"/>
-              <a:t>20</a:t>
-            </a:r>
-            <a:r>
-              <a:rPr lang="zh-CN" altLang="en-US" sz="1000"/>
-              <a:t>。</a:t>
-            </a:r>
-            <a:r>
-              <a:rPr lang="en-US" altLang="zh-CN" sz="1000"/>
-              <a:t>  </a:t>
-            </a:r>
-            <a:endParaRPr lang="zh-CN" altLang="en-US" sz="1000"/>
-          </a:p>
-          <a:p>
-            <a:r>
-              <a:rPr lang="zh-CN" altLang="en-US" sz="1000"/>
-              <a:t>不过目前的题目变化比较多，有一些状压题目可能会套个壳。</a:t>
-            </a:r>
-            <a:endParaRPr lang="zh-CN" altLang="en-US" sz="1000"/>
-          </a:p>
-          <a:p>
-            <a:r>
-              <a:rPr lang="zh-CN" altLang="en-US" sz="1000"/>
-              <a:t>比如可能分若干组，然后每一组按照某些方案合并。</a:t>
-            </a:r>
-            <a:endParaRPr lang="zh-CN" altLang="en-US" sz="1000"/>
+              <a:rPr lang="en-US" altLang="zh-CN" sz="1000">
+                <a:sym typeface="+mn-ea"/>
+              </a:rPr>
+              <a:t>给定 136 张麻将，开局给定一个长度为 26的字符串描述初始的 13 张手牌（保证初始手牌相同花色的麻将不会超过两张），每一轮可以从牌库中抽取一张麻将，并选择一张麻将打出（打出的麻将不会回到牌库）当摸到一张麻将加上手中的 13 张麻将构成 7个对子的时候胜利 求最优策略下胜利的期望轮数对1</a:t>
+            </a:r>
+            <a:r>
+              <a:rPr lang="en-US" altLang="zh-CN" sz="1000">
+                <a:sym typeface="+mn-ea"/>
+              </a:rPr>
+              <a:t>e9+7取模</a:t>
+            </a:r>
+            <a:endParaRPr lang="en-US" altLang="zh-CN" sz="1000">
+              <a:sym typeface="+mn-ea"/>
+            </a:endParaRPr>
           </a:p>
         </p:txBody>
       </p:sp>
@@ -19464,9 +13704,15 @@
 
 <file path=ppt/tags/tag1.xml><?xml version="1.0" encoding="utf-8"?>
 <p:tagLst xmlns:p="http://schemas.openxmlformats.org/presentationml/2006/main">
+  <p:tag name="KSO_WM_UNIT_PLACING_PICTURE_USER_VIEWPORT" val="{&quot;height&quot;:6853,&quot;width&quot;:15511}"/>
+</p:tagLst>
+</file>
+
+<file path=ppt/tags/tag2.xml><?xml version="1.0" encoding="utf-8"?>
+<p:tagLst xmlns:p="http://schemas.openxmlformats.org/presentationml/2006/main">
   <p:tag name="KSO_WPP_MARK_KEY" val="10fdc12b-29fa-462f-a8fa-ca14dcdab7bd"/>
   <p:tag name="COMMONDATA" val="eyJoZGlkIjoiYjk2ZWY3ZjQ3YjVmYmEyNzViNTNlYmE4MDdjZWExNmIifQ=="/>
-  <p:tag name="commondata" val="eyJoZGlkIjoiYjJjOTQxYzhjODMyMDAzZmE0MDJkMWFkNmJlNDkwYTUifQ=="/>
+  <p:tag name="commondata" val="eyJoZGlkIjoiMTZmMjc0MmYzMDk2YzM0ZjFkZTY4Nzc0MzQyYmMwYTUifQ=="/>
 </p:tagLst>
 </file>
 

--- a/acm/讲课·dp/DP（二）.pptx
+++ b/acm/讲课·dp/DP（二）.pptx
@@ -5,7 +5,7 @@
     <p:sldMasterId id="2147483648" r:id="rId1"/>
   </p:sldMasterIdLst>
   <p:notesMasterIdLst>
-    <p:notesMasterId r:id="rId12"/>
+    <p:notesMasterId r:id="rId16"/>
   </p:notesMasterIdLst>
   <p:sldIdLst>
     <p:sldId id="256" r:id="rId3"/>
@@ -17,11 +17,15 @@
     <p:sldId id="396" r:id="rId9"/>
     <p:sldId id="397" r:id="rId10"/>
     <p:sldId id="398" r:id="rId11"/>
+    <p:sldId id="399" r:id="rId12"/>
+    <p:sldId id="400" r:id="rId13"/>
+    <p:sldId id="401" r:id="rId14"/>
+    <p:sldId id="402" r:id="rId15"/>
   </p:sldIdLst>
   <p:sldSz cx="5765800" cy="3244850"/>
   <p:notesSz cx="5765800" cy="3244850"/>
   <p:custDataLst>
-    <p:tags r:id="rId16"/>
+    <p:tags r:id="rId20"/>
   </p:custDataLst>
   <p:defaultTextStyle>
     <a:lvl1pPr marL="0" algn="l" defTabSz="914400" rtl="0" eaLnBrk="1" latinLnBrk="0" hangingPunct="1">
@@ -8306,6 +8310,2979 @@
   <p:transition>
     <p:cut/>
   </p:transition>
+</p:sld>
+</file>
+
+<file path=ppt/slides/slide10.xml><?xml version="1.0" encoding="utf-8"?>
+<p:sld xmlns:a="http://schemas.openxmlformats.org/drawingml/2006/main" xmlns:r="http://schemas.openxmlformats.org/officeDocument/2006/relationships" xmlns:p="http://schemas.openxmlformats.org/presentationml/2006/main">
+  <p:cSld>
+    <p:spTree>
+      <p:nvGrpSpPr>
+        <p:cNvPr id="1" name=""/>
+        <p:cNvGrpSpPr/>
+        <p:nvPr/>
+      </p:nvGrpSpPr>
+      <p:grpSpPr>
+        <a:xfrm>
+          <a:off x="0" y="0"/>
+          <a:ext cx="0" cy="0"/>
+          <a:chOff x="0" y="0"/>
+          <a:chExt cx="0" cy="0"/>
+        </a:xfrm>
+      </p:grpSpPr>
+      <p:sp>
+        <p:nvSpPr>
+          <p:cNvPr id="2" name="object 2"/>
+          <p:cNvSpPr/>
+          <p:nvPr/>
+        </p:nvSpPr>
+        <p:spPr>
+          <a:xfrm>
+            <a:off x="0" y="20"/>
+            <a:ext cx="5759958" cy="322190"/>
+          </a:xfrm>
+          <a:prstGeom prst="rect">
+            <a:avLst/>
+          </a:prstGeom>
+          <a:blipFill>
+            <a:blip r:embed="rId1" cstate="print"/>
+            <a:stretch>
+              <a:fillRect/>
+            </a:stretch>
+          </a:blipFill>
+        </p:spPr>
+        <p:txBody>
+          <a:bodyPr wrap="square" lIns="0" tIns="0" rIns="0" bIns="0" rtlCol="0"/>
+          <a:lstStyle/>
+          <a:p/>
+        </p:txBody>
+      </p:sp>
+      <p:sp>
+        <p:nvSpPr>
+          <p:cNvPr id="5" name="object 5"/>
+          <p:cNvSpPr/>
+          <p:nvPr/>
+        </p:nvSpPr>
+        <p:spPr>
+          <a:xfrm>
+            <a:off x="0" y="3113900"/>
+            <a:ext cx="2880360" cy="126364"/>
+          </a:xfrm>
+          <a:custGeom>
+            <a:avLst/>
+            <a:gdLst/>
+            <a:ahLst/>
+            <a:cxnLst/>
+            <a:rect l="l" t="t" r="r" b="b"/>
+            <a:pathLst>
+              <a:path w="2880360" h="126364">
+                <a:moveTo>
+                  <a:pt x="0" y="126123"/>
+                </a:moveTo>
+                <a:lnTo>
+                  <a:pt x="2880004" y="126123"/>
+                </a:lnTo>
+                <a:lnTo>
+                  <a:pt x="2880004" y="0"/>
+                </a:lnTo>
+                <a:lnTo>
+                  <a:pt x="0" y="0"/>
+                </a:lnTo>
+                <a:lnTo>
+                  <a:pt x="0" y="126123"/>
+                </a:lnTo>
+                <a:close/>
+              </a:path>
+            </a:pathLst>
+          </a:custGeom>
+          <a:solidFill>
+            <a:srgbClr val="000000"/>
+          </a:solidFill>
+        </p:spPr>
+        <p:txBody>
+          <a:bodyPr wrap="square" lIns="0" tIns="0" rIns="0" bIns="0" rtlCol="0"/>
+          <a:lstStyle/>
+          <a:p/>
+        </p:txBody>
+      </p:sp>
+      <p:sp>
+        <p:nvSpPr>
+          <p:cNvPr id="6" name="object 6"/>
+          <p:cNvSpPr/>
+          <p:nvPr/>
+        </p:nvSpPr>
+        <p:spPr>
+          <a:xfrm>
+            <a:off x="2880004" y="3113900"/>
+            <a:ext cx="2880360" cy="126364"/>
+          </a:xfrm>
+          <a:custGeom>
+            <a:avLst/>
+            <a:gdLst/>
+            <a:ahLst/>
+            <a:cxnLst/>
+            <a:rect l="l" t="t" r="r" b="b"/>
+            <a:pathLst>
+              <a:path w="2880360" h="126364">
+                <a:moveTo>
+                  <a:pt x="0" y="126123"/>
+                </a:moveTo>
+                <a:lnTo>
+                  <a:pt x="2880004" y="126123"/>
+                </a:lnTo>
+                <a:lnTo>
+                  <a:pt x="2880004" y="0"/>
+                </a:lnTo>
+                <a:lnTo>
+                  <a:pt x="0" y="0"/>
+                </a:lnTo>
+                <a:lnTo>
+                  <a:pt x="0" y="126123"/>
+                </a:lnTo>
+                <a:close/>
+              </a:path>
+            </a:pathLst>
+          </a:custGeom>
+          <a:solidFill>
+            <a:srgbClr val="3333B2"/>
+          </a:solidFill>
+        </p:spPr>
+        <p:txBody>
+          <a:bodyPr wrap="square" lIns="0" tIns="0" rIns="0" bIns="0" rtlCol="0"/>
+          <a:lstStyle/>
+          <a:p/>
+        </p:txBody>
+      </p:sp>
+      <p:sp>
+        <p:nvSpPr>
+          <p:cNvPr id="8" name="object 8"/>
+          <p:cNvSpPr txBox="1">
+            <a:spLocks noGrp="1"/>
+          </p:cNvSpPr>
+          <p:nvPr>
+            <p:ph type="ftr" sz="quarter" idx="5"/>
+          </p:nvPr>
+        </p:nvSpPr>
+        <p:spPr>
+          <a:xfrm>
+            <a:off x="2093595" y="3101975"/>
+            <a:ext cx="700405" cy="114300"/>
+          </a:xfrm>
+          <a:prstGeom prst="rect">
+            <a:avLst/>
+          </a:prstGeom>
+        </p:spPr>
+        <p:txBody>
+          <a:bodyPr vert="horz" wrap="square" lIns="0" tIns="22225" rIns="0" bIns="0" rtlCol="0">
+            <a:spAutoFit/>
+          </a:bodyPr>
+          <a:lstStyle/>
+          <a:p>
+            <a:pPr marL="12700">
+              <a:lnSpc>
+                <a:spcPct val="100000"/>
+              </a:lnSpc>
+              <a:spcBef>
+                <a:spcPts val="175"/>
+              </a:spcBef>
+            </a:pPr>
+            <a:r>
+              <a:rPr lang="en-US" spc="45" dirty="0">
+                <a:latin typeface="Tahoma" panose="020B0604030504040204"/>
+                <a:cs typeface="Tahoma" panose="020B0604030504040204"/>
+                <a:sym typeface="+mn-ea"/>
+              </a:rPr>
+              <a:t>ZJNU ACM</a:t>
+            </a:r>
+            <a:r>
+              <a:rPr spc="35" dirty="0">
+                <a:latin typeface="宋体" panose="02010600030101010101" pitchFamily="2" charset="-122"/>
+                <a:cs typeface="宋体" panose="02010600030101010101" pitchFamily="2" charset="-122"/>
+                <a:sym typeface="+mn-ea"/>
+              </a:rPr>
+              <a:t>集训队</a:t>
+            </a:r>
+            <a:endParaRPr spc="-5" dirty="0">
+              <a:latin typeface="Microsoft JhengHei UI" panose="020B0604030504040204" charset="-120"/>
+              <a:cs typeface="Microsoft JhengHei UI" panose="020B0604030504040204" charset="-120"/>
+            </a:endParaRPr>
+          </a:p>
+        </p:txBody>
+      </p:sp>
+      <p:sp>
+        <p:nvSpPr>
+          <p:cNvPr id="9" name="object 6"/>
+          <p:cNvSpPr txBox="1"/>
+          <p:nvPr/>
+        </p:nvSpPr>
+        <p:spPr>
+          <a:xfrm>
+            <a:off x="2975305" y="2819117"/>
+            <a:ext cx="2785745" cy="398780"/>
+          </a:xfrm>
+          <a:prstGeom prst="rect">
+            <a:avLst/>
+          </a:prstGeom>
+        </p:spPr>
+        <p:txBody>
+          <a:bodyPr vert="horz" wrap="square" lIns="0" tIns="127000" rIns="0" bIns="0" rtlCol="0">
+            <a:spAutoFit/>
+          </a:bodyPr>
+          <a:p>
+            <a:pPr marL="917575">
+              <a:lnSpc>
+                <a:spcPts val="1420"/>
+              </a:lnSpc>
+              <a:spcBef>
+                <a:spcPts val="1000"/>
+              </a:spcBef>
+            </a:pPr>
+            <a:r>
+              <a:rPr sz="1200" b="1" spc="50" dirty="0">
+                <a:latin typeface="Gill Sans MT" panose="020B0502020104020203"/>
+                <a:cs typeface="Gill Sans MT" panose="020B0502020104020203"/>
+                <a:hlinkClick r:id="rId2" action="ppaction://hlinksldjump"/>
+              </a:rPr>
+              <a:t>. . </a:t>
+            </a:r>
+            <a:r>
+              <a:rPr sz="1200" b="1" spc="50" dirty="0">
+                <a:latin typeface="Gill Sans MT" panose="020B0502020104020203"/>
+                <a:cs typeface="Gill Sans MT" panose="020B0502020104020203"/>
+                <a:hlinkClick r:id="rId2" action="ppaction://hlinksldjump"/>
+              </a:rPr>
+              <a:t>. </a:t>
+            </a:r>
+            <a:r>
+              <a:rPr sz="1800" b="1" spc="225" baseline="32000" dirty="0">
+                <a:latin typeface="Gill Sans MT" panose="020B0502020104020203"/>
+                <a:cs typeface="Gill Sans MT" panose="020B0502020104020203"/>
+              </a:rPr>
+              <a:t>.</a:t>
+            </a:r>
+            <a:r>
+              <a:rPr sz="1200" b="1" spc="150" dirty="0">
+                <a:latin typeface="Gill Sans MT" panose="020B0502020104020203"/>
+                <a:cs typeface="Gill Sans MT" panose="020B0502020104020203"/>
+                <a:hlinkClick r:id="rId2" action="ppaction://hlinksldjump"/>
+              </a:rPr>
+              <a:t>.</a:t>
+            </a:r>
+            <a:r>
+              <a:rPr sz="1200" b="1" spc="150" dirty="0">
+                <a:latin typeface="Gill Sans MT" panose="020B0502020104020203"/>
+                <a:cs typeface="Gill Sans MT" panose="020B0502020104020203"/>
+                <a:hlinkClick r:id="rId2" action="ppaction://hlinksldjump"/>
+              </a:rPr>
+              <a:t>.</a:t>
+            </a:r>
+            <a:r>
+              <a:rPr sz="1200" b="1" spc="150" dirty="0">
+                <a:latin typeface="Gill Sans MT" panose="020B0502020104020203"/>
+                <a:cs typeface="Gill Sans MT" panose="020B0502020104020203"/>
+                <a:hlinkClick r:id="rId2" action="ppaction://hlinksldjump"/>
+              </a:rPr>
+              <a:t>.</a:t>
+            </a:r>
+            <a:r>
+              <a:rPr sz="1200" b="1" spc="150" dirty="0">
+                <a:latin typeface="Gill Sans MT" panose="020B0502020104020203"/>
+                <a:cs typeface="Gill Sans MT" panose="020B0502020104020203"/>
+                <a:hlinkClick r:id="rId2" action="ppaction://hlinksldjump"/>
+              </a:rPr>
+              <a:t>.</a:t>
+            </a:r>
+            <a:r>
+              <a:rPr sz="1800" b="1" spc="225" baseline="32000" dirty="0">
+                <a:latin typeface="Gill Sans MT" panose="020B0502020104020203"/>
+                <a:cs typeface="Gill Sans MT" panose="020B0502020104020203"/>
+              </a:rPr>
+              <a:t>.</a:t>
+            </a:r>
+            <a:r>
+              <a:rPr sz="1200" b="1" spc="150" dirty="0">
+                <a:latin typeface="Gill Sans MT" panose="020B0502020104020203"/>
+                <a:cs typeface="Gill Sans MT" panose="020B0502020104020203"/>
+                <a:hlinkClick r:id="rId2" action="ppaction://hlinksldjump"/>
+              </a:rPr>
+              <a:t>.</a:t>
+            </a:r>
+            <a:r>
+              <a:rPr sz="1200" b="1" spc="150" dirty="0">
+                <a:latin typeface="Gill Sans MT" panose="020B0502020104020203"/>
+                <a:cs typeface="Gill Sans MT" panose="020B0502020104020203"/>
+                <a:hlinkClick r:id="rId2" action="ppaction://hlinksldjump"/>
+              </a:rPr>
+              <a:t>.</a:t>
+            </a:r>
+            <a:r>
+              <a:rPr sz="1200" b="1" spc="150" dirty="0">
+                <a:latin typeface="Gill Sans MT" panose="020B0502020104020203"/>
+                <a:cs typeface="Gill Sans MT" panose="020B0502020104020203"/>
+                <a:hlinkClick r:id="rId2" action="ppaction://hlinksldjump"/>
+              </a:rPr>
+              <a:t>.</a:t>
+            </a:r>
+            <a:r>
+              <a:rPr sz="1200" b="1" spc="150" dirty="0">
+                <a:latin typeface="Gill Sans MT" panose="020B0502020104020203"/>
+                <a:cs typeface="Gill Sans MT" panose="020B0502020104020203"/>
+                <a:hlinkClick r:id="rId2" action="ppaction://hlinksldjump"/>
+              </a:rPr>
+              <a:t>.</a:t>
+            </a:r>
+            <a:r>
+              <a:rPr sz="1800" b="1" spc="225" baseline="32000" dirty="0">
+                <a:latin typeface="Gill Sans MT" panose="020B0502020104020203"/>
+                <a:cs typeface="Gill Sans MT" panose="020B0502020104020203"/>
+              </a:rPr>
+              <a:t>.</a:t>
+            </a:r>
+            <a:r>
+              <a:rPr sz="1200" b="1" spc="150" dirty="0">
+                <a:latin typeface="Gill Sans MT" panose="020B0502020104020203"/>
+                <a:cs typeface="Gill Sans MT" panose="020B0502020104020203"/>
+                <a:hlinkClick r:id="rId2" action="ppaction://hlinksldjump"/>
+              </a:rPr>
+              <a:t>.</a:t>
+            </a:r>
+            <a:r>
+              <a:rPr sz="1200" b="1" spc="150" dirty="0">
+                <a:latin typeface="Gill Sans MT" panose="020B0502020104020203"/>
+                <a:cs typeface="Gill Sans MT" panose="020B0502020104020203"/>
+                <a:hlinkClick r:id="rId2" action="ppaction://hlinksldjump"/>
+              </a:rPr>
+              <a:t>.</a:t>
+            </a:r>
+            <a:r>
+              <a:rPr sz="1200" b="1" spc="150" dirty="0">
+                <a:latin typeface="Gill Sans MT" panose="020B0502020104020203"/>
+                <a:cs typeface="Gill Sans MT" panose="020B0502020104020203"/>
+                <a:hlinkClick r:id="rId2" action="ppaction://hlinksldjump"/>
+              </a:rPr>
+              <a:t>.</a:t>
+            </a:r>
+            <a:r>
+              <a:rPr sz="1200" b="1" spc="150" dirty="0">
+                <a:latin typeface="Gill Sans MT" panose="020B0502020104020203"/>
+                <a:cs typeface="Gill Sans MT" panose="020B0502020104020203"/>
+                <a:hlinkClick r:id="rId2" action="ppaction://hlinksldjump"/>
+              </a:rPr>
+              <a:t>.</a:t>
+            </a:r>
+            <a:r>
+              <a:rPr sz="1800" b="1" spc="225" baseline="32000" dirty="0">
+                <a:latin typeface="Gill Sans MT" panose="020B0502020104020203"/>
+                <a:cs typeface="Gill Sans MT" panose="020B0502020104020203"/>
+              </a:rPr>
+              <a:t>.</a:t>
+            </a:r>
+            <a:r>
+              <a:rPr sz="1200" b="1" spc="150" dirty="0">
+                <a:latin typeface="Gill Sans MT" panose="020B0502020104020203"/>
+                <a:cs typeface="Gill Sans MT" panose="020B0502020104020203"/>
+                <a:hlinkClick r:id="rId2" action="ppaction://hlinksldjump"/>
+              </a:rPr>
+              <a:t>.</a:t>
+            </a:r>
+            <a:r>
+              <a:rPr sz="1200" b="1" spc="150" dirty="0">
+                <a:latin typeface="Gill Sans MT" panose="020B0502020104020203"/>
+                <a:cs typeface="Gill Sans MT" panose="020B0502020104020203"/>
+              </a:rPr>
+              <a:t> </a:t>
+            </a:r>
+            <a:r>
+              <a:rPr sz="1200" b="1" strike="sngStrike" spc="50" dirty="0">
+                <a:latin typeface="Gill Sans MT" panose="020B0502020104020203"/>
+                <a:cs typeface="Gill Sans MT" panose="020B0502020104020203"/>
+              </a:rPr>
+              <a:t>.</a:t>
+            </a:r>
+            <a:r>
+              <a:rPr sz="1200" b="1" strike="noStrike" spc="50" dirty="0">
+                <a:latin typeface="Gill Sans MT" panose="020B0502020104020203"/>
+                <a:cs typeface="Gill Sans MT" panose="020B0502020104020203"/>
+              </a:rPr>
+              <a:t> </a:t>
+            </a:r>
+            <a:r>
+              <a:rPr sz="1800" b="1" strike="noStrike" spc="135" baseline="32000" dirty="0">
+                <a:latin typeface="Gill Sans MT" panose="020B0502020104020203"/>
+                <a:cs typeface="Gill Sans MT" panose="020B0502020104020203"/>
+              </a:rPr>
+              <a:t>.</a:t>
+            </a:r>
+            <a:r>
+              <a:rPr sz="1200" b="1" strike="noStrike" spc="90" dirty="0">
+                <a:latin typeface="Gill Sans MT" panose="020B0502020104020203"/>
+                <a:cs typeface="Gill Sans MT" panose="020B0502020104020203"/>
+              </a:rPr>
+              <a:t>. </a:t>
+            </a:r>
+            <a:r>
+              <a:rPr sz="1200" b="1" strike="noStrike" spc="50" dirty="0">
+                <a:latin typeface="Gill Sans MT" panose="020B0502020104020203"/>
+                <a:cs typeface="Gill Sans MT" panose="020B0502020104020203"/>
+              </a:rPr>
+              <a:t>.</a:t>
+            </a:r>
+            <a:r>
+              <a:rPr sz="1200" b="1" strike="noStrike" spc="-254" dirty="0">
+                <a:latin typeface="Gill Sans MT" panose="020B0502020104020203"/>
+                <a:cs typeface="Gill Sans MT" panose="020B0502020104020203"/>
+              </a:rPr>
+              <a:t> </a:t>
+            </a:r>
+            <a:r>
+              <a:rPr sz="1200" b="1" strike="noStrike" spc="50" dirty="0">
+                <a:latin typeface="Gill Sans MT" panose="020B0502020104020203"/>
+                <a:cs typeface="Gill Sans MT" panose="020B0502020104020203"/>
+              </a:rPr>
+              <a:t>. </a:t>
+            </a:r>
+            <a:r>
+              <a:rPr sz="1800" b="1" strike="noStrike" spc="75" baseline="32000" dirty="0">
+                <a:latin typeface="Gill Sans MT" panose="020B0502020104020203"/>
+                <a:cs typeface="Gill Sans MT" panose="020B0502020104020203"/>
+              </a:rPr>
+              <a:t>.</a:t>
+            </a:r>
+            <a:endParaRPr sz="1800" baseline="32000">
+              <a:latin typeface="Gill Sans MT" panose="020B0502020104020203"/>
+              <a:cs typeface="Gill Sans MT" panose="020B0502020104020203"/>
+            </a:endParaRPr>
+          </a:p>
+          <a:p>
+            <a:pPr marL="12700">
+              <a:lnSpc>
+                <a:spcPts val="700"/>
+              </a:lnSpc>
+            </a:pPr>
+            <a:r>
+              <a:rPr sz="600" b="1" spc="-5" dirty="0">
+                <a:solidFill>
+                  <a:srgbClr val="FFFFFF"/>
+                </a:solidFill>
+                <a:latin typeface="Gill Sans MT" panose="020B0502020104020203"/>
+                <a:cs typeface="Gill Sans MT" panose="020B0502020104020203"/>
+                <a:sym typeface="+mn-ea"/>
+              </a:rPr>
+              <a:t>202</a:t>
+            </a:r>
+            <a:r>
+              <a:rPr lang="en-US" sz="600" b="1" spc="-5" dirty="0">
+                <a:solidFill>
+                  <a:srgbClr val="FFFFFF"/>
+                </a:solidFill>
+                <a:latin typeface="Gill Sans MT" panose="020B0502020104020203"/>
+                <a:cs typeface="Gill Sans MT" panose="020B0502020104020203"/>
+                <a:sym typeface="+mn-ea"/>
+              </a:rPr>
+              <a:t>4</a:t>
+            </a:r>
+            <a:r>
+              <a:rPr lang="en-US" sz="600" b="1" spc="-5" dirty="0">
+                <a:solidFill>
+                  <a:srgbClr val="FFFFFF"/>
+                </a:solidFill>
+                <a:latin typeface="Gill Sans MT" panose="020B0502020104020203"/>
+                <a:cs typeface="Gill Sans MT" panose="020B0502020104020203"/>
+                <a:sym typeface="+mn-ea"/>
+              </a:rPr>
+              <a:t> ZJNU ACM </a:t>
+            </a:r>
+            <a:r>
+              <a:rPr sz="600" b="1" spc="-5" dirty="0">
+                <a:solidFill>
+                  <a:srgbClr val="FFFFFF"/>
+                </a:solidFill>
+                <a:latin typeface="Gill Sans MT" panose="020B0502020104020203"/>
+                <a:cs typeface="Gill Sans MT" panose="020B0502020104020203"/>
+                <a:sym typeface="+mn-ea"/>
+              </a:rPr>
+              <a:t>DP</a:t>
+            </a:r>
+            <a:r>
+              <a:rPr lang="zh-CN" sz="600" b="1" spc="-5" dirty="0">
+                <a:solidFill>
+                  <a:srgbClr val="FFFFFF"/>
+                </a:solidFill>
+                <a:latin typeface="Gill Sans MT" panose="020B0502020104020203"/>
+                <a:cs typeface="Gill Sans MT" panose="020B0502020104020203"/>
+                <a:sym typeface="+mn-ea"/>
+              </a:rPr>
+              <a:t>（二</a:t>
+            </a:r>
+            <a:r>
+              <a:rPr sz="600" b="1" spc="-5" dirty="0">
+                <a:solidFill>
+                  <a:srgbClr val="FFFFFF"/>
+                </a:solidFill>
+                <a:latin typeface="Gill Sans MT" panose="020B0502020104020203"/>
+                <a:cs typeface="Gill Sans MT" panose="020B0502020104020203"/>
+                <a:sym typeface="+mn-ea"/>
+              </a:rPr>
+              <a:t>）</a:t>
+            </a:r>
+            <a:endParaRPr lang="en-US" sz="600" b="1" spc="-5" dirty="0">
+              <a:solidFill>
+                <a:srgbClr val="FFFFFF"/>
+              </a:solidFill>
+              <a:latin typeface="Gill Sans MT" panose="020B0502020104020203"/>
+              <a:cs typeface="Gill Sans MT" panose="020B0502020104020203"/>
+            </a:endParaRPr>
+          </a:p>
+        </p:txBody>
+      </p:sp>
+      <p:sp>
+        <p:nvSpPr>
+          <p:cNvPr id="11" name="文本框 10"/>
+          <p:cNvSpPr txBox="1"/>
+          <p:nvPr/>
+        </p:nvSpPr>
+        <p:spPr>
+          <a:xfrm>
+            <a:off x="215900" y="31750"/>
+            <a:ext cx="3876040" cy="290195"/>
+          </a:xfrm>
+          <a:prstGeom prst="rect">
+            <a:avLst/>
+          </a:prstGeom>
+          <a:noFill/>
+        </p:spPr>
+        <p:txBody>
+          <a:bodyPr wrap="square" rtlCol="0">
+            <a:noAutofit/>
+          </a:bodyPr>
+          <a:p>
+            <a:r>
+              <a:rPr lang="zh-CN" altLang="en-US">
+                <a:solidFill>
+                  <a:schemeClr val="bg1"/>
+                </a:solidFill>
+              </a:rPr>
+              <a:t>期望</a:t>
+            </a:r>
+            <a:r>
+              <a:rPr lang="en-US" altLang="zh-CN">
+                <a:solidFill>
+                  <a:schemeClr val="bg1"/>
+                </a:solidFill>
+              </a:rPr>
+              <a:t>DP</a:t>
+            </a:r>
+            <a:endParaRPr lang="zh-CN" altLang="en-US">
+              <a:solidFill>
+                <a:schemeClr val="bg1"/>
+              </a:solidFill>
+            </a:endParaRPr>
+          </a:p>
+        </p:txBody>
+      </p:sp>
+      <p:sp>
+        <p:nvSpPr>
+          <p:cNvPr id="3" name="文本框 2"/>
+          <p:cNvSpPr txBox="1"/>
+          <p:nvPr/>
+        </p:nvSpPr>
+        <p:spPr>
+          <a:xfrm>
+            <a:off x="222250" y="683895"/>
+            <a:ext cx="5076825" cy="1650365"/>
+          </a:xfrm>
+          <a:prstGeom prst="rect">
+            <a:avLst/>
+          </a:prstGeom>
+          <a:noFill/>
+        </p:spPr>
+        <p:txBody>
+          <a:bodyPr wrap="square" rtlCol="0">
+            <a:noAutofit/>
+          </a:bodyPr>
+          <a:p>
+            <a:endParaRPr lang="zh-CN" altLang="en-US"/>
+          </a:p>
+        </p:txBody>
+      </p:sp>
+      <p:sp>
+        <p:nvSpPr>
+          <p:cNvPr id="4" name="文本框 3"/>
+          <p:cNvSpPr txBox="1"/>
+          <p:nvPr/>
+        </p:nvSpPr>
+        <p:spPr>
+          <a:xfrm>
+            <a:off x="444500" y="631825"/>
+            <a:ext cx="5098415" cy="1191895"/>
+          </a:xfrm>
+          <a:prstGeom prst="rect">
+            <a:avLst/>
+          </a:prstGeom>
+          <a:noFill/>
+        </p:spPr>
+        <p:txBody>
+          <a:bodyPr wrap="square" rtlCol="0">
+            <a:noAutofit/>
+          </a:bodyPr>
+          <a:p>
+            <a:r>
+              <a:rPr lang="zh-CN" altLang="en-US" sz="1600">
+                <a:sym typeface="+mn-ea"/>
+              </a:rPr>
+              <a:t>题目大意：</a:t>
+            </a:r>
+            <a:endParaRPr lang="zh-CN" altLang="en-US" sz="1600">
+              <a:sym typeface="+mn-ea"/>
+            </a:endParaRPr>
+          </a:p>
+          <a:p>
+            <a:r>
+              <a:rPr lang="en-US" altLang="zh-CN" sz="1000">
+                <a:sym typeface="+mn-ea"/>
+              </a:rPr>
+              <a:t>一个长度为n的序列，每次操纵随机选取两个下标，然后将这两个下标对应的数进行交换，问m次操作后每一位和一开始不同的个数的期望</a:t>
+            </a:r>
+            <a:endParaRPr lang="en-US" altLang="zh-CN" sz="1000">
+              <a:sym typeface="+mn-ea"/>
+            </a:endParaRPr>
+          </a:p>
+          <a:p>
+            <a:r>
+              <a:rPr lang="en-US" altLang="zh-CN" sz="1000">
+                <a:sym typeface="+mn-ea"/>
+              </a:rPr>
+              <a:t>n &lt;= 1e6 m &lt;= 1e18</a:t>
+            </a:r>
+            <a:endParaRPr lang="en-US" altLang="zh-CN" sz="1000">
+              <a:sym typeface="+mn-ea"/>
+            </a:endParaRPr>
+          </a:p>
+        </p:txBody>
+      </p:sp>
+    </p:spTree>
+  </p:cSld>
+  <p:clrMapOvr>
+    <a:masterClrMapping/>
+  </p:clrMapOvr>
+  <p:transition>
+    <p:cut/>
+  </p:transition>
+  <p:timing>
+    <p:tnLst>
+      <p:par>
+        <p:cTn id="1" dur="indefinite" restart="never" nodeType="tmRoot"/>
+      </p:par>
+    </p:tnLst>
+  </p:timing>
+</p:sld>
+</file>
+
+<file path=ppt/slides/slide11.xml><?xml version="1.0" encoding="utf-8"?>
+<p:sld xmlns:a="http://schemas.openxmlformats.org/drawingml/2006/main" xmlns:r="http://schemas.openxmlformats.org/officeDocument/2006/relationships" xmlns:p="http://schemas.openxmlformats.org/presentationml/2006/main">
+  <p:cSld>
+    <p:spTree>
+      <p:nvGrpSpPr>
+        <p:cNvPr id="1" name=""/>
+        <p:cNvGrpSpPr/>
+        <p:nvPr/>
+      </p:nvGrpSpPr>
+      <p:grpSpPr>
+        <a:xfrm>
+          <a:off x="0" y="0"/>
+          <a:ext cx="0" cy="0"/>
+          <a:chOff x="0" y="0"/>
+          <a:chExt cx="0" cy="0"/>
+        </a:xfrm>
+      </p:grpSpPr>
+      <p:sp>
+        <p:nvSpPr>
+          <p:cNvPr id="2" name="object 2"/>
+          <p:cNvSpPr/>
+          <p:nvPr/>
+        </p:nvSpPr>
+        <p:spPr>
+          <a:xfrm>
+            <a:off x="0" y="20"/>
+            <a:ext cx="5759958" cy="322190"/>
+          </a:xfrm>
+          <a:prstGeom prst="rect">
+            <a:avLst/>
+          </a:prstGeom>
+          <a:blipFill>
+            <a:blip r:embed="rId1" cstate="print"/>
+            <a:stretch>
+              <a:fillRect/>
+            </a:stretch>
+          </a:blipFill>
+        </p:spPr>
+        <p:txBody>
+          <a:bodyPr wrap="square" lIns="0" tIns="0" rIns="0" bIns="0" rtlCol="0"/>
+          <a:lstStyle/>
+          <a:p/>
+        </p:txBody>
+      </p:sp>
+      <p:sp>
+        <p:nvSpPr>
+          <p:cNvPr id="5" name="object 5"/>
+          <p:cNvSpPr/>
+          <p:nvPr/>
+        </p:nvSpPr>
+        <p:spPr>
+          <a:xfrm>
+            <a:off x="0" y="3113900"/>
+            <a:ext cx="2880360" cy="126364"/>
+          </a:xfrm>
+          <a:custGeom>
+            <a:avLst/>
+            <a:gdLst/>
+            <a:ahLst/>
+            <a:cxnLst/>
+            <a:rect l="l" t="t" r="r" b="b"/>
+            <a:pathLst>
+              <a:path w="2880360" h="126364">
+                <a:moveTo>
+                  <a:pt x="0" y="126123"/>
+                </a:moveTo>
+                <a:lnTo>
+                  <a:pt x="2880004" y="126123"/>
+                </a:lnTo>
+                <a:lnTo>
+                  <a:pt x="2880004" y="0"/>
+                </a:lnTo>
+                <a:lnTo>
+                  <a:pt x="0" y="0"/>
+                </a:lnTo>
+                <a:lnTo>
+                  <a:pt x="0" y="126123"/>
+                </a:lnTo>
+                <a:close/>
+              </a:path>
+            </a:pathLst>
+          </a:custGeom>
+          <a:solidFill>
+            <a:srgbClr val="000000"/>
+          </a:solidFill>
+        </p:spPr>
+        <p:txBody>
+          <a:bodyPr wrap="square" lIns="0" tIns="0" rIns="0" bIns="0" rtlCol="0"/>
+          <a:lstStyle/>
+          <a:p/>
+        </p:txBody>
+      </p:sp>
+      <p:sp>
+        <p:nvSpPr>
+          <p:cNvPr id="6" name="object 6"/>
+          <p:cNvSpPr/>
+          <p:nvPr/>
+        </p:nvSpPr>
+        <p:spPr>
+          <a:xfrm>
+            <a:off x="2880004" y="3113900"/>
+            <a:ext cx="2880360" cy="126364"/>
+          </a:xfrm>
+          <a:custGeom>
+            <a:avLst/>
+            <a:gdLst/>
+            <a:ahLst/>
+            <a:cxnLst/>
+            <a:rect l="l" t="t" r="r" b="b"/>
+            <a:pathLst>
+              <a:path w="2880360" h="126364">
+                <a:moveTo>
+                  <a:pt x="0" y="126123"/>
+                </a:moveTo>
+                <a:lnTo>
+                  <a:pt x="2880004" y="126123"/>
+                </a:lnTo>
+                <a:lnTo>
+                  <a:pt x="2880004" y="0"/>
+                </a:lnTo>
+                <a:lnTo>
+                  <a:pt x="0" y="0"/>
+                </a:lnTo>
+                <a:lnTo>
+                  <a:pt x="0" y="126123"/>
+                </a:lnTo>
+                <a:close/>
+              </a:path>
+            </a:pathLst>
+          </a:custGeom>
+          <a:solidFill>
+            <a:srgbClr val="3333B2"/>
+          </a:solidFill>
+        </p:spPr>
+        <p:txBody>
+          <a:bodyPr wrap="square" lIns="0" tIns="0" rIns="0" bIns="0" rtlCol="0"/>
+          <a:lstStyle/>
+          <a:p/>
+        </p:txBody>
+      </p:sp>
+      <p:sp>
+        <p:nvSpPr>
+          <p:cNvPr id="8" name="object 8"/>
+          <p:cNvSpPr txBox="1">
+            <a:spLocks noGrp="1"/>
+          </p:cNvSpPr>
+          <p:nvPr>
+            <p:ph type="ftr" sz="quarter" idx="5"/>
+          </p:nvPr>
+        </p:nvSpPr>
+        <p:spPr>
+          <a:xfrm>
+            <a:off x="2093595" y="3101975"/>
+            <a:ext cx="700405" cy="114300"/>
+          </a:xfrm>
+          <a:prstGeom prst="rect">
+            <a:avLst/>
+          </a:prstGeom>
+        </p:spPr>
+        <p:txBody>
+          <a:bodyPr vert="horz" wrap="square" lIns="0" tIns="22225" rIns="0" bIns="0" rtlCol="0">
+            <a:spAutoFit/>
+          </a:bodyPr>
+          <a:lstStyle/>
+          <a:p>
+            <a:pPr marL="12700">
+              <a:lnSpc>
+                <a:spcPct val="100000"/>
+              </a:lnSpc>
+              <a:spcBef>
+                <a:spcPts val="175"/>
+              </a:spcBef>
+            </a:pPr>
+            <a:r>
+              <a:rPr lang="en-US" spc="45" dirty="0">
+                <a:latin typeface="Tahoma" panose="020B0604030504040204"/>
+                <a:cs typeface="Tahoma" panose="020B0604030504040204"/>
+                <a:sym typeface="+mn-ea"/>
+              </a:rPr>
+              <a:t>ZJNU ACM</a:t>
+            </a:r>
+            <a:r>
+              <a:rPr spc="35" dirty="0">
+                <a:latin typeface="宋体" panose="02010600030101010101" pitchFamily="2" charset="-122"/>
+                <a:cs typeface="宋体" panose="02010600030101010101" pitchFamily="2" charset="-122"/>
+                <a:sym typeface="+mn-ea"/>
+              </a:rPr>
+              <a:t>集训队</a:t>
+            </a:r>
+            <a:endParaRPr spc="-5" dirty="0">
+              <a:latin typeface="Microsoft JhengHei UI" panose="020B0604030504040204" charset="-120"/>
+              <a:cs typeface="Microsoft JhengHei UI" panose="020B0604030504040204" charset="-120"/>
+            </a:endParaRPr>
+          </a:p>
+        </p:txBody>
+      </p:sp>
+      <p:sp>
+        <p:nvSpPr>
+          <p:cNvPr id="9" name="object 6"/>
+          <p:cNvSpPr txBox="1"/>
+          <p:nvPr/>
+        </p:nvSpPr>
+        <p:spPr>
+          <a:xfrm>
+            <a:off x="2975305" y="2819117"/>
+            <a:ext cx="2785745" cy="398780"/>
+          </a:xfrm>
+          <a:prstGeom prst="rect">
+            <a:avLst/>
+          </a:prstGeom>
+        </p:spPr>
+        <p:txBody>
+          <a:bodyPr vert="horz" wrap="square" lIns="0" tIns="127000" rIns="0" bIns="0" rtlCol="0">
+            <a:spAutoFit/>
+          </a:bodyPr>
+          <a:p>
+            <a:pPr marL="917575">
+              <a:lnSpc>
+                <a:spcPts val="1420"/>
+              </a:lnSpc>
+              <a:spcBef>
+                <a:spcPts val="1000"/>
+              </a:spcBef>
+            </a:pPr>
+            <a:r>
+              <a:rPr sz="1200" b="1" spc="50" dirty="0">
+                <a:latin typeface="Gill Sans MT" panose="020B0502020104020203"/>
+                <a:cs typeface="Gill Sans MT" panose="020B0502020104020203"/>
+                <a:hlinkClick r:id="rId2" action="ppaction://hlinksldjump"/>
+              </a:rPr>
+              <a:t>. . </a:t>
+            </a:r>
+            <a:r>
+              <a:rPr sz="1200" b="1" spc="50" dirty="0">
+                <a:latin typeface="Gill Sans MT" panose="020B0502020104020203"/>
+                <a:cs typeface="Gill Sans MT" panose="020B0502020104020203"/>
+                <a:hlinkClick r:id="rId2" action="ppaction://hlinksldjump"/>
+              </a:rPr>
+              <a:t>. </a:t>
+            </a:r>
+            <a:r>
+              <a:rPr sz="1800" b="1" spc="225" baseline="32000" dirty="0">
+                <a:latin typeface="Gill Sans MT" panose="020B0502020104020203"/>
+                <a:cs typeface="Gill Sans MT" panose="020B0502020104020203"/>
+              </a:rPr>
+              <a:t>.</a:t>
+            </a:r>
+            <a:r>
+              <a:rPr sz="1200" b="1" spc="150" dirty="0">
+                <a:latin typeface="Gill Sans MT" panose="020B0502020104020203"/>
+                <a:cs typeface="Gill Sans MT" panose="020B0502020104020203"/>
+                <a:hlinkClick r:id="rId2" action="ppaction://hlinksldjump"/>
+              </a:rPr>
+              <a:t>.</a:t>
+            </a:r>
+            <a:r>
+              <a:rPr sz="1200" b="1" spc="150" dirty="0">
+                <a:latin typeface="Gill Sans MT" panose="020B0502020104020203"/>
+                <a:cs typeface="Gill Sans MT" panose="020B0502020104020203"/>
+                <a:hlinkClick r:id="rId2" action="ppaction://hlinksldjump"/>
+              </a:rPr>
+              <a:t>.</a:t>
+            </a:r>
+            <a:r>
+              <a:rPr sz="1200" b="1" spc="150" dirty="0">
+                <a:latin typeface="Gill Sans MT" panose="020B0502020104020203"/>
+                <a:cs typeface="Gill Sans MT" panose="020B0502020104020203"/>
+                <a:hlinkClick r:id="rId2" action="ppaction://hlinksldjump"/>
+              </a:rPr>
+              <a:t>.</a:t>
+            </a:r>
+            <a:r>
+              <a:rPr sz="1200" b="1" spc="150" dirty="0">
+                <a:latin typeface="Gill Sans MT" panose="020B0502020104020203"/>
+                <a:cs typeface="Gill Sans MT" panose="020B0502020104020203"/>
+                <a:hlinkClick r:id="rId2" action="ppaction://hlinksldjump"/>
+              </a:rPr>
+              <a:t>.</a:t>
+            </a:r>
+            <a:r>
+              <a:rPr sz="1800" b="1" spc="225" baseline="32000" dirty="0">
+                <a:latin typeface="Gill Sans MT" panose="020B0502020104020203"/>
+                <a:cs typeface="Gill Sans MT" panose="020B0502020104020203"/>
+              </a:rPr>
+              <a:t>.</a:t>
+            </a:r>
+            <a:r>
+              <a:rPr sz="1200" b="1" spc="150" dirty="0">
+                <a:latin typeface="Gill Sans MT" panose="020B0502020104020203"/>
+                <a:cs typeface="Gill Sans MT" panose="020B0502020104020203"/>
+                <a:hlinkClick r:id="rId2" action="ppaction://hlinksldjump"/>
+              </a:rPr>
+              <a:t>.</a:t>
+            </a:r>
+            <a:r>
+              <a:rPr sz="1200" b="1" spc="150" dirty="0">
+                <a:latin typeface="Gill Sans MT" panose="020B0502020104020203"/>
+                <a:cs typeface="Gill Sans MT" panose="020B0502020104020203"/>
+                <a:hlinkClick r:id="rId2" action="ppaction://hlinksldjump"/>
+              </a:rPr>
+              <a:t>.</a:t>
+            </a:r>
+            <a:r>
+              <a:rPr sz="1200" b="1" spc="150" dirty="0">
+                <a:latin typeface="Gill Sans MT" panose="020B0502020104020203"/>
+                <a:cs typeface="Gill Sans MT" panose="020B0502020104020203"/>
+                <a:hlinkClick r:id="rId2" action="ppaction://hlinksldjump"/>
+              </a:rPr>
+              <a:t>.</a:t>
+            </a:r>
+            <a:r>
+              <a:rPr sz="1200" b="1" spc="150" dirty="0">
+                <a:latin typeface="Gill Sans MT" panose="020B0502020104020203"/>
+                <a:cs typeface="Gill Sans MT" panose="020B0502020104020203"/>
+                <a:hlinkClick r:id="rId2" action="ppaction://hlinksldjump"/>
+              </a:rPr>
+              <a:t>.</a:t>
+            </a:r>
+            <a:r>
+              <a:rPr sz="1800" b="1" spc="225" baseline="32000" dirty="0">
+                <a:latin typeface="Gill Sans MT" panose="020B0502020104020203"/>
+                <a:cs typeface="Gill Sans MT" panose="020B0502020104020203"/>
+              </a:rPr>
+              <a:t>.</a:t>
+            </a:r>
+            <a:r>
+              <a:rPr sz="1200" b="1" spc="150" dirty="0">
+                <a:latin typeface="Gill Sans MT" panose="020B0502020104020203"/>
+                <a:cs typeface="Gill Sans MT" panose="020B0502020104020203"/>
+                <a:hlinkClick r:id="rId2" action="ppaction://hlinksldjump"/>
+              </a:rPr>
+              <a:t>.</a:t>
+            </a:r>
+            <a:r>
+              <a:rPr sz="1200" b="1" spc="150" dirty="0">
+                <a:latin typeface="Gill Sans MT" panose="020B0502020104020203"/>
+                <a:cs typeface="Gill Sans MT" panose="020B0502020104020203"/>
+                <a:hlinkClick r:id="rId2" action="ppaction://hlinksldjump"/>
+              </a:rPr>
+              <a:t>.</a:t>
+            </a:r>
+            <a:r>
+              <a:rPr sz="1200" b="1" spc="150" dirty="0">
+                <a:latin typeface="Gill Sans MT" panose="020B0502020104020203"/>
+                <a:cs typeface="Gill Sans MT" panose="020B0502020104020203"/>
+                <a:hlinkClick r:id="rId2" action="ppaction://hlinksldjump"/>
+              </a:rPr>
+              <a:t>.</a:t>
+            </a:r>
+            <a:r>
+              <a:rPr sz="1200" b="1" spc="150" dirty="0">
+                <a:latin typeface="Gill Sans MT" panose="020B0502020104020203"/>
+                <a:cs typeface="Gill Sans MT" panose="020B0502020104020203"/>
+                <a:hlinkClick r:id="rId2" action="ppaction://hlinksldjump"/>
+              </a:rPr>
+              <a:t>.</a:t>
+            </a:r>
+            <a:r>
+              <a:rPr sz="1800" b="1" spc="225" baseline="32000" dirty="0">
+                <a:latin typeface="Gill Sans MT" panose="020B0502020104020203"/>
+                <a:cs typeface="Gill Sans MT" panose="020B0502020104020203"/>
+              </a:rPr>
+              <a:t>.</a:t>
+            </a:r>
+            <a:r>
+              <a:rPr sz="1200" b="1" spc="150" dirty="0">
+                <a:latin typeface="Gill Sans MT" panose="020B0502020104020203"/>
+                <a:cs typeface="Gill Sans MT" panose="020B0502020104020203"/>
+                <a:hlinkClick r:id="rId2" action="ppaction://hlinksldjump"/>
+              </a:rPr>
+              <a:t>.</a:t>
+            </a:r>
+            <a:r>
+              <a:rPr sz="1200" b="1" spc="150" dirty="0">
+                <a:latin typeface="Gill Sans MT" panose="020B0502020104020203"/>
+                <a:cs typeface="Gill Sans MT" panose="020B0502020104020203"/>
+              </a:rPr>
+              <a:t> </a:t>
+            </a:r>
+            <a:r>
+              <a:rPr sz="1200" b="1" strike="sngStrike" spc="50" dirty="0">
+                <a:latin typeface="Gill Sans MT" panose="020B0502020104020203"/>
+                <a:cs typeface="Gill Sans MT" panose="020B0502020104020203"/>
+              </a:rPr>
+              <a:t>.</a:t>
+            </a:r>
+            <a:r>
+              <a:rPr sz="1200" b="1" strike="noStrike" spc="50" dirty="0">
+                <a:latin typeface="Gill Sans MT" panose="020B0502020104020203"/>
+                <a:cs typeface="Gill Sans MT" panose="020B0502020104020203"/>
+              </a:rPr>
+              <a:t> </a:t>
+            </a:r>
+            <a:r>
+              <a:rPr sz="1800" b="1" strike="noStrike" spc="135" baseline="32000" dirty="0">
+                <a:latin typeface="Gill Sans MT" panose="020B0502020104020203"/>
+                <a:cs typeface="Gill Sans MT" panose="020B0502020104020203"/>
+              </a:rPr>
+              <a:t>.</a:t>
+            </a:r>
+            <a:r>
+              <a:rPr sz="1200" b="1" strike="noStrike" spc="90" dirty="0">
+                <a:latin typeface="Gill Sans MT" panose="020B0502020104020203"/>
+                <a:cs typeface="Gill Sans MT" panose="020B0502020104020203"/>
+              </a:rPr>
+              <a:t>. </a:t>
+            </a:r>
+            <a:r>
+              <a:rPr sz="1200" b="1" strike="noStrike" spc="50" dirty="0">
+                <a:latin typeface="Gill Sans MT" panose="020B0502020104020203"/>
+                <a:cs typeface="Gill Sans MT" panose="020B0502020104020203"/>
+              </a:rPr>
+              <a:t>.</a:t>
+            </a:r>
+            <a:r>
+              <a:rPr sz="1200" b="1" strike="noStrike" spc="-254" dirty="0">
+                <a:latin typeface="Gill Sans MT" panose="020B0502020104020203"/>
+                <a:cs typeface="Gill Sans MT" panose="020B0502020104020203"/>
+              </a:rPr>
+              <a:t> </a:t>
+            </a:r>
+            <a:r>
+              <a:rPr sz="1200" b="1" strike="noStrike" spc="50" dirty="0">
+                <a:latin typeface="Gill Sans MT" panose="020B0502020104020203"/>
+                <a:cs typeface="Gill Sans MT" panose="020B0502020104020203"/>
+              </a:rPr>
+              <a:t>. </a:t>
+            </a:r>
+            <a:r>
+              <a:rPr sz="1800" b="1" strike="noStrike" spc="75" baseline="32000" dirty="0">
+                <a:latin typeface="Gill Sans MT" panose="020B0502020104020203"/>
+                <a:cs typeface="Gill Sans MT" panose="020B0502020104020203"/>
+              </a:rPr>
+              <a:t>.</a:t>
+            </a:r>
+            <a:endParaRPr sz="1800" baseline="32000">
+              <a:latin typeface="Gill Sans MT" panose="020B0502020104020203"/>
+              <a:cs typeface="Gill Sans MT" panose="020B0502020104020203"/>
+            </a:endParaRPr>
+          </a:p>
+          <a:p>
+            <a:pPr marL="12700">
+              <a:lnSpc>
+                <a:spcPts val="700"/>
+              </a:lnSpc>
+            </a:pPr>
+            <a:r>
+              <a:rPr sz="600" b="1" spc="-5" dirty="0">
+                <a:solidFill>
+                  <a:srgbClr val="FFFFFF"/>
+                </a:solidFill>
+                <a:latin typeface="Gill Sans MT" panose="020B0502020104020203"/>
+                <a:cs typeface="Gill Sans MT" panose="020B0502020104020203"/>
+                <a:sym typeface="+mn-ea"/>
+              </a:rPr>
+              <a:t>202</a:t>
+            </a:r>
+            <a:r>
+              <a:rPr lang="en-US" sz="600" b="1" spc="-5" dirty="0">
+                <a:solidFill>
+                  <a:srgbClr val="FFFFFF"/>
+                </a:solidFill>
+                <a:latin typeface="Gill Sans MT" panose="020B0502020104020203"/>
+                <a:cs typeface="Gill Sans MT" panose="020B0502020104020203"/>
+                <a:sym typeface="+mn-ea"/>
+              </a:rPr>
+              <a:t>4</a:t>
+            </a:r>
+            <a:r>
+              <a:rPr lang="en-US" sz="600" b="1" spc="-5" dirty="0">
+                <a:solidFill>
+                  <a:srgbClr val="FFFFFF"/>
+                </a:solidFill>
+                <a:latin typeface="Gill Sans MT" panose="020B0502020104020203"/>
+                <a:cs typeface="Gill Sans MT" panose="020B0502020104020203"/>
+                <a:sym typeface="+mn-ea"/>
+              </a:rPr>
+              <a:t> ZJNU ACM </a:t>
+            </a:r>
+            <a:r>
+              <a:rPr sz="600" b="1" spc="-5" dirty="0">
+                <a:solidFill>
+                  <a:srgbClr val="FFFFFF"/>
+                </a:solidFill>
+                <a:latin typeface="Gill Sans MT" panose="020B0502020104020203"/>
+                <a:cs typeface="Gill Sans MT" panose="020B0502020104020203"/>
+                <a:sym typeface="+mn-ea"/>
+              </a:rPr>
+              <a:t>DP</a:t>
+            </a:r>
+            <a:r>
+              <a:rPr lang="zh-CN" sz="600" b="1" spc="-5" dirty="0">
+                <a:solidFill>
+                  <a:srgbClr val="FFFFFF"/>
+                </a:solidFill>
+                <a:latin typeface="Gill Sans MT" panose="020B0502020104020203"/>
+                <a:cs typeface="Gill Sans MT" panose="020B0502020104020203"/>
+                <a:sym typeface="+mn-ea"/>
+              </a:rPr>
+              <a:t>（二</a:t>
+            </a:r>
+            <a:r>
+              <a:rPr sz="600" b="1" spc="-5" dirty="0">
+                <a:solidFill>
+                  <a:srgbClr val="FFFFFF"/>
+                </a:solidFill>
+                <a:latin typeface="Gill Sans MT" panose="020B0502020104020203"/>
+                <a:cs typeface="Gill Sans MT" panose="020B0502020104020203"/>
+                <a:sym typeface="+mn-ea"/>
+              </a:rPr>
+              <a:t>）</a:t>
+            </a:r>
+            <a:endParaRPr lang="en-US" sz="600" b="1" spc="-5" dirty="0">
+              <a:solidFill>
+                <a:srgbClr val="FFFFFF"/>
+              </a:solidFill>
+              <a:latin typeface="Gill Sans MT" panose="020B0502020104020203"/>
+              <a:cs typeface="Gill Sans MT" panose="020B0502020104020203"/>
+            </a:endParaRPr>
+          </a:p>
+        </p:txBody>
+      </p:sp>
+      <p:sp>
+        <p:nvSpPr>
+          <p:cNvPr id="11" name="文本框 10"/>
+          <p:cNvSpPr txBox="1"/>
+          <p:nvPr/>
+        </p:nvSpPr>
+        <p:spPr>
+          <a:xfrm>
+            <a:off x="215900" y="31750"/>
+            <a:ext cx="3876040" cy="290195"/>
+          </a:xfrm>
+          <a:prstGeom prst="rect">
+            <a:avLst/>
+          </a:prstGeom>
+          <a:noFill/>
+        </p:spPr>
+        <p:txBody>
+          <a:bodyPr wrap="square" rtlCol="0">
+            <a:noAutofit/>
+          </a:bodyPr>
+          <a:p>
+            <a:r>
+              <a:rPr lang="zh-CN" altLang="en-US">
+                <a:solidFill>
+                  <a:schemeClr val="bg1"/>
+                </a:solidFill>
+              </a:rPr>
+              <a:t>期望</a:t>
+            </a:r>
+            <a:r>
+              <a:rPr lang="en-US" altLang="zh-CN">
+                <a:solidFill>
+                  <a:schemeClr val="bg1"/>
+                </a:solidFill>
+              </a:rPr>
+              <a:t>DP</a:t>
+            </a:r>
+            <a:endParaRPr lang="zh-CN" altLang="en-US">
+              <a:solidFill>
+                <a:schemeClr val="bg1"/>
+              </a:solidFill>
+            </a:endParaRPr>
+          </a:p>
+        </p:txBody>
+      </p:sp>
+      <p:sp>
+        <p:nvSpPr>
+          <p:cNvPr id="3" name="文本框 2"/>
+          <p:cNvSpPr txBox="1"/>
+          <p:nvPr/>
+        </p:nvSpPr>
+        <p:spPr>
+          <a:xfrm>
+            <a:off x="222250" y="683895"/>
+            <a:ext cx="5076825" cy="1650365"/>
+          </a:xfrm>
+          <a:prstGeom prst="rect">
+            <a:avLst/>
+          </a:prstGeom>
+          <a:noFill/>
+        </p:spPr>
+        <p:txBody>
+          <a:bodyPr wrap="square" rtlCol="0">
+            <a:noAutofit/>
+          </a:bodyPr>
+          <a:p>
+            <a:endParaRPr lang="zh-CN" altLang="en-US"/>
+          </a:p>
+        </p:txBody>
+      </p:sp>
+      <p:sp>
+        <p:nvSpPr>
+          <p:cNvPr id="4" name="文本框 3"/>
+          <p:cNvSpPr txBox="1"/>
+          <p:nvPr/>
+        </p:nvSpPr>
+        <p:spPr>
+          <a:xfrm>
+            <a:off x="444500" y="631825"/>
+            <a:ext cx="5098415" cy="1191895"/>
+          </a:xfrm>
+          <a:prstGeom prst="rect">
+            <a:avLst/>
+          </a:prstGeom>
+          <a:noFill/>
+        </p:spPr>
+        <p:txBody>
+          <a:bodyPr wrap="square" rtlCol="0">
+            <a:noAutofit/>
+          </a:bodyPr>
+          <a:p>
+            <a:r>
+              <a:rPr kumimoji="1" lang="en-US" sz="1600" dirty="0" smtClean="0">
+                <a:sym typeface="+mn-ea"/>
+              </a:rPr>
+              <a:t>atcoder 189F</a:t>
+            </a:r>
+            <a:r>
+              <a:rPr lang="zh-CN" altLang="en-US" sz="1600">
+                <a:sym typeface="+mn-ea"/>
+              </a:rPr>
+              <a:t>：</a:t>
+            </a:r>
+            <a:endParaRPr lang="zh-CN" altLang="en-US" sz="1600">
+              <a:sym typeface="+mn-ea"/>
+            </a:endParaRPr>
+          </a:p>
+          <a:p>
+            <a:pPr algn="l">
+              <a:buSzTx/>
+            </a:pPr>
+            <a:r>
+              <a:rPr sz="1000">
+                <a:latin typeface="宋体" panose="02010600030101010101" pitchFamily="2" charset="-122"/>
+                <a:ea typeface="宋体" panose="02010600030101010101" pitchFamily="2" charset="-122"/>
+                <a:cs typeface="宋体" panose="02010600030101010101" pitchFamily="2" charset="-122"/>
+                <a:sym typeface="+mn-ea"/>
+              </a:rPr>
+              <a:t>有n+1个格子排成一排，标号为0到n。</a:t>
+            </a:r>
+            <a:endParaRPr sz="1000">
+              <a:latin typeface="宋体" panose="02010600030101010101" pitchFamily="2" charset="-122"/>
+              <a:ea typeface="宋体" panose="02010600030101010101" pitchFamily="2" charset="-122"/>
+              <a:cs typeface="宋体" panose="02010600030101010101" pitchFamily="2" charset="-122"/>
+            </a:endParaRPr>
+          </a:p>
+          <a:p>
+            <a:pPr algn="l">
+              <a:buSzTx/>
+            </a:pPr>
+            <a:r>
+              <a:rPr sz="1000">
+                <a:latin typeface="宋体" panose="02010600030101010101" pitchFamily="2" charset="-122"/>
+                <a:ea typeface="宋体" panose="02010600030101010101" pitchFamily="2" charset="-122"/>
+                <a:cs typeface="宋体" panose="02010600030101010101" pitchFamily="2" charset="-122"/>
+                <a:sym typeface="+mn-ea"/>
+              </a:rPr>
+              <a:t>初始在0位置，等概率掷色子1到m, 掷到多少就往前走多少步。</a:t>
+            </a:r>
+            <a:endParaRPr sz="1000">
+              <a:latin typeface="宋体" panose="02010600030101010101" pitchFamily="2" charset="-122"/>
+              <a:ea typeface="宋体" panose="02010600030101010101" pitchFamily="2" charset="-122"/>
+              <a:cs typeface="宋体" panose="02010600030101010101" pitchFamily="2" charset="-122"/>
+            </a:endParaRPr>
+          </a:p>
+          <a:p>
+            <a:pPr algn="l">
+              <a:buSzTx/>
+            </a:pPr>
+            <a:r>
+              <a:rPr sz="1000">
+                <a:latin typeface="宋体" panose="02010600030101010101" pitchFamily="2" charset="-122"/>
+                <a:ea typeface="宋体" panose="02010600030101010101" pitchFamily="2" charset="-122"/>
+                <a:cs typeface="宋体" panose="02010600030101010101" pitchFamily="2" charset="-122"/>
+                <a:sym typeface="+mn-ea"/>
+              </a:rPr>
+              <a:t>有k个陷阱，分别在a1,a2...ak处，踩到陷阱就回到位置0。</a:t>
+            </a:r>
+            <a:endParaRPr sz="1000">
+              <a:latin typeface="宋体" panose="02010600030101010101" pitchFamily="2" charset="-122"/>
+              <a:ea typeface="宋体" panose="02010600030101010101" pitchFamily="2" charset="-122"/>
+              <a:cs typeface="宋体" panose="02010600030101010101" pitchFamily="2" charset="-122"/>
+            </a:endParaRPr>
+          </a:p>
+          <a:p>
+            <a:pPr algn="l">
+              <a:buSzTx/>
+            </a:pPr>
+            <a:r>
+              <a:rPr sz="1000">
+                <a:latin typeface="宋体" panose="02010600030101010101" pitchFamily="2" charset="-122"/>
+                <a:ea typeface="宋体" panose="02010600030101010101" pitchFamily="2" charset="-122"/>
+                <a:cs typeface="宋体" panose="02010600030101010101" pitchFamily="2" charset="-122"/>
+                <a:sym typeface="+mn-ea"/>
+              </a:rPr>
+              <a:t>当到达n或越过n时，游戏结束。</a:t>
+            </a:r>
+            <a:endParaRPr sz="1000">
+              <a:latin typeface="宋体" panose="02010600030101010101" pitchFamily="2" charset="-122"/>
+              <a:ea typeface="宋体" panose="02010600030101010101" pitchFamily="2" charset="-122"/>
+              <a:cs typeface="宋体" panose="02010600030101010101" pitchFamily="2" charset="-122"/>
+            </a:endParaRPr>
+          </a:p>
+          <a:p>
+            <a:pPr algn="l">
+              <a:buSzTx/>
+            </a:pPr>
+            <a:r>
+              <a:rPr sz="1000">
+                <a:latin typeface="宋体" panose="02010600030101010101" pitchFamily="2" charset="-122"/>
+                <a:ea typeface="宋体" panose="02010600030101010101" pitchFamily="2" charset="-122"/>
+                <a:cs typeface="宋体" panose="02010600030101010101" pitchFamily="2" charset="-122"/>
+                <a:sym typeface="+mn-ea"/>
+              </a:rPr>
+              <a:t>问游戏结束的期望掷色子次数。（无法到达输出-1）</a:t>
+            </a:r>
+            <a:endParaRPr sz="1000">
+              <a:latin typeface="宋体" panose="02010600030101010101" pitchFamily="2" charset="-122"/>
+              <a:ea typeface="宋体" panose="02010600030101010101" pitchFamily="2" charset="-122"/>
+              <a:cs typeface="宋体" panose="02010600030101010101" pitchFamily="2" charset="-122"/>
+            </a:endParaRPr>
+          </a:p>
+          <a:p>
+            <a:pPr algn="l">
+              <a:buSzTx/>
+            </a:pPr>
+            <a:r>
+              <a:rPr sz="1000">
+                <a:latin typeface="宋体" panose="02010600030101010101" pitchFamily="2" charset="-122"/>
+                <a:ea typeface="宋体" panose="02010600030101010101" pitchFamily="2" charset="-122"/>
+                <a:cs typeface="宋体" panose="02010600030101010101" pitchFamily="2" charset="-122"/>
+                <a:sym typeface="+mn-ea"/>
+              </a:rPr>
+              <a:t>1&lt;=n,m&lt;=1</a:t>
+            </a:r>
+            <a:r>
+              <a:rPr lang="en-US" sz="1000">
+                <a:latin typeface="宋体" panose="02010600030101010101" pitchFamily="2" charset="-122"/>
+                <a:ea typeface="宋体" panose="02010600030101010101" pitchFamily="2" charset="-122"/>
+                <a:cs typeface="宋体" panose="02010600030101010101" pitchFamily="2" charset="-122"/>
+                <a:sym typeface="+mn-ea"/>
+              </a:rPr>
+              <a:t>e</a:t>
+            </a:r>
+            <a:r>
+              <a:rPr sz="1000">
+                <a:latin typeface="宋体" panose="02010600030101010101" pitchFamily="2" charset="-122"/>
+                <a:ea typeface="宋体" panose="02010600030101010101" pitchFamily="2" charset="-122"/>
+                <a:cs typeface="宋体" panose="02010600030101010101" pitchFamily="2" charset="-122"/>
+                <a:sym typeface="+mn-ea"/>
+              </a:rPr>
+              <a:t>5 ，0&lt;=k&lt;=10</a:t>
+            </a:r>
+            <a:endParaRPr lang="en-US" altLang="zh-CN" sz="1000">
+              <a:sym typeface="+mn-ea"/>
+            </a:endParaRPr>
+          </a:p>
+        </p:txBody>
+      </p:sp>
+    </p:spTree>
+  </p:cSld>
+  <p:clrMapOvr>
+    <a:masterClrMapping/>
+  </p:clrMapOvr>
+  <p:transition>
+    <p:cut/>
+  </p:transition>
+  <p:timing>
+    <p:tnLst>
+      <p:par>
+        <p:cTn id="1" dur="indefinite" restart="never" nodeType="tmRoot"/>
+      </p:par>
+    </p:tnLst>
+  </p:timing>
+</p:sld>
+</file>
+
+<file path=ppt/slides/slide12.xml><?xml version="1.0" encoding="utf-8"?>
+<p:sld xmlns:a="http://schemas.openxmlformats.org/drawingml/2006/main" xmlns:r="http://schemas.openxmlformats.org/officeDocument/2006/relationships" xmlns:p="http://schemas.openxmlformats.org/presentationml/2006/main">
+  <p:cSld>
+    <p:spTree>
+      <p:nvGrpSpPr>
+        <p:cNvPr id="1" name=""/>
+        <p:cNvGrpSpPr/>
+        <p:nvPr/>
+      </p:nvGrpSpPr>
+      <p:grpSpPr>
+        <a:xfrm>
+          <a:off x="0" y="0"/>
+          <a:ext cx="0" cy="0"/>
+          <a:chOff x="0" y="0"/>
+          <a:chExt cx="0" cy="0"/>
+        </a:xfrm>
+      </p:grpSpPr>
+      <p:sp>
+        <p:nvSpPr>
+          <p:cNvPr id="2" name="object 2"/>
+          <p:cNvSpPr/>
+          <p:nvPr/>
+        </p:nvSpPr>
+        <p:spPr>
+          <a:xfrm>
+            <a:off x="0" y="20"/>
+            <a:ext cx="5759958" cy="322190"/>
+          </a:xfrm>
+          <a:prstGeom prst="rect">
+            <a:avLst/>
+          </a:prstGeom>
+          <a:blipFill>
+            <a:blip r:embed="rId1" cstate="print"/>
+            <a:stretch>
+              <a:fillRect/>
+            </a:stretch>
+          </a:blipFill>
+        </p:spPr>
+        <p:txBody>
+          <a:bodyPr wrap="square" lIns="0" tIns="0" rIns="0" bIns="0" rtlCol="0"/>
+          <a:lstStyle/>
+          <a:p/>
+        </p:txBody>
+      </p:sp>
+      <p:sp>
+        <p:nvSpPr>
+          <p:cNvPr id="5" name="object 5"/>
+          <p:cNvSpPr/>
+          <p:nvPr/>
+        </p:nvSpPr>
+        <p:spPr>
+          <a:xfrm>
+            <a:off x="0" y="3113900"/>
+            <a:ext cx="2880360" cy="126364"/>
+          </a:xfrm>
+          <a:custGeom>
+            <a:avLst/>
+            <a:gdLst/>
+            <a:ahLst/>
+            <a:cxnLst/>
+            <a:rect l="l" t="t" r="r" b="b"/>
+            <a:pathLst>
+              <a:path w="2880360" h="126364">
+                <a:moveTo>
+                  <a:pt x="0" y="126123"/>
+                </a:moveTo>
+                <a:lnTo>
+                  <a:pt x="2880004" y="126123"/>
+                </a:lnTo>
+                <a:lnTo>
+                  <a:pt x="2880004" y="0"/>
+                </a:lnTo>
+                <a:lnTo>
+                  <a:pt x="0" y="0"/>
+                </a:lnTo>
+                <a:lnTo>
+                  <a:pt x="0" y="126123"/>
+                </a:lnTo>
+                <a:close/>
+              </a:path>
+            </a:pathLst>
+          </a:custGeom>
+          <a:solidFill>
+            <a:srgbClr val="000000"/>
+          </a:solidFill>
+        </p:spPr>
+        <p:txBody>
+          <a:bodyPr wrap="square" lIns="0" tIns="0" rIns="0" bIns="0" rtlCol="0"/>
+          <a:lstStyle/>
+          <a:p/>
+        </p:txBody>
+      </p:sp>
+      <p:sp>
+        <p:nvSpPr>
+          <p:cNvPr id="6" name="object 6"/>
+          <p:cNvSpPr/>
+          <p:nvPr/>
+        </p:nvSpPr>
+        <p:spPr>
+          <a:xfrm>
+            <a:off x="2880004" y="3113900"/>
+            <a:ext cx="2880360" cy="126364"/>
+          </a:xfrm>
+          <a:custGeom>
+            <a:avLst/>
+            <a:gdLst/>
+            <a:ahLst/>
+            <a:cxnLst/>
+            <a:rect l="l" t="t" r="r" b="b"/>
+            <a:pathLst>
+              <a:path w="2880360" h="126364">
+                <a:moveTo>
+                  <a:pt x="0" y="126123"/>
+                </a:moveTo>
+                <a:lnTo>
+                  <a:pt x="2880004" y="126123"/>
+                </a:lnTo>
+                <a:lnTo>
+                  <a:pt x="2880004" y="0"/>
+                </a:lnTo>
+                <a:lnTo>
+                  <a:pt x="0" y="0"/>
+                </a:lnTo>
+                <a:lnTo>
+                  <a:pt x="0" y="126123"/>
+                </a:lnTo>
+                <a:close/>
+              </a:path>
+            </a:pathLst>
+          </a:custGeom>
+          <a:solidFill>
+            <a:srgbClr val="3333B2"/>
+          </a:solidFill>
+        </p:spPr>
+        <p:txBody>
+          <a:bodyPr wrap="square" lIns="0" tIns="0" rIns="0" bIns="0" rtlCol="0"/>
+          <a:lstStyle/>
+          <a:p/>
+        </p:txBody>
+      </p:sp>
+      <p:sp>
+        <p:nvSpPr>
+          <p:cNvPr id="8" name="object 8"/>
+          <p:cNvSpPr txBox="1">
+            <a:spLocks noGrp="1"/>
+          </p:cNvSpPr>
+          <p:nvPr>
+            <p:ph type="ftr" sz="quarter" idx="5"/>
+          </p:nvPr>
+        </p:nvSpPr>
+        <p:spPr>
+          <a:xfrm>
+            <a:off x="2093595" y="3101975"/>
+            <a:ext cx="700405" cy="114300"/>
+          </a:xfrm>
+          <a:prstGeom prst="rect">
+            <a:avLst/>
+          </a:prstGeom>
+        </p:spPr>
+        <p:txBody>
+          <a:bodyPr vert="horz" wrap="square" lIns="0" tIns="22225" rIns="0" bIns="0" rtlCol="0">
+            <a:spAutoFit/>
+          </a:bodyPr>
+          <a:lstStyle/>
+          <a:p>
+            <a:pPr marL="12700">
+              <a:lnSpc>
+                <a:spcPct val="100000"/>
+              </a:lnSpc>
+              <a:spcBef>
+                <a:spcPts val="175"/>
+              </a:spcBef>
+            </a:pPr>
+            <a:r>
+              <a:rPr lang="en-US" spc="45" dirty="0">
+                <a:latin typeface="Tahoma" panose="020B0604030504040204"/>
+                <a:cs typeface="Tahoma" panose="020B0604030504040204"/>
+                <a:sym typeface="+mn-ea"/>
+              </a:rPr>
+              <a:t>ZJNU ACM</a:t>
+            </a:r>
+            <a:r>
+              <a:rPr spc="35" dirty="0">
+                <a:latin typeface="宋体" panose="02010600030101010101" pitchFamily="2" charset="-122"/>
+                <a:cs typeface="宋体" panose="02010600030101010101" pitchFamily="2" charset="-122"/>
+                <a:sym typeface="+mn-ea"/>
+              </a:rPr>
+              <a:t>集训队</a:t>
+            </a:r>
+            <a:endParaRPr spc="-5" dirty="0">
+              <a:latin typeface="Microsoft JhengHei UI" panose="020B0604030504040204" charset="-120"/>
+              <a:cs typeface="Microsoft JhengHei UI" panose="020B0604030504040204" charset="-120"/>
+            </a:endParaRPr>
+          </a:p>
+        </p:txBody>
+      </p:sp>
+      <p:sp>
+        <p:nvSpPr>
+          <p:cNvPr id="9" name="object 6"/>
+          <p:cNvSpPr txBox="1"/>
+          <p:nvPr/>
+        </p:nvSpPr>
+        <p:spPr>
+          <a:xfrm>
+            <a:off x="2975305" y="2819117"/>
+            <a:ext cx="2785745" cy="398780"/>
+          </a:xfrm>
+          <a:prstGeom prst="rect">
+            <a:avLst/>
+          </a:prstGeom>
+        </p:spPr>
+        <p:txBody>
+          <a:bodyPr vert="horz" wrap="square" lIns="0" tIns="127000" rIns="0" bIns="0" rtlCol="0">
+            <a:spAutoFit/>
+          </a:bodyPr>
+          <a:p>
+            <a:pPr marL="917575">
+              <a:lnSpc>
+                <a:spcPts val="1420"/>
+              </a:lnSpc>
+              <a:spcBef>
+                <a:spcPts val="1000"/>
+              </a:spcBef>
+            </a:pPr>
+            <a:r>
+              <a:rPr sz="1200" b="1" spc="50" dirty="0">
+                <a:latin typeface="Gill Sans MT" panose="020B0502020104020203"/>
+                <a:cs typeface="Gill Sans MT" panose="020B0502020104020203"/>
+                <a:hlinkClick r:id="rId2" action="ppaction://hlinksldjump"/>
+              </a:rPr>
+              <a:t>. . </a:t>
+            </a:r>
+            <a:r>
+              <a:rPr sz="1200" b="1" spc="50" dirty="0">
+                <a:latin typeface="Gill Sans MT" panose="020B0502020104020203"/>
+                <a:cs typeface="Gill Sans MT" panose="020B0502020104020203"/>
+                <a:hlinkClick r:id="rId2" action="ppaction://hlinksldjump"/>
+              </a:rPr>
+              <a:t>. </a:t>
+            </a:r>
+            <a:r>
+              <a:rPr sz="1800" b="1" spc="225" baseline="32000" dirty="0">
+                <a:latin typeface="Gill Sans MT" panose="020B0502020104020203"/>
+                <a:cs typeface="Gill Sans MT" panose="020B0502020104020203"/>
+              </a:rPr>
+              <a:t>.</a:t>
+            </a:r>
+            <a:r>
+              <a:rPr sz="1200" b="1" spc="150" dirty="0">
+                <a:latin typeface="Gill Sans MT" panose="020B0502020104020203"/>
+                <a:cs typeface="Gill Sans MT" panose="020B0502020104020203"/>
+                <a:hlinkClick r:id="rId2" action="ppaction://hlinksldjump"/>
+              </a:rPr>
+              <a:t>.</a:t>
+            </a:r>
+            <a:r>
+              <a:rPr sz="1200" b="1" spc="150" dirty="0">
+                <a:latin typeface="Gill Sans MT" panose="020B0502020104020203"/>
+                <a:cs typeface="Gill Sans MT" panose="020B0502020104020203"/>
+                <a:hlinkClick r:id="rId2" action="ppaction://hlinksldjump"/>
+              </a:rPr>
+              <a:t>.</a:t>
+            </a:r>
+            <a:r>
+              <a:rPr sz="1200" b="1" spc="150" dirty="0">
+                <a:latin typeface="Gill Sans MT" panose="020B0502020104020203"/>
+                <a:cs typeface="Gill Sans MT" panose="020B0502020104020203"/>
+                <a:hlinkClick r:id="rId2" action="ppaction://hlinksldjump"/>
+              </a:rPr>
+              <a:t>.</a:t>
+            </a:r>
+            <a:r>
+              <a:rPr sz="1200" b="1" spc="150" dirty="0">
+                <a:latin typeface="Gill Sans MT" panose="020B0502020104020203"/>
+                <a:cs typeface="Gill Sans MT" panose="020B0502020104020203"/>
+                <a:hlinkClick r:id="rId2" action="ppaction://hlinksldjump"/>
+              </a:rPr>
+              <a:t>.</a:t>
+            </a:r>
+            <a:r>
+              <a:rPr sz="1800" b="1" spc="225" baseline="32000" dirty="0">
+                <a:latin typeface="Gill Sans MT" panose="020B0502020104020203"/>
+                <a:cs typeface="Gill Sans MT" panose="020B0502020104020203"/>
+              </a:rPr>
+              <a:t>.</a:t>
+            </a:r>
+            <a:r>
+              <a:rPr sz="1200" b="1" spc="150" dirty="0">
+                <a:latin typeface="Gill Sans MT" panose="020B0502020104020203"/>
+                <a:cs typeface="Gill Sans MT" panose="020B0502020104020203"/>
+                <a:hlinkClick r:id="rId2" action="ppaction://hlinksldjump"/>
+              </a:rPr>
+              <a:t>.</a:t>
+            </a:r>
+            <a:r>
+              <a:rPr sz="1200" b="1" spc="150" dirty="0">
+                <a:latin typeface="Gill Sans MT" panose="020B0502020104020203"/>
+                <a:cs typeface="Gill Sans MT" panose="020B0502020104020203"/>
+                <a:hlinkClick r:id="rId2" action="ppaction://hlinksldjump"/>
+              </a:rPr>
+              <a:t>.</a:t>
+            </a:r>
+            <a:r>
+              <a:rPr sz="1200" b="1" spc="150" dirty="0">
+                <a:latin typeface="Gill Sans MT" panose="020B0502020104020203"/>
+                <a:cs typeface="Gill Sans MT" panose="020B0502020104020203"/>
+                <a:hlinkClick r:id="rId2" action="ppaction://hlinksldjump"/>
+              </a:rPr>
+              <a:t>.</a:t>
+            </a:r>
+            <a:r>
+              <a:rPr sz="1200" b="1" spc="150" dirty="0">
+                <a:latin typeface="Gill Sans MT" panose="020B0502020104020203"/>
+                <a:cs typeface="Gill Sans MT" panose="020B0502020104020203"/>
+                <a:hlinkClick r:id="rId2" action="ppaction://hlinksldjump"/>
+              </a:rPr>
+              <a:t>.</a:t>
+            </a:r>
+            <a:r>
+              <a:rPr sz="1800" b="1" spc="225" baseline="32000" dirty="0">
+                <a:latin typeface="Gill Sans MT" panose="020B0502020104020203"/>
+                <a:cs typeface="Gill Sans MT" panose="020B0502020104020203"/>
+              </a:rPr>
+              <a:t>.</a:t>
+            </a:r>
+            <a:r>
+              <a:rPr sz="1200" b="1" spc="150" dirty="0">
+                <a:latin typeface="Gill Sans MT" panose="020B0502020104020203"/>
+                <a:cs typeface="Gill Sans MT" panose="020B0502020104020203"/>
+                <a:hlinkClick r:id="rId2" action="ppaction://hlinksldjump"/>
+              </a:rPr>
+              <a:t>.</a:t>
+            </a:r>
+            <a:r>
+              <a:rPr sz="1200" b="1" spc="150" dirty="0">
+                <a:latin typeface="Gill Sans MT" panose="020B0502020104020203"/>
+                <a:cs typeface="Gill Sans MT" panose="020B0502020104020203"/>
+                <a:hlinkClick r:id="rId2" action="ppaction://hlinksldjump"/>
+              </a:rPr>
+              <a:t>.</a:t>
+            </a:r>
+            <a:r>
+              <a:rPr sz="1200" b="1" spc="150" dirty="0">
+                <a:latin typeface="Gill Sans MT" panose="020B0502020104020203"/>
+                <a:cs typeface="Gill Sans MT" panose="020B0502020104020203"/>
+                <a:hlinkClick r:id="rId2" action="ppaction://hlinksldjump"/>
+              </a:rPr>
+              <a:t>.</a:t>
+            </a:r>
+            <a:r>
+              <a:rPr sz="1200" b="1" spc="150" dirty="0">
+                <a:latin typeface="Gill Sans MT" panose="020B0502020104020203"/>
+                <a:cs typeface="Gill Sans MT" panose="020B0502020104020203"/>
+                <a:hlinkClick r:id="rId2" action="ppaction://hlinksldjump"/>
+              </a:rPr>
+              <a:t>.</a:t>
+            </a:r>
+            <a:r>
+              <a:rPr sz="1800" b="1" spc="225" baseline="32000" dirty="0">
+                <a:latin typeface="Gill Sans MT" panose="020B0502020104020203"/>
+                <a:cs typeface="Gill Sans MT" panose="020B0502020104020203"/>
+              </a:rPr>
+              <a:t>.</a:t>
+            </a:r>
+            <a:r>
+              <a:rPr sz="1200" b="1" spc="150" dirty="0">
+                <a:latin typeface="Gill Sans MT" panose="020B0502020104020203"/>
+                <a:cs typeface="Gill Sans MT" panose="020B0502020104020203"/>
+                <a:hlinkClick r:id="rId2" action="ppaction://hlinksldjump"/>
+              </a:rPr>
+              <a:t>.</a:t>
+            </a:r>
+            <a:r>
+              <a:rPr sz="1200" b="1" spc="150" dirty="0">
+                <a:latin typeface="Gill Sans MT" panose="020B0502020104020203"/>
+                <a:cs typeface="Gill Sans MT" panose="020B0502020104020203"/>
+              </a:rPr>
+              <a:t> </a:t>
+            </a:r>
+            <a:r>
+              <a:rPr sz="1200" b="1" strike="sngStrike" spc="50" dirty="0">
+                <a:latin typeface="Gill Sans MT" panose="020B0502020104020203"/>
+                <a:cs typeface="Gill Sans MT" panose="020B0502020104020203"/>
+              </a:rPr>
+              <a:t>.</a:t>
+            </a:r>
+            <a:r>
+              <a:rPr sz="1200" b="1" strike="noStrike" spc="50" dirty="0">
+                <a:latin typeface="Gill Sans MT" panose="020B0502020104020203"/>
+                <a:cs typeface="Gill Sans MT" panose="020B0502020104020203"/>
+              </a:rPr>
+              <a:t> </a:t>
+            </a:r>
+            <a:r>
+              <a:rPr sz="1800" b="1" strike="noStrike" spc="135" baseline="32000" dirty="0">
+                <a:latin typeface="Gill Sans MT" panose="020B0502020104020203"/>
+                <a:cs typeface="Gill Sans MT" panose="020B0502020104020203"/>
+              </a:rPr>
+              <a:t>.</a:t>
+            </a:r>
+            <a:r>
+              <a:rPr sz="1200" b="1" strike="noStrike" spc="90" dirty="0">
+                <a:latin typeface="Gill Sans MT" panose="020B0502020104020203"/>
+                <a:cs typeface="Gill Sans MT" panose="020B0502020104020203"/>
+              </a:rPr>
+              <a:t>. </a:t>
+            </a:r>
+            <a:r>
+              <a:rPr sz="1200" b="1" strike="noStrike" spc="50" dirty="0">
+                <a:latin typeface="Gill Sans MT" panose="020B0502020104020203"/>
+                <a:cs typeface="Gill Sans MT" panose="020B0502020104020203"/>
+              </a:rPr>
+              <a:t>.</a:t>
+            </a:r>
+            <a:r>
+              <a:rPr sz="1200" b="1" strike="noStrike" spc="-254" dirty="0">
+                <a:latin typeface="Gill Sans MT" panose="020B0502020104020203"/>
+                <a:cs typeface="Gill Sans MT" panose="020B0502020104020203"/>
+              </a:rPr>
+              <a:t> </a:t>
+            </a:r>
+            <a:r>
+              <a:rPr sz="1200" b="1" strike="noStrike" spc="50" dirty="0">
+                <a:latin typeface="Gill Sans MT" panose="020B0502020104020203"/>
+                <a:cs typeface="Gill Sans MT" panose="020B0502020104020203"/>
+              </a:rPr>
+              <a:t>. </a:t>
+            </a:r>
+            <a:r>
+              <a:rPr sz="1800" b="1" strike="noStrike" spc="75" baseline="32000" dirty="0">
+                <a:latin typeface="Gill Sans MT" panose="020B0502020104020203"/>
+                <a:cs typeface="Gill Sans MT" panose="020B0502020104020203"/>
+              </a:rPr>
+              <a:t>.</a:t>
+            </a:r>
+            <a:endParaRPr sz="1800" baseline="32000">
+              <a:latin typeface="Gill Sans MT" panose="020B0502020104020203"/>
+              <a:cs typeface="Gill Sans MT" panose="020B0502020104020203"/>
+            </a:endParaRPr>
+          </a:p>
+          <a:p>
+            <a:pPr marL="12700">
+              <a:lnSpc>
+                <a:spcPts val="700"/>
+              </a:lnSpc>
+            </a:pPr>
+            <a:r>
+              <a:rPr sz="600" b="1" spc="-5" dirty="0">
+                <a:solidFill>
+                  <a:srgbClr val="FFFFFF"/>
+                </a:solidFill>
+                <a:latin typeface="Gill Sans MT" panose="020B0502020104020203"/>
+                <a:cs typeface="Gill Sans MT" panose="020B0502020104020203"/>
+                <a:sym typeface="+mn-ea"/>
+              </a:rPr>
+              <a:t>202</a:t>
+            </a:r>
+            <a:r>
+              <a:rPr lang="en-US" sz="600" b="1" spc="-5" dirty="0">
+                <a:solidFill>
+                  <a:srgbClr val="FFFFFF"/>
+                </a:solidFill>
+                <a:latin typeface="Gill Sans MT" panose="020B0502020104020203"/>
+                <a:cs typeface="Gill Sans MT" panose="020B0502020104020203"/>
+                <a:sym typeface="+mn-ea"/>
+              </a:rPr>
+              <a:t>4</a:t>
+            </a:r>
+            <a:r>
+              <a:rPr lang="en-US" sz="600" b="1" spc="-5" dirty="0">
+                <a:solidFill>
+                  <a:srgbClr val="FFFFFF"/>
+                </a:solidFill>
+                <a:latin typeface="Gill Sans MT" panose="020B0502020104020203"/>
+                <a:cs typeface="Gill Sans MT" panose="020B0502020104020203"/>
+                <a:sym typeface="+mn-ea"/>
+              </a:rPr>
+              <a:t> ZJNU ACM </a:t>
+            </a:r>
+            <a:r>
+              <a:rPr sz="600" b="1" spc="-5" dirty="0">
+                <a:solidFill>
+                  <a:srgbClr val="FFFFFF"/>
+                </a:solidFill>
+                <a:latin typeface="Gill Sans MT" panose="020B0502020104020203"/>
+                <a:cs typeface="Gill Sans MT" panose="020B0502020104020203"/>
+                <a:sym typeface="+mn-ea"/>
+              </a:rPr>
+              <a:t>DP</a:t>
+            </a:r>
+            <a:r>
+              <a:rPr lang="zh-CN" sz="600" b="1" spc="-5" dirty="0">
+                <a:solidFill>
+                  <a:srgbClr val="FFFFFF"/>
+                </a:solidFill>
+                <a:latin typeface="Gill Sans MT" panose="020B0502020104020203"/>
+                <a:cs typeface="Gill Sans MT" panose="020B0502020104020203"/>
+                <a:sym typeface="+mn-ea"/>
+              </a:rPr>
+              <a:t>（二</a:t>
+            </a:r>
+            <a:r>
+              <a:rPr sz="600" b="1" spc="-5" dirty="0">
+                <a:solidFill>
+                  <a:srgbClr val="FFFFFF"/>
+                </a:solidFill>
+                <a:latin typeface="Gill Sans MT" panose="020B0502020104020203"/>
+                <a:cs typeface="Gill Sans MT" panose="020B0502020104020203"/>
+                <a:sym typeface="+mn-ea"/>
+              </a:rPr>
+              <a:t>）</a:t>
+            </a:r>
+            <a:endParaRPr lang="en-US" sz="600" b="1" spc="-5" dirty="0">
+              <a:solidFill>
+                <a:srgbClr val="FFFFFF"/>
+              </a:solidFill>
+              <a:latin typeface="Gill Sans MT" panose="020B0502020104020203"/>
+              <a:cs typeface="Gill Sans MT" panose="020B0502020104020203"/>
+            </a:endParaRPr>
+          </a:p>
+        </p:txBody>
+      </p:sp>
+      <p:sp>
+        <p:nvSpPr>
+          <p:cNvPr id="11" name="文本框 10"/>
+          <p:cNvSpPr txBox="1"/>
+          <p:nvPr/>
+        </p:nvSpPr>
+        <p:spPr>
+          <a:xfrm>
+            <a:off x="215900" y="31750"/>
+            <a:ext cx="3876040" cy="290195"/>
+          </a:xfrm>
+          <a:prstGeom prst="rect">
+            <a:avLst/>
+          </a:prstGeom>
+          <a:noFill/>
+        </p:spPr>
+        <p:txBody>
+          <a:bodyPr wrap="square" rtlCol="0">
+            <a:noAutofit/>
+          </a:bodyPr>
+          <a:p>
+            <a:r>
+              <a:rPr lang="zh-CN" altLang="en-US">
+                <a:solidFill>
+                  <a:schemeClr val="bg1"/>
+                </a:solidFill>
+              </a:rPr>
+              <a:t>期望</a:t>
+            </a:r>
+            <a:r>
+              <a:rPr lang="en-US" altLang="zh-CN">
+                <a:solidFill>
+                  <a:schemeClr val="bg1"/>
+                </a:solidFill>
+              </a:rPr>
+              <a:t>DP</a:t>
+            </a:r>
+            <a:endParaRPr lang="zh-CN" altLang="en-US">
+              <a:solidFill>
+                <a:schemeClr val="bg1"/>
+              </a:solidFill>
+            </a:endParaRPr>
+          </a:p>
+        </p:txBody>
+      </p:sp>
+      <p:sp>
+        <p:nvSpPr>
+          <p:cNvPr id="3" name="文本框 2"/>
+          <p:cNvSpPr txBox="1"/>
+          <p:nvPr/>
+        </p:nvSpPr>
+        <p:spPr>
+          <a:xfrm>
+            <a:off x="222250" y="683895"/>
+            <a:ext cx="5076825" cy="1650365"/>
+          </a:xfrm>
+          <a:prstGeom prst="rect">
+            <a:avLst/>
+          </a:prstGeom>
+          <a:noFill/>
+        </p:spPr>
+        <p:txBody>
+          <a:bodyPr wrap="square" rtlCol="0">
+            <a:noAutofit/>
+          </a:bodyPr>
+          <a:p>
+            <a:endParaRPr lang="zh-CN" altLang="en-US"/>
+          </a:p>
+        </p:txBody>
+      </p:sp>
+      <p:sp>
+        <p:nvSpPr>
+          <p:cNvPr id="4" name="文本框 3"/>
+          <p:cNvSpPr txBox="1"/>
+          <p:nvPr/>
+        </p:nvSpPr>
+        <p:spPr>
+          <a:xfrm>
+            <a:off x="444500" y="631825"/>
+            <a:ext cx="5098415" cy="1191895"/>
+          </a:xfrm>
+          <a:prstGeom prst="rect">
+            <a:avLst/>
+          </a:prstGeom>
+          <a:noFill/>
+        </p:spPr>
+        <p:txBody>
+          <a:bodyPr wrap="square" rtlCol="0">
+            <a:noAutofit/>
+          </a:bodyPr>
+          <a:p>
+            <a:r>
+              <a:rPr kumimoji="1" lang="zh-CN" altLang="en-US" sz="1600" dirty="0">
+                <a:sym typeface="+mn-ea"/>
+              </a:rPr>
+              <a:t>牛客练习赛</a:t>
+            </a:r>
+            <a:r>
+              <a:rPr kumimoji="1" lang="en-US" altLang="zh-CN" sz="1600" dirty="0">
+                <a:sym typeface="+mn-ea"/>
+              </a:rPr>
+              <a:t>68D</a:t>
+            </a:r>
+            <a:r>
+              <a:rPr lang="zh-CN" altLang="en-US" sz="1600">
+                <a:sym typeface="+mn-ea"/>
+              </a:rPr>
+              <a:t>：</a:t>
+            </a:r>
+            <a:endParaRPr lang="zh-CN" altLang="en-US" sz="1600">
+              <a:sym typeface="+mn-ea"/>
+            </a:endParaRPr>
+          </a:p>
+          <a:p>
+            <a:pPr algn="l">
+              <a:buClrTx/>
+              <a:buSzTx/>
+            </a:pPr>
+            <a:r>
+              <a:rPr sz="1000">
+                <a:latin typeface="宋体" panose="02010600030101010101" pitchFamily="2" charset="-122"/>
+                <a:ea typeface="宋体" panose="02010600030101010101" pitchFamily="2" charset="-122"/>
+                <a:cs typeface="宋体" panose="02010600030101010101" pitchFamily="2" charset="-122"/>
+                <a:sym typeface="+mn-ea"/>
+              </a:rPr>
+              <a:t>有n个位置标号0到n-1，每个位置上站了一个人。</a:t>
+            </a:r>
+            <a:endParaRPr sz="1000">
+              <a:latin typeface="宋体" panose="02010600030101010101" pitchFamily="2" charset="-122"/>
+              <a:ea typeface="宋体" panose="02010600030101010101" pitchFamily="2" charset="-122"/>
+              <a:cs typeface="宋体" panose="02010600030101010101" pitchFamily="2" charset="-122"/>
+            </a:endParaRPr>
+          </a:p>
+          <a:p>
+            <a:pPr algn="l">
+              <a:buClrTx/>
+              <a:buSzTx/>
+            </a:pPr>
+            <a:r>
+              <a:rPr sz="1000">
+                <a:latin typeface="宋体" panose="02010600030101010101" pitchFamily="2" charset="-122"/>
+                <a:ea typeface="宋体" panose="02010600030101010101" pitchFamily="2" charset="-122"/>
+                <a:cs typeface="宋体" panose="02010600030101010101" pitchFamily="2" charset="-122"/>
+                <a:sym typeface="+mn-ea"/>
+              </a:rPr>
+              <a:t>每个回合，每个人有p1的概率走到(n+1)mod n处，</a:t>
+            </a:r>
+            <a:endParaRPr sz="1000">
+              <a:latin typeface="宋体" panose="02010600030101010101" pitchFamily="2" charset="-122"/>
+              <a:ea typeface="宋体" panose="02010600030101010101" pitchFamily="2" charset="-122"/>
+              <a:cs typeface="宋体" panose="02010600030101010101" pitchFamily="2" charset="-122"/>
+            </a:endParaRPr>
+          </a:p>
+          <a:p>
+            <a:pPr algn="l">
+              <a:buClrTx/>
+              <a:buSzTx/>
+            </a:pPr>
+            <a:r>
+              <a:rPr sz="1000">
+                <a:latin typeface="宋体" panose="02010600030101010101" pitchFamily="2" charset="-122"/>
+                <a:ea typeface="宋体" panose="02010600030101010101" pitchFamily="2" charset="-122"/>
+                <a:cs typeface="宋体" panose="02010600030101010101" pitchFamily="2" charset="-122"/>
+                <a:sym typeface="+mn-ea"/>
+              </a:rPr>
+              <a:t>有p2的概率走到(n-1)mod n处，有p3的概率原地不动。</a:t>
+            </a:r>
+            <a:endParaRPr sz="1000">
+              <a:latin typeface="宋体" panose="02010600030101010101" pitchFamily="2" charset="-122"/>
+              <a:ea typeface="宋体" panose="02010600030101010101" pitchFamily="2" charset="-122"/>
+              <a:cs typeface="宋体" panose="02010600030101010101" pitchFamily="2" charset="-122"/>
+            </a:endParaRPr>
+          </a:p>
+          <a:p>
+            <a:pPr algn="l">
+              <a:buClrTx/>
+              <a:buSzTx/>
+            </a:pPr>
+            <a:r>
+              <a:rPr sz="1000">
+                <a:latin typeface="宋体" panose="02010600030101010101" pitchFamily="2" charset="-122"/>
+                <a:ea typeface="宋体" panose="02010600030101010101" pitchFamily="2" charset="-122"/>
+                <a:cs typeface="宋体" panose="02010600030101010101" pitchFamily="2" charset="-122"/>
+                <a:sym typeface="+mn-ea"/>
+              </a:rPr>
+              <a:t>问k个回合后，每个位置的期望人数是多少。（取模998244353）</a:t>
+            </a:r>
+            <a:endParaRPr sz="1000">
+              <a:latin typeface="宋体" panose="02010600030101010101" pitchFamily="2" charset="-122"/>
+              <a:ea typeface="宋体" panose="02010600030101010101" pitchFamily="2" charset="-122"/>
+              <a:cs typeface="宋体" panose="02010600030101010101" pitchFamily="2" charset="-122"/>
+            </a:endParaRPr>
+          </a:p>
+          <a:p>
+            <a:pPr marL="0" indent="0" algn="l">
+              <a:buClrTx/>
+              <a:buSzTx/>
+              <a:buNone/>
+            </a:pPr>
+            <a:endParaRPr sz="1000">
+              <a:latin typeface="宋体" panose="02010600030101010101" pitchFamily="2" charset="-122"/>
+              <a:ea typeface="宋体" panose="02010600030101010101" pitchFamily="2" charset="-122"/>
+              <a:cs typeface="宋体" panose="02010600030101010101" pitchFamily="2" charset="-122"/>
+            </a:endParaRPr>
+          </a:p>
+          <a:p>
+            <a:pPr algn="l">
+              <a:buClrTx/>
+              <a:buSzTx/>
+            </a:pPr>
+            <a:r>
+              <a:rPr sz="1000">
+                <a:latin typeface="宋体" panose="02010600030101010101" pitchFamily="2" charset="-122"/>
+                <a:ea typeface="宋体" panose="02010600030101010101" pitchFamily="2" charset="-122"/>
+                <a:cs typeface="宋体" panose="02010600030101010101" pitchFamily="2" charset="-122"/>
+                <a:sym typeface="+mn-ea"/>
+              </a:rPr>
+              <a:t>3&lt;=n&lt;=500 , 0&lt;=k&lt;=1</a:t>
+            </a:r>
+            <a:r>
+              <a:rPr lang="en-US" sz="1000">
+                <a:latin typeface="宋体" panose="02010600030101010101" pitchFamily="2" charset="-122"/>
+                <a:ea typeface="宋体" panose="02010600030101010101" pitchFamily="2" charset="-122"/>
+                <a:cs typeface="宋体" panose="02010600030101010101" pitchFamily="2" charset="-122"/>
+                <a:sym typeface="+mn-ea"/>
+              </a:rPr>
+              <a:t>e</a:t>
+            </a:r>
+            <a:r>
+              <a:rPr sz="1000">
+                <a:latin typeface="宋体" panose="02010600030101010101" pitchFamily="2" charset="-122"/>
+                <a:ea typeface="宋体" panose="02010600030101010101" pitchFamily="2" charset="-122"/>
+                <a:cs typeface="宋体" panose="02010600030101010101" pitchFamily="2" charset="-122"/>
+                <a:sym typeface="+mn-ea"/>
+              </a:rPr>
+              <a:t>18</a:t>
+            </a:r>
+            <a:endParaRPr lang="en-US" altLang="zh-CN" sz="1000">
+              <a:sym typeface="+mn-ea"/>
+            </a:endParaRPr>
+          </a:p>
+        </p:txBody>
+      </p:sp>
+    </p:spTree>
+  </p:cSld>
+  <p:clrMapOvr>
+    <a:masterClrMapping/>
+  </p:clrMapOvr>
+  <p:transition>
+    <p:cut/>
+  </p:transition>
+  <p:timing>
+    <p:tnLst>
+      <p:par>
+        <p:cTn id="1" dur="indefinite" restart="never" nodeType="tmRoot"/>
+      </p:par>
+    </p:tnLst>
+  </p:timing>
+</p:sld>
+</file>
+
+<file path=ppt/slides/slide13.xml><?xml version="1.0" encoding="utf-8"?>
+<p:sld xmlns:a="http://schemas.openxmlformats.org/drawingml/2006/main" xmlns:r="http://schemas.openxmlformats.org/officeDocument/2006/relationships" xmlns:p="http://schemas.openxmlformats.org/presentationml/2006/main">
+  <p:cSld>
+    <p:spTree>
+      <p:nvGrpSpPr>
+        <p:cNvPr id="1" name=""/>
+        <p:cNvGrpSpPr/>
+        <p:nvPr/>
+      </p:nvGrpSpPr>
+      <p:grpSpPr>
+        <a:xfrm>
+          <a:off x="0" y="0"/>
+          <a:ext cx="0" cy="0"/>
+          <a:chOff x="0" y="0"/>
+          <a:chExt cx="0" cy="0"/>
+        </a:xfrm>
+      </p:grpSpPr>
+      <p:sp>
+        <p:nvSpPr>
+          <p:cNvPr id="2" name="object 2"/>
+          <p:cNvSpPr/>
+          <p:nvPr/>
+        </p:nvSpPr>
+        <p:spPr>
+          <a:xfrm>
+            <a:off x="0" y="20"/>
+            <a:ext cx="5759958" cy="322190"/>
+          </a:xfrm>
+          <a:prstGeom prst="rect">
+            <a:avLst/>
+          </a:prstGeom>
+          <a:blipFill>
+            <a:blip r:embed="rId1" cstate="print"/>
+            <a:stretch>
+              <a:fillRect/>
+            </a:stretch>
+          </a:blipFill>
+        </p:spPr>
+        <p:txBody>
+          <a:bodyPr wrap="square" lIns="0" tIns="0" rIns="0" bIns="0" rtlCol="0"/>
+          <a:lstStyle/>
+          <a:p/>
+        </p:txBody>
+      </p:sp>
+      <p:sp>
+        <p:nvSpPr>
+          <p:cNvPr id="5" name="object 5"/>
+          <p:cNvSpPr/>
+          <p:nvPr/>
+        </p:nvSpPr>
+        <p:spPr>
+          <a:xfrm>
+            <a:off x="0" y="3113900"/>
+            <a:ext cx="2880360" cy="126364"/>
+          </a:xfrm>
+          <a:custGeom>
+            <a:avLst/>
+            <a:gdLst/>
+            <a:ahLst/>
+            <a:cxnLst/>
+            <a:rect l="l" t="t" r="r" b="b"/>
+            <a:pathLst>
+              <a:path w="2880360" h="126364">
+                <a:moveTo>
+                  <a:pt x="0" y="126123"/>
+                </a:moveTo>
+                <a:lnTo>
+                  <a:pt x="2880004" y="126123"/>
+                </a:lnTo>
+                <a:lnTo>
+                  <a:pt x="2880004" y="0"/>
+                </a:lnTo>
+                <a:lnTo>
+                  <a:pt x="0" y="0"/>
+                </a:lnTo>
+                <a:lnTo>
+                  <a:pt x="0" y="126123"/>
+                </a:lnTo>
+                <a:close/>
+              </a:path>
+            </a:pathLst>
+          </a:custGeom>
+          <a:solidFill>
+            <a:srgbClr val="000000"/>
+          </a:solidFill>
+        </p:spPr>
+        <p:txBody>
+          <a:bodyPr wrap="square" lIns="0" tIns="0" rIns="0" bIns="0" rtlCol="0"/>
+          <a:lstStyle/>
+          <a:p/>
+        </p:txBody>
+      </p:sp>
+      <p:sp>
+        <p:nvSpPr>
+          <p:cNvPr id="6" name="object 6"/>
+          <p:cNvSpPr/>
+          <p:nvPr/>
+        </p:nvSpPr>
+        <p:spPr>
+          <a:xfrm>
+            <a:off x="2880004" y="3113900"/>
+            <a:ext cx="2880360" cy="126364"/>
+          </a:xfrm>
+          <a:custGeom>
+            <a:avLst/>
+            <a:gdLst/>
+            <a:ahLst/>
+            <a:cxnLst/>
+            <a:rect l="l" t="t" r="r" b="b"/>
+            <a:pathLst>
+              <a:path w="2880360" h="126364">
+                <a:moveTo>
+                  <a:pt x="0" y="126123"/>
+                </a:moveTo>
+                <a:lnTo>
+                  <a:pt x="2880004" y="126123"/>
+                </a:lnTo>
+                <a:lnTo>
+                  <a:pt x="2880004" y="0"/>
+                </a:lnTo>
+                <a:lnTo>
+                  <a:pt x="0" y="0"/>
+                </a:lnTo>
+                <a:lnTo>
+                  <a:pt x="0" y="126123"/>
+                </a:lnTo>
+                <a:close/>
+              </a:path>
+            </a:pathLst>
+          </a:custGeom>
+          <a:solidFill>
+            <a:srgbClr val="3333B2"/>
+          </a:solidFill>
+        </p:spPr>
+        <p:txBody>
+          <a:bodyPr wrap="square" lIns="0" tIns="0" rIns="0" bIns="0" rtlCol="0"/>
+          <a:lstStyle/>
+          <a:p/>
+        </p:txBody>
+      </p:sp>
+      <p:sp>
+        <p:nvSpPr>
+          <p:cNvPr id="8" name="object 8"/>
+          <p:cNvSpPr txBox="1">
+            <a:spLocks noGrp="1"/>
+          </p:cNvSpPr>
+          <p:nvPr>
+            <p:ph type="ftr" sz="quarter" idx="5"/>
+          </p:nvPr>
+        </p:nvSpPr>
+        <p:spPr>
+          <a:xfrm>
+            <a:off x="2093595" y="3101975"/>
+            <a:ext cx="700405" cy="114300"/>
+          </a:xfrm>
+          <a:prstGeom prst="rect">
+            <a:avLst/>
+          </a:prstGeom>
+        </p:spPr>
+        <p:txBody>
+          <a:bodyPr vert="horz" wrap="square" lIns="0" tIns="22225" rIns="0" bIns="0" rtlCol="0">
+            <a:spAutoFit/>
+          </a:bodyPr>
+          <a:lstStyle/>
+          <a:p>
+            <a:pPr marL="12700">
+              <a:lnSpc>
+                <a:spcPct val="100000"/>
+              </a:lnSpc>
+              <a:spcBef>
+                <a:spcPts val="175"/>
+              </a:spcBef>
+            </a:pPr>
+            <a:r>
+              <a:rPr lang="en-US" spc="45" dirty="0">
+                <a:latin typeface="Tahoma" panose="020B0604030504040204"/>
+                <a:cs typeface="Tahoma" panose="020B0604030504040204"/>
+                <a:sym typeface="+mn-ea"/>
+              </a:rPr>
+              <a:t>ZJNU ACM</a:t>
+            </a:r>
+            <a:r>
+              <a:rPr spc="35" dirty="0">
+                <a:latin typeface="宋体" panose="02010600030101010101" pitchFamily="2" charset="-122"/>
+                <a:cs typeface="宋体" panose="02010600030101010101" pitchFamily="2" charset="-122"/>
+                <a:sym typeface="+mn-ea"/>
+              </a:rPr>
+              <a:t>集训队</a:t>
+            </a:r>
+            <a:endParaRPr spc="-5" dirty="0">
+              <a:latin typeface="Microsoft JhengHei UI" panose="020B0604030504040204" charset="-120"/>
+              <a:cs typeface="Microsoft JhengHei UI" panose="020B0604030504040204" charset="-120"/>
+            </a:endParaRPr>
+          </a:p>
+        </p:txBody>
+      </p:sp>
+      <p:sp>
+        <p:nvSpPr>
+          <p:cNvPr id="9" name="object 6"/>
+          <p:cNvSpPr txBox="1"/>
+          <p:nvPr/>
+        </p:nvSpPr>
+        <p:spPr>
+          <a:xfrm>
+            <a:off x="2975305" y="2819117"/>
+            <a:ext cx="2785745" cy="398780"/>
+          </a:xfrm>
+          <a:prstGeom prst="rect">
+            <a:avLst/>
+          </a:prstGeom>
+        </p:spPr>
+        <p:txBody>
+          <a:bodyPr vert="horz" wrap="square" lIns="0" tIns="127000" rIns="0" bIns="0" rtlCol="0">
+            <a:spAutoFit/>
+          </a:bodyPr>
+          <a:p>
+            <a:pPr marL="917575">
+              <a:lnSpc>
+                <a:spcPts val="1420"/>
+              </a:lnSpc>
+              <a:spcBef>
+                <a:spcPts val="1000"/>
+              </a:spcBef>
+            </a:pPr>
+            <a:r>
+              <a:rPr sz="1200" b="1" spc="50" dirty="0">
+                <a:latin typeface="Gill Sans MT" panose="020B0502020104020203"/>
+                <a:cs typeface="Gill Sans MT" panose="020B0502020104020203"/>
+                <a:hlinkClick r:id="rId2" action="ppaction://hlinksldjump"/>
+              </a:rPr>
+              <a:t>. . </a:t>
+            </a:r>
+            <a:r>
+              <a:rPr sz="1200" b="1" spc="50" dirty="0">
+                <a:latin typeface="Gill Sans MT" panose="020B0502020104020203"/>
+                <a:cs typeface="Gill Sans MT" panose="020B0502020104020203"/>
+                <a:hlinkClick r:id="rId2" action="ppaction://hlinksldjump"/>
+              </a:rPr>
+              <a:t>. </a:t>
+            </a:r>
+            <a:r>
+              <a:rPr sz="1800" b="1" spc="225" baseline="32000" dirty="0">
+                <a:latin typeface="Gill Sans MT" panose="020B0502020104020203"/>
+                <a:cs typeface="Gill Sans MT" panose="020B0502020104020203"/>
+              </a:rPr>
+              <a:t>.</a:t>
+            </a:r>
+            <a:r>
+              <a:rPr sz="1200" b="1" spc="150" dirty="0">
+                <a:latin typeface="Gill Sans MT" panose="020B0502020104020203"/>
+                <a:cs typeface="Gill Sans MT" panose="020B0502020104020203"/>
+                <a:hlinkClick r:id="rId2" action="ppaction://hlinksldjump"/>
+              </a:rPr>
+              <a:t>.</a:t>
+            </a:r>
+            <a:r>
+              <a:rPr sz="1200" b="1" spc="150" dirty="0">
+                <a:latin typeface="Gill Sans MT" panose="020B0502020104020203"/>
+                <a:cs typeface="Gill Sans MT" panose="020B0502020104020203"/>
+                <a:hlinkClick r:id="rId2" action="ppaction://hlinksldjump"/>
+              </a:rPr>
+              <a:t>.</a:t>
+            </a:r>
+            <a:r>
+              <a:rPr sz="1200" b="1" spc="150" dirty="0">
+                <a:latin typeface="Gill Sans MT" panose="020B0502020104020203"/>
+                <a:cs typeface="Gill Sans MT" panose="020B0502020104020203"/>
+                <a:hlinkClick r:id="rId2" action="ppaction://hlinksldjump"/>
+              </a:rPr>
+              <a:t>.</a:t>
+            </a:r>
+            <a:r>
+              <a:rPr sz="1200" b="1" spc="150" dirty="0">
+                <a:latin typeface="Gill Sans MT" panose="020B0502020104020203"/>
+                <a:cs typeface="Gill Sans MT" panose="020B0502020104020203"/>
+                <a:hlinkClick r:id="rId2" action="ppaction://hlinksldjump"/>
+              </a:rPr>
+              <a:t>.</a:t>
+            </a:r>
+            <a:r>
+              <a:rPr sz="1800" b="1" spc="225" baseline="32000" dirty="0">
+                <a:latin typeface="Gill Sans MT" panose="020B0502020104020203"/>
+                <a:cs typeface="Gill Sans MT" panose="020B0502020104020203"/>
+              </a:rPr>
+              <a:t>.</a:t>
+            </a:r>
+            <a:r>
+              <a:rPr sz="1200" b="1" spc="150" dirty="0">
+                <a:latin typeface="Gill Sans MT" panose="020B0502020104020203"/>
+                <a:cs typeface="Gill Sans MT" panose="020B0502020104020203"/>
+                <a:hlinkClick r:id="rId2" action="ppaction://hlinksldjump"/>
+              </a:rPr>
+              <a:t>.</a:t>
+            </a:r>
+            <a:r>
+              <a:rPr sz="1200" b="1" spc="150" dirty="0">
+                <a:latin typeface="Gill Sans MT" panose="020B0502020104020203"/>
+                <a:cs typeface="Gill Sans MT" panose="020B0502020104020203"/>
+                <a:hlinkClick r:id="rId2" action="ppaction://hlinksldjump"/>
+              </a:rPr>
+              <a:t>.</a:t>
+            </a:r>
+            <a:r>
+              <a:rPr sz="1200" b="1" spc="150" dirty="0">
+                <a:latin typeface="Gill Sans MT" panose="020B0502020104020203"/>
+                <a:cs typeface="Gill Sans MT" panose="020B0502020104020203"/>
+                <a:hlinkClick r:id="rId2" action="ppaction://hlinksldjump"/>
+              </a:rPr>
+              <a:t>.</a:t>
+            </a:r>
+            <a:r>
+              <a:rPr sz="1200" b="1" spc="150" dirty="0">
+                <a:latin typeface="Gill Sans MT" panose="020B0502020104020203"/>
+                <a:cs typeface="Gill Sans MT" panose="020B0502020104020203"/>
+                <a:hlinkClick r:id="rId2" action="ppaction://hlinksldjump"/>
+              </a:rPr>
+              <a:t>.</a:t>
+            </a:r>
+            <a:r>
+              <a:rPr sz="1800" b="1" spc="225" baseline="32000" dirty="0">
+                <a:latin typeface="Gill Sans MT" panose="020B0502020104020203"/>
+                <a:cs typeface="Gill Sans MT" panose="020B0502020104020203"/>
+              </a:rPr>
+              <a:t>.</a:t>
+            </a:r>
+            <a:r>
+              <a:rPr sz="1200" b="1" spc="150" dirty="0">
+                <a:latin typeface="Gill Sans MT" panose="020B0502020104020203"/>
+                <a:cs typeface="Gill Sans MT" panose="020B0502020104020203"/>
+                <a:hlinkClick r:id="rId2" action="ppaction://hlinksldjump"/>
+              </a:rPr>
+              <a:t>.</a:t>
+            </a:r>
+            <a:r>
+              <a:rPr sz="1200" b="1" spc="150" dirty="0">
+                <a:latin typeface="Gill Sans MT" panose="020B0502020104020203"/>
+                <a:cs typeface="Gill Sans MT" panose="020B0502020104020203"/>
+                <a:hlinkClick r:id="rId2" action="ppaction://hlinksldjump"/>
+              </a:rPr>
+              <a:t>.</a:t>
+            </a:r>
+            <a:r>
+              <a:rPr sz="1200" b="1" spc="150" dirty="0">
+                <a:latin typeface="Gill Sans MT" panose="020B0502020104020203"/>
+                <a:cs typeface="Gill Sans MT" panose="020B0502020104020203"/>
+                <a:hlinkClick r:id="rId2" action="ppaction://hlinksldjump"/>
+              </a:rPr>
+              <a:t>.</a:t>
+            </a:r>
+            <a:r>
+              <a:rPr sz="1200" b="1" spc="150" dirty="0">
+                <a:latin typeface="Gill Sans MT" panose="020B0502020104020203"/>
+                <a:cs typeface="Gill Sans MT" panose="020B0502020104020203"/>
+                <a:hlinkClick r:id="rId2" action="ppaction://hlinksldjump"/>
+              </a:rPr>
+              <a:t>.</a:t>
+            </a:r>
+            <a:r>
+              <a:rPr sz="1800" b="1" spc="225" baseline="32000" dirty="0">
+                <a:latin typeface="Gill Sans MT" panose="020B0502020104020203"/>
+                <a:cs typeface="Gill Sans MT" panose="020B0502020104020203"/>
+              </a:rPr>
+              <a:t>.</a:t>
+            </a:r>
+            <a:r>
+              <a:rPr sz="1200" b="1" spc="150" dirty="0">
+                <a:latin typeface="Gill Sans MT" panose="020B0502020104020203"/>
+                <a:cs typeface="Gill Sans MT" panose="020B0502020104020203"/>
+                <a:hlinkClick r:id="rId2" action="ppaction://hlinksldjump"/>
+              </a:rPr>
+              <a:t>.</a:t>
+            </a:r>
+            <a:r>
+              <a:rPr sz="1200" b="1" spc="150" dirty="0">
+                <a:latin typeface="Gill Sans MT" panose="020B0502020104020203"/>
+                <a:cs typeface="Gill Sans MT" panose="020B0502020104020203"/>
+              </a:rPr>
+              <a:t> </a:t>
+            </a:r>
+            <a:r>
+              <a:rPr sz="1200" b="1" strike="sngStrike" spc="50" dirty="0">
+                <a:latin typeface="Gill Sans MT" panose="020B0502020104020203"/>
+                <a:cs typeface="Gill Sans MT" panose="020B0502020104020203"/>
+              </a:rPr>
+              <a:t>.</a:t>
+            </a:r>
+            <a:r>
+              <a:rPr sz="1200" b="1" strike="noStrike" spc="50" dirty="0">
+                <a:latin typeface="Gill Sans MT" panose="020B0502020104020203"/>
+                <a:cs typeface="Gill Sans MT" panose="020B0502020104020203"/>
+              </a:rPr>
+              <a:t> </a:t>
+            </a:r>
+            <a:r>
+              <a:rPr sz="1800" b="1" strike="noStrike" spc="135" baseline="32000" dirty="0">
+                <a:latin typeface="Gill Sans MT" panose="020B0502020104020203"/>
+                <a:cs typeface="Gill Sans MT" panose="020B0502020104020203"/>
+              </a:rPr>
+              <a:t>.</a:t>
+            </a:r>
+            <a:r>
+              <a:rPr sz="1200" b="1" strike="noStrike" spc="90" dirty="0">
+                <a:latin typeface="Gill Sans MT" panose="020B0502020104020203"/>
+                <a:cs typeface="Gill Sans MT" panose="020B0502020104020203"/>
+              </a:rPr>
+              <a:t>. </a:t>
+            </a:r>
+            <a:r>
+              <a:rPr sz="1200" b="1" strike="noStrike" spc="50" dirty="0">
+                <a:latin typeface="Gill Sans MT" panose="020B0502020104020203"/>
+                <a:cs typeface="Gill Sans MT" panose="020B0502020104020203"/>
+              </a:rPr>
+              <a:t>.</a:t>
+            </a:r>
+            <a:r>
+              <a:rPr sz="1200" b="1" strike="noStrike" spc="-254" dirty="0">
+                <a:latin typeface="Gill Sans MT" panose="020B0502020104020203"/>
+                <a:cs typeface="Gill Sans MT" panose="020B0502020104020203"/>
+              </a:rPr>
+              <a:t> </a:t>
+            </a:r>
+            <a:r>
+              <a:rPr sz="1200" b="1" strike="noStrike" spc="50" dirty="0">
+                <a:latin typeface="Gill Sans MT" panose="020B0502020104020203"/>
+                <a:cs typeface="Gill Sans MT" panose="020B0502020104020203"/>
+              </a:rPr>
+              <a:t>. </a:t>
+            </a:r>
+            <a:r>
+              <a:rPr sz="1800" b="1" strike="noStrike" spc="75" baseline="32000" dirty="0">
+                <a:latin typeface="Gill Sans MT" panose="020B0502020104020203"/>
+                <a:cs typeface="Gill Sans MT" panose="020B0502020104020203"/>
+              </a:rPr>
+              <a:t>.</a:t>
+            </a:r>
+            <a:endParaRPr sz="1800" baseline="32000">
+              <a:latin typeface="Gill Sans MT" panose="020B0502020104020203"/>
+              <a:cs typeface="Gill Sans MT" panose="020B0502020104020203"/>
+            </a:endParaRPr>
+          </a:p>
+          <a:p>
+            <a:pPr marL="12700">
+              <a:lnSpc>
+                <a:spcPts val="700"/>
+              </a:lnSpc>
+            </a:pPr>
+            <a:r>
+              <a:rPr sz="600" b="1" spc="-5" dirty="0">
+                <a:solidFill>
+                  <a:srgbClr val="FFFFFF"/>
+                </a:solidFill>
+                <a:latin typeface="Gill Sans MT" panose="020B0502020104020203"/>
+                <a:cs typeface="Gill Sans MT" panose="020B0502020104020203"/>
+                <a:sym typeface="+mn-ea"/>
+              </a:rPr>
+              <a:t>202</a:t>
+            </a:r>
+            <a:r>
+              <a:rPr lang="en-US" sz="600" b="1" spc="-5" dirty="0">
+                <a:solidFill>
+                  <a:srgbClr val="FFFFFF"/>
+                </a:solidFill>
+                <a:latin typeface="Gill Sans MT" panose="020B0502020104020203"/>
+                <a:cs typeface="Gill Sans MT" panose="020B0502020104020203"/>
+                <a:sym typeface="+mn-ea"/>
+              </a:rPr>
+              <a:t>4</a:t>
+            </a:r>
+            <a:r>
+              <a:rPr lang="en-US" sz="600" b="1" spc="-5" dirty="0">
+                <a:solidFill>
+                  <a:srgbClr val="FFFFFF"/>
+                </a:solidFill>
+                <a:latin typeface="Gill Sans MT" panose="020B0502020104020203"/>
+                <a:cs typeface="Gill Sans MT" panose="020B0502020104020203"/>
+                <a:sym typeface="+mn-ea"/>
+              </a:rPr>
+              <a:t> ZJNU ACM </a:t>
+            </a:r>
+            <a:r>
+              <a:rPr sz="600" b="1" spc="-5" dirty="0">
+                <a:solidFill>
+                  <a:srgbClr val="FFFFFF"/>
+                </a:solidFill>
+                <a:latin typeface="Gill Sans MT" panose="020B0502020104020203"/>
+                <a:cs typeface="Gill Sans MT" panose="020B0502020104020203"/>
+                <a:sym typeface="+mn-ea"/>
+              </a:rPr>
+              <a:t>DP</a:t>
+            </a:r>
+            <a:r>
+              <a:rPr lang="zh-CN" sz="600" b="1" spc="-5" dirty="0">
+                <a:solidFill>
+                  <a:srgbClr val="FFFFFF"/>
+                </a:solidFill>
+                <a:latin typeface="Gill Sans MT" panose="020B0502020104020203"/>
+                <a:cs typeface="Gill Sans MT" panose="020B0502020104020203"/>
+                <a:sym typeface="+mn-ea"/>
+              </a:rPr>
+              <a:t>（二</a:t>
+            </a:r>
+            <a:r>
+              <a:rPr sz="600" b="1" spc="-5" dirty="0">
+                <a:solidFill>
+                  <a:srgbClr val="FFFFFF"/>
+                </a:solidFill>
+                <a:latin typeface="Gill Sans MT" panose="020B0502020104020203"/>
+                <a:cs typeface="Gill Sans MT" panose="020B0502020104020203"/>
+                <a:sym typeface="+mn-ea"/>
+              </a:rPr>
+              <a:t>）</a:t>
+            </a:r>
+            <a:endParaRPr lang="en-US" sz="600" b="1" spc="-5" dirty="0">
+              <a:solidFill>
+                <a:srgbClr val="FFFFFF"/>
+              </a:solidFill>
+              <a:latin typeface="Gill Sans MT" panose="020B0502020104020203"/>
+              <a:cs typeface="Gill Sans MT" panose="020B0502020104020203"/>
+            </a:endParaRPr>
+          </a:p>
+        </p:txBody>
+      </p:sp>
+      <p:sp>
+        <p:nvSpPr>
+          <p:cNvPr id="11" name="文本框 10"/>
+          <p:cNvSpPr txBox="1"/>
+          <p:nvPr/>
+        </p:nvSpPr>
+        <p:spPr>
+          <a:xfrm>
+            <a:off x="215900" y="31750"/>
+            <a:ext cx="3876040" cy="290195"/>
+          </a:xfrm>
+          <a:prstGeom prst="rect">
+            <a:avLst/>
+          </a:prstGeom>
+          <a:noFill/>
+        </p:spPr>
+        <p:txBody>
+          <a:bodyPr wrap="square" rtlCol="0">
+            <a:noAutofit/>
+          </a:bodyPr>
+          <a:p>
+            <a:r>
+              <a:rPr lang="zh-CN" altLang="en-US">
+                <a:solidFill>
+                  <a:schemeClr val="bg1"/>
+                </a:solidFill>
+              </a:rPr>
+              <a:t>期望</a:t>
+            </a:r>
+            <a:r>
+              <a:rPr lang="en-US" altLang="zh-CN">
+                <a:solidFill>
+                  <a:schemeClr val="bg1"/>
+                </a:solidFill>
+              </a:rPr>
+              <a:t>DP</a:t>
+            </a:r>
+            <a:endParaRPr lang="zh-CN" altLang="en-US">
+              <a:solidFill>
+                <a:schemeClr val="bg1"/>
+              </a:solidFill>
+            </a:endParaRPr>
+          </a:p>
+        </p:txBody>
+      </p:sp>
+      <p:sp>
+        <p:nvSpPr>
+          <p:cNvPr id="3" name="文本框 2"/>
+          <p:cNvSpPr txBox="1"/>
+          <p:nvPr/>
+        </p:nvSpPr>
+        <p:spPr>
+          <a:xfrm>
+            <a:off x="222250" y="683895"/>
+            <a:ext cx="5076825" cy="1650365"/>
+          </a:xfrm>
+          <a:prstGeom prst="rect">
+            <a:avLst/>
+          </a:prstGeom>
+          <a:noFill/>
+        </p:spPr>
+        <p:txBody>
+          <a:bodyPr wrap="square" rtlCol="0">
+            <a:noAutofit/>
+          </a:bodyPr>
+          <a:p>
+            <a:endParaRPr lang="zh-CN" altLang="en-US"/>
+          </a:p>
+        </p:txBody>
+      </p:sp>
+      <p:sp>
+        <p:nvSpPr>
+          <p:cNvPr id="4" name="文本框 3"/>
+          <p:cNvSpPr txBox="1"/>
+          <p:nvPr/>
+        </p:nvSpPr>
+        <p:spPr>
+          <a:xfrm>
+            <a:off x="444500" y="631825"/>
+            <a:ext cx="5098415" cy="1191895"/>
+          </a:xfrm>
+          <a:prstGeom prst="rect">
+            <a:avLst/>
+          </a:prstGeom>
+          <a:noFill/>
+        </p:spPr>
+        <p:txBody>
+          <a:bodyPr wrap="square" rtlCol="0">
+            <a:noAutofit/>
+          </a:bodyPr>
+          <a:p>
+            <a:r>
+              <a:rPr lang="zh-CN" altLang="en-US" sz="1600">
+                <a:sym typeface="+mn-ea"/>
+              </a:rPr>
+              <a:t>Broken robot</a:t>
+            </a:r>
+            <a:r>
+              <a:rPr lang="zh-CN" altLang="en-US" sz="1600">
+                <a:sym typeface="+mn-ea"/>
+              </a:rPr>
+              <a:t>：</a:t>
+            </a:r>
+            <a:endParaRPr lang="zh-CN" altLang="en-US" sz="1600">
+              <a:sym typeface="+mn-ea"/>
+            </a:endParaRPr>
+          </a:p>
+          <a:p>
+            <a:pPr algn="l">
+              <a:buClrTx/>
+              <a:buSzTx/>
+            </a:pPr>
+            <a:r>
+              <a:rPr sz="1000">
+                <a:latin typeface="宋体" panose="02010600030101010101" pitchFamily="2" charset="-122"/>
+                <a:ea typeface="宋体" panose="02010600030101010101" pitchFamily="2" charset="-122"/>
+                <a:cs typeface="宋体" panose="02010600030101010101" pitchFamily="2" charset="-122"/>
+                <a:sym typeface="+mn-ea"/>
+              </a:rPr>
+              <a:t>n,m大小的方格，输入当前</a:t>
+            </a:r>
+            <a:r>
+              <a:rPr lang="zh-CN" sz="1000">
+                <a:latin typeface="宋体" panose="02010600030101010101" pitchFamily="2" charset="-122"/>
+                <a:ea typeface="宋体" panose="02010600030101010101" pitchFamily="2" charset="-122"/>
+                <a:cs typeface="宋体" panose="02010600030101010101" pitchFamily="2" charset="-122"/>
+                <a:sym typeface="+mn-ea"/>
+              </a:rPr>
+              <a:t>机器人</a:t>
+            </a:r>
+            <a:r>
+              <a:rPr sz="1000">
+                <a:latin typeface="宋体" panose="02010600030101010101" pitchFamily="2" charset="-122"/>
+                <a:ea typeface="宋体" panose="02010600030101010101" pitchFamily="2" charset="-122"/>
+                <a:cs typeface="宋体" panose="02010600030101010101" pitchFamily="2" charset="-122"/>
+                <a:sym typeface="+mn-ea"/>
+              </a:rPr>
+              <a:t>位置，每次机器人只能向下，向左，向右移动一格，或者原地不动。</a:t>
+            </a:r>
+            <a:endParaRPr sz="1000">
+              <a:latin typeface="宋体" panose="02010600030101010101" pitchFamily="2" charset="-122"/>
+              <a:ea typeface="宋体" panose="02010600030101010101" pitchFamily="2" charset="-122"/>
+              <a:cs typeface="宋体" panose="02010600030101010101" pitchFamily="2" charset="-122"/>
+            </a:endParaRPr>
+          </a:p>
+          <a:p>
+            <a:pPr algn="l">
+              <a:buClrTx/>
+              <a:buSzTx/>
+            </a:pPr>
+            <a:r>
+              <a:rPr sz="1000">
+                <a:latin typeface="宋体" panose="02010600030101010101" pitchFamily="2" charset="-122"/>
+                <a:ea typeface="宋体" panose="02010600030101010101" pitchFamily="2" charset="-122"/>
+                <a:cs typeface="宋体" panose="02010600030101010101" pitchFamily="2" charset="-122"/>
+                <a:sym typeface="+mn-ea"/>
+              </a:rPr>
+              <a:t>问机器人到达最后一行</a:t>
+            </a:r>
+            <a:r>
+              <a:rPr lang="zh-CN" sz="1000">
+                <a:latin typeface="宋体" panose="02010600030101010101" pitchFamily="2" charset="-122"/>
+                <a:ea typeface="宋体" panose="02010600030101010101" pitchFamily="2" charset="-122"/>
+                <a:cs typeface="宋体" panose="02010600030101010101" pitchFamily="2" charset="-122"/>
+                <a:sym typeface="+mn-ea"/>
+              </a:rPr>
+              <a:t>的期望移动次数</a:t>
+            </a:r>
+            <a:endParaRPr lang="zh-CN" sz="1000">
+              <a:latin typeface="宋体" panose="02010600030101010101" pitchFamily="2" charset="-122"/>
+              <a:ea typeface="宋体" panose="02010600030101010101" pitchFamily="2" charset="-122"/>
+              <a:cs typeface="宋体" panose="02010600030101010101" pitchFamily="2" charset="-122"/>
+            </a:endParaRPr>
+          </a:p>
+          <a:p>
+            <a:pPr algn="l">
+              <a:buClrTx/>
+              <a:buSzTx/>
+            </a:pPr>
+            <a:r>
+              <a:rPr lang="en-US" altLang="zh-CN" sz="1000">
+                <a:latin typeface="宋体" panose="02010600030101010101" pitchFamily="2" charset="-122"/>
+                <a:ea typeface="宋体" panose="02010600030101010101" pitchFamily="2" charset="-122"/>
+                <a:cs typeface="宋体" panose="02010600030101010101" pitchFamily="2" charset="-122"/>
+                <a:sym typeface="+mn-ea"/>
+              </a:rPr>
+              <a:t>(n,m&lt;=1e5)</a:t>
+            </a:r>
+            <a:endParaRPr sz="1000">
+              <a:latin typeface="宋体" panose="02010600030101010101" pitchFamily="2" charset="-122"/>
+              <a:ea typeface="宋体" panose="02010600030101010101" pitchFamily="2" charset="-122"/>
+              <a:cs typeface="宋体" panose="02010600030101010101" pitchFamily="2" charset="-122"/>
+            </a:endParaRPr>
+          </a:p>
+          <a:p>
+            <a:pPr marL="0" indent="0" algn="l">
+              <a:buClrTx/>
+              <a:buSzTx/>
+              <a:buNone/>
+            </a:pPr>
+            <a:endParaRPr lang="en-US" altLang="zh-CN" sz="1000">
+              <a:sym typeface="+mn-ea"/>
+            </a:endParaRPr>
+          </a:p>
+        </p:txBody>
+      </p:sp>
+    </p:spTree>
+  </p:cSld>
+  <p:clrMapOvr>
+    <a:masterClrMapping/>
+  </p:clrMapOvr>
+  <p:transition>
+    <p:cut/>
+  </p:transition>
+  <p:timing>
+    <p:tnLst>
+      <p:par>
+        <p:cTn id="1" dur="indefinite" restart="never" nodeType="tmRoot"/>
+      </p:par>
+    </p:tnLst>
+  </p:timing>
 </p:sld>
 </file>
 

--- a/acm/讲课·dp/DP（二）.pptx
+++ b/acm/讲课·dp/DP（二）.pptx
@@ -5,7 +5,7 @@
     <p:sldMasterId id="2147483648" r:id="rId1"/>
   </p:sldMasterIdLst>
   <p:notesMasterIdLst>
-    <p:notesMasterId r:id="rId16"/>
+    <p:notesMasterId r:id="rId17"/>
   </p:notesMasterIdLst>
   <p:sldIdLst>
     <p:sldId id="256" r:id="rId3"/>
@@ -21,11 +21,12 @@
     <p:sldId id="400" r:id="rId13"/>
     <p:sldId id="401" r:id="rId14"/>
     <p:sldId id="402" r:id="rId15"/>
+    <p:sldId id="403" r:id="rId16"/>
   </p:sldIdLst>
   <p:sldSz cx="5765800" cy="3244850"/>
   <p:notesSz cx="5765800" cy="3244850"/>
   <p:custDataLst>
-    <p:tags r:id="rId20"/>
+    <p:tags r:id="rId21"/>
   </p:custDataLst>
   <p:defaultTextStyle>
     <a:lvl1pPr marL="0" algn="l" defTabSz="914400" rtl="0" eaLnBrk="1" latinLnBrk="0" hangingPunct="1">
@@ -11263,6 +11264,766 @@
               <a:buNone/>
             </a:pPr>
             <a:endParaRPr lang="en-US" altLang="zh-CN" sz="1000">
+              <a:sym typeface="+mn-ea"/>
+            </a:endParaRPr>
+          </a:p>
+        </p:txBody>
+      </p:sp>
+    </p:spTree>
+  </p:cSld>
+  <p:clrMapOvr>
+    <a:masterClrMapping/>
+  </p:clrMapOvr>
+  <p:transition>
+    <p:cut/>
+  </p:transition>
+  <p:timing>
+    <p:tnLst>
+      <p:par>
+        <p:cTn id="1" dur="indefinite" restart="never" nodeType="tmRoot"/>
+      </p:par>
+    </p:tnLst>
+  </p:timing>
+</p:sld>
+</file>
+
+<file path=ppt/slides/slide14.xml><?xml version="1.0" encoding="utf-8"?>
+<p:sld xmlns:a="http://schemas.openxmlformats.org/drawingml/2006/main" xmlns:r="http://schemas.openxmlformats.org/officeDocument/2006/relationships" xmlns:p="http://schemas.openxmlformats.org/presentationml/2006/main">
+  <p:cSld>
+    <p:spTree>
+      <p:nvGrpSpPr>
+        <p:cNvPr id="1" name=""/>
+        <p:cNvGrpSpPr/>
+        <p:nvPr/>
+      </p:nvGrpSpPr>
+      <p:grpSpPr>
+        <a:xfrm>
+          <a:off x="0" y="0"/>
+          <a:ext cx="0" cy="0"/>
+          <a:chOff x="0" y="0"/>
+          <a:chExt cx="0" cy="0"/>
+        </a:xfrm>
+      </p:grpSpPr>
+      <p:sp>
+        <p:nvSpPr>
+          <p:cNvPr id="2" name="object 2"/>
+          <p:cNvSpPr/>
+          <p:nvPr/>
+        </p:nvSpPr>
+        <p:spPr>
+          <a:xfrm>
+            <a:off x="0" y="20"/>
+            <a:ext cx="5759958" cy="322190"/>
+          </a:xfrm>
+          <a:prstGeom prst="rect">
+            <a:avLst/>
+          </a:prstGeom>
+          <a:blipFill>
+            <a:blip r:embed="rId1" cstate="print"/>
+            <a:stretch>
+              <a:fillRect/>
+            </a:stretch>
+          </a:blipFill>
+        </p:spPr>
+        <p:txBody>
+          <a:bodyPr wrap="square" lIns="0" tIns="0" rIns="0" bIns="0" rtlCol="0"/>
+          <a:lstStyle/>
+          <a:p/>
+        </p:txBody>
+      </p:sp>
+      <p:sp>
+        <p:nvSpPr>
+          <p:cNvPr id="5" name="object 5"/>
+          <p:cNvSpPr/>
+          <p:nvPr/>
+        </p:nvSpPr>
+        <p:spPr>
+          <a:xfrm>
+            <a:off x="0" y="3113900"/>
+            <a:ext cx="2880360" cy="126364"/>
+          </a:xfrm>
+          <a:custGeom>
+            <a:avLst/>
+            <a:gdLst/>
+            <a:ahLst/>
+            <a:cxnLst/>
+            <a:rect l="l" t="t" r="r" b="b"/>
+            <a:pathLst>
+              <a:path w="2880360" h="126364">
+                <a:moveTo>
+                  <a:pt x="0" y="126123"/>
+                </a:moveTo>
+                <a:lnTo>
+                  <a:pt x="2880004" y="126123"/>
+                </a:lnTo>
+                <a:lnTo>
+                  <a:pt x="2880004" y="0"/>
+                </a:lnTo>
+                <a:lnTo>
+                  <a:pt x="0" y="0"/>
+                </a:lnTo>
+                <a:lnTo>
+                  <a:pt x="0" y="126123"/>
+                </a:lnTo>
+                <a:close/>
+              </a:path>
+            </a:pathLst>
+          </a:custGeom>
+          <a:solidFill>
+            <a:srgbClr val="000000"/>
+          </a:solidFill>
+        </p:spPr>
+        <p:txBody>
+          <a:bodyPr wrap="square" lIns="0" tIns="0" rIns="0" bIns="0" rtlCol="0"/>
+          <a:lstStyle/>
+          <a:p/>
+        </p:txBody>
+      </p:sp>
+      <p:sp>
+        <p:nvSpPr>
+          <p:cNvPr id="6" name="object 6"/>
+          <p:cNvSpPr/>
+          <p:nvPr/>
+        </p:nvSpPr>
+        <p:spPr>
+          <a:xfrm>
+            <a:off x="2880004" y="3113900"/>
+            <a:ext cx="2880360" cy="126364"/>
+          </a:xfrm>
+          <a:custGeom>
+            <a:avLst/>
+            <a:gdLst/>
+            <a:ahLst/>
+            <a:cxnLst/>
+            <a:rect l="l" t="t" r="r" b="b"/>
+            <a:pathLst>
+              <a:path w="2880360" h="126364">
+                <a:moveTo>
+                  <a:pt x="0" y="126123"/>
+                </a:moveTo>
+                <a:lnTo>
+                  <a:pt x="2880004" y="126123"/>
+                </a:lnTo>
+                <a:lnTo>
+                  <a:pt x="2880004" y="0"/>
+                </a:lnTo>
+                <a:lnTo>
+                  <a:pt x="0" y="0"/>
+                </a:lnTo>
+                <a:lnTo>
+                  <a:pt x="0" y="126123"/>
+                </a:lnTo>
+                <a:close/>
+              </a:path>
+            </a:pathLst>
+          </a:custGeom>
+          <a:solidFill>
+            <a:srgbClr val="3333B2"/>
+          </a:solidFill>
+        </p:spPr>
+        <p:txBody>
+          <a:bodyPr wrap="square" lIns="0" tIns="0" rIns="0" bIns="0" rtlCol="0"/>
+          <a:lstStyle/>
+          <a:p/>
+        </p:txBody>
+      </p:sp>
+      <p:sp>
+        <p:nvSpPr>
+          <p:cNvPr id="8" name="object 8"/>
+          <p:cNvSpPr txBox="1">
+            <a:spLocks noGrp="1"/>
+          </p:cNvSpPr>
+          <p:nvPr>
+            <p:ph type="ftr" sz="quarter" idx="5"/>
+          </p:nvPr>
+        </p:nvSpPr>
+        <p:spPr>
+          <a:xfrm>
+            <a:off x="2093595" y="3101975"/>
+            <a:ext cx="700405" cy="114300"/>
+          </a:xfrm>
+          <a:prstGeom prst="rect">
+            <a:avLst/>
+          </a:prstGeom>
+        </p:spPr>
+        <p:txBody>
+          <a:bodyPr vert="horz" wrap="square" lIns="0" tIns="22225" rIns="0" bIns="0" rtlCol="0">
+            <a:spAutoFit/>
+          </a:bodyPr>
+          <a:lstStyle/>
+          <a:p>
+            <a:pPr marL="12700">
+              <a:lnSpc>
+                <a:spcPct val="100000"/>
+              </a:lnSpc>
+              <a:spcBef>
+                <a:spcPts val="175"/>
+              </a:spcBef>
+            </a:pPr>
+            <a:r>
+              <a:rPr lang="en-US" spc="45" dirty="0">
+                <a:latin typeface="Tahoma" panose="020B0604030504040204"/>
+                <a:cs typeface="Tahoma" panose="020B0604030504040204"/>
+                <a:sym typeface="+mn-ea"/>
+              </a:rPr>
+              <a:t>ZJNU ACM</a:t>
+            </a:r>
+            <a:r>
+              <a:rPr spc="35" dirty="0">
+                <a:latin typeface="宋体" panose="02010600030101010101" pitchFamily="2" charset="-122"/>
+                <a:cs typeface="宋体" panose="02010600030101010101" pitchFamily="2" charset="-122"/>
+                <a:sym typeface="+mn-ea"/>
+              </a:rPr>
+              <a:t>集训队</a:t>
+            </a:r>
+            <a:endParaRPr spc="-5" dirty="0">
+              <a:latin typeface="Microsoft JhengHei UI" panose="020B0604030504040204" charset="-120"/>
+              <a:cs typeface="Microsoft JhengHei UI" panose="020B0604030504040204" charset="-120"/>
+            </a:endParaRPr>
+          </a:p>
+        </p:txBody>
+      </p:sp>
+      <p:sp>
+        <p:nvSpPr>
+          <p:cNvPr id="9" name="object 6"/>
+          <p:cNvSpPr txBox="1"/>
+          <p:nvPr/>
+        </p:nvSpPr>
+        <p:spPr>
+          <a:xfrm>
+            <a:off x="2975305" y="2819117"/>
+            <a:ext cx="2785745" cy="398780"/>
+          </a:xfrm>
+          <a:prstGeom prst="rect">
+            <a:avLst/>
+          </a:prstGeom>
+        </p:spPr>
+        <p:txBody>
+          <a:bodyPr vert="horz" wrap="square" lIns="0" tIns="127000" rIns="0" bIns="0" rtlCol="0">
+            <a:spAutoFit/>
+          </a:bodyPr>
+          <a:p>
+            <a:pPr marL="917575">
+              <a:lnSpc>
+                <a:spcPts val="1420"/>
+              </a:lnSpc>
+              <a:spcBef>
+                <a:spcPts val="1000"/>
+              </a:spcBef>
+            </a:pPr>
+            <a:r>
+              <a:rPr sz="1200" b="1" spc="50" dirty="0">
+                <a:latin typeface="Gill Sans MT" panose="020B0502020104020203"/>
+                <a:cs typeface="Gill Sans MT" panose="020B0502020104020203"/>
+                <a:hlinkClick r:id="rId2" action="ppaction://hlinksldjump"/>
+              </a:rPr>
+              <a:t>. . </a:t>
+            </a:r>
+            <a:r>
+              <a:rPr sz="1200" b="1" spc="50" dirty="0">
+                <a:latin typeface="Gill Sans MT" panose="020B0502020104020203"/>
+                <a:cs typeface="Gill Sans MT" panose="020B0502020104020203"/>
+                <a:hlinkClick r:id="rId2" action="ppaction://hlinksldjump"/>
+              </a:rPr>
+              <a:t>. </a:t>
+            </a:r>
+            <a:r>
+              <a:rPr sz="1800" b="1" spc="225" baseline="32000" dirty="0">
+                <a:latin typeface="Gill Sans MT" panose="020B0502020104020203"/>
+                <a:cs typeface="Gill Sans MT" panose="020B0502020104020203"/>
+              </a:rPr>
+              <a:t>.</a:t>
+            </a:r>
+            <a:r>
+              <a:rPr sz="1200" b="1" spc="150" dirty="0">
+                <a:latin typeface="Gill Sans MT" panose="020B0502020104020203"/>
+                <a:cs typeface="Gill Sans MT" panose="020B0502020104020203"/>
+                <a:hlinkClick r:id="rId2" action="ppaction://hlinksldjump"/>
+              </a:rPr>
+              <a:t>.</a:t>
+            </a:r>
+            <a:r>
+              <a:rPr sz="1200" b="1" spc="150" dirty="0">
+                <a:latin typeface="Gill Sans MT" panose="020B0502020104020203"/>
+                <a:cs typeface="Gill Sans MT" panose="020B0502020104020203"/>
+                <a:hlinkClick r:id="rId2" action="ppaction://hlinksldjump"/>
+              </a:rPr>
+              <a:t>.</a:t>
+            </a:r>
+            <a:r>
+              <a:rPr sz="1200" b="1" spc="150" dirty="0">
+                <a:latin typeface="Gill Sans MT" panose="020B0502020104020203"/>
+                <a:cs typeface="Gill Sans MT" panose="020B0502020104020203"/>
+                <a:hlinkClick r:id="rId2" action="ppaction://hlinksldjump"/>
+              </a:rPr>
+              <a:t>.</a:t>
+            </a:r>
+            <a:r>
+              <a:rPr sz="1200" b="1" spc="150" dirty="0">
+                <a:latin typeface="Gill Sans MT" panose="020B0502020104020203"/>
+                <a:cs typeface="Gill Sans MT" panose="020B0502020104020203"/>
+                <a:hlinkClick r:id="rId2" action="ppaction://hlinksldjump"/>
+              </a:rPr>
+              <a:t>.</a:t>
+            </a:r>
+            <a:r>
+              <a:rPr sz="1800" b="1" spc="225" baseline="32000" dirty="0">
+                <a:latin typeface="Gill Sans MT" panose="020B0502020104020203"/>
+                <a:cs typeface="Gill Sans MT" panose="020B0502020104020203"/>
+              </a:rPr>
+              <a:t>.</a:t>
+            </a:r>
+            <a:r>
+              <a:rPr sz="1200" b="1" spc="150" dirty="0">
+                <a:latin typeface="Gill Sans MT" panose="020B0502020104020203"/>
+                <a:cs typeface="Gill Sans MT" panose="020B0502020104020203"/>
+                <a:hlinkClick r:id="rId2" action="ppaction://hlinksldjump"/>
+              </a:rPr>
+              <a:t>.</a:t>
+            </a:r>
+            <a:r>
+              <a:rPr sz="1200" b="1" spc="150" dirty="0">
+                <a:latin typeface="Gill Sans MT" panose="020B0502020104020203"/>
+                <a:cs typeface="Gill Sans MT" panose="020B0502020104020203"/>
+                <a:hlinkClick r:id="rId2" action="ppaction://hlinksldjump"/>
+              </a:rPr>
+              <a:t>.</a:t>
+            </a:r>
+            <a:r>
+              <a:rPr sz="1200" b="1" spc="150" dirty="0">
+                <a:latin typeface="Gill Sans MT" panose="020B0502020104020203"/>
+                <a:cs typeface="Gill Sans MT" panose="020B0502020104020203"/>
+                <a:hlinkClick r:id="rId2" action="ppaction://hlinksldjump"/>
+              </a:rPr>
+              <a:t>.</a:t>
+            </a:r>
+            <a:r>
+              <a:rPr sz="1200" b="1" spc="150" dirty="0">
+                <a:latin typeface="Gill Sans MT" panose="020B0502020104020203"/>
+                <a:cs typeface="Gill Sans MT" panose="020B0502020104020203"/>
+                <a:hlinkClick r:id="rId2" action="ppaction://hlinksldjump"/>
+              </a:rPr>
+              <a:t>.</a:t>
+            </a:r>
+            <a:r>
+              <a:rPr sz="1800" b="1" spc="225" baseline="32000" dirty="0">
+                <a:latin typeface="Gill Sans MT" panose="020B0502020104020203"/>
+                <a:cs typeface="Gill Sans MT" panose="020B0502020104020203"/>
+              </a:rPr>
+              <a:t>.</a:t>
+            </a:r>
+            <a:r>
+              <a:rPr sz="1200" b="1" spc="150" dirty="0">
+                <a:latin typeface="Gill Sans MT" panose="020B0502020104020203"/>
+                <a:cs typeface="Gill Sans MT" panose="020B0502020104020203"/>
+                <a:hlinkClick r:id="rId2" action="ppaction://hlinksldjump"/>
+              </a:rPr>
+              <a:t>.</a:t>
+            </a:r>
+            <a:r>
+              <a:rPr sz="1200" b="1" spc="150" dirty="0">
+                <a:latin typeface="Gill Sans MT" panose="020B0502020104020203"/>
+                <a:cs typeface="Gill Sans MT" panose="020B0502020104020203"/>
+                <a:hlinkClick r:id="rId2" action="ppaction://hlinksldjump"/>
+              </a:rPr>
+              <a:t>.</a:t>
+            </a:r>
+            <a:r>
+              <a:rPr sz="1200" b="1" spc="150" dirty="0">
+                <a:latin typeface="Gill Sans MT" panose="020B0502020104020203"/>
+                <a:cs typeface="Gill Sans MT" panose="020B0502020104020203"/>
+                <a:hlinkClick r:id="rId2" action="ppaction://hlinksldjump"/>
+              </a:rPr>
+              <a:t>.</a:t>
+            </a:r>
+            <a:r>
+              <a:rPr sz="1200" b="1" spc="150" dirty="0">
+                <a:latin typeface="Gill Sans MT" panose="020B0502020104020203"/>
+                <a:cs typeface="Gill Sans MT" panose="020B0502020104020203"/>
+                <a:hlinkClick r:id="rId2" action="ppaction://hlinksldjump"/>
+              </a:rPr>
+              <a:t>.</a:t>
+            </a:r>
+            <a:r>
+              <a:rPr sz="1800" b="1" spc="225" baseline="32000" dirty="0">
+                <a:latin typeface="Gill Sans MT" panose="020B0502020104020203"/>
+                <a:cs typeface="Gill Sans MT" panose="020B0502020104020203"/>
+              </a:rPr>
+              <a:t>.</a:t>
+            </a:r>
+            <a:r>
+              <a:rPr sz="1200" b="1" spc="150" dirty="0">
+                <a:latin typeface="Gill Sans MT" panose="020B0502020104020203"/>
+                <a:cs typeface="Gill Sans MT" panose="020B0502020104020203"/>
+                <a:hlinkClick r:id="rId2" action="ppaction://hlinksldjump"/>
+              </a:rPr>
+              <a:t>.</a:t>
+            </a:r>
+            <a:r>
+              <a:rPr sz="1200" b="1" spc="150" dirty="0">
+                <a:latin typeface="Gill Sans MT" panose="020B0502020104020203"/>
+                <a:cs typeface="Gill Sans MT" panose="020B0502020104020203"/>
+              </a:rPr>
+              <a:t> </a:t>
+            </a:r>
+            <a:r>
+              <a:rPr sz="1200" b="1" strike="sngStrike" spc="50" dirty="0">
+                <a:latin typeface="Gill Sans MT" panose="020B0502020104020203"/>
+                <a:cs typeface="Gill Sans MT" panose="020B0502020104020203"/>
+              </a:rPr>
+              <a:t>.</a:t>
+            </a:r>
+            <a:r>
+              <a:rPr sz="1200" b="1" strike="noStrike" spc="50" dirty="0">
+                <a:latin typeface="Gill Sans MT" panose="020B0502020104020203"/>
+                <a:cs typeface="Gill Sans MT" panose="020B0502020104020203"/>
+              </a:rPr>
+              <a:t> </a:t>
+            </a:r>
+            <a:r>
+              <a:rPr sz="1800" b="1" strike="noStrike" spc="135" baseline="32000" dirty="0">
+                <a:latin typeface="Gill Sans MT" panose="020B0502020104020203"/>
+                <a:cs typeface="Gill Sans MT" panose="020B0502020104020203"/>
+              </a:rPr>
+              <a:t>.</a:t>
+            </a:r>
+            <a:r>
+              <a:rPr sz="1200" b="1" strike="noStrike" spc="90" dirty="0">
+                <a:latin typeface="Gill Sans MT" panose="020B0502020104020203"/>
+                <a:cs typeface="Gill Sans MT" panose="020B0502020104020203"/>
+              </a:rPr>
+              <a:t>. </a:t>
+            </a:r>
+            <a:r>
+              <a:rPr sz="1200" b="1" strike="noStrike" spc="50" dirty="0">
+                <a:latin typeface="Gill Sans MT" panose="020B0502020104020203"/>
+                <a:cs typeface="Gill Sans MT" panose="020B0502020104020203"/>
+              </a:rPr>
+              <a:t>.</a:t>
+            </a:r>
+            <a:r>
+              <a:rPr sz="1200" b="1" strike="noStrike" spc="-254" dirty="0">
+                <a:latin typeface="Gill Sans MT" panose="020B0502020104020203"/>
+                <a:cs typeface="Gill Sans MT" panose="020B0502020104020203"/>
+              </a:rPr>
+              <a:t> </a:t>
+            </a:r>
+            <a:r>
+              <a:rPr sz="1200" b="1" strike="noStrike" spc="50" dirty="0">
+                <a:latin typeface="Gill Sans MT" panose="020B0502020104020203"/>
+                <a:cs typeface="Gill Sans MT" panose="020B0502020104020203"/>
+              </a:rPr>
+              <a:t>. </a:t>
+            </a:r>
+            <a:r>
+              <a:rPr sz="1800" b="1" strike="noStrike" spc="75" baseline="32000" dirty="0">
+                <a:latin typeface="Gill Sans MT" panose="020B0502020104020203"/>
+                <a:cs typeface="Gill Sans MT" panose="020B0502020104020203"/>
+              </a:rPr>
+              <a:t>.</a:t>
+            </a:r>
+            <a:endParaRPr sz="1800" baseline="32000">
+              <a:latin typeface="Gill Sans MT" panose="020B0502020104020203"/>
+              <a:cs typeface="Gill Sans MT" panose="020B0502020104020203"/>
+            </a:endParaRPr>
+          </a:p>
+          <a:p>
+            <a:pPr marL="12700">
+              <a:lnSpc>
+                <a:spcPts val="700"/>
+              </a:lnSpc>
+            </a:pPr>
+            <a:r>
+              <a:rPr sz="600" b="1" spc="-5" dirty="0">
+                <a:solidFill>
+                  <a:srgbClr val="FFFFFF"/>
+                </a:solidFill>
+                <a:latin typeface="Gill Sans MT" panose="020B0502020104020203"/>
+                <a:cs typeface="Gill Sans MT" panose="020B0502020104020203"/>
+                <a:sym typeface="+mn-ea"/>
+              </a:rPr>
+              <a:t>202</a:t>
+            </a:r>
+            <a:r>
+              <a:rPr lang="en-US" sz="600" b="1" spc="-5" dirty="0">
+                <a:solidFill>
+                  <a:srgbClr val="FFFFFF"/>
+                </a:solidFill>
+                <a:latin typeface="Gill Sans MT" panose="020B0502020104020203"/>
+                <a:cs typeface="Gill Sans MT" panose="020B0502020104020203"/>
+                <a:sym typeface="+mn-ea"/>
+              </a:rPr>
+              <a:t>4</a:t>
+            </a:r>
+            <a:r>
+              <a:rPr lang="en-US" sz="600" b="1" spc="-5" dirty="0">
+                <a:solidFill>
+                  <a:srgbClr val="FFFFFF"/>
+                </a:solidFill>
+                <a:latin typeface="Gill Sans MT" panose="020B0502020104020203"/>
+                <a:cs typeface="Gill Sans MT" panose="020B0502020104020203"/>
+                <a:sym typeface="+mn-ea"/>
+              </a:rPr>
+              <a:t> ZJNU ACM </a:t>
+            </a:r>
+            <a:r>
+              <a:rPr sz="600" b="1" spc="-5" dirty="0">
+                <a:solidFill>
+                  <a:srgbClr val="FFFFFF"/>
+                </a:solidFill>
+                <a:latin typeface="Gill Sans MT" panose="020B0502020104020203"/>
+                <a:cs typeface="Gill Sans MT" panose="020B0502020104020203"/>
+                <a:sym typeface="+mn-ea"/>
+              </a:rPr>
+              <a:t>DP</a:t>
+            </a:r>
+            <a:r>
+              <a:rPr lang="zh-CN" sz="600" b="1" spc="-5" dirty="0">
+                <a:solidFill>
+                  <a:srgbClr val="FFFFFF"/>
+                </a:solidFill>
+                <a:latin typeface="Gill Sans MT" panose="020B0502020104020203"/>
+                <a:cs typeface="Gill Sans MT" panose="020B0502020104020203"/>
+                <a:sym typeface="+mn-ea"/>
+              </a:rPr>
+              <a:t>（二</a:t>
+            </a:r>
+            <a:r>
+              <a:rPr sz="600" b="1" spc="-5" dirty="0">
+                <a:solidFill>
+                  <a:srgbClr val="FFFFFF"/>
+                </a:solidFill>
+                <a:latin typeface="Gill Sans MT" panose="020B0502020104020203"/>
+                <a:cs typeface="Gill Sans MT" panose="020B0502020104020203"/>
+                <a:sym typeface="+mn-ea"/>
+              </a:rPr>
+              <a:t>）</a:t>
+            </a:r>
+            <a:endParaRPr lang="en-US" sz="600" b="1" spc="-5" dirty="0">
+              <a:solidFill>
+                <a:srgbClr val="FFFFFF"/>
+              </a:solidFill>
+              <a:latin typeface="Gill Sans MT" panose="020B0502020104020203"/>
+              <a:cs typeface="Gill Sans MT" panose="020B0502020104020203"/>
+            </a:endParaRPr>
+          </a:p>
+        </p:txBody>
+      </p:sp>
+      <p:sp>
+        <p:nvSpPr>
+          <p:cNvPr id="11" name="文本框 10"/>
+          <p:cNvSpPr txBox="1"/>
+          <p:nvPr/>
+        </p:nvSpPr>
+        <p:spPr>
+          <a:xfrm>
+            <a:off x="215900" y="31750"/>
+            <a:ext cx="3876040" cy="290195"/>
+          </a:xfrm>
+          <a:prstGeom prst="rect">
+            <a:avLst/>
+          </a:prstGeom>
+          <a:noFill/>
+        </p:spPr>
+        <p:txBody>
+          <a:bodyPr wrap="square" rtlCol="0">
+            <a:noAutofit/>
+          </a:bodyPr>
+          <a:p>
+            <a:r>
+              <a:rPr lang="zh-CN" altLang="en-US">
+                <a:solidFill>
+                  <a:schemeClr val="bg1"/>
+                </a:solidFill>
+              </a:rPr>
+              <a:t>子集</a:t>
+            </a:r>
+            <a:r>
+              <a:rPr lang="en-US" altLang="zh-CN">
+                <a:solidFill>
+                  <a:schemeClr val="bg1"/>
+                </a:solidFill>
+              </a:rPr>
+              <a:t>DP</a:t>
+            </a:r>
+            <a:endParaRPr lang="zh-CN" altLang="en-US">
+              <a:solidFill>
+                <a:schemeClr val="bg1"/>
+              </a:solidFill>
+            </a:endParaRPr>
+          </a:p>
+        </p:txBody>
+      </p:sp>
+      <p:sp>
+        <p:nvSpPr>
+          <p:cNvPr id="3" name="文本框 2"/>
+          <p:cNvSpPr txBox="1"/>
+          <p:nvPr/>
+        </p:nvSpPr>
+        <p:spPr>
+          <a:xfrm>
+            <a:off x="222250" y="683895"/>
+            <a:ext cx="5076825" cy="1650365"/>
+          </a:xfrm>
+          <a:prstGeom prst="rect">
+            <a:avLst/>
+          </a:prstGeom>
+          <a:noFill/>
+        </p:spPr>
+        <p:txBody>
+          <a:bodyPr wrap="square" rtlCol="0">
+            <a:noAutofit/>
+          </a:bodyPr>
+          <a:p>
+            <a:endParaRPr lang="zh-CN" altLang="en-US"/>
+          </a:p>
+        </p:txBody>
+      </p:sp>
+      <p:sp>
+        <p:nvSpPr>
+          <p:cNvPr id="4" name="文本框 3"/>
+          <p:cNvSpPr txBox="1"/>
+          <p:nvPr/>
+        </p:nvSpPr>
+        <p:spPr>
+          <a:xfrm>
+            <a:off x="444500" y="631825"/>
+            <a:ext cx="5092065" cy="1679575"/>
+          </a:xfrm>
+          <a:prstGeom prst="rect">
+            <a:avLst/>
+          </a:prstGeom>
+          <a:noFill/>
+        </p:spPr>
+        <p:txBody>
+          <a:bodyPr wrap="square" rtlCol="0">
+            <a:noAutofit/>
+          </a:bodyPr>
+          <a:p>
+            <a:r>
+              <a:rPr lang="zh-CN" altLang="en-US" sz="1600">
+                <a:sym typeface="+mn-ea"/>
+              </a:rPr>
+              <a:t>Cases</a:t>
+            </a:r>
+            <a:r>
+              <a:rPr lang="en-US" altLang="zh-CN" sz="1600">
+                <a:sym typeface="+mn-ea"/>
+              </a:rPr>
+              <a:t>(cf1995D)</a:t>
+            </a:r>
+            <a:r>
+              <a:rPr lang="zh-CN" altLang="en-US" sz="1600">
+                <a:sym typeface="+mn-ea"/>
+              </a:rPr>
+              <a:t>：</a:t>
+            </a:r>
+            <a:endParaRPr lang="zh-CN" altLang="en-US" sz="1600">
+              <a:sym typeface="+mn-ea"/>
+            </a:endParaRPr>
+          </a:p>
+          <a:p>
+            <a:pPr algn="l">
+              <a:buClrTx/>
+              <a:buSzTx/>
+            </a:pPr>
+            <a:r>
+              <a:rPr sz="1000">
+                <a:latin typeface="宋体" panose="02010600030101010101" pitchFamily="2" charset="-122"/>
+                <a:ea typeface="宋体" panose="02010600030101010101" pitchFamily="2" charset="-122"/>
+                <a:cs typeface="宋体" panose="02010600030101010101" pitchFamily="2" charset="-122"/>
+                <a:sym typeface="+mn-ea"/>
+              </a:rPr>
+              <a:t>你是一名语言学家，正在研究一种神秘的古代语言。你知道它的单词只由拉丁字母的前 c个字母组成。</a:t>
+            </a:r>
+            <a:endParaRPr sz="1000">
+              <a:latin typeface="宋体" panose="02010600030101010101" pitchFamily="2" charset="-122"/>
+              <a:ea typeface="宋体" panose="02010600030101010101" pitchFamily="2" charset="-122"/>
+              <a:cs typeface="宋体" panose="02010600030101010101" pitchFamily="2" charset="-122"/>
+              <a:sym typeface="+mn-ea"/>
+            </a:endParaRPr>
+          </a:p>
+          <a:p>
+            <a:pPr algn="l">
+              <a:buClrTx/>
+              <a:buSzTx/>
+            </a:pPr>
+            <a:r>
+              <a:rPr sz="1000">
+                <a:latin typeface="宋体" panose="02010600030101010101" pitchFamily="2" charset="-122"/>
+                <a:ea typeface="宋体" panose="02010600030101010101" pitchFamily="2" charset="-122"/>
+                <a:cs typeface="宋体" panose="02010600030101010101" pitchFamily="2" charset="-122"/>
+                <a:sym typeface="+mn-ea"/>
+              </a:rPr>
+              <a:t>每个单词都有一个大小写，可以通过其最后一个字母明确地确定(不同的字母对应不同的大小写)。例如，单词 "ABACABA "和 "ABA"(如果存在的话)在该语言中具有相同的大小写，因为它们都有相同的词尾 "A"，而 "ALICE "和 "BOB "则有不同的大小写。</a:t>
+            </a:r>
+            <a:endParaRPr sz="1000">
+              <a:latin typeface="宋体" panose="02010600030101010101" pitchFamily="2" charset="-122"/>
+              <a:ea typeface="宋体" panose="02010600030101010101" pitchFamily="2" charset="-122"/>
+              <a:cs typeface="宋体" panose="02010600030101010101" pitchFamily="2" charset="-122"/>
+              <a:sym typeface="+mn-ea"/>
+            </a:endParaRPr>
+          </a:p>
+          <a:p>
+            <a:pPr algn="l">
+              <a:buClrTx/>
+              <a:buSzTx/>
+            </a:pPr>
+            <a:r>
+              <a:rPr sz="1000">
+                <a:latin typeface="宋体" panose="02010600030101010101" pitchFamily="2" charset="-122"/>
+                <a:ea typeface="宋体" panose="02010600030101010101" pitchFamily="2" charset="-122"/>
+                <a:cs typeface="宋体" panose="02010600030101010101" pitchFamily="2" charset="-122"/>
+                <a:sym typeface="+mn-ea"/>
+              </a:rPr>
+              <a:t>如果语言中没有与某个字母相对应的大小写，则表示该单词不能以该字母结尾。</a:t>
+            </a:r>
+            <a:endParaRPr sz="1000">
+              <a:latin typeface="宋体" panose="02010600030101010101" pitchFamily="2" charset="-122"/>
+              <a:ea typeface="宋体" panose="02010600030101010101" pitchFamily="2" charset="-122"/>
+              <a:cs typeface="宋体" panose="02010600030101010101" pitchFamily="2" charset="-122"/>
+              <a:sym typeface="+mn-ea"/>
+            </a:endParaRPr>
+          </a:p>
+          <a:p>
+            <a:pPr algn="l">
+              <a:buClrTx/>
+              <a:buSzTx/>
+            </a:pPr>
+            <a:r>
+              <a:rPr sz="1000">
+                <a:latin typeface="宋体" panose="02010600030101010101" pitchFamily="2" charset="-122"/>
+                <a:ea typeface="宋体" panose="02010600030101010101" pitchFamily="2" charset="-122"/>
+                <a:cs typeface="宋体" panose="02010600030101010101" pitchFamily="2" charset="-122"/>
+                <a:sym typeface="+mn-ea"/>
+              </a:rPr>
+              <a:t>每个单词的长度为 k或更少。</a:t>
+            </a:r>
+            <a:endParaRPr sz="1000">
+              <a:latin typeface="宋体" panose="02010600030101010101" pitchFamily="2" charset="-122"/>
+              <a:ea typeface="宋体" panose="02010600030101010101" pitchFamily="2" charset="-122"/>
+              <a:cs typeface="宋体" panose="02010600030101010101" pitchFamily="2" charset="-122"/>
+              <a:sym typeface="+mn-ea"/>
+            </a:endParaRPr>
+          </a:p>
+          <a:p>
+            <a:pPr algn="l">
+              <a:buClrTx/>
+              <a:buSzTx/>
+            </a:pPr>
+            <a:r>
+              <a:rPr sz="1000">
+                <a:latin typeface="宋体" panose="02010600030101010101" pitchFamily="2" charset="-122"/>
+                <a:ea typeface="宋体" panose="02010600030101010101" pitchFamily="2" charset="-122"/>
+                <a:cs typeface="宋体" panose="02010600030101010101" pitchFamily="2" charset="-122"/>
+                <a:sym typeface="+mn-ea"/>
+              </a:rPr>
+              <a:t>您有一个用这种语言书写的文本。不幸的是，由于这种语言非常古老，单词之间没有空格，所有字母都是大写。您想知道这种语言的最少大小写个数是多少。您能找出答案吗？</a:t>
+            </a:r>
+            <a:endParaRPr sz="1000">
+              <a:latin typeface="宋体" panose="02010600030101010101" pitchFamily="2" charset="-122"/>
+              <a:ea typeface="宋体" panose="02010600030101010101" pitchFamily="2" charset="-122"/>
+              <a:cs typeface="宋体" panose="02010600030101010101" pitchFamily="2" charset="-122"/>
               <a:sym typeface="+mn-ea"/>
             </a:endParaRPr>
           </a:p>
